--- a/content/aulas/16-revisao4/aula16_revisao4.pptx
+++ b/content/aulas/16-revisao4/aula16_revisao4.pptx
@@ -5,7 +5,7 @@
     <p:sldMasterId id="2147483659" r:id="rId1"/>
   </p:sldMasterIdLst>
   <p:notesMasterIdLst>
-    <p:notesMasterId r:id="rId19"/>
+    <p:notesMasterId r:id="rId22"/>
   </p:notesMasterIdLst>
   <p:sldIdLst>
     <p:sldId id="256" r:id="rId2"/>
@@ -20,11 +20,14 @@
     <p:sldId id="302" r:id="rId11"/>
     <p:sldId id="303" r:id="rId12"/>
     <p:sldId id="348" r:id="rId13"/>
-    <p:sldId id="304" r:id="rId14"/>
-    <p:sldId id="305" r:id="rId15"/>
-    <p:sldId id="306" r:id="rId16"/>
-    <p:sldId id="307" r:id="rId17"/>
-    <p:sldId id="346" r:id="rId18"/>
+    <p:sldId id="351" r:id="rId14"/>
+    <p:sldId id="350" r:id="rId15"/>
+    <p:sldId id="349" r:id="rId16"/>
+    <p:sldId id="304" r:id="rId17"/>
+    <p:sldId id="305" r:id="rId18"/>
+    <p:sldId id="306" r:id="rId19"/>
+    <p:sldId id="307" r:id="rId20"/>
+    <p:sldId id="346" r:id="rId21"/>
   </p:sldIdLst>
   <p:sldSz cx="9144000" cy="5715000" type="screen16x10"/>
   <p:notesSz cx="6858000" cy="9144000"/>
@@ -288,6 +291,51 @@
     </p:ext>
   </p:extLst>
 </p:presentation>
+</file>
+
+<file path=ppt/revisionInfo.xml><?xml version="1.0" encoding="utf-8"?>
+<p1510:revInfo xmlns:a="http://schemas.openxmlformats.org/drawingml/2006/main" xmlns:r="http://schemas.openxmlformats.org/officeDocument/2006/relationships" xmlns:p1510="http://schemas.microsoft.com/office/powerpoint/2015/10/main">
+  <p1510:revLst>
+    <p1510:client id="{50C113F7-B4F6-6D79-F11E-400ABCBF7B3F}" v="19" dt="2024-10-17T11:55:57.558"/>
+  </p1510:revLst>
+</p1510:revInfo>
+</file>
+
+<file path=ppt/changesInfos/changesInfo1.xml><?xml version="1.0" encoding="utf-8"?>
+<pc:chgInfo xmlns:a="http://schemas.openxmlformats.org/drawingml/2006/main" xmlns:r="http://schemas.openxmlformats.org/officeDocument/2006/relationships" xmlns:ac="http://schemas.microsoft.com/office/drawing/2013/main/command" xmlns:pc="http://schemas.microsoft.com/office/powerpoint/2013/main/command">
+  <pc:docChgLst>
+    <pc:chgData name="Luciano Pereira Soares" userId="S::lucianops@insper.edu.br::16c53e34-c952-423e-8700-c0525d23304f" providerId="AD" clId="Web-{50C113F7-B4F6-6D79-F11E-400ABCBF7B3F}"/>
+    <pc:docChg chg="addSld modSld">
+      <pc:chgData name="Luciano Pereira Soares" userId="S::lucianops@insper.edu.br::16c53e34-c952-423e-8700-c0525d23304f" providerId="AD" clId="Web-{50C113F7-B4F6-6D79-F11E-400ABCBF7B3F}" dt="2024-10-17T11:55:57.558" v="17"/>
+      <pc:docMkLst>
+        <pc:docMk/>
+      </pc:docMkLst>
+      <pc:sldChg chg="addSp modSp new">
+        <pc:chgData name="Luciano Pereira Soares" userId="S::lucianops@insper.edu.br::16c53e34-c952-423e-8700-c0525d23304f" providerId="AD" clId="Web-{50C113F7-B4F6-6D79-F11E-400ABCBF7B3F}" dt="2024-10-17T11:55:57.558" v="17"/>
+        <pc:sldMkLst>
+          <pc:docMk/>
+          <pc:sldMk cId="2257687813" sldId="349"/>
+        </pc:sldMkLst>
+        <pc:spChg chg="mod">
+          <ac:chgData name="Luciano Pereira Soares" userId="S::lucianops@insper.edu.br::16c53e34-c952-423e-8700-c0525d23304f" providerId="AD" clId="Web-{50C113F7-B4F6-6D79-F11E-400ABCBF7B3F}" dt="2024-10-17T11:55:54.370" v="16" actId="20577"/>
+          <ac:spMkLst>
+            <pc:docMk/>
+            <pc:sldMk cId="2257687813" sldId="349"/>
+            <ac:spMk id="2" creationId="{23BECD60-F5B4-773E-BE74-0C74D7D97B8E}"/>
+          </ac:spMkLst>
+        </pc:spChg>
+        <pc:picChg chg="add mod">
+          <ac:chgData name="Luciano Pereira Soares" userId="S::lucianops@insper.edu.br::16c53e34-c952-423e-8700-c0525d23304f" providerId="AD" clId="Web-{50C113F7-B4F6-6D79-F11E-400ABCBF7B3F}" dt="2024-10-17T11:55:57.558" v="17"/>
+          <ac:picMkLst>
+            <pc:docMk/>
+            <pc:sldMk cId="2257687813" sldId="349"/>
+            <ac:picMk id="5" creationId="{759C056A-8F87-B779-9AB5-3DD3C04FBEB9}"/>
+          </ac:picMkLst>
+        </pc:picChg>
+      </pc:sldChg>
+    </pc:docChg>
+  </pc:docChgLst>
+</pc:chgInfo>
 </file>
 
 <file path=ppt/notesMasters/notesMaster1.xml><?xml version="1.0" encoding="utf-8"?>
@@ -1993,6 +2041,181 @@
   <p:cSld>
     <p:spTree>
       <p:nvGrpSpPr>
+        <p:cNvPr id="1" name="Shape 500">
+          <a:extLst>
+            <a:ext uri="{FF2B5EF4-FFF2-40B4-BE49-F238E27FC236}">
+              <a16:creationId xmlns:a16="http://schemas.microsoft.com/office/drawing/2014/main" id="{0592DA0F-5B3B-2013-A177-AFC6E04DDC27}"/>
+            </a:ext>
+          </a:extLst>
+        </p:cNvPr>
+        <p:cNvGrpSpPr/>
+        <p:nvPr/>
+      </p:nvGrpSpPr>
+      <p:grpSpPr>
+        <a:xfrm>
+          <a:off x="0" y="0"/>
+          <a:ext cx="0" cy="0"/>
+          <a:chOff x="0" y="0"/>
+          <a:chExt cx="0" cy="0"/>
+        </a:xfrm>
+      </p:grpSpPr>
+      <p:sp>
+        <p:nvSpPr>
+          <p:cNvPr id="501" name="Google Shape;501;gf9b8c33c70_0_116:notes">
+            <a:extLst>
+              <a:ext uri="{FF2B5EF4-FFF2-40B4-BE49-F238E27FC236}">
+                <a16:creationId xmlns:a16="http://schemas.microsoft.com/office/drawing/2014/main" id="{C5978665-6E87-7D22-C8F4-FCBA964193EE}"/>
+              </a:ext>
+            </a:extLst>
+          </p:cNvPr>
+          <p:cNvSpPr>
+            <a:spLocks noGrp="1" noRot="1" noChangeAspect="1"/>
+          </p:cNvSpPr>
+          <p:nvPr>
+            <p:ph type="sldImg" idx="2"/>
+          </p:nvPr>
+        </p:nvSpPr>
+        <p:spPr>
+          <a:xfrm>
+            <a:off x="685800" y="685800"/>
+            <a:ext cx="5486400" cy="3429000"/>
+          </a:xfrm>
+          <a:custGeom>
+            <a:avLst/>
+            <a:gdLst/>
+            <a:ahLst/>
+            <a:cxnLst/>
+            <a:rect l="l" t="t" r="r" b="b"/>
+            <a:pathLst>
+              <a:path w="120000" h="120000" extrusionOk="0">
+                <a:moveTo>
+                  <a:pt x="0" y="0"/>
+                </a:moveTo>
+                <a:lnTo>
+                  <a:pt x="120000" y="0"/>
+                </a:lnTo>
+                <a:lnTo>
+                  <a:pt x="120000" y="120000"/>
+                </a:lnTo>
+                <a:lnTo>
+                  <a:pt x="0" y="120000"/>
+                </a:lnTo>
+                <a:close/>
+              </a:path>
+            </a:pathLst>
+          </a:custGeom>
+        </p:spPr>
+      </p:sp>
+      <p:sp>
+        <p:nvSpPr>
+          <p:cNvPr id="502" name="Google Shape;502;gf9b8c33c70_0_116:notes">
+            <a:extLst>
+              <a:ext uri="{FF2B5EF4-FFF2-40B4-BE49-F238E27FC236}">
+                <a16:creationId xmlns:a16="http://schemas.microsoft.com/office/drawing/2014/main" id="{8800C7CE-2AC3-7B8F-DC23-85BDE06F9D67}"/>
+              </a:ext>
+            </a:extLst>
+          </p:cNvPr>
+          <p:cNvSpPr txBox="1">
+            <a:spLocks noGrp="1"/>
+          </p:cNvSpPr>
+          <p:nvPr>
+            <p:ph type="body" idx="1"/>
+          </p:nvPr>
+        </p:nvSpPr>
+        <p:spPr>
+          <a:xfrm>
+            <a:off x="685800" y="4343400"/>
+            <a:ext cx="5486400" cy="4114800"/>
+          </a:xfrm>
+          <a:prstGeom prst="rect">
+            <a:avLst/>
+          </a:prstGeom>
+        </p:spPr>
+        <p:txBody>
+          <a:bodyPr spcFirstLastPara="1" wrap="square" lIns="91425" tIns="45700" rIns="91425" bIns="45700" anchor="t" anchorCtr="0">
+            <a:noAutofit/>
+          </a:bodyPr>
+          <a:lstStyle/>
+          <a:p>
+            <a:pPr marL="0" lvl="0" indent="0" algn="l" rtl="0">
+              <a:spcBef>
+                <a:spcPts val="0"/>
+              </a:spcBef>
+              <a:spcAft>
+                <a:spcPts val="0"/>
+              </a:spcAft>
+              <a:buNone/>
+            </a:pPr>
+            <a:endParaRPr dirty="0"/>
+          </a:p>
+        </p:txBody>
+      </p:sp>
+      <p:sp>
+        <p:nvSpPr>
+          <p:cNvPr id="503" name="Google Shape;503;gf9b8c33c70_0_116:notes">
+            <a:extLst>
+              <a:ext uri="{FF2B5EF4-FFF2-40B4-BE49-F238E27FC236}">
+                <a16:creationId xmlns:a16="http://schemas.microsoft.com/office/drawing/2014/main" id="{01D522AD-3B36-557D-E1B9-C818546FF98A}"/>
+              </a:ext>
+            </a:extLst>
+          </p:cNvPr>
+          <p:cNvSpPr txBox="1">
+            <a:spLocks noGrp="1"/>
+          </p:cNvSpPr>
+          <p:nvPr>
+            <p:ph type="sldNum" idx="12"/>
+          </p:nvPr>
+        </p:nvSpPr>
+        <p:spPr>
+          <a:xfrm>
+            <a:off x="3884613" y="8685213"/>
+            <a:ext cx="2971800" cy="457200"/>
+          </a:xfrm>
+          <a:prstGeom prst="rect">
+            <a:avLst/>
+          </a:prstGeom>
+        </p:spPr>
+        <p:txBody>
+          <a:bodyPr spcFirstLastPara="1" wrap="square" lIns="91425" tIns="45700" rIns="91425" bIns="45700" anchor="b" anchorCtr="0">
+            <a:noAutofit/>
+          </a:bodyPr>
+          <a:lstStyle/>
+          <a:p>
+            <a:pPr marL="0" lvl="0" indent="0" algn="r" rtl="0">
+              <a:spcBef>
+                <a:spcPts val="0"/>
+              </a:spcBef>
+              <a:spcAft>
+                <a:spcPts val="0"/>
+              </a:spcAft>
+              <a:buNone/>
+            </a:pPr>
+            <a:fld id="{00000000-1234-1234-1234-123412341234}" type="slidenum">
+              <a:rPr lang="en-BR"/>
+              <a:t>14</a:t>
+            </a:fld>
+            <a:endParaRPr/>
+          </a:p>
+        </p:txBody>
+      </p:sp>
+    </p:spTree>
+    <p:extLst>
+      <p:ext uri="{BB962C8B-B14F-4D97-AF65-F5344CB8AC3E}">
+        <p14:creationId xmlns:p14="http://schemas.microsoft.com/office/powerpoint/2010/main" val="3010906565"/>
+      </p:ext>
+    </p:extLst>
+  </p:cSld>
+  <p:clrMapOvr>
+    <a:masterClrMapping/>
+  </p:clrMapOvr>
+</p:notes>
+</file>
+
+<file path=ppt/notesSlides/notesSlide14.xml><?xml version="1.0" encoding="utf-8"?>
+<p:notes xmlns:a="http://schemas.openxmlformats.org/drawingml/2006/main" xmlns:r="http://schemas.openxmlformats.org/officeDocument/2006/relationships" xmlns:p="http://schemas.openxmlformats.org/presentationml/2006/main" showMasterSp="0" showMasterPhAnim="0">
+  <p:cSld>
+    <p:spTree>
+      <p:nvGrpSpPr>
         <p:cNvPr id="1" name="Shape 512"/>
         <p:cNvGrpSpPr/>
         <p:nvPr/>
@@ -2124,7 +2347,7 @@
             </a:pPr>
             <a:fld id="{00000000-1234-1234-1234-123412341234}" type="slidenum">
               <a:rPr lang="en-BR"/>
-              <a:t>13</a:t>
+              <a:t>16</a:t>
             </a:fld>
             <a:endParaRPr/>
           </a:p>
@@ -2138,7 +2361,7 @@
 </p:notes>
 </file>
 
-<file path=ppt/notesSlides/notesSlide14.xml><?xml version="1.0" encoding="utf-8"?>
+<file path=ppt/notesSlides/notesSlide15.xml><?xml version="1.0" encoding="utf-8"?>
 <p:notes xmlns:a="http://schemas.openxmlformats.org/drawingml/2006/main" xmlns:r="http://schemas.openxmlformats.org/officeDocument/2006/relationships" xmlns:p="http://schemas.openxmlformats.org/presentationml/2006/main" showMasterSp="0" showMasterPhAnim="0">
   <p:cSld>
     <p:spTree>
@@ -2230,7 +2453,7 @@
               </a:spcAft>
               <a:buNone/>
             </a:pPr>
-            <a:endParaRPr/>
+            <a:endParaRPr dirty="0"/>
           </a:p>
         </p:txBody>
       </p:sp>
@@ -2270,7 +2493,7 @@
             </a:pPr>
             <a:fld id="{00000000-1234-1234-1234-123412341234}" type="slidenum">
               <a:rPr lang="en-BR"/>
-              <a:t>14</a:t>
+              <a:t>17</a:t>
             </a:fld>
             <a:endParaRPr/>
           </a:p>
@@ -2284,7 +2507,7 @@
 </p:notes>
 </file>
 
-<file path=ppt/notesSlides/notesSlide15.xml><?xml version="1.0" encoding="utf-8"?>
+<file path=ppt/notesSlides/notesSlide16.xml><?xml version="1.0" encoding="utf-8"?>
 <p:notes xmlns:a="http://schemas.openxmlformats.org/drawingml/2006/main" xmlns:r="http://schemas.openxmlformats.org/officeDocument/2006/relationships" xmlns:p="http://schemas.openxmlformats.org/presentationml/2006/main" showMasterSp="0" showMasterPhAnim="0">
   <p:cSld>
     <p:spTree>
@@ -2416,7 +2639,7 @@
             </a:pPr>
             <a:fld id="{00000000-1234-1234-1234-123412341234}" type="slidenum">
               <a:rPr lang="en-BR"/>
-              <a:t>15</a:t>
+              <a:t>18</a:t>
             </a:fld>
             <a:endParaRPr/>
           </a:p>
@@ -2430,7 +2653,7 @@
 </p:notes>
 </file>
 
-<file path=ppt/notesSlides/notesSlide16.xml><?xml version="1.0" encoding="utf-8"?>
+<file path=ppt/notesSlides/notesSlide17.xml><?xml version="1.0" encoding="utf-8"?>
 <p:notes xmlns:a="http://schemas.openxmlformats.org/drawingml/2006/main" xmlns:r="http://schemas.openxmlformats.org/officeDocument/2006/relationships" xmlns:p="http://schemas.openxmlformats.org/presentationml/2006/main" showMasterSp="0" showMasterPhAnim="0">
   <p:cSld>
     <p:spTree>
@@ -2562,7 +2785,7 @@
             </a:pPr>
             <a:fld id="{00000000-1234-1234-1234-123412341234}" type="slidenum">
               <a:rPr lang="en-BR"/>
-              <a:t>16</a:t>
+              <a:t>19</a:t>
             </a:fld>
             <a:endParaRPr/>
           </a:p>
@@ -2576,7 +2799,7 @@
 </p:notes>
 </file>
 
-<file path=ppt/notesSlides/notesSlide17.xml><?xml version="1.0" encoding="utf-8"?>
+<file path=ppt/notesSlides/notesSlide18.xml><?xml version="1.0" encoding="utf-8"?>
 <p:notes xmlns:a="http://schemas.openxmlformats.org/drawingml/2006/main" xmlns:r="http://schemas.openxmlformats.org/officeDocument/2006/relationships" xmlns:p="http://schemas.openxmlformats.org/presentationml/2006/main" showMasterSp="0" showMasterPhAnim="0">
   <p:cSld>
     <p:spTree>
@@ -10785,50 +11008,171 @@
           </a:ln>
         </p:spPr>
       </p:pic>
-      <p:sp>
-        <p:nvSpPr>
-          <p:cNvPr id="499" name="Google Shape;499;p60"/>
-          <p:cNvSpPr/>
+      <p:grpSp>
+        <p:nvGrpSpPr>
+          <p:cNvPr id="2" name="Google Shape;485;p59">
+            <a:extLst>
+              <a:ext uri="{FF2B5EF4-FFF2-40B4-BE49-F238E27FC236}">
+                <a16:creationId xmlns:a16="http://schemas.microsoft.com/office/drawing/2014/main" id="{181E0A95-905A-3130-80C3-DE435EA022F2}"/>
+              </a:ext>
+            </a:extLst>
+          </p:cNvPr>
+          <p:cNvGrpSpPr/>
           <p:nvPr/>
-        </p:nvSpPr>
-        <p:spPr>
+        </p:nvGrpSpPr>
+        <p:grpSpPr>
           <a:xfrm>
-            <a:off x="7665345" y="1599638"/>
-            <a:ext cx="164100" cy="78900"/>
+            <a:off x="6076319" y="236999"/>
+            <a:ext cx="1556100" cy="1199344"/>
+            <a:chOff x="6076319" y="236999"/>
+            <a:chExt cx="1556100" cy="1199344"/>
           </a:xfrm>
-          <a:prstGeom prst="rect">
-            <a:avLst/>
-          </a:prstGeom>
-          <a:noFill/>
-          <a:ln w="9525" cap="flat" cmpd="sng">
-            <a:solidFill>
-              <a:srgbClr val="FF0000"/>
-            </a:solidFill>
-            <a:prstDash val="solid"/>
-            <a:round/>
-            <a:headEnd type="none" w="sm" len="sm"/>
-            <a:tailEnd type="none" w="sm" len="sm"/>
-          </a:ln>
-        </p:spPr>
-        <p:txBody>
-          <a:bodyPr spcFirstLastPara="1" wrap="square" lIns="91425" tIns="91425" rIns="91425" bIns="91425" anchor="ctr" anchorCtr="0">
-            <a:noAutofit/>
-          </a:bodyPr>
-          <a:lstStyle/>
-          <a:p>
-            <a:pPr marL="0" lvl="0" indent="0" algn="l" rtl="0">
-              <a:spcBef>
-                <a:spcPts val="0"/>
-              </a:spcBef>
-              <a:spcAft>
-                <a:spcPts val="0"/>
-              </a:spcAft>
-              <a:buNone/>
-            </a:pPr>
-            <a:endParaRPr/>
-          </a:p>
-        </p:txBody>
-      </p:sp>
+        </p:grpSpPr>
+        <p:sp>
+          <p:nvSpPr>
+            <p:cNvPr id="3" name="Google Shape;486;p59">
+              <a:extLst>
+                <a:ext uri="{FF2B5EF4-FFF2-40B4-BE49-F238E27FC236}">
+                  <a16:creationId xmlns:a16="http://schemas.microsoft.com/office/drawing/2014/main" id="{D36EB3F2-A3E3-D8A6-EEB3-526308851BD1}"/>
+                </a:ext>
+              </a:extLst>
+            </p:cNvPr>
+            <p:cNvSpPr/>
+            <p:nvPr/>
+          </p:nvSpPr>
+          <p:spPr>
+            <a:xfrm>
+              <a:off x="7458766" y="1357443"/>
+              <a:ext cx="164100" cy="78900"/>
+            </a:xfrm>
+            <a:prstGeom prst="rect">
+              <a:avLst/>
+            </a:prstGeom>
+            <a:noFill/>
+            <a:ln w="9525" cap="flat" cmpd="sng">
+              <a:solidFill>
+                <a:srgbClr val="FF0000"/>
+              </a:solidFill>
+              <a:prstDash val="solid"/>
+              <a:round/>
+              <a:headEnd type="none" w="sm" len="sm"/>
+              <a:tailEnd type="none" w="sm" len="sm"/>
+            </a:ln>
+          </p:spPr>
+          <p:txBody>
+            <a:bodyPr spcFirstLastPara="1" wrap="square" lIns="91425" tIns="91425" rIns="91425" bIns="91425" anchor="ctr" anchorCtr="0">
+              <a:noAutofit/>
+            </a:bodyPr>
+            <a:lstStyle/>
+            <a:p>
+              <a:pPr marL="0" lvl="0" indent="0" algn="l" rtl="0">
+                <a:spcBef>
+                  <a:spcPts val="0"/>
+                </a:spcBef>
+                <a:spcAft>
+                  <a:spcPts val="0"/>
+                </a:spcAft>
+                <a:buNone/>
+              </a:pPr>
+              <a:endParaRPr/>
+            </a:p>
+          </p:txBody>
+        </p:sp>
+        <p:cxnSp>
+          <p:nvCxnSpPr>
+            <p:cNvPr id="4" name="Google Shape;487;p59">
+              <a:extLst>
+                <a:ext uri="{FF2B5EF4-FFF2-40B4-BE49-F238E27FC236}">
+                  <a16:creationId xmlns:a16="http://schemas.microsoft.com/office/drawing/2014/main" id="{BDA774D0-8AB8-12DA-3F3F-4F89741C0247}"/>
+                </a:ext>
+              </a:extLst>
+            </p:cNvPr>
+            <p:cNvCxnSpPr>
+              <a:cxnSpLocks/>
+            </p:cNvCxnSpPr>
+            <p:nvPr/>
+          </p:nvCxnSpPr>
+          <p:spPr>
+            <a:xfrm>
+              <a:off x="6844095" y="528938"/>
+              <a:ext cx="663129" cy="815230"/>
+            </a:xfrm>
+            <a:prstGeom prst="straightConnector1">
+              <a:avLst/>
+            </a:prstGeom>
+            <a:noFill/>
+            <a:ln w="9525" cap="flat" cmpd="sng">
+              <a:solidFill>
+                <a:srgbClr val="FF0000"/>
+              </a:solidFill>
+              <a:prstDash val="solid"/>
+              <a:round/>
+              <a:headEnd type="none" w="med" len="med"/>
+              <a:tailEnd type="triangle" w="med" len="med"/>
+            </a:ln>
+          </p:spPr>
+        </p:cxnSp>
+        <p:sp>
+          <p:nvSpPr>
+            <p:cNvPr id="5" name="Google Shape;488;p59">
+              <a:extLst>
+                <a:ext uri="{FF2B5EF4-FFF2-40B4-BE49-F238E27FC236}">
+                  <a16:creationId xmlns:a16="http://schemas.microsoft.com/office/drawing/2014/main" id="{885DF32C-32C3-9022-F999-0C54B3DDF520}"/>
+                </a:ext>
+              </a:extLst>
+            </p:cNvPr>
+            <p:cNvSpPr txBox="1"/>
+            <p:nvPr/>
+          </p:nvSpPr>
+          <p:spPr>
+            <a:xfrm>
+              <a:off x="6076319" y="236999"/>
+              <a:ext cx="1556100" cy="369300"/>
+            </a:xfrm>
+            <a:prstGeom prst="rect">
+              <a:avLst/>
+            </a:prstGeom>
+            <a:noFill/>
+            <a:ln>
+              <a:noFill/>
+            </a:ln>
+          </p:spPr>
+          <p:txBody>
+            <a:bodyPr spcFirstLastPara="1" wrap="square" lIns="91425" tIns="91425" rIns="91425" bIns="91425" anchor="t" anchorCtr="0">
+              <a:spAutoFit/>
+            </a:bodyPr>
+            <a:lstStyle/>
+            <a:p>
+              <a:pPr marL="0" lvl="0" indent="0" algn="l" rtl="0">
+                <a:spcBef>
+                  <a:spcPts val="0"/>
+                </a:spcBef>
+                <a:spcAft>
+                  <a:spcPts val="0"/>
+                </a:spcAft>
+                <a:buNone/>
+              </a:pPr>
+              <a:r>
+                <a:rPr lang="en-BR" sz="1200" dirty="0">
+                  <a:solidFill>
+                    <a:srgbClr val="FF0000"/>
+                  </a:solidFill>
+                  <a:latin typeface="Calibri"/>
+                  <a:ea typeface="Calibri"/>
+                  <a:cs typeface="Calibri"/>
+                  <a:sym typeface="Calibri"/>
+                </a:rPr>
+                <a:t>Qual a cor do pixel?</a:t>
+              </a:r>
+              <a:endParaRPr dirty="0">
+                <a:solidFill>
+                  <a:srgbClr val="FF0000"/>
+                </a:solidFill>
+              </a:endParaRPr>
+            </a:p>
+          </p:txBody>
+        </p:sp>
+      </p:grpSp>
     </p:spTree>
   </p:cSld>
   <p:clrMapOvr>
@@ -13254,50 +13598,171 @@
           </a:p>
         </p:txBody>
       </p:sp>
-      <p:sp>
-        <p:nvSpPr>
-          <p:cNvPr id="511" name="Google Shape;511;p61"/>
-          <p:cNvSpPr/>
+      <p:grpSp>
+        <p:nvGrpSpPr>
+          <p:cNvPr id="2" name="Google Shape;485;p59">
+            <a:extLst>
+              <a:ext uri="{FF2B5EF4-FFF2-40B4-BE49-F238E27FC236}">
+                <a16:creationId xmlns:a16="http://schemas.microsoft.com/office/drawing/2014/main" id="{268AEB4D-FD88-A3A2-DE63-90B4B967C999}"/>
+              </a:ext>
+            </a:extLst>
+          </p:cNvPr>
+          <p:cNvGrpSpPr/>
           <p:nvPr/>
-        </p:nvSpPr>
-        <p:spPr>
+        </p:nvGrpSpPr>
+        <p:grpSpPr>
           <a:xfrm>
-            <a:off x="7665345" y="1599638"/>
-            <a:ext cx="164100" cy="78900"/>
+            <a:off x="6076319" y="236999"/>
+            <a:ext cx="1556100" cy="1199344"/>
+            <a:chOff x="6076319" y="236999"/>
+            <a:chExt cx="1556100" cy="1199344"/>
           </a:xfrm>
-          <a:prstGeom prst="rect">
-            <a:avLst/>
-          </a:prstGeom>
-          <a:noFill/>
-          <a:ln w="9525" cap="flat" cmpd="sng">
-            <a:solidFill>
-              <a:srgbClr val="FF0000"/>
-            </a:solidFill>
-            <a:prstDash val="solid"/>
-            <a:round/>
-            <a:headEnd type="none" w="sm" len="sm"/>
-            <a:tailEnd type="none" w="sm" len="sm"/>
-          </a:ln>
-        </p:spPr>
-        <p:txBody>
-          <a:bodyPr spcFirstLastPara="1" wrap="square" lIns="91425" tIns="91425" rIns="91425" bIns="91425" anchor="ctr" anchorCtr="0">
-            <a:noAutofit/>
-          </a:bodyPr>
-          <a:lstStyle/>
-          <a:p>
-            <a:pPr marL="0" lvl="0" indent="0" algn="l" rtl="0">
-              <a:spcBef>
-                <a:spcPts val="0"/>
-              </a:spcBef>
-              <a:spcAft>
-                <a:spcPts val="0"/>
-              </a:spcAft>
-              <a:buNone/>
-            </a:pPr>
-            <a:endParaRPr/>
-          </a:p>
-        </p:txBody>
-      </p:sp>
+        </p:grpSpPr>
+        <p:sp>
+          <p:nvSpPr>
+            <p:cNvPr id="3" name="Google Shape;486;p59">
+              <a:extLst>
+                <a:ext uri="{FF2B5EF4-FFF2-40B4-BE49-F238E27FC236}">
+                  <a16:creationId xmlns:a16="http://schemas.microsoft.com/office/drawing/2014/main" id="{23DD9008-3FE6-2CA5-2DB4-75B98A05BE86}"/>
+                </a:ext>
+              </a:extLst>
+            </p:cNvPr>
+            <p:cNvSpPr/>
+            <p:nvPr/>
+          </p:nvSpPr>
+          <p:spPr>
+            <a:xfrm>
+              <a:off x="7458766" y="1357443"/>
+              <a:ext cx="164100" cy="78900"/>
+            </a:xfrm>
+            <a:prstGeom prst="rect">
+              <a:avLst/>
+            </a:prstGeom>
+            <a:noFill/>
+            <a:ln w="9525" cap="flat" cmpd="sng">
+              <a:solidFill>
+                <a:srgbClr val="FF0000"/>
+              </a:solidFill>
+              <a:prstDash val="solid"/>
+              <a:round/>
+              <a:headEnd type="none" w="sm" len="sm"/>
+              <a:tailEnd type="none" w="sm" len="sm"/>
+            </a:ln>
+          </p:spPr>
+          <p:txBody>
+            <a:bodyPr spcFirstLastPara="1" wrap="square" lIns="91425" tIns="91425" rIns="91425" bIns="91425" anchor="ctr" anchorCtr="0">
+              <a:noAutofit/>
+            </a:bodyPr>
+            <a:lstStyle/>
+            <a:p>
+              <a:pPr marL="0" lvl="0" indent="0" algn="l" rtl="0">
+                <a:spcBef>
+                  <a:spcPts val="0"/>
+                </a:spcBef>
+                <a:spcAft>
+                  <a:spcPts val="0"/>
+                </a:spcAft>
+                <a:buNone/>
+              </a:pPr>
+              <a:endParaRPr/>
+            </a:p>
+          </p:txBody>
+        </p:sp>
+        <p:cxnSp>
+          <p:nvCxnSpPr>
+            <p:cNvPr id="4" name="Google Shape;487;p59">
+              <a:extLst>
+                <a:ext uri="{FF2B5EF4-FFF2-40B4-BE49-F238E27FC236}">
+                  <a16:creationId xmlns:a16="http://schemas.microsoft.com/office/drawing/2014/main" id="{DF6FD86C-4B96-5679-B279-0C46EA728AB3}"/>
+                </a:ext>
+              </a:extLst>
+            </p:cNvPr>
+            <p:cNvCxnSpPr>
+              <a:cxnSpLocks/>
+            </p:cNvCxnSpPr>
+            <p:nvPr/>
+          </p:nvCxnSpPr>
+          <p:spPr>
+            <a:xfrm>
+              <a:off x="6844095" y="528938"/>
+              <a:ext cx="663129" cy="815230"/>
+            </a:xfrm>
+            <a:prstGeom prst="straightConnector1">
+              <a:avLst/>
+            </a:prstGeom>
+            <a:noFill/>
+            <a:ln w="9525" cap="flat" cmpd="sng">
+              <a:solidFill>
+                <a:srgbClr val="FF0000"/>
+              </a:solidFill>
+              <a:prstDash val="solid"/>
+              <a:round/>
+              <a:headEnd type="none" w="med" len="med"/>
+              <a:tailEnd type="triangle" w="med" len="med"/>
+            </a:ln>
+          </p:spPr>
+        </p:cxnSp>
+        <p:sp>
+          <p:nvSpPr>
+            <p:cNvPr id="5" name="Google Shape;488;p59">
+              <a:extLst>
+                <a:ext uri="{FF2B5EF4-FFF2-40B4-BE49-F238E27FC236}">
+                  <a16:creationId xmlns:a16="http://schemas.microsoft.com/office/drawing/2014/main" id="{20EF5B3F-2BC2-062B-5AB8-66D952991C0B}"/>
+                </a:ext>
+              </a:extLst>
+            </p:cNvPr>
+            <p:cNvSpPr txBox="1"/>
+            <p:nvPr/>
+          </p:nvSpPr>
+          <p:spPr>
+            <a:xfrm>
+              <a:off x="6076319" y="236999"/>
+              <a:ext cx="1556100" cy="369300"/>
+            </a:xfrm>
+            <a:prstGeom prst="rect">
+              <a:avLst/>
+            </a:prstGeom>
+            <a:noFill/>
+            <a:ln>
+              <a:noFill/>
+            </a:ln>
+          </p:spPr>
+          <p:txBody>
+            <a:bodyPr spcFirstLastPara="1" wrap="square" lIns="91425" tIns="91425" rIns="91425" bIns="91425" anchor="t" anchorCtr="0">
+              <a:spAutoFit/>
+            </a:bodyPr>
+            <a:lstStyle/>
+            <a:p>
+              <a:pPr marL="0" lvl="0" indent="0" algn="l" rtl="0">
+                <a:spcBef>
+                  <a:spcPts val="0"/>
+                </a:spcBef>
+                <a:spcAft>
+                  <a:spcPts val="0"/>
+                </a:spcAft>
+                <a:buNone/>
+              </a:pPr>
+              <a:r>
+                <a:rPr lang="en-BR" sz="1200" dirty="0">
+                  <a:solidFill>
+                    <a:srgbClr val="FF0000"/>
+                  </a:solidFill>
+                  <a:latin typeface="Calibri"/>
+                  <a:ea typeface="Calibri"/>
+                  <a:cs typeface="Calibri"/>
+                  <a:sym typeface="Calibri"/>
+                </a:rPr>
+                <a:t>Qual a cor do pixel?</a:t>
+              </a:r>
+              <a:endParaRPr dirty="0">
+                <a:solidFill>
+                  <a:srgbClr val="FF0000"/>
+                </a:solidFill>
+              </a:endParaRPr>
+            </a:p>
+          </p:txBody>
+        </p:sp>
+      </p:grpSp>
     </p:spTree>
   </p:cSld>
   <p:clrMapOvr>
@@ -13613,91 +14078,21 @@
                             </p:childTnLst>
                           </p:cTn>
                         </p:par>
-                      </p:childTnLst>
-                    </p:cTn>
-                  </p:par>
-                  <p:par>
-                    <p:cTn id="28" fill="hold">
-                      <p:stCondLst>
-                        <p:cond delay="indefinite"/>
-                      </p:stCondLst>
-                      <p:childTnLst>
                         <p:par>
-                          <p:cTn id="29" fill="hold">
+                          <p:cTn id="28" fill="hold">
                             <p:stCondLst>
-                              <p:cond delay="0"/>
+                              <p:cond delay="1000"/>
                             </p:stCondLst>
                             <p:childTnLst>
                               <p:par>
-                                <p:cTn id="30" presetID="10" presetClass="entr" presetSubtype="0" fill="hold" nodeType="clickEffect">
+                                <p:cTn id="29" presetID="10" presetClass="entr" presetSubtype="0" fill="hold" nodeType="afterEffect">
                                   <p:stCondLst>
-                                    <p:cond delay="0"/>
+                                    <p:cond delay="500"/>
                                   </p:stCondLst>
                                   <p:childTnLst>
                                     <p:set>
                                       <p:cBhvr>
-                                        <p:cTn id="31" dur="1" fill="hold">
-                                          <p:stCondLst>
-                                            <p:cond delay="0"/>
-                                          </p:stCondLst>
-                                        </p:cTn>
-                                        <p:tgtEl>
-                                          <p:spTgt spid="506">
-                                            <p:txEl>
-                                              <p:pRg st="5" end="5"/>
-                                            </p:txEl>
-                                          </p:spTgt>
-                                        </p:tgtEl>
-                                        <p:attrNameLst>
-                                          <p:attrName>style.visibility</p:attrName>
-                                        </p:attrNameLst>
-                                      </p:cBhvr>
-                                      <p:to>
-                                        <p:strVal val="visible"/>
-                                      </p:to>
-                                    </p:set>
-                                    <p:animEffect transition="in" filter="fade">
-                                      <p:cBhvr>
-                                        <p:cTn id="32" dur="1000"/>
-                                        <p:tgtEl>
-                                          <p:spTgt spid="506">
-                                            <p:txEl>
-                                              <p:pRg st="5" end="5"/>
-                                            </p:txEl>
-                                          </p:spTgt>
-                                        </p:tgtEl>
-                                      </p:cBhvr>
-                                    </p:animEffect>
-                                  </p:childTnLst>
-                                </p:cTn>
-                              </p:par>
-                            </p:childTnLst>
-                          </p:cTn>
-                        </p:par>
-                      </p:childTnLst>
-                    </p:cTn>
-                  </p:par>
-                  <p:par>
-                    <p:cTn id="33" fill="hold">
-                      <p:stCondLst>
-                        <p:cond delay="indefinite"/>
-                      </p:stCondLst>
-                      <p:childTnLst>
-                        <p:par>
-                          <p:cTn id="34" fill="hold">
-                            <p:stCondLst>
-                              <p:cond delay="0"/>
-                            </p:stCondLst>
-                            <p:childTnLst>
-                              <p:par>
-                                <p:cTn id="35" presetID="10" presetClass="entr" presetSubtype="0" fill="hold" nodeType="clickEffect">
-                                  <p:stCondLst>
-                                    <p:cond delay="0"/>
-                                  </p:stCondLst>
-                                  <p:childTnLst>
-                                    <p:set>
-                                      <p:cBhvr>
-                                        <p:cTn id="36" dur="1" fill="hold">
+                                        <p:cTn id="30" dur="1" fill="hold">
                                           <p:stCondLst>
                                             <p:cond delay="0"/>
                                           </p:stCondLst>
@@ -13715,7 +14110,7 @@
                                     </p:set>
                                     <p:animEffect transition="in" filter="fade">
                                       <p:cBhvr>
-                                        <p:cTn id="37" dur="1000"/>
+                                        <p:cTn id="31" dur="1000"/>
                                         <p:tgtEl>
                                           <p:spTgt spid="510"/>
                                         </p:tgtEl>
@@ -13772,6 +14167,116 @@
           <a:chExt cx="0" cy="0"/>
         </a:xfrm>
       </p:grpSpPr>
+      <p:grpSp>
+        <p:nvGrpSpPr>
+          <p:cNvPr id="58" name="Group 57">
+            <a:extLst>
+              <a:ext uri="{FF2B5EF4-FFF2-40B4-BE49-F238E27FC236}">
+                <a16:creationId xmlns:a16="http://schemas.microsoft.com/office/drawing/2014/main" id="{3E17E85F-0C38-E565-0660-A3D8E22D0554}"/>
+              </a:ext>
+            </a:extLst>
+          </p:cNvPr>
+          <p:cNvGrpSpPr/>
+          <p:nvPr/>
+        </p:nvGrpSpPr>
+        <p:grpSpPr>
+          <a:xfrm rot="1087927">
+            <a:off x="7736688" y="2754831"/>
+            <a:ext cx="543343" cy="543755"/>
+            <a:chOff x="2010648" y="2738821"/>
+            <a:chExt cx="543343" cy="543755"/>
+          </a:xfrm>
+        </p:grpSpPr>
+        <p:cxnSp>
+          <p:nvCxnSpPr>
+            <p:cNvPr id="59" name="Straight Arrow Connector 58">
+              <a:extLst>
+                <a:ext uri="{FF2B5EF4-FFF2-40B4-BE49-F238E27FC236}">
+                  <a16:creationId xmlns:a16="http://schemas.microsoft.com/office/drawing/2014/main" id="{DF4422EC-34DA-3EFB-CCF6-03A223368B80}"/>
+                </a:ext>
+              </a:extLst>
+            </p:cNvPr>
+            <p:cNvCxnSpPr>
+              <a:cxnSpLocks/>
+            </p:cNvCxnSpPr>
+            <p:nvPr/>
+          </p:nvCxnSpPr>
+          <p:spPr>
+            <a:xfrm flipV="1">
+              <a:off x="2010648" y="2738821"/>
+              <a:ext cx="543343" cy="543755"/>
+            </a:xfrm>
+            <a:prstGeom prst="straightConnector1">
+              <a:avLst/>
+            </a:prstGeom>
+            <a:ln w="28575">
+              <a:solidFill>
+                <a:schemeClr val="tx1"/>
+              </a:solidFill>
+              <a:headEnd type="diamond" w="lg" len="sm"/>
+              <a:tailEnd type="diamond" w="lg" len="sm"/>
+            </a:ln>
+          </p:spPr>
+          <p:style>
+            <a:lnRef idx="1">
+              <a:schemeClr val="accent1"/>
+            </a:lnRef>
+            <a:fillRef idx="0">
+              <a:schemeClr val="accent1"/>
+            </a:fillRef>
+            <a:effectRef idx="0">
+              <a:schemeClr val="accent1"/>
+            </a:effectRef>
+            <a:fontRef idx="minor">
+              <a:schemeClr val="tx1"/>
+            </a:fontRef>
+          </p:style>
+        </p:cxnSp>
+        <p:sp>
+          <p:nvSpPr>
+            <p:cNvPr id="60" name="TextBox 59">
+              <a:extLst>
+                <a:ext uri="{FF2B5EF4-FFF2-40B4-BE49-F238E27FC236}">
+                  <a16:creationId xmlns:a16="http://schemas.microsoft.com/office/drawing/2014/main" id="{04E0E421-65A8-54C4-B230-737DD06B9384}"/>
+                </a:ext>
+              </a:extLst>
+            </p:cNvPr>
+            <p:cNvSpPr txBox="1"/>
+            <p:nvPr/>
+          </p:nvSpPr>
+          <p:spPr>
+            <a:xfrm rot="18982044">
+              <a:off x="2187013" y="2873392"/>
+              <a:ext cx="174220" cy="307777"/>
+            </a:xfrm>
+            <a:prstGeom prst="rect">
+              <a:avLst/>
+            </a:prstGeom>
+            <a:solidFill>
+              <a:schemeClr val="bg1"/>
+            </a:solidFill>
+          </p:spPr>
+          <p:txBody>
+            <a:bodyPr wrap="square">
+              <a:spAutoFit/>
+            </a:bodyPr>
+            <a:lstStyle/>
+            <a:p>
+              <a:pPr algn="ctr"/>
+              <a:r>
+                <a:rPr lang="en-US" dirty="0">
+                  <a:solidFill>
+                    <a:schemeClr val="bg1">
+                      <a:lumMod val="50000"/>
+                    </a:schemeClr>
+                  </a:solidFill>
+                </a:rPr>
+                <a:t>1</a:t>
+              </a:r>
+            </a:p>
+          </p:txBody>
+        </p:sp>
+      </p:grpSp>
       <p:sp>
         <p:nvSpPr>
           <p:cNvPr id="2" name="Title 1">
@@ -13885,10 +14390,10 @@
         </p:nvGrpSpPr>
         <p:grpSpPr>
           <a:xfrm>
-            <a:off x="556182" y="2181260"/>
-            <a:ext cx="2243579" cy="1485860"/>
+            <a:off x="556182" y="2228395"/>
+            <a:ext cx="8191892" cy="1485860"/>
             <a:chOff x="556182" y="2614886"/>
-            <a:chExt cx="2243579" cy="1485860"/>
+            <a:chExt cx="8191892" cy="1485860"/>
           </a:xfrm>
         </p:grpSpPr>
         <p:cxnSp>
@@ -13949,7 +14454,7 @@
           <p:spPr>
             <a:xfrm>
               <a:off x="556182" y="3904357"/>
-              <a:ext cx="2243579" cy="0"/>
+              <a:ext cx="8191892" cy="0"/>
             </a:xfrm>
             <a:prstGeom prst="straightConnector1">
               <a:avLst/>
@@ -13988,7 +14493,7 @@
         </p:nvGrpSpPr>
         <p:grpSpPr>
           <a:xfrm>
-            <a:off x="1019672" y="2577185"/>
+            <a:off x="1019672" y="2624320"/>
             <a:ext cx="1393460" cy="810795"/>
             <a:chOff x="953683" y="3010811"/>
             <a:chExt cx="1393460" cy="810795"/>
@@ -14014,6 +14519,13 @@
             <a:prstGeom prst="triangle">
               <a:avLst/>
             </a:prstGeom>
+            <a:ln>
+              <a:solidFill>
+                <a:schemeClr val="bg1">
+                  <a:lumMod val="50000"/>
+                </a:schemeClr>
+              </a:solidFill>
+            </a:ln>
           </p:spPr>
           <p:style>
             <a:lnRef idx="2">
@@ -14036,7 +14548,7 @@
             <a:lstStyle/>
             <a:p>
               <a:pPr algn="ctr"/>
-              <a:endParaRPr lang="en-US"/>
+              <a:endParaRPr lang="en-US" dirty="0"/>
             </a:p>
           </p:txBody>
         </p:sp>
@@ -14153,288 +14665,6 @@
           </p:txBody>
         </p:sp>
       </p:grpSp>
-      <p:grpSp>
-        <p:nvGrpSpPr>
-          <p:cNvPr id="32" name="Group 31">
-            <a:extLst>
-              <a:ext uri="{FF2B5EF4-FFF2-40B4-BE49-F238E27FC236}">
-                <a16:creationId xmlns:a16="http://schemas.microsoft.com/office/drawing/2014/main" id="{58FC11EB-EB92-5234-C60F-6871466B85B0}"/>
-              </a:ext>
-            </a:extLst>
-          </p:cNvPr>
-          <p:cNvGrpSpPr/>
-          <p:nvPr/>
-        </p:nvGrpSpPr>
-        <p:grpSpPr>
-          <a:xfrm>
-            <a:off x="3282099" y="2181076"/>
-            <a:ext cx="2243579" cy="1485860"/>
-            <a:chOff x="3282099" y="2614702"/>
-            <a:chExt cx="2243579" cy="1485860"/>
-          </a:xfrm>
-        </p:grpSpPr>
-        <p:cxnSp>
-          <p:nvCxnSpPr>
-            <p:cNvPr id="24" name="Straight Arrow Connector 23">
-              <a:extLst>
-                <a:ext uri="{FF2B5EF4-FFF2-40B4-BE49-F238E27FC236}">
-                  <a16:creationId xmlns:a16="http://schemas.microsoft.com/office/drawing/2014/main" id="{72702AC8-F283-DF26-C969-0AF1CF745E47}"/>
-                </a:ext>
-              </a:extLst>
-            </p:cNvPr>
-            <p:cNvCxnSpPr>
-              <a:cxnSpLocks/>
-            </p:cNvCxnSpPr>
-            <p:nvPr/>
-          </p:nvCxnSpPr>
-          <p:spPr>
-            <a:xfrm flipV="1">
-              <a:off x="3527195" y="2614702"/>
-              <a:ext cx="0" cy="1485860"/>
-            </a:xfrm>
-            <a:prstGeom prst="straightConnector1">
-              <a:avLst/>
-            </a:prstGeom>
-            <a:ln>
-              <a:tailEnd type="triangle"/>
-            </a:ln>
-          </p:spPr>
-          <p:style>
-            <a:lnRef idx="1">
-              <a:schemeClr val="accent1"/>
-            </a:lnRef>
-            <a:fillRef idx="0">
-              <a:schemeClr val="accent1"/>
-            </a:fillRef>
-            <a:effectRef idx="0">
-              <a:schemeClr val="accent1"/>
-            </a:effectRef>
-            <a:fontRef idx="minor">
-              <a:schemeClr val="tx1"/>
-            </a:fontRef>
-          </p:style>
-        </p:cxnSp>
-        <p:cxnSp>
-          <p:nvCxnSpPr>
-            <p:cNvPr id="25" name="Straight Arrow Connector 24">
-              <a:extLst>
-                <a:ext uri="{FF2B5EF4-FFF2-40B4-BE49-F238E27FC236}">
-                  <a16:creationId xmlns:a16="http://schemas.microsoft.com/office/drawing/2014/main" id="{5D6CF44A-0F1B-DDFD-D498-BA26EF2C18A8}"/>
-                </a:ext>
-              </a:extLst>
-            </p:cNvPr>
-            <p:cNvCxnSpPr>
-              <a:cxnSpLocks/>
-            </p:cNvCxnSpPr>
-            <p:nvPr/>
-          </p:nvCxnSpPr>
-          <p:spPr>
-            <a:xfrm>
-              <a:off x="3282099" y="3904173"/>
-              <a:ext cx="2243579" cy="0"/>
-            </a:xfrm>
-            <a:prstGeom prst="straightConnector1">
-              <a:avLst/>
-            </a:prstGeom>
-            <a:ln>
-              <a:tailEnd type="triangle"/>
-            </a:ln>
-          </p:spPr>
-          <p:style>
-            <a:lnRef idx="1">
-              <a:schemeClr val="accent1"/>
-            </a:lnRef>
-            <a:fillRef idx="0">
-              <a:schemeClr val="accent1"/>
-            </a:fillRef>
-            <a:effectRef idx="0">
-              <a:schemeClr val="accent1"/>
-            </a:effectRef>
-            <a:fontRef idx="minor">
-              <a:schemeClr val="tx1"/>
-            </a:fontRef>
-          </p:style>
-        </p:cxnSp>
-      </p:grpSp>
-      <p:grpSp>
-        <p:nvGrpSpPr>
-          <p:cNvPr id="29" name="Group 28">
-            <a:extLst>
-              <a:ext uri="{FF2B5EF4-FFF2-40B4-BE49-F238E27FC236}">
-                <a16:creationId xmlns:a16="http://schemas.microsoft.com/office/drawing/2014/main" id="{17B50E1A-5C3D-A274-0F3D-AD85709A90E1}"/>
-              </a:ext>
-            </a:extLst>
-          </p:cNvPr>
-          <p:cNvGrpSpPr/>
-          <p:nvPr/>
-        </p:nvGrpSpPr>
-        <p:grpSpPr>
-          <a:xfrm>
-            <a:off x="3745589" y="2577001"/>
-            <a:ext cx="1393460" cy="810795"/>
-            <a:chOff x="3679600" y="3010627"/>
-            <a:chExt cx="1393460" cy="810795"/>
-          </a:xfrm>
-        </p:grpSpPr>
-        <p:sp>
-          <p:nvSpPr>
-            <p:cNvPr id="26" name="Triangle 25">
-              <a:extLst>
-                <a:ext uri="{FF2B5EF4-FFF2-40B4-BE49-F238E27FC236}">
-                  <a16:creationId xmlns:a16="http://schemas.microsoft.com/office/drawing/2014/main" id="{654A9CF9-CA4C-1190-B654-BC544BD39045}"/>
-                </a:ext>
-              </a:extLst>
-            </p:cNvPr>
-            <p:cNvSpPr/>
-            <p:nvPr/>
-          </p:nvSpPr>
-          <p:spPr>
-            <a:xfrm>
-              <a:off x="3679600" y="3259822"/>
-              <a:ext cx="1121789" cy="561600"/>
-            </a:xfrm>
-            <a:prstGeom prst="triangle">
-              <a:avLst/>
-            </a:prstGeom>
-          </p:spPr>
-          <p:style>
-            <a:lnRef idx="2">
-              <a:schemeClr val="accent1">
-                <a:shade val="15000"/>
-              </a:schemeClr>
-            </a:lnRef>
-            <a:fillRef idx="1">
-              <a:schemeClr val="accent1"/>
-            </a:fillRef>
-            <a:effectRef idx="0">
-              <a:schemeClr val="accent1"/>
-            </a:effectRef>
-            <a:fontRef idx="minor">
-              <a:schemeClr val="lt1"/>
-            </a:fontRef>
-          </p:style>
-          <p:txBody>
-            <a:bodyPr rtlCol="0" anchor="ctr"/>
-            <a:lstStyle/>
-            <a:p>
-              <a:pPr algn="ctr"/>
-              <a:endParaRPr lang="en-US"/>
-            </a:p>
-          </p:txBody>
-        </p:sp>
-        <p:cxnSp>
-          <p:nvCxnSpPr>
-            <p:cNvPr id="27" name="Straight Arrow Connector 26">
-              <a:extLst>
-                <a:ext uri="{FF2B5EF4-FFF2-40B4-BE49-F238E27FC236}">
-                  <a16:creationId xmlns:a16="http://schemas.microsoft.com/office/drawing/2014/main" id="{CDDAD922-2403-96FB-6955-8BB75959D862}"/>
-                </a:ext>
-              </a:extLst>
-            </p:cNvPr>
-            <p:cNvCxnSpPr>
-              <a:cxnSpLocks/>
-            </p:cNvCxnSpPr>
-            <p:nvPr/>
-          </p:nvCxnSpPr>
-          <p:spPr>
-            <a:xfrm flipV="1">
-              <a:off x="4529717" y="3010627"/>
-              <a:ext cx="543343" cy="543755"/>
-            </a:xfrm>
-            <a:prstGeom prst="straightConnector1">
-              <a:avLst/>
-            </a:prstGeom>
-            <a:ln w="28575">
-              <a:solidFill>
-                <a:srgbClr val="FF0000"/>
-              </a:solidFill>
-              <a:tailEnd type="triangle"/>
-            </a:ln>
-          </p:spPr>
-          <p:style>
-            <a:lnRef idx="1">
-              <a:schemeClr val="accent1"/>
-            </a:lnRef>
-            <a:fillRef idx="0">
-              <a:schemeClr val="accent1"/>
-            </a:fillRef>
-            <a:effectRef idx="0">
-              <a:schemeClr val="accent1"/>
-            </a:effectRef>
-            <a:fontRef idx="minor">
-              <a:schemeClr val="tx1"/>
-            </a:fontRef>
-          </p:style>
-        </p:cxnSp>
-        <p:sp>
-          <p:nvSpPr>
-            <p:cNvPr id="28" name="Rectangle 27">
-              <a:extLst>
-                <a:ext uri="{FF2B5EF4-FFF2-40B4-BE49-F238E27FC236}">
-                  <a16:creationId xmlns:a16="http://schemas.microsoft.com/office/drawing/2014/main" id="{868347A5-CC97-C955-8458-5648A7F8E6B7}"/>
-                </a:ext>
-              </a:extLst>
-            </p:cNvPr>
-            <p:cNvSpPr/>
-            <p:nvPr/>
-          </p:nvSpPr>
-          <p:spPr>
-            <a:xfrm rot="2695108">
-              <a:off x="4450795" y="3360465"/>
-              <a:ext cx="149741" cy="147723"/>
-            </a:xfrm>
-            <a:prstGeom prst="rect">
-              <a:avLst/>
-            </a:prstGeom>
-            <a:solidFill>
-              <a:schemeClr val="bg1"/>
-            </a:solidFill>
-            <a:ln>
-              <a:solidFill>
-                <a:schemeClr val="tx1"/>
-              </a:solidFill>
-            </a:ln>
-          </p:spPr>
-          <p:style>
-            <a:lnRef idx="2">
-              <a:schemeClr val="accent1">
-                <a:shade val="15000"/>
-              </a:schemeClr>
-            </a:lnRef>
-            <a:fillRef idx="1">
-              <a:schemeClr val="accent1"/>
-            </a:fillRef>
-            <a:effectRef idx="0">
-              <a:schemeClr val="accent1"/>
-            </a:effectRef>
-            <a:fontRef idx="minor">
-              <a:schemeClr val="lt1"/>
-            </a:fontRef>
-          </p:style>
-          <p:txBody>
-            <a:bodyPr rtlCol="0" anchor="ctr"/>
-            <a:lstStyle/>
-            <a:p>
-              <a:pPr algn="ctr"/>
-              <a:r>
-                <a:rPr lang="en-BR" b="0" i="0" dirty="0">
-                  <a:solidFill>
-                    <a:schemeClr val="tx1"/>
-                  </a:solidFill>
-                  <a:effectLst/>
-                  <a:latin typeface="Source Sans Pro" panose="020B0503030403020204" pitchFamily="34" charset="0"/>
-                </a:rPr>
-                <a:t>·</a:t>
-              </a:r>
-              <a:endParaRPr lang="en-US" dirty="0">
-                <a:solidFill>
-                  <a:schemeClr val="tx1"/>
-                </a:solidFill>
-              </a:endParaRPr>
-            </a:p>
-          </p:txBody>
-        </p:sp>
-      </p:grpSp>
       <p:sp>
         <p:nvSpPr>
           <p:cNvPr id="31" name="TextBox 30">
@@ -14449,7 +14679,7 @@
         </p:nvSpPr>
         <p:spPr>
           <a:xfrm>
-            <a:off x="3971042" y="1768662"/>
+            <a:off x="3971042" y="1844076"/>
             <a:ext cx="921469" cy="307777"/>
           </a:xfrm>
           <a:prstGeom prst="rect">
@@ -14485,7 +14715,7 @@
         </p:nvSpPr>
         <p:spPr>
           <a:xfrm>
-            <a:off x="6649825" y="1768662"/>
+            <a:off x="6649825" y="1702673"/>
             <a:ext cx="921469" cy="307777"/>
           </a:xfrm>
           <a:prstGeom prst="rect">
@@ -14509,109 +14739,6 @@
       </p:sp>
       <p:grpSp>
         <p:nvGrpSpPr>
-          <p:cNvPr id="36" name="Group 35">
-            <a:extLst>
-              <a:ext uri="{FF2B5EF4-FFF2-40B4-BE49-F238E27FC236}">
-                <a16:creationId xmlns:a16="http://schemas.microsoft.com/office/drawing/2014/main" id="{53FA395A-C3C8-98B3-A431-B0D9B0C1C341}"/>
-              </a:ext>
-            </a:extLst>
-          </p:cNvPr>
-          <p:cNvGrpSpPr/>
-          <p:nvPr/>
-        </p:nvGrpSpPr>
-        <p:grpSpPr>
-          <a:xfrm>
-            <a:off x="6008016" y="2181076"/>
-            <a:ext cx="2243579" cy="1485860"/>
-            <a:chOff x="556182" y="2614886"/>
-            <a:chExt cx="2243579" cy="1485860"/>
-          </a:xfrm>
-        </p:grpSpPr>
-        <p:cxnSp>
-          <p:nvCxnSpPr>
-            <p:cNvPr id="37" name="Straight Arrow Connector 36">
-              <a:extLst>
-                <a:ext uri="{FF2B5EF4-FFF2-40B4-BE49-F238E27FC236}">
-                  <a16:creationId xmlns:a16="http://schemas.microsoft.com/office/drawing/2014/main" id="{7133D595-09FB-2E5E-BEA6-E878BA3B47F2}"/>
-                </a:ext>
-              </a:extLst>
-            </p:cNvPr>
-            <p:cNvCxnSpPr>
-              <a:cxnSpLocks/>
-            </p:cNvCxnSpPr>
-            <p:nvPr/>
-          </p:nvCxnSpPr>
-          <p:spPr>
-            <a:xfrm flipV="1">
-              <a:off x="801278" y="2614886"/>
-              <a:ext cx="0" cy="1485860"/>
-            </a:xfrm>
-            <a:prstGeom prst="straightConnector1">
-              <a:avLst/>
-            </a:prstGeom>
-            <a:ln>
-              <a:tailEnd type="triangle"/>
-            </a:ln>
-          </p:spPr>
-          <p:style>
-            <a:lnRef idx="1">
-              <a:schemeClr val="accent1"/>
-            </a:lnRef>
-            <a:fillRef idx="0">
-              <a:schemeClr val="accent1"/>
-            </a:fillRef>
-            <a:effectRef idx="0">
-              <a:schemeClr val="accent1"/>
-            </a:effectRef>
-            <a:fontRef idx="minor">
-              <a:schemeClr val="tx1"/>
-            </a:fontRef>
-          </p:style>
-        </p:cxnSp>
-        <p:cxnSp>
-          <p:nvCxnSpPr>
-            <p:cNvPr id="38" name="Straight Arrow Connector 37">
-              <a:extLst>
-                <a:ext uri="{FF2B5EF4-FFF2-40B4-BE49-F238E27FC236}">
-                  <a16:creationId xmlns:a16="http://schemas.microsoft.com/office/drawing/2014/main" id="{1384262F-6558-C0DA-037C-E11A2B0018EC}"/>
-                </a:ext>
-              </a:extLst>
-            </p:cNvPr>
-            <p:cNvCxnSpPr>
-              <a:cxnSpLocks/>
-            </p:cNvCxnSpPr>
-            <p:nvPr/>
-          </p:nvCxnSpPr>
-          <p:spPr>
-            <a:xfrm>
-              <a:off x="556182" y="3904357"/>
-              <a:ext cx="2243579" cy="0"/>
-            </a:xfrm>
-            <a:prstGeom prst="straightConnector1">
-              <a:avLst/>
-            </a:prstGeom>
-            <a:ln>
-              <a:tailEnd type="triangle"/>
-            </a:ln>
-          </p:spPr>
-          <p:style>
-            <a:lnRef idx="1">
-              <a:schemeClr val="accent1"/>
-            </a:lnRef>
-            <a:fillRef idx="0">
-              <a:schemeClr val="accent1"/>
-            </a:fillRef>
-            <a:effectRef idx="0">
-              <a:schemeClr val="accent1"/>
-            </a:effectRef>
-            <a:fontRef idx="minor">
-              <a:schemeClr val="tx1"/>
-            </a:fontRef>
-          </p:style>
-        </p:cxnSp>
-      </p:grpSp>
-      <p:grpSp>
-        <p:nvGrpSpPr>
           <p:cNvPr id="39" name="Group 38">
             <a:extLst>
               <a:ext uri="{FF2B5EF4-FFF2-40B4-BE49-F238E27FC236}">
@@ -14624,7 +14751,7 @@
         </p:nvGrpSpPr>
         <p:grpSpPr>
           <a:xfrm>
-            <a:off x="6471506" y="2577001"/>
+            <a:off x="6471506" y="2624136"/>
             <a:ext cx="1393460" cy="810795"/>
             <a:chOff x="953683" y="3010811"/>
             <a:chExt cx="1393460" cy="810795"/>
@@ -14650,6 +14777,13 @@
             <a:prstGeom prst="triangle">
               <a:avLst/>
             </a:prstGeom>
+            <a:ln>
+              <a:solidFill>
+                <a:schemeClr val="bg1">
+                  <a:lumMod val="50000"/>
+                </a:schemeClr>
+              </a:solidFill>
+            </a:ln>
           </p:spPr>
           <p:style>
             <a:lnRef idx="2">
@@ -14735,7 +14869,7 @@
         </p:nvSpPr>
         <p:spPr>
           <a:xfrm rot="1570817">
-            <a:off x="7345167" y="2936838"/>
+            <a:off x="7345167" y="2983973"/>
             <a:ext cx="149741" cy="147723"/>
           </a:xfrm>
           <a:prstGeom prst="rect">
@@ -14803,7 +14937,7 @@
         </p:nvSpPr>
         <p:spPr>
           <a:xfrm rot="2695108">
-            <a:off x="7253358" y="2920213"/>
+            <a:off x="7253358" y="2967348"/>
             <a:ext cx="149741" cy="147723"/>
           </a:xfrm>
           <a:prstGeom prst="rect">
@@ -15228,6 +15362,579 @@
           </a:p>
         </p:txBody>
       </p:sp>
+      <p:grpSp>
+        <p:nvGrpSpPr>
+          <p:cNvPr id="30" name="Group 29">
+            <a:extLst>
+              <a:ext uri="{FF2B5EF4-FFF2-40B4-BE49-F238E27FC236}">
+                <a16:creationId xmlns:a16="http://schemas.microsoft.com/office/drawing/2014/main" id="{F879F851-21AE-8E4A-E359-FA729A420D9B}"/>
+              </a:ext>
+            </a:extLst>
+          </p:cNvPr>
+          <p:cNvGrpSpPr/>
+          <p:nvPr/>
+        </p:nvGrpSpPr>
+        <p:grpSpPr>
+          <a:xfrm>
+            <a:off x="2010648" y="2738821"/>
+            <a:ext cx="543343" cy="543755"/>
+            <a:chOff x="2010648" y="2738821"/>
+            <a:chExt cx="543343" cy="543755"/>
+          </a:xfrm>
+        </p:grpSpPr>
+        <p:cxnSp>
+          <p:nvCxnSpPr>
+            <p:cNvPr id="12" name="Straight Arrow Connector 11">
+              <a:extLst>
+                <a:ext uri="{FF2B5EF4-FFF2-40B4-BE49-F238E27FC236}">
+                  <a16:creationId xmlns:a16="http://schemas.microsoft.com/office/drawing/2014/main" id="{794C8AAB-F9C9-E770-5B0D-7142439D6B09}"/>
+                </a:ext>
+              </a:extLst>
+            </p:cNvPr>
+            <p:cNvCxnSpPr>
+              <a:cxnSpLocks/>
+            </p:cNvCxnSpPr>
+            <p:nvPr/>
+          </p:nvCxnSpPr>
+          <p:spPr>
+            <a:xfrm flipV="1">
+              <a:off x="2010648" y="2738821"/>
+              <a:ext cx="543343" cy="543755"/>
+            </a:xfrm>
+            <a:prstGeom prst="straightConnector1">
+              <a:avLst/>
+            </a:prstGeom>
+            <a:ln w="28575">
+              <a:solidFill>
+                <a:schemeClr val="tx1"/>
+              </a:solidFill>
+              <a:headEnd type="diamond" w="lg" len="sm"/>
+              <a:tailEnd type="diamond" w="lg" len="sm"/>
+            </a:ln>
+          </p:spPr>
+          <p:style>
+            <a:lnRef idx="1">
+              <a:schemeClr val="accent1"/>
+            </a:lnRef>
+            <a:fillRef idx="0">
+              <a:schemeClr val="accent1"/>
+            </a:fillRef>
+            <a:effectRef idx="0">
+              <a:schemeClr val="accent1"/>
+            </a:effectRef>
+            <a:fontRef idx="minor">
+              <a:schemeClr val="tx1"/>
+            </a:fontRef>
+          </p:style>
+        </p:cxnSp>
+        <p:sp>
+          <p:nvSpPr>
+            <p:cNvPr id="15" name="TextBox 14">
+              <a:extLst>
+                <a:ext uri="{FF2B5EF4-FFF2-40B4-BE49-F238E27FC236}">
+                  <a16:creationId xmlns:a16="http://schemas.microsoft.com/office/drawing/2014/main" id="{179E8196-E656-015E-A786-CCF1D69FA411}"/>
+                </a:ext>
+              </a:extLst>
+            </p:cNvPr>
+            <p:cNvSpPr txBox="1"/>
+            <p:nvPr/>
+          </p:nvSpPr>
+          <p:spPr>
+            <a:xfrm rot="18982044">
+              <a:off x="2187013" y="2873392"/>
+              <a:ext cx="174220" cy="307777"/>
+            </a:xfrm>
+            <a:prstGeom prst="rect">
+              <a:avLst/>
+            </a:prstGeom>
+            <a:solidFill>
+              <a:schemeClr val="bg1"/>
+            </a:solidFill>
+          </p:spPr>
+          <p:txBody>
+            <a:bodyPr wrap="square">
+              <a:spAutoFit/>
+            </a:bodyPr>
+            <a:lstStyle/>
+            <a:p>
+              <a:pPr algn="ctr"/>
+              <a:r>
+                <a:rPr lang="en-US" dirty="0">
+                  <a:solidFill>
+                    <a:schemeClr val="bg1">
+                      <a:lumMod val="50000"/>
+                    </a:schemeClr>
+                  </a:solidFill>
+                </a:rPr>
+                <a:t>1</a:t>
+              </a:r>
+            </a:p>
+          </p:txBody>
+        </p:sp>
+      </p:grpSp>
+      <p:sp>
+        <p:nvSpPr>
+          <p:cNvPr id="22" name="TextBox 21">
+            <a:extLst>
+              <a:ext uri="{FF2B5EF4-FFF2-40B4-BE49-F238E27FC236}">
+                <a16:creationId xmlns:a16="http://schemas.microsoft.com/office/drawing/2014/main" id="{F103784C-98F3-1CD0-DE4C-75511CF16E8D}"/>
+              </a:ext>
+            </a:extLst>
+          </p:cNvPr>
+          <p:cNvSpPr txBox="1"/>
+          <p:nvPr/>
+        </p:nvSpPr>
+        <p:spPr>
+          <a:xfrm>
+            <a:off x="3571117" y="1612319"/>
+            <a:ext cx="1721320" cy="307777"/>
+          </a:xfrm>
+          <a:prstGeom prst="rect">
+            <a:avLst/>
+          </a:prstGeom>
+          <a:noFill/>
+        </p:spPr>
+        <p:txBody>
+          <a:bodyPr wrap="square">
+            <a:spAutoFit/>
+          </a:bodyPr>
+          <a:lstStyle/>
+          <a:p>
+            <a:pPr algn="ctr"/>
+            <a:r>
+              <a:rPr lang="pt-BR" noProof="0" dirty="0"/>
+              <a:t>Translação</a:t>
+            </a:r>
+          </a:p>
+        </p:txBody>
+      </p:sp>
+      <p:grpSp>
+        <p:nvGrpSpPr>
+          <p:cNvPr id="54" name="Group 53">
+            <a:extLst>
+              <a:ext uri="{FF2B5EF4-FFF2-40B4-BE49-F238E27FC236}">
+                <a16:creationId xmlns:a16="http://schemas.microsoft.com/office/drawing/2014/main" id="{62EEC34C-33AD-4FAE-3A49-2D6B3AB0067B}"/>
+              </a:ext>
+            </a:extLst>
+          </p:cNvPr>
+          <p:cNvGrpSpPr/>
+          <p:nvPr/>
+        </p:nvGrpSpPr>
+        <p:grpSpPr>
+          <a:xfrm>
+            <a:off x="3799107" y="2624136"/>
+            <a:ext cx="1534319" cy="810795"/>
+            <a:chOff x="3799107" y="2624136"/>
+            <a:chExt cx="1534319" cy="810795"/>
+          </a:xfrm>
+        </p:grpSpPr>
+        <p:grpSp>
+          <p:nvGrpSpPr>
+            <p:cNvPr id="42" name="Group 41">
+              <a:extLst>
+                <a:ext uri="{FF2B5EF4-FFF2-40B4-BE49-F238E27FC236}">
+                  <a16:creationId xmlns:a16="http://schemas.microsoft.com/office/drawing/2014/main" id="{80366816-15EE-5CFE-1635-9A4BE9D5BC0A}"/>
+                </a:ext>
+              </a:extLst>
+            </p:cNvPr>
+            <p:cNvGrpSpPr/>
+            <p:nvPr/>
+          </p:nvGrpSpPr>
+          <p:grpSpPr>
+            <a:xfrm>
+              <a:off x="3799107" y="2624136"/>
+              <a:ext cx="1393460" cy="810795"/>
+              <a:chOff x="953683" y="3010811"/>
+              <a:chExt cx="1393460" cy="810795"/>
+            </a:xfrm>
+          </p:grpSpPr>
+          <p:sp>
+            <p:nvSpPr>
+              <p:cNvPr id="46" name="Triangle 45">
+                <a:extLst>
+                  <a:ext uri="{FF2B5EF4-FFF2-40B4-BE49-F238E27FC236}">
+                    <a16:creationId xmlns:a16="http://schemas.microsoft.com/office/drawing/2014/main" id="{E187CA0F-013A-7D60-FBE6-6ABB2D8FCE05}"/>
+                  </a:ext>
+                </a:extLst>
+              </p:cNvPr>
+              <p:cNvSpPr/>
+              <p:nvPr/>
+            </p:nvSpPr>
+            <p:spPr>
+              <a:xfrm>
+                <a:off x="953683" y="3260006"/>
+                <a:ext cx="1121789" cy="561600"/>
+              </a:xfrm>
+              <a:prstGeom prst="triangle">
+                <a:avLst/>
+              </a:prstGeom>
+              <a:ln>
+                <a:solidFill>
+                  <a:schemeClr val="bg1">
+                    <a:lumMod val="50000"/>
+                  </a:schemeClr>
+                </a:solidFill>
+              </a:ln>
+            </p:spPr>
+            <p:style>
+              <a:lnRef idx="2">
+                <a:schemeClr val="accent1">
+                  <a:shade val="15000"/>
+                </a:schemeClr>
+              </a:lnRef>
+              <a:fillRef idx="1">
+                <a:schemeClr val="accent1"/>
+              </a:fillRef>
+              <a:effectRef idx="0">
+                <a:schemeClr val="accent1"/>
+              </a:effectRef>
+              <a:fontRef idx="minor">
+                <a:schemeClr val="lt1"/>
+              </a:fontRef>
+            </p:style>
+            <p:txBody>
+              <a:bodyPr rtlCol="0" anchor="ctr"/>
+              <a:lstStyle/>
+              <a:p>
+                <a:pPr algn="ctr"/>
+                <a:endParaRPr lang="en-US" dirty="0"/>
+              </a:p>
+            </p:txBody>
+          </p:sp>
+          <p:cxnSp>
+            <p:nvCxnSpPr>
+              <p:cNvPr id="47" name="Straight Arrow Connector 46">
+                <a:extLst>
+                  <a:ext uri="{FF2B5EF4-FFF2-40B4-BE49-F238E27FC236}">
+                    <a16:creationId xmlns:a16="http://schemas.microsoft.com/office/drawing/2014/main" id="{FA261D68-8F0A-76A7-B97E-14A09CDA8790}"/>
+                  </a:ext>
+                </a:extLst>
+              </p:cNvPr>
+              <p:cNvCxnSpPr>
+                <a:cxnSpLocks/>
+              </p:cNvCxnSpPr>
+              <p:nvPr/>
+            </p:nvCxnSpPr>
+            <p:spPr>
+              <a:xfrm flipV="1">
+                <a:off x="1803800" y="3010811"/>
+                <a:ext cx="543343" cy="543755"/>
+              </a:xfrm>
+              <a:prstGeom prst="straightConnector1">
+                <a:avLst/>
+              </a:prstGeom>
+              <a:ln w="28575">
+                <a:solidFill>
+                  <a:srgbClr val="FF0000"/>
+                </a:solidFill>
+                <a:tailEnd type="triangle"/>
+              </a:ln>
+            </p:spPr>
+            <p:style>
+              <a:lnRef idx="1">
+                <a:schemeClr val="accent1"/>
+              </a:lnRef>
+              <a:fillRef idx="0">
+                <a:schemeClr val="accent1"/>
+              </a:fillRef>
+              <a:effectRef idx="0">
+                <a:schemeClr val="accent1"/>
+              </a:effectRef>
+              <a:fontRef idx="minor">
+                <a:schemeClr val="tx1"/>
+              </a:fontRef>
+            </p:style>
+          </p:cxnSp>
+          <p:sp>
+            <p:nvSpPr>
+              <p:cNvPr id="48" name="Rectangle 47">
+                <a:extLst>
+                  <a:ext uri="{FF2B5EF4-FFF2-40B4-BE49-F238E27FC236}">
+                    <a16:creationId xmlns:a16="http://schemas.microsoft.com/office/drawing/2014/main" id="{6CAF4B12-C0C7-4E90-FB26-4DFCB5FE0E23}"/>
+                  </a:ext>
+                </a:extLst>
+              </p:cNvPr>
+              <p:cNvSpPr/>
+              <p:nvPr/>
+            </p:nvSpPr>
+            <p:spPr>
+              <a:xfrm rot="2695108">
+                <a:off x="1732828" y="3360650"/>
+                <a:ext cx="149741" cy="147723"/>
+              </a:xfrm>
+              <a:prstGeom prst="rect">
+                <a:avLst/>
+              </a:prstGeom>
+              <a:solidFill>
+                <a:schemeClr val="bg1"/>
+              </a:solidFill>
+              <a:ln>
+                <a:solidFill>
+                  <a:schemeClr val="tx1"/>
+                </a:solidFill>
+              </a:ln>
+            </p:spPr>
+            <p:style>
+              <a:lnRef idx="2">
+                <a:schemeClr val="accent1">
+                  <a:shade val="15000"/>
+                </a:schemeClr>
+              </a:lnRef>
+              <a:fillRef idx="1">
+                <a:schemeClr val="accent1"/>
+              </a:fillRef>
+              <a:effectRef idx="0">
+                <a:schemeClr val="accent1"/>
+              </a:effectRef>
+              <a:fontRef idx="minor">
+                <a:schemeClr val="lt1"/>
+              </a:fontRef>
+            </p:style>
+            <p:txBody>
+              <a:bodyPr rtlCol="0" anchor="ctr"/>
+              <a:lstStyle/>
+              <a:p>
+                <a:pPr algn="ctr"/>
+                <a:r>
+                  <a:rPr lang="en-BR" b="0" i="0" dirty="0">
+                    <a:solidFill>
+                      <a:schemeClr val="tx1"/>
+                    </a:solidFill>
+                    <a:effectLst/>
+                    <a:latin typeface="Source Sans Pro" panose="020B0503030403020204" pitchFamily="34" charset="0"/>
+                  </a:rPr>
+                  <a:t>·</a:t>
+                </a:r>
+                <a:endParaRPr lang="en-US" dirty="0">
+                  <a:solidFill>
+                    <a:schemeClr val="tx1"/>
+                  </a:solidFill>
+                </a:endParaRPr>
+              </a:p>
+            </p:txBody>
+          </p:sp>
+        </p:grpSp>
+        <p:grpSp>
+          <p:nvGrpSpPr>
+            <p:cNvPr id="50" name="Group 49">
+              <a:extLst>
+                <a:ext uri="{FF2B5EF4-FFF2-40B4-BE49-F238E27FC236}">
+                  <a16:creationId xmlns:a16="http://schemas.microsoft.com/office/drawing/2014/main" id="{4BA241DC-A8BA-159D-45A9-2C1A1A8C9B70}"/>
+                </a:ext>
+              </a:extLst>
+            </p:cNvPr>
+            <p:cNvGrpSpPr/>
+            <p:nvPr/>
+          </p:nvGrpSpPr>
+          <p:grpSpPr>
+            <a:xfrm>
+              <a:off x="4790083" y="2738637"/>
+              <a:ext cx="543343" cy="543755"/>
+              <a:chOff x="2010648" y="2738821"/>
+              <a:chExt cx="543343" cy="543755"/>
+            </a:xfrm>
+          </p:grpSpPr>
+          <p:cxnSp>
+            <p:nvCxnSpPr>
+              <p:cNvPr id="52" name="Straight Arrow Connector 51">
+                <a:extLst>
+                  <a:ext uri="{FF2B5EF4-FFF2-40B4-BE49-F238E27FC236}">
+                    <a16:creationId xmlns:a16="http://schemas.microsoft.com/office/drawing/2014/main" id="{E093E6C5-D437-1B8C-EB21-58DDCFA21360}"/>
+                  </a:ext>
+                </a:extLst>
+              </p:cNvPr>
+              <p:cNvCxnSpPr>
+                <a:cxnSpLocks/>
+              </p:cNvCxnSpPr>
+              <p:nvPr/>
+            </p:nvCxnSpPr>
+            <p:spPr>
+              <a:xfrm flipV="1">
+                <a:off x="2010648" y="2738821"/>
+                <a:ext cx="543343" cy="543755"/>
+              </a:xfrm>
+              <a:prstGeom prst="straightConnector1">
+                <a:avLst/>
+              </a:prstGeom>
+              <a:ln w="28575">
+                <a:solidFill>
+                  <a:schemeClr val="tx1"/>
+                </a:solidFill>
+                <a:headEnd type="diamond" w="lg" len="sm"/>
+                <a:tailEnd type="diamond" w="lg" len="sm"/>
+              </a:ln>
+            </p:spPr>
+            <p:style>
+              <a:lnRef idx="1">
+                <a:schemeClr val="accent1"/>
+              </a:lnRef>
+              <a:fillRef idx="0">
+                <a:schemeClr val="accent1"/>
+              </a:fillRef>
+              <a:effectRef idx="0">
+                <a:schemeClr val="accent1"/>
+              </a:effectRef>
+              <a:fontRef idx="minor">
+                <a:schemeClr val="tx1"/>
+              </a:fontRef>
+            </p:style>
+          </p:cxnSp>
+          <p:sp>
+            <p:nvSpPr>
+              <p:cNvPr id="53" name="TextBox 52">
+                <a:extLst>
+                  <a:ext uri="{FF2B5EF4-FFF2-40B4-BE49-F238E27FC236}">
+                    <a16:creationId xmlns:a16="http://schemas.microsoft.com/office/drawing/2014/main" id="{1DBA3619-0272-BB2A-F918-22039F33D2D9}"/>
+                  </a:ext>
+                </a:extLst>
+              </p:cNvPr>
+              <p:cNvSpPr txBox="1"/>
+              <p:nvPr/>
+            </p:nvSpPr>
+            <p:spPr>
+              <a:xfrm rot="18982044">
+                <a:off x="2187013" y="2873392"/>
+                <a:ext cx="174220" cy="307777"/>
+              </a:xfrm>
+              <a:prstGeom prst="rect">
+                <a:avLst/>
+              </a:prstGeom>
+              <a:solidFill>
+                <a:schemeClr val="bg1"/>
+              </a:solidFill>
+            </p:spPr>
+            <p:txBody>
+              <a:bodyPr wrap="square">
+                <a:spAutoFit/>
+              </a:bodyPr>
+              <a:lstStyle/>
+              <a:p>
+                <a:pPr algn="ctr"/>
+                <a:r>
+                  <a:rPr lang="en-US" dirty="0">
+                    <a:solidFill>
+                      <a:schemeClr val="bg1">
+                        <a:lumMod val="50000"/>
+                      </a:schemeClr>
+                    </a:solidFill>
+                  </a:rPr>
+                  <a:t>1</a:t>
+                </a:r>
+              </a:p>
+            </p:txBody>
+          </p:sp>
+        </p:grpSp>
+      </p:grpSp>
+      <p:grpSp>
+        <p:nvGrpSpPr>
+          <p:cNvPr id="55" name="Group 54">
+            <a:extLst>
+              <a:ext uri="{FF2B5EF4-FFF2-40B4-BE49-F238E27FC236}">
+                <a16:creationId xmlns:a16="http://schemas.microsoft.com/office/drawing/2014/main" id="{6FCACB45-64CF-8F20-0116-C6B505EA1A9D}"/>
+              </a:ext>
+            </a:extLst>
+          </p:cNvPr>
+          <p:cNvGrpSpPr/>
+          <p:nvPr/>
+        </p:nvGrpSpPr>
+        <p:grpSpPr>
+          <a:xfrm>
+            <a:off x="7500871" y="2778758"/>
+            <a:ext cx="543343" cy="543755"/>
+            <a:chOff x="2010648" y="2738821"/>
+            <a:chExt cx="543343" cy="543755"/>
+          </a:xfrm>
+        </p:grpSpPr>
+        <p:cxnSp>
+          <p:nvCxnSpPr>
+            <p:cNvPr id="56" name="Straight Arrow Connector 55">
+              <a:extLst>
+                <a:ext uri="{FF2B5EF4-FFF2-40B4-BE49-F238E27FC236}">
+                  <a16:creationId xmlns:a16="http://schemas.microsoft.com/office/drawing/2014/main" id="{A1236981-33B5-2225-0662-636938AB8274}"/>
+                </a:ext>
+              </a:extLst>
+            </p:cNvPr>
+            <p:cNvCxnSpPr>
+              <a:cxnSpLocks/>
+            </p:cNvCxnSpPr>
+            <p:nvPr/>
+          </p:nvCxnSpPr>
+          <p:spPr>
+            <a:xfrm flipV="1">
+              <a:off x="2010648" y="2738821"/>
+              <a:ext cx="543343" cy="543755"/>
+            </a:xfrm>
+            <a:prstGeom prst="straightConnector1">
+              <a:avLst/>
+            </a:prstGeom>
+            <a:ln w="28575">
+              <a:solidFill>
+                <a:schemeClr val="tx1"/>
+              </a:solidFill>
+              <a:headEnd type="diamond" w="lg" len="sm"/>
+              <a:tailEnd type="diamond" w="lg" len="sm"/>
+            </a:ln>
+          </p:spPr>
+          <p:style>
+            <a:lnRef idx="1">
+              <a:schemeClr val="accent1"/>
+            </a:lnRef>
+            <a:fillRef idx="0">
+              <a:schemeClr val="accent1"/>
+            </a:fillRef>
+            <a:effectRef idx="0">
+              <a:schemeClr val="accent1"/>
+            </a:effectRef>
+            <a:fontRef idx="minor">
+              <a:schemeClr val="tx1"/>
+            </a:fontRef>
+          </p:style>
+        </p:cxnSp>
+        <p:sp>
+          <p:nvSpPr>
+            <p:cNvPr id="57" name="TextBox 56">
+              <a:extLst>
+                <a:ext uri="{FF2B5EF4-FFF2-40B4-BE49-F238E27FC236}">
+                  <a16:creationId xmlns:a16="http://schemas.microsoft.com/office/drawing/2014/main" id="{06B844DE-F210-64B8-D3FF-573DAA54C1C5}"/>
+                </a:ext>
+              </a:extLst>
+            </p:cNvPr>
+            <p:cNvSpPr txBox="1"/>
+            <p:nvPr/>
+          </p:nvSpPr>
+          <p:spPr>
+            <a:xfrm rot="18982044">
+              <a:off x="2187013" y="2873392"/>
+              <a:ext cx="174220" cy="307777"/>
+            </a:xfrm>
+            <a:prstGeom prst="rect">
+              <a:avLst/>
+            </a:prstGeom>
+            <a:solidFill>
+              <a:schemeClr val="bg1"/>
+            </a:solidFill>
+          </p:spPr>
+          <p:txBody>
+            <a:bodyPr wrap="square">
+              <a:spAutoFit/>
+            </a:bodyPr>
+            <a:lstStyle/>
+            <a:p>
+              <a:pPr algn="ctr"/>
+              <a:r>
+                <a:rPr lang="en-US" dirty="0">
+                  <a:solidFill>
+                    <a:schemeClr val="bg1">
+                      <a:lumMod val="50000"/>
+                    </a:schemeClr>
+                  </a:solidFill>
+                </a:rPr>
+                <a:t>1</a:t>
+              </a:r>
+            </a:p>
+          </p:txBody>
+        </p:sp>
+      </p:grpSp>
     </p:spTree>
     <p:extLst>
       <p:ext uri="{BB962C8B-B14F-4D97-AF65-F5344CB8AC3E}">
@@ -15259,7 +15966,7 @@
                             </p:stCondLst>
                             <p:childTnLst>
                               <p:par>
-                                <p:cTn id="5" presetID="1" presetClass="entr" presetSubtype="0" fill="hold" nodeType="clickEffect">
+                                <p:cTn id="5" presetID="1" presetClass="entr" presetSubtype="0" fill="hold" grpId="0" nodeType="clickEffect">
                                   <p:stCondLst>
                                     <p:cond delay="0"/>
                                   </p:stCondLst>
@@ -15272,7 +15979,7 @@
                                           </p:stCondLst>
                                         </p:cTn>
                                         <p:tgtEl>
-                                          <p:spTgt spid="29"/>
+                                          <p:spTgt spid="22"/>
                                         </p:tgtEl>
                                         <p:attrNameLst>
                                           <p:attrName>style.visibility</p:attrName>
@@ -15285,35 +15992,26 @@
                                   </p:childTnLst>
                                 </p:cTn>
                               </p:par>
+                            </p:childTnLst>
+                          </p:cTn>
+                        </p:par>
+                      </p:childTnLst>
+                    </p:cTn>
+                  </p:par>
+                  <p:par>
+                    <p:cTn id="7" fill="hold">
+                      <p:stCondLst>
+                        <p:cond delay="indefinite"/>
+                      </p:stCondLst>
+                      <p:childTnLst>
+                        <p:par>
+                          <p:cTn id="8" fill="hold">
+                            <p:stCondLst>
+                              <p:cond delay="0"/>
+                            </p:stCondLst>
+                            <p:childTnLst>
                               <p:par>
-                                <p:cTn id="7" presetID="1" presetClass="entr" presetSubtype="0" fill="hold" nodeType="withEffect">
-                                  <p:stCondLst>
-                                    <p:cond delay="0"/>
-                                  </p:stCondLst>
-                                  <p:childTnLst>
-                                    <p:set>
-                                      <p:cBhvr>
-                                        <p:cTn id="8" dur="1" fill="hold">
-                                          <p:stCondLst>
-                                            <p:cond delay="0"/>
-                                          </p:stCondLst>
-                                        </p:cTn>
-                                        <p:tgtEl>
-                                          <p:spTgt spid="32"/>
-                                        </p:tgtEl>
-                                        <p:attrNameLst>
-                                          <p:attrName>style.visibility</p:attrName>
-                                        </p:attrNameLst>
-                                      </p:cBhvr>
-                                      <p:to>
-                                        <p:strVal val="visible"/>
-                                      </p:to>
-                                    </p:set>
-                                  </p:childTnLst>
-                                </p:cTn>
-                              </p:par>
-                              <p:par>
-                                <p:cTn id="9" presetID="1" presetClass="entr" presetSubtype="0" fill="hold" grpId="0" nodeType="withEffect">
+                                <p:cTn id="9" presetID="1" presetClass="entr" presetSubtype="0" fill="hold" nodeType="clickEffect">
                                   <p:stCondLst>
                                     <p:cond delay="0"/>
                                   </p:stCondLst>
@@ -15326,7 +16024,7 @@
                                           </p:stCondLst>
                                         </p:cTn>
                                         <p:tgtEl>
-                                          <p:spTgt spid="31"/>
+                                          <p:spTgt spid="54"/>
                                         </p:tgtEl>
                                         <p:attrNameLst>
                                           <p:attrName>style.visibility</p:attrName>
@@ -15358,22 +16056,29 @@
                             </p:stCondLst>
                             <p:childTnLst>
                               <p:par>
-                                <p:cTn id="13" presetID="8" presetClass="emph" presetSubtype="0" fill="hold" nodeType="clickEffect">
+                                <p:cTn id="13" presetID="1" presetClass="entr" presetSubtype="0" fill="hold" grpId="0" nodeType="clickEffect">
                                   <p:stCondLst>
                                     <p:cond delay="0"/>
                                   </p:stCondLst>
                                   <p:childTnLst>
-                                    <p:animRot by="-5400000">
+                                    <p:set>
                                       <p:cBhvr>
-                                        <p:cTn id="14" dur="2000" fill="hold"/>
+                                        <p:cTn id="14" dur="1" fill="hold">
+                                          <p:stCondLst>
+                                            <p:cond delay="0"/>
+                                          </p:stCondLst>
+                                        </p:cTn>
                                         <p:tgtEl>
-                                          <p:spTgt spid="29"/>
+                                          <p:spTgt spid="31"/>
                                         </p:tgtEl>
                                         <p:attrNameLst>
-                                          <p:attrName>r</p:attrName>
+                                          <p:attrName>style.visibility</p:attrName>
                                         </p:attrNameLst>
                                       </p:cBhvr>
-                                    </p:animRot>
+                                      <p:to>
+                                        <p:strVal val="visible"/>
+                                      </p:to>
+                                    </p:set>
                                   </p:childTnLst>
                                 </p:cTn>
                               </p:par>
@@ -15396,14 +16101,52 @@
                             </p:stCondLst>
                             <p:childTnLst>
                               <p:par>
-                                <p:cTn id="17" presetID="1" presetClass="entr" presetSubtype="0" fill="hold" nodeType="clickEffect">
+                                <p:cTn id="17" presetID="8" presetClass="emph" presetSubtype="0" fill="hold" nodeType="clickEffect">
+                                  <p:stCondLst>
+                                    <p:cond delay="0"/>
+                                  </p:stCondLst>
+                                  <p:childTnLst>
+                                    <p:animRot by="-5400000">
+                                      <p:cBhvr>
+                                        <p:cTn id="18" dur="2000" fill="hold"/>
+                                        <p:tgtEl>
+                                          <p:spTgt spid="54"/>
+                                        </p:tgtEl>
+                                        <p:attrNameLst>
+                                          <p:attrName>r</p:attrName>
+                                        </p:attrNameLst>
+                                      </p:cBhvr>
+                                    </p:animRot>
+                                  </p:childTnLst>
+                                </p:cTn>
+                              </p:par>
+                            </p:childTnLst>
+                          </p:cTn>
+                        </p:par>
+                      </p:childTnLst>
+                    </p:cTn>
+                  </p:par>
+                  <p:par>
+                    <p:cTn id="19" fill="hold">
+                      <p:stCondLst>
+                        <p:cond delay="indefinite"/>
+                      </p:stCondLst>
+                      <p:childTnLst>
+                        <p:par>
+                          <p:cTn id="20" fill="hold">
+                            <p:stCondLst>
+                              <p:cond delay="0"/>
+                            </p:stCondLst>
+                            <p:childTnLst>
+                              <p:par>
+                                <p:cTn id="21" presetID="1" presetClass="entr" presetSubtype="0" fill="hold" nodeType="clickEffect">
                                   <p:stCondLst>
                                     <p:cond delay="0"/>
                                   </p:stCondLst>
                                   <p:childTnLst>
                                     <p:set>
                                       <p:cBhvr>
-                                        <p:cTn id="18" dur="1" fill="hold">
+                                        <p:cTn id="22" dur="1" fill="hold">
                                           <p:stCondLst>
                                             <p:cond delay="0"/>
                                           </p:stCondLst>
@@ -15423,41 +16166,14 @@
                                 </p:cTn>
                               </p:par>
                               <p:par>
-                                <p:cTn id="19" presetID="1" presetClass="entr" presetSubtype="0" fill="hold" nodeType="withEffect">
+                                <p:cTn id="23" presetID="1" presetClass="entr" presetSubtype="0" fill="hold" grpId="0" nodeType="withEffect">
                                   <p:stCondLst>
                                     <p:cond delay="0"/>
                                   </p:stCondLst>
                                   <p:childTnLst>
                                     <p:set>
                                       <p:cBhvr>
-                                        <p:cTn id="20" dur="1" fill="hold">
-                                          <p:stCondLst>
-                                            <p:cond delay="0"/>
-                                          </p:stCondLst>
-                                        </p:cTn>
-                                        <p:tgtEl>
-                                          <p:spTgt spid="36"/>
-                                        </p:tgtEl>
-                                        <p:attrNameLst>
-                                          <p:attrName>style.visibility</p:attrName>
-                                        </p:attrNameLst>
-                                      </p:cBhvr>
-                                      <p:to>
-                                        <p:strVal val="visible"/>
-                                      </p:to>
-                                    </p:set>
-                                  </p:childTnLst>
-                                </p:cTn>
-                              </p:par>
-                              <p:par>
-                                <p:cTn id="21" presetID="1" presetClass="entr" presetSubtype="0" fill="hold" grpId="0" nodeType="withEffect">
-                                  <p:stCondLst>
-                                    <p:cond delay="0"/>
-                                  </p:stCondLst>
-                                  <p:childTnLst>
-                                    <p:set>
-                                      <p:cBhvr>
-                                        <p:cTn id="22" dur="1" fill="hold">
+                                        <p:cTn id="24" dur="1" fill="hold">
                                           <p:stCondLst>
                                             <p:cond delay="0"/>
                                           </p:stCondLst>
@@ -15477,14 +16193,41 @@
                                 </p:cTn>
                               </p:par>
                               <p:par>
-                                <p:cTn id="23" presetID="1" presetClass="entr" presetSubtype="0" fill="hold" grpId="1" nodeType="withEffect">
+                                <p:cTn id="25" presetID="1" presetClass="entr" presetSubtype="0" fill="hold" nodeType="withEffect">
                                   <p:stCondLst>
                                     <p:cond delay="0"/>
                                   </p:stCondLst>
                                   <p:childTnLst>
                                     <p:set>
                                       <p:cBhvr>
-                                        <p:cTn id="24" dur="1" fill="hold">
+                                        <p:cTn id="26" dur="1" fill="hold">
+                                          <p:stCondLst>
+                                            <p:cond delay="0"/>
+                                          </p:stCondLst>
+                                        </p:cTn>
+                                        <p:tgtEl>
+                                          <p:spTgt spid="55"/>
+                                        </p:tgtEl>
+                                        <p:attrNameLst>
+                                          <p:attrName>style.visibility</p:attrName>
+                                        </p:attrNameLst>
+                                      </p:cBhvr>
+                                      <p:to>
+                                        <p:strVal val="visible"/>
+                                      </p:to>
+                                    </p:set>
+                                  </p:childTnLst>
+                                </p:cTn>
+                              </p:par>
+                              <p:par>
+                                <p:cTn id="27" presetID="1" presetClass="entr" presetSubtype="0" fill="hold" grpId="1" nodeType="withEffect">
+                                  <p:stCondLst>
+                                    <p:cond delay="0"/>
+                                  </p:stCondLst>
+                                  <p:childTnLst>
+                                    <p:set>
+                                      <p:cBhvr>
+                                        <p:cTn id="28" dur="1" fill="hold">
                                           <p:stCondLst>
                                             <p:cond delay="0"/>
                                           </p:stCondLst>
@@ -15510,26 +16253,26 @@
                     </p:cTn>
                   </p:par>
                   <p:par>
-                    <p:cTn id="25" fill="hold">
+                    <p:cTn id="29" fill="hold">
                       <p:stCondLst>
                         <p:cond delay="indefinite"/>
                       </p:stCondLst>
                       <p:childTnLst>
                         <p:par>
-                          <p:cTn id="26" fill="hold">
+                          <p:cTn id="30" fill="hold">
                             <p:stCondLst>
                               <p:cond delay="0"/>
                             </p:stCondLst>
                             <p:childTnLst>
                               <p:par>
-                                <p:cTn id="27" presetID="1" presetClass="exit" presetSubtype="0" fill="hold" grpId="0" nodeType="clickEffect">
+                                <p:cTn id="31" presetID="1" presetClass="exit" presetSubtype="0" fill="hold" grpId="0" nodeType="clickEffect">
                                   <p:stCondLst>
                                     <p:cond delay="0"/>
                                   </p:stCondLst>
                                   <p:childTnLst>
                                     <p:set>
                                       <p:cBhvr>
-                                        <p:cTn id="28" dur="1" fill="hold">
+                                        <p:cTn id="32" dur="1" fill="hold">
                                           <p:stCondLst>
                                             <p:cond delay="0"/>
                                           </p:stCondLst>
@@ -15548,24 +16291,51 @@
                                   </p:childTnLst>
                                 </p:cTn>
                               </p:par>
+                              <p:par>
+                                <p:cTn id="33" presetID="1" presetClass="exit" presetSubtype="0" fill="hold" nodeType="withEffect">
+                                  <p:stCondLst>
+                                    <p:cond delay="0"/>
+                                  </p:stCondLst>
+                                  <p:childTnLst>
+                                    <p:set>
+                                      <p:cBhvr>
+                                        <p:cTn id="34" dur="1" fill="hold">
+                                          <p:stCondLst>
+                                            <p:cond delay="0"/>
+                                          </p:stCondLst>
+                                        </p:cTn>
+                                        <p:tgtEl>
+                                          <p:spTgt spid="55"/>
+                                        </p:tgtEl>
+                                        <p:attrNameLst>
+                                          <p:attrName>style.visibility</p:attrName>
+                                        </p:attrNameLst>
+                                      </p:cBhvr>
+                                      <p:to>
+                                        <p:strVal val="hidden"/>
+                                      </p:to>
+                                    </p:set>
+                                  </p:childTnLst>
+                                </p:cTn>
+                              </p:par>
                             </p:childTnLst>
                           </p:cTn>
                         </p:par>
                         <p:par>
-                          <p:cTn id="29" fill="hold">
+                          <p:cTn id="35" fill="hold">
                             <p:stCondLst>
                               <p:cond delay="0"/>
                             </p:stCondLst>
                             <p:childTnLst>
                               <p:par>
-                                <p:cTn id="30" presetID="6" presetClass="emph" presetSubtype="0" fill="hold" nodeType="afterEffect">
+                                <p:cTn id="36" presetID="6" presetClass="emph" presetSubtype="0" fill="hold" nodeType="afterEffect">
                                   <p:stCondLst>
                                     <p:cond delay="0"/>
                                   </p:stCondLst>
                                   <p:childTnLst>
                                     <p:animScale>
                                       <p:cBhvr>
-                                        <p:cTn id="31" dur="2000" fill="hold"/>
+                                        <p:cTn id="37" dur="2000" fill="hold"/>
                                         <p:tgtEl>
                                           <p:spTgt spid="39"/>
                                         </p:tgtEl>
@@ -15579,26 +16349,53 @@
                           </p:cTn>
                         </p:par>
                         <p:par>
-                          <p:cTn id="32" fill="hold">
+                          <p:cTn id="38" fill="hold">
                             <p:stCondLst>
                               <p:cond delay="2000"/>
                             </p:stCondLst>
                             <p:childTnLst>
                               <p:par>
-                                <p:cTn id="33" presetID="1" presetClass="entr" presetSubtype="0" fill="hold" grpId="0" nodeType="afterEffect">
+                                <p:cTn id="39" presetID="1" presetClass="entr" presetSubtype="0" fill="hold" grpId="0" nodeType="afterEffect">
                                   <p:stCondLst>
                                     <p:cond delay="500"/>
                                   </p:stCondLst>
                                   <p:childTnLst>
                                     <p:set>
                                       <p:cBhvr>
-                                        <p:cTn id="34" dur="1" fill="hold">
+                                        <p:cTn id="40" dur="1" fill="hold">
                                           <p:stCondLst>
                                             <p:cond delay="0"/>
                                           </p:stCondLst>
                                         </p:cTn>
                                         <p:tgtEl>
                                           <p:spTgt spid="43"/>
+                                        </p:tgtEl>
+                                        <p:attrNameLst>
+                                          <p:attrName>style.visibility</p:attrName>
+                                        </p:attrNameLst>
+                                      </p:cBhvr>
+                                      <p:to>
+                                        <p:strVal val="visible"/>
+                                      </p:to>
+                                    </p:set>
+                                  </p:childTnLst>
+                                </p:cTn>
+                              </p:par>
+                              <p:par>
+                                <p:cTn id="41" presetID="1" presetClass="entr" presetSubtype="0" fill="hold" nodeType="withEffect">
+                                  <p:stCondLst>
+                                    <p:cond delay="0"/>
+                                  </p:stCondLst>
+                                  <p:childTnLst>
+                                    <p:set>
+                                      <p:cBhvr>
+                                        <p:cTn id="42" dur="1" fill="hold">
+                                          <p:stCondLst>
+                                            <p:cond delay="0"/>
+                                          </p:stCondLst>
+                                        </p:cTn>
+                                        <p:tgtEl>
+                                          <p:spTgt spid="58"/>
                                         </p:tgtEl>
                                         <p:attrNameLst>
                                           <p:attrName>style.visibility</p:attrName>
@@ -15618,26 +16415,26 @@
                     </p:cTn>
                   </p:par>
                   <p:par>
-                    <p:cTn id="35" fill="hold">
+                    <p:cTn id="43" fill="hold">
                       <p:stCondLst>
                         <p:cond delay="indefinite"/>
                       </p:stCondLst>
                       <p:childTnLst>
                         <p:par>
-                          <p:cTn id="36" fill="hold">
+                          <p:cTn id="44" fill="hold">
                             <p:stCondLst>
                               <p:cond delay="0"/>
                             </p:stCondLst>
                             <p:childTnLst>
                               <p:par>
-                                <p:cTn id="37" presetID="1" presetClass="entr" presetSubtype="0" fill="hold" grpId="0" nodeType="clickEffect">
+                                <p:cTn id="45" presetID="1" presetClass="entr" presetSubtype="0" fill="hold" grpId="0" nodeType="clickEffect">
                                   <p:stCondLst>
                                     <p:cond delay="0"/>
                                   </p:stCondLst>
                                   <p:childTnLst>
                                     <p:set>
                                       <p:cBhvr>
-                                        <p:cTn id="38" dur="1" fill="hold">
+                                        <p:cTn id="46" dur="1" fill="hold">
                                           <p:stCondLst>
                                             <p:cond delay="0"/>
                                           </p:stCondLst>
@@ -15660,26 +16457,71 @@
                           </p:cTn>
                         </p:par>
                         <p:par>
-                          <p:cTn id="39" fill="hold">
+                          <p:cTn id="47" fill="hold">
                             <p:stCondLst>
                               <p:cond delay="0"/>
                             </p:stCondLst>
                             <p:childTnLst>
                               <p:par>
-                                <p:cTn id="40" presetID="1" presetClass="entr" presetSubtype="0" fill="hold" grpId="0" nodeType="afterEffect">
+                                <p:cTn id="48" presetID="1" presetClass="entr" presetSubtype="0" fill="hold" grpId="0" nodeType="afterEffect">
                                   <p:stCondLst>
                                     <p:cond delay="500"/>
                                   </p:stCondLst>
                                   <p:childTnLst>
                                     <p:set>
                                       <p:cBhvr>
-                                        <p:cTn id="41" dur="1" fill="hold">
+                                        <p:cTn id="49" dur="1" fill="hold">
                                           <p:stCondLst>
                                             <p:cond delay="0"/>
                                           </p:stCondLst>
                                         </p:cTn>
                                         <p:tgtEl>
                                           <p:spTgt spid="49"/>
+                                        </p:tgtEl>
+                                        <p:attrNameLst>
+                                          <p:attrName>style.visibility</p:attrName>
+                                        </p:attrNameLst>
+                                      </p:cBhvr>
+                                      <p:to>
+                                        <p:strVal val="visible"/>
+                                      </p:to>
+                                    </p:set>
+                                  </p:childTnLst>
+                                </p:cTn>
+                              </p:par>
+                            </p:childTnLst>
+                          </p:cTn>
+                        </p:par>
+                      </p:childTnLst>
+                    </p:cTn>
+                  </p:par>
+                  <p:par>
+                    <p:cTn id="50" fill="hold">
+                      <p:stCondLst>
+                        <p:cond delay="indefinite"/>
+                      </p:stCondLst>
+                      <p:childTnLst>
+                        <p:par>
+                          <p:cTn id="51" fill="hold">
+                            <p:stCondLst>
+                              <p:cond delay="0"/>
+                            </p:stCondLst>
+                            <p:childTnLst>
+                              <p:par>
+                                <p:cTn id="52" presetID="1" presetClass="entr" presetSubtype="0" fill="hold" grpId="0" nodeType="clickEffect">
+                                  <p:stCondLst>
+                                    <p:cond delay="0"/>
+                                  </p:stCondLst>
+                                  <p:childTnLst>
+                                    <p:set>
+                                      <p:cBhvr>
+                                        <p:cTn id="53" dur="1" fill="hold">
+                                          <p:stCondLst>
+                                            <p:cond delay="0"/>
+                                          </p:stCondLst>
+                                        </p:cTn>
+                                        <p:tgtEl>
+                                          <p:spTgt spid="51"/>
                                         </p:tgtEl>
                                         <p:attrNameLst>
                                           <p:attrName>style.visibility</p:attrName>
@@ -15727,12 +16569,3697 @@
       <p:bldP spid="44" grpId="1" animBg="1"/>
       <p:bldP spid="45" grpId="0"/>
       <p:bldP spid="49" grpId="0"/>
+      <p:bldP spid="51" grpId="0"/>
+      <p:bldP spid="22" grpId="0"/>
     </p:bldLst>
   </p:timing>
 </p:sld>
 </file>
 
 <file path=ppt/slides/slide13.xml><?xml version="1.0" encoding="utf-8"?>
+<p:sld xmlns:a="http://schemas.openxmlformats.org/drawingml/2006/main" xmlns:r="http://schemas.openxmlformats.org/officeDocument/2006/relationships" xmlns:p="http://schemas.openxmlformats.org/presentationml/2006/main" show="0">
+  <p:cSld>
+    <p:spTree>
+      <p:nvGrpSpPr>
+        <p:cNvPr id="1" name=""/>
+        <p:cNvGrpSpPr/>
+        <p:nvPr/>
+      </p:nvGrpSpPr>
+      <p:grpSpPr>
+        <a:xfrm>
+          <a:off x="0" y="0"/>
+          <a:ext cx="0" cy="0"/>
+          <a:chOff x="0" y="0"/>
+          <a:chExt cx="0" cy="0"/>
+        </a:xfrm>
+      </p:grpSpPr>
+      <p:sp>
+        <p:nvSpPr>
+          <p:cNvPr id="4" name="Slide Number Placeholder 3">
+            <a:extLst>
+              <a:ext uri="{FF2B5EF4-FFF2-40B4-BE49-F238E27FC236}">
+                <a16:creationId xmlns:a16="http://schemas.microsoft.com/office/drawing/2014/main" id="{5C1103A9-B984-F8DC-D792-DDFF3A69EC03}"/>
+              </a:ext>
+            </a:extLst>
+          </p:cNvPr>
+          <p:cNvSpPr>
+            <a:spLocks noGrp="1"/>
+          </p:cNvSpPr>
+          <p:nvPr>
+            <p:ph type="sldNum" idx="12"/>
+          </p:nvPr>
+        </p:nvSpPr>
+        <p:spPr/>
+        <p:txBody>
+          <a:bodyPr/>
+          <a:lstStyle/>
+          <a:p>
+            <a:pPr marL="0" lvl="0" indent="0" algn="ctr" rtl="0">
+              <a:spcBef>
+                <a:spcPts val="0"/>
+              </a:spcBef>
+              <a:spcAft>
+                <a:spcPts val="0"/>
+              </a:spcAft>
+              <a:buNone/>
+            </a:pPr>
+            <a:fld id="{00000000-1234-1234-1234-123412341234}" type="slidenum">
+              <a:rPr lang="en-BR" smtClean="0"/>
+              <a:t>13</a:t>
+            </a:fld>
+            <a:endParaRPr lang="en-BR"/>
+          </a:p>
+        </p:txBody>
+      </p:sp>
+      <p:pic>
+        <p:nvPicPr>
+          <p:cNvPr id="5" name="Picture 4">
+            <a:extLst>
+              <a:ext uri="{FF2B5EF4-FFF2-40B4-BE49-F238E27FC236}">
+                <a16:creationId xmlns:a16="http://schemas.microsoft.com/office/drawing/2014/main" id="{368DE60B-777C-B855-3D7A-239A6E856CCE}"/>
+              </a:ext>
+            </a:extLst>
+          </p:cNvPr>
+          <p:cNvPicPr>
+            <a:picLocks noChangeAspect="1"/>
+          </p:cNvPicPr>
+          <p:nvPr/>
+        </p:nvPicPr>
+        <p:blipFill>
+          <a:blip r:embed="rId2"/>
+          <a:stretch>
+            <a:fillRect/>
+          </a:stretch>
+        </p:blipFill>
+        <p:spPr>
+          <a:xfrm>
+            <a:off x="685800" y="940482"/>
+            <a:ext cx="7772400" cy="3834036"/>
+          </a:xfrm>
+          <a:prstGeom prst="rect">
+            <a:avLst/>
+          </a:prstGeom>
+        </p:spPr>
+      </p:pic>
+    </p:spTree>
+    <p:extLst>
+      <p:ext uri="{BB962C8B-B14F-4D97-AF65-F5344CB8AC3E}">
+        <p14:creationId xmlns:p14="http://schemas.microsoft.com/office/powerpoint/2010/main" val="3086416365"/>
+      </p:ext>
+    </p:extLst>
+  </p:cSld>
+  <p:clrMapOvr>
+    <a:masterClrMapping/>
+  </p:clrMapOvr>
+</p:sld>
+</file>
+
+<file path=ppt/slides/slide14.xml><?xml version="1.0" encoding="utf-8"?>
+<p:sld xmlns:a="http://schemas.openxmlformats.org/drawingml/2006/main" xmlns:r="http://schemas.openxmlformats.org/officeDocument/2006/relationships" xmlns:p="http://schemas.openxmlformats.org/presentationml/2006/main" show="0">
+  <p:cSld>
+    <p:spTree>
+      <p:nvGrpSpPr>
+        <p:cNvPr id="1" name="Shape 504">
+          <a:extLst>
+            <a:ext uri="{FF2B5EF4-FFF2-40B4-BE49-F238E27FC236}">
+              <a16:creationId xmlns:a16="http://schemas.microsoft.com/office/drawing/2014/main" id="{6FA97E62-3908-8711-3762-ECE852EA88CD}"/>
+            </a:ext>
+          </a:extLst>
+        </p:cNvPr>
+        <p:cNvGrpSpPr/>
+        <p:nvPr/>
+      </p:nvGrpSpPr>
+      <p:grpSpPr>
+        <a:xfrm>
+          <a:off x="0" y="0"/>
+          <a:ext cx="0" cy="0"/>
+          <a:chOff x="0" y="0"/>
+          <a:chExt cx="0" cy="0"/>
+        </a:xfrm>
+      </p:grpSpPr>
+      <p:pic>
+        <p:nvPicPr>
+          <p:cNvPr id="9" name="Picture 8" descr="A green cube with black background&#10;&#10;Description automatically generated">
+            <a:extLst>
+              <a:ext uri="{FF2B5EF4-FFF2-40B4-BE49-F238E27FC236}">
+                <a16:creationId xmlns:a16="http://schemas.microsoft.com/office/drawing/2014/main" id="{48C6FBCF-DBE4-D8CB-E760-424137613831}"/>
+              </a:ext>
+            </a:extLst>
+          </p:cNvPr>
+          <p:cNvPicPr>
+            <a:picLocks noChangeAspect="1"/>
+          </p:cNvPicPr>
+          <p:nvPr/>
+        </p:nvPicPr>
+        <p:blipFill>
+          <a:blip r:embed="rId3"/>
+          <a:srcRect l="15284" r="15284"/>
+          <a:stretch/>
+        </p:blipFill>
+        <p:spPr>
+          <a:xfrm>
+            <a:off x="6989146" y="843680"/>
+            <a:ext cx="1655233" cy="1584854"/>
+          </a:xfrm>
+          <a:prstGeom prst="rect">
+            <a:avLst/>
+          </a:prstGeom>
+        </p:spPr>
+      </p:pic>
+      <p:sp>
+        <p:nvSpPr>
+          <p:cNvPr id="505" name="Google Shape;505;p61">
+            <a:extLst>
+              <a:ext uri="{FF2B5EF4-FFF2-40B4-BE49-F238E27FC236}">
+                <a16:creationId xmlns:a16="http://schemas.microsoft.com/office/drawing/2014/main" id="{78231608-5FE5-C222-8A27-32847D62802A}"/>
+              </a:ext>
+            </a:extLst>
+          </p:cNvPr>
+          <p:cNvSpPr txBox="1">
+            <a:spLocks noGrp="1"/>
+          </p:cNvSpPr>
+          <p:nvPr>
+            <p:ph type="title"/>
+          </p:nvPr>
+        </p:nvSpPr>
+        <p:spPr>
+          <a:xfrm>
+            <a:off x="84172" y="113717"/>
+            <a:ext cx="8428200" cy="516000"/>
+          </a:xfrm>
+          <a:prstGeom prst="rect">
+            <a:avLst/>
+          </a:prstGeom>
+        </p:spPr>
+        <p:txBody>
+          <a:bodyPr spcFirstLastPara="1" wrap="square" lIns="91425" tIns="45700" rIns="91425" bIns="45700" anchor="t" anchorCtr="0">
+            <a:noAutofit/>
+          </a:bodyPr>
+          <a:lstStyle/>
+          <a:p>
+            <a:pPr marL="0" lvl="0" indent="0" algn="l" rtl="0">
+              <a:spcBef>
+                <a:spcPts val="0"/>
+              </a:spcBef>
+              <a:spcAft>
+                <a:spcPts val="0"/>
+              </a:spcAft>
+              <a:buNone/>
+            </a:pPr>
+            <a:r>
+              <a:rPr lang="en-BR" dirty="0"/>
+              <a:t>Exemplo X3D – Cubo 2</a:t>
+            </a:r>
+            <a:endParaRPr dirty="0"/>
+          </a:p>
+        </p:txBody>
+      </p:sp>
+      <p:sp>
+        <p:nvSpPr>
+          <p:cNvPr id="507" name="Google Shape;507;p61">
+            <a:extLst>
+              <a:ext uri="{FF2B5EF4-FFF2-40B4-BE49-F238E27FC236}">
+                <a16:creationId xmlns:a16="http://schemas.microsoft.com/office/drawing/2014/main" id="{2D854121-80E1-1EE2-F98C-A9CBC338537D}"/>
+              </a:ext>
+            </a:extLst>
+          </p:cNvPr>
+          <p:cNvSpPr txBox="1">
+            <a:spLocks noGrp="1"/>
+          </p:cNvSpPr>
+          <p:nvPr>
+            <p:ph type="sldNum" idx="12"/>
+          </p:nvPr>
+        </p:nvSpPr>
+        <p:spPr>
+          <a:xfrm>
+            <a:off x="0" y="5410729"/>
+            <a:ext cx="474900" cy="304200"/>
+          </a:xfrm>
+          <a:prstGeom prst="rect">
+            <a:avLst/>
+          </a:prstGeom>
+        </p:spPr>
+        <p:txBody>
+          <a:bodyPr spcFirstLastPara="1" wrap="square" lIns="91425" tIns="45700" rIns="91425" bIns="45700" anchor="ctr" anchorCtr="0">
+            <a:noAutofit/>
+          </a:bodyPr>
+          <a:lstStyle/>
+          <a:p>
+            <a:pPr marL="0" lvl="0" indent="0" algn="ctr" rtl="0">
+              <a:spcBef>
+                <a:spcPts val="0"/>
+              </a:spcBef>
+              <a:spcAft>
+                <a:spcPts val="0"/>
+              </a:spcAft>
+              <a:buNone/>
+            </a:pPr>
+            <a:fld id="{00000000-1234-1234-1234-123412341234}" type="slidenum">
+              <a:rPr lang="en-BR"/>
+              <a:t>14</a:t>
+            </a:fld>
+            <a:endParaRPr/>
+          </a:p>
+        </p:txBody>
+      </p:sp>
+      <p:sp>
+        <p:nvSpPr>
+          <p:cNvPr id="508" name="Google Shape;508;p61">
+            <a:extLst>
+              <a:ext uri="{FF2B5EF4-FFF2-40B4-BE49-F238E27FC236}">
+                <a16:creationId xmlns:a16="http://schemas.microsoft.com/office/drawing/2014/main" id="{B76E3AE8-F441-7517-A61E-54AE37C7627E}"/>
+              </a:ext>
+            </a:extLst>
+          </p:cNvPr>
+          <p:cNvSpPr txBox="1"/>
+          <p:nvPr/>
+        </p:nvSpPr>
+        <p:spPr>
+          <a:xfrm>
+            <a:off x="197962" y="594550"/>
+            <a:ext cx="7260804" cy="2462182"/>
+          </a:xfrm>
+          <a:prstGeom prst="rect">
+            <a:avLst/>
+          </a:prstGeom>
+          <a:noFill/>
+          <a:ln>
+            <a:noFill/>
+          </a:ln>
+        </p:spPr>
+        <p:txBody>
+          <a:bodyPr spcFirstLastPara="1" wrap="square" lIns="91425" tIns="91425" rIns="91425" bIns="91425" anchor="t" anchorCtr="0">
+            <a:spAutoFit/>
+          </a:bodyPr>
+          <a:lstStyle/>
+          <a:p>
+            <a:r>
+              <a:rPr lang="en-US" sz="1100" b="1" noProof="1">
+                <a:solidFill>
+                  <a:srgbClr val="800000"/>
+                </a:solidFill>
+                <a:effectLst/>
+                <a:latin typeface="Courier New" panose="02070309020205020404" pitchFamily="49" charset="0"/>
+                <a:cs typeface="Courier New" panose="02070309020205020404" pitchFamily="49" charset="0"/>
+              </a:rPr>
+              <a:t>&lt;Viewpoint</a:t>
+            </a:r>
+            <a:r>
+              <a:rPr lang="en-US" sz="1100" b="1" noProof="1">
+                <a:solidFill>
+                  <a:srgbClr val="000000"/>
+                </a:solidFill>
+                <a:effectLst/>
+                <a:latin typeface="Courier New" panose="02070309020205020404" pitchFamily="49" charset="0"/>
+                <a:cs typeface="Courier New" panose="02070309020205020404" pitchFamily="49" charset="0"/>
+              </a:rPr>
+              <a:t> </a:t>
+            </a:r>
+            <a:r>
+              <a:rPr lang="en-US" sz="1100" b="1" noProof="1">
+                <a:solidFill>
+                  <a:srgbClr val="FF0000"/>
+                </a:solidFill>
+                <a:effectLst/>
+                <a:latin typeface="Courier New" panose="02070309020205020404" pitchFamily="49" charset="0"/>
+                <a:cs typeface="Courier New" panose="02070309020205020404" pitchFamily="49" charset="0"/>
+              </a:rPr>
+              <a:t>position</a:t>
+            </a:r>
+            <a:r>
+              <a:rPr lang="en-US" sz="1100" b="1" noProof="1">
+                <a:solidFill>
+                  <a:srgbClr val="000000"/>
+                </a:solidFill>
+                <a:effectLst/>
+                <a:latin typeface="Courier New" panose="02070309020205020404" pitchFamily="49" charset="0"/>
+                <a:cs typeface="Courier New" panose="02070309020205020404" pitchFamily="49" charset="0"/>
+              </a:rPr>
+              <a:t>=</a:t>
+            </a:r>
+            <a:r>
+              <a:rPr lang="en-US" sz="1100" b="1" noProof="1">
+                <a:solidFill>
+                  <a:srgbClr val="E21F1F"/>
+                </a:solidFill>
+                <a:effectLst/>
+                <a:latin typeface="Courier New" panose="02070309020205020404" pitchFamily="49" charset="0"/>
+                <a:cs typeface="Courier New" panose="02070309020205020404" pitchFamily="49" charset="0"/>
+              </a:rPr>
+              <a:t>"</a:t>
+            </a:r>
+            <a:r>
+              <a:rPr lang="en-US" sz="1100" b="1" noProof="1">
+                <a:solidFill>
+                  <a:srgbClr val="0000FF"/>
+                </a:solidFill>
+                <a:effectLst/>
+                <a:latin typeface="Courier New" panose="02070309020205020404" pitchFamily="49" charset="0"/>
+                <a:cs typeface="Courier New" panose="02070309020205020404" pitchFamily="49" charset="0"/>
+              </a:rPr>
+              <a:t>0 0 5</a:t>
+            </a:r>
+            <a:r>
+              <a:rPr lang="en-US" sz="1100" b="1" noProof="1">
+                <a:solidFill>
+                  <a:srgbClr val="E21F1F"/>
+                </a:solidFill>
+                <a:effectLst/>
+                <a:latin typeface="Courier New" panose="02070309020205020404" pitchFamily="49" charset="0"/>
+                <a:cs typeface="Courier New" panose="02070309020205020404" pitchFamily="49" charset="0"/>
+              </a:rPr>
+              <a:t>"</a:t>
+            </a:r>
+            <a:r>
+              <a:rPr lang="en-US" sz="1100" b="1" noProof="1">
+                <a:solidFill>
+                  <a:srgbClr val="800000"/>
+                </a:solidFill>
+                <a:effectLst/>
+                <a:latin typeface="Courier New" panose="02070309020205020404" pitchFamily="49" charset="0"/>
+                <a:cs typeface="Courier New" panose="02070309020205020404" pitchFamily="49" charset="0"/>
+              </a:rPr>
+              <a:t>/&gt;</a:t>
+            </a:r>
+            <a:endParaRPr lang="en-US" sz="1100" b="1" noProof="1">
+              <a:solidFill>
+                <a:srgbClr val="000000"/>
+              </a:solidFill>
+              <a:effectLst/>
+              <a:latin typeface="Courier New" panose="02070309020205020404" pitchFamily="49" charset="0"/>
+              <a:cs typeface="Courier New" panose="02070309020205020404" pitchFamily="49" charset="0"/>
+            </a:endParaRPr>
+          </a:p>
+          <a:p>
+            <a:r>
+              <a:rPr lang="en-US" sz="1100" b="1" noProof="1">
+                <a:solidFill>
+                  <a:srgbClr val="800000"/>
+                </a:solidFill>
+                <a:effectLst/>
+                <a:latin typeface="Courier New" panose="02070309020205020404" pitchFamily="49" charset="0"/>
+                <a:cs typeface="Courier New" panose="02070309020205020404" pitchFamily="49" charset="0"/>
+              </a:rPr>
+              <a:t>&lt;NavigationInfo</a:t>
+            </a:r>
+            <a:r>
+              <a:rPr lang="en-US" sz="1100" b="1" noProof="1">
+                <a:solidFill>
+                  <a:srgbClr val="000000"/>
+                </a:solidFill>
+                <a:effectLst/>
+                <a:latin typeface="Courier New" panose="02070309020205020404" pitchFamily="49" charset="0"/>
+                <a:cs typeface="Courier New" panose="02070309020205020404" pitchFamily="49" charset="0"/>
+              </a:rPr>
+              <a:t> </a:t>
+            </a:r>
+            <a:r>
+              <a:rPr lang="en-US" sz="1100" b="1" noProof="1">
+                <a:solidFill>
+                  <a:srgbClr val="FF0000"/>
+                </a:solidFill>
+                <a:effectLst/>
+                <a:latin typeface="Courier New" panose="02070309020205020404" pitchFamily="49" charset="0"/>
+                <a:cs typeface="Courier New" panose="02070309020205020404" pitchFamily="49" charset="0"/>
+              </a:rPr>
+              <a:t>headlight</a:t>
+            </a:r>
+            <a:r>
+              <a:rPr lang="en-US" sz="1100" b="1" noProof="1">
+                <a:solidFill>
+                  <a:srgbClr val="000000"/>
+                </a:solidFill>
+                <a:effectLst/>
+                <a:latin typeface="Courier New" panose="02070309020205020404" pitchFamily="49" charset="0"/>
+                <a:cs typeface="Courier New" panose="02070309020205020404" pitchFamily="49" charset="0"/>
+              </a:rPr>
+              <a:t>=</a:t>
+            </a:r>
+            <a:r>
+              <a:rPr lang="en-US" sz="1100" b="1" noProof="1">
+                <a:solidFill>
+                  <a:srgbClr val="E21F1F"/>
+                </a:solidFill>
+                <a:effectLst/>
+                <a:latin typeface="Courier New" panose="02070309020205020404" pitchFamily="49" charset="0"/>
+                <a:cs typeface="Courier New" panose="02070309020205020404" pitchFamily="49" charset="0"/>
+              </a:rPr>
+              <a:t>'</a:t>
+            </a:r>
+            <a:r>
+              <a:rPr lang="en-US" sz="1100" b="1" noProof="1">
+                <a:solidFill>
+                  <a:srgbClr val="0000FF"/>
+                </a:solidFill>
+                <a:effectLst/>
+                <a:latin typeface="Courier New" panose="02070309020205020404" pitchFamily="49" charset="0"/>
+                <a:cs typeface="Courier New" panose="02070309020205020404" pitchFamily="49" charset="0"/>
+              </a:rPr>
+              <a:t>false</a:t>
+            </a:r>
+            <a:r>
+              <a:rPr lang="en-US" sz="1100" b="1" noProof="1">
+                <a:solidFill>
+                  <a:srgbClr val="E21F1F"/>
+                </a:solidFill>
+                <a:effectLst/>
+                <a:latin typeface="Courier New" panose="02070309020205020404" pitchFamily="49" charset="0"/>
+                <a:cs typeface="Courier New" panose="02070309020205020404" pitchFamily="49" charset="0"/>
+              </a:rPr>
+              <a:t>'</a:t>
+            </a:r>
+            <a:r>
+              <a:rPr lang="en-US" sz="1100" b="1" noProof="1">
+                <a:solidFill>
+                  <a:srgbClr val="800000"/>
+                </a:solidFill>
+                <a:effectLst/>
+                <a:latin typeface="Courier New" panose="02070309020205020404" pitchFamily="49" charset="0"/>
+                <a:cs typeface="Courier New" panose="02070309020205020404" pitchFamily="49" charset="0"/>
+              </a:rPr>
+              <a:t>/&gt;</a:t>
+            </a:r>
+            <a:endParaRPr lang="en-US" sz="1100" b="1" noProof="1">
+              <a:solidFill>
+                <a:srgbClr val="000000"/>
+              </a:solidFill>
+              <a:effectLst/>
+              <a:latin typeface="Courier New" panose="02070309020205020404" pitchFamily="49" charset="0"/>
+              <a:cs typeface="Courier New" panose="02070309020205020404" pitchFamily="49" charset="0"/>
+            </a:endParaRPr>
+          </a:p>
+          <a:p>
+            <a:r>
+              <a:rPr lang="en-US" sz="1100" b="1" noProof="1">
+                <a:solidFill>
+                  <a:srgbClr val="800000"/>
+                </a:solidFill>
+                <a:effectLst/>
+                <a:latin typeface="Courier New" panose="02070309020205020404" pitchFamily="49" charset="0"/>
+                <a:cs typeface="Courier New" panose="02070309020205020404" pitchFamily="49" charset="0"/>
+              </a:rPr>
+              <a:t>&lt;DirectionalLight</a:t>
+            </a:r>
+            <a:r>
+              <a:rPr lang="en-US" sz="1100" b="1" noProof="1">
+                <a:solidFill>
+                  <a:srgbClr val="000000"/>
+                </a:solidFill>
+                <a:effectLst/>
+                <a:latin typeface="Courier New" panose="02070309020205020404" pitchFamily="49" charset="0"/>
+                <a:cs typeface="Courier New" panose="02070309020205020404" pitchFamily="49" charset="0"/>
+              </a:rPr>
+              <a:t> </a:t>
+            </a:r>
+            <a:r>
+              <a:rPr lang="en-US" sz="1100" b="1" noProof="1">
+                <a:solidFill>
+                  <a:srgbClr val="FF0000"/>
+                </a:solidFill>
+                <a:effectLst/>
+                <a:latin typeface="Courier New" panose="02070309020205020404" pitchFamily="49" charset="0"/>
+                <a:cs typeface="Courier New" panose="02070309020205020404" pitchFamily="49" charset="0"/>
+              </a:rPr>
+              <a:t>direction</a:t>
+            </a:r>
+            <a:r>
+              <a:rPr lang="en-US" sz="1100" b="1" noProof="1">
+                <a:solidFill>
+                  <a:srgbClr val="000000"/>
+                </a:solidFill>
+                <a:effectLst/>
+                <a:latin typeface="Courier New" panose="02070309020205020404" pitchFamily="49" charset="0"/>
+                <a:cs typeface="Courier New" panose="02070309020205020404" pitchFamily="49" charset="0"/>
+              </a:rPr>
+              <a:t>=</a:t>
+            </a:r>
+            <a:r>
+              <a:rPr lang="en-US" sz="1100" b="1" noProof="1">
+                <a:solidFill>
+                  <a:srgbClr val="E21F1F"/>
+                </a:solidFill>
+                <a:effectLst/>
+                <a:latin typeface="Courier New" panose="02070309020205020404" pitchFamily="49" charset="0"/>
+                <a:cs typeface="Courier New" panose="02070309020205020404" pitchFamily="49" charset="0"/>
+              </a:rPr>
+              <a:t>"</a:t>
+            </a:r>
+            <a:r>
+              <a:rPr lang="en-US" sz="1100" b="1" noProof="1">
+                <a:solidFill>
+                  <a:srgbClr val="0000FF"/>
+                </a:solidFill>
+                <a:effectLst/>
+                <a:latin typeface="Courier New" panose="02070309020205020404" pitchFamily="49" charset="0"/>
+                <a:cs typeface="Courier New" panose="02070309020205020404" pitchFamily="49" charset="0"/>
+              </a:rPr>
+              <a:t>0 -0.8 -0.6</a:t>
+            </a:r>
+            <a:r>
+              <a:rPr lang="en-US" sz="1100" b="1" noProof="1">
+                <a:solidFill>
+                  <a:srgbClr val="E21F1F"/>
+                </a:solidFill>
+                <a:effectLst/>
+                <a:latin typeface="Courier New" panose="02070309020205020404" pitchFamily="49" charset="0"/>
+                <a:cs typeface="Courier New" panose="02070309020205020404" pitchFamily="49" charset="0"/>
+              </a:rPr>
+              <a:t>"</a:t>
+            </a:r>
+            <a:r>
+              <a:rPr lang="en-US" sz="1100" b="1" noProof="1">
+                <a:solidFill>
+                  <a:srgbClr val="000000"/>
+                </a:solidFill>
+                <a:effectLst/>
+                <a:latin typeface="Courier New" panose="02070309020205020404" pitchFamily="49" charset="0"/>
+                <a:cs typeface="Courier New" panose="02070309020205020404" pitchFamily="49" charset="0"/>
+              </a:rPr>
+              <a:t> </a:t>
+            </a:r>
+            <a:r>
+              <a:rPr lang="en-US" sz="1100" b="1" noProof="1">
+                <a:solidFill>
+                  <a:srgbClr val="FF0000"/>
+                </a:solidFill>
+                <a:effectLst/>
+                <a:latin typeface="Courier New" panose="02070309020205020404" pitchFamily="49" charset="0"/>
+                <a:cs typeface="Courier New" panose="02070309020205020404" pitchFamily="49" charset="0"/>
+              </a:rPr>
+              <a:t>color</a:t>
+            </a:r>
+            <a:r>
+              <a:rPr lang="en-US" sz="1100" b="1" noProof="1">
+                <a:solidFill>
+                  <a:srgbClr val="000000"/>
+                </a:solidFill>
+                <a:effectLst/>
+                <a:latin typeface="Courier New" panose="02070309020205020404" pitchFamily="49" charset="0"/>
+                <a:cs typeface="Courier New" panose="02070309020205020404" pitchFamily="49" charset="0"/>
+              </a:rPr>
+              <a:t>=</a:t>
+            </a:r>
+            <a:r>
+              <a:rPr lang="en-US" sz="1100" b="1" noProof="1">
+                <a:solidFill>
+                  <a:srgbClr val="E21F1F"/>
+                </a:solidFill>
+                <a:effectLst/>
+                <a:latin typeface="Courier New" panose="02070309020205020404" pitchFamily="49" charset="0"/>
+                <a:cs typeface="Courier New" panose="02070309020205020404" pitchFamily="49" charset="0"/>
+              </a:rPr>
+              <a:t>"</a:t>
+            </a:r>
+            <a:r>
+              <a:rPr lang="en-US" sz="1100" b="1" noProof="1">
+                <a:solidFill>
+                  <a:srgbClr val="0000FF"/>
+                </a:solidFill>
+                <a:effectLst/>
+                <a:latin typeface="Courier New" panose="02070309020205020404" pitchFamily="49" charset="0"/>
+                <a:cs typeface="Courier New" panose="02070309020205020404" pitchFamily="49" charset="0"/>
+              </a:rPr>
+              <a:t>0.9 0.9 0.8</a:t>
+            </a:r>
+            <a:r>
+              <a:rPr lang="en-US" sz="1100" b="1" noProof="1">
+                <a:solidFill>
+                  <a:srgbClr val="E21F1F"/>
+                </a:solidFill>
+                <a:effectLst/>
+                <a:latin typeface="Courier New" panose="02070309020205020404" pitchFamily="49" charset="0"/>
+                <a:cs typeface="Courier New" panose="02070309020205020404" pitchFamily="49" charset="0"/>
+              </a:rPr>
+              <a:t>"</a:t>
+            </a:r>
+            <a:r>
+              <a:rPr lang="en-US" sz="1100" b="1" noProof="1">
+                <a:solidFill>
+                  <a:srgbClr val="000000"/>
+                </a:solidFill>
+                <a:effectLst/>
+                <a:latin typeface="Courier New" panose="02070309020205020404" pitchFamily="49" charset="0"/>
+                <a:cs typeface="Courier New" panose="02070309020205020404" pitchFamily="49" charset="0"/>
+              </a:rPr>
+              <a:t> </a:t>
+            </a:r>
+          </a:p>
+          <a:p>
+            <a:r>
+              <a:rPr lang="en-US" sz="1100" b="1" noProof="1">
+                <a:latin typeface="Courier New" panose="02070309020205020404" pitchFamily="49" charset="0"/>
+                <a:cs typeface="Courier New" panose="02070309020205020404" pitchFamily="49" charset="0"/>
+              </a:rPr>
+              <a:t>                  </a:t>
+            </a:r>
+            <a:r>
+              <a:rPr lang="en-US" sz="1100" b="1" noProof="1">
+                <a:solidFill>
+                  <a:srgbClr val="FF0000"/>
+                </a:solidFill>
+                <a:effectLst/>
+                <a:latin typeface="Courier New" panose="02070309020205020404" pitchFamily="49" charset="0"/>
+                <a:cs typeface="Courier New" panose="02070309020205020404" pitchFamily="49" charset="0"/>
+              </a:rPr>
+              <a:t>intensity</a:t>
+            </a:r>
+            <a:r>
+              <a:rPr lang="en-US" sz="1100" b="1" noProof="1">
+                <a:solidFill>
+                  <a:srgbClr val="000000"/>
+                </a:solidFill>
+                <a:effectLst/>
+                <a:latin typeface="Courier New" panose="02070309020205020404" pitchFamily="49" charset="0"/>
+                <a:cs typeface="Courier New" panose="02070309020205020404" pitchFamily="49" charset="0"/>
+              </a:rPr>
+              <a:t>=</a:t>
+            </a:r>
+            <a:r>
+              <a:rPr lang="en-US" sz="1100" b="1" noProof="1">
+                <a:solidFill>
+                  <a:srgbClr val="E21F1F"/>
+                </a:solidFill>
+                <a:effectLst/>
+                <a:latin typeface="Courier New" panose="02070309020205020404" pitchFamily="49" charset="0"/>
+                <a:cs typeface="Courier New" panose="02070309020205020404" pitchFamily="49" charset="0"/>
+              </a:rPr>
+              <a:t>"</a:t>
+            </a:r>
+            <a:r>
+              <a:rPr lang="en-US" sz="1100" b="1" noProof="1">
+                <a:solidFill>
+                  <a:srgbClr val="0000FF"/>
+                </a:solidFill>
+                <a:effectLst/>
+                <a:latin typeface="Courier New" panose="02070309020205020404" pitchFamily="49" charset="0"/>
+                <a:cs typeface="Courier New" panose="02070309020205020404" pitchFamily="49" charset="0"/>
+              </a:rPr>
+              <a:t>1</a:t>
+            </a:r>
+            <a:r>
+              <a:rPr lang="en-US" sz="1100" b="1" noProof="1">
+                <a:solidFill>
+                  <a:srgbClr val="E21F1F"/>
+                </a:solidFill>
+                <a:effectLst/>
+                <a:latin typeface="Courier New" panose="02070309020205020404" pitchFamily="49" charset="0"/>
+                <a:cs typeface="Courier New" panose="02070309020205020404" pitchFamily="49" charset="0"/>
+              </a:rPr>
+              <a:t>"</a:t>
+            </a:r>
+            <a:r>
+              <a:rPr lang="en-US" sz="1100" b="1" noProof="1">
+                <a:solidFill>
+                  <a:srgbClr val="000000"/>
+                </a:solidFill>
+                <a:effectLst/>
+                <a:latin typeface="Courier New" panose="02070309020205020404" pitchFamily="49" charset="0"/>
+                <a:cs typeface="Courier New" panose="02070309020205020404" pitchFamily="49" charset="0"/>
+              </a:rPr>
+              <a:t> </a:t>
+            </a:r>
+            <a:r>
+              <a:rPr lang="en-US" sz="1100" b="1" noProof="1">
+                <a:solidFill>
+                  <a:srgbClr val="FF0000"/>
+                </a:solidFill>
+                <a:effectLst/>
+                <a:latin typeface="Courier New" panose="02070309020205020404" pitchFamily="49" charset="0"/>
+                <a:cs typeface="Courier New" panose="02070309020205020404" pitchFamily="49" charset="0"/>
+              </a:rPr>
+              <a:t>ambientIntensity</a:t>
+            </a:r>
+            <a:r>
+              <a:rPr lang="en-US" sz="1100" b="1" noProof="1">
+                <a:solidFill>
+                  <a:srgbClr val="000000"/>
+                </a:solidFill>
+                <a:effectLst/>
+                <a:latin typeface="Courier New" panose="02070309020205020404" pitchFamily="49" charset="0"/>
+                <a:cs typeface="Courier New" panose="02070309020205020404" pitchFamily="49" charset="0"/>
+              </a:rPr>
+              <a:t>=</a:t>
+            </a:r>
+            <a:r>
+              <a:rPr lang="en-US" sz="1100" b="1" noProof="1">
+                <a:solidFill>
+                  <a:srgbClr val="E21F1F"/>
+                </a:solidFill>
+                <a:effectLst/>
+                <a:latin typeface="Courier New" panose="02070309020205020404" pitchFamily="49" charset="0"/>
+                <a:cs typeface="Courier New" panose="02070309020205020404" pitchFamily="49" charset="0"/>
+              </a:rPr>
+              <a:t>"</a:t>
+            </a:r>
+            <a:r>
+              <a:rPr lang="en-US" sz="1100" b="1" noProof="1">
+                <a:solidFill>
+                  <a:srgbClr val="0000FF"/>
+                </a:solidFill>
+                <a:effectLst/>
+                <a:latin typeface="Courier New" panose="02070309020205020404" pitchFamily="49" charset="0"/>
+                <a:cs typeface="Courier New" panose="02070309020205020404" pitchFamily="49" charset="0"/>
+              </a:rPr>
+              <a:t>0.8</a:t>
+            </a:r>
+            <a:r>
+              <a:rPr lang="en-US" sz="1100" b="1" noProof="1">
+                <a:solidFill>
+                  <a:srgbClr val="E21F1F"/>
+                </a:solidFill>
+                <a:effectLst/>
+                <a:latin typeface="Courier New" panose="02070309020205020404" pitchFamily="49" charset="0"/>
+                <a:cs typeface="Courier New" panose="02070309020205020404" pitchFamily="49" charset="0"/>
+              </a:rPr>
+              <a:t>"</a:t>
+            </a:r>
+            <a:r>
+              <a:rPr lang="en-US" sz="1100" b="1" noProof="1">
+                <a:solidFill>
+                  <a:srgbClr val="800000"/>
+                </a:solidFill>
+                <a:effectLst/>
+                <a:latin typeface="Courier New" panose="02070309020205020404" pitchFamily="49" charset="0"/>
+                <a:cs typeface="Courier New" panose="02070309020205020404" pitchFamily="49" charset="0"/>
+              </a:rPr>
+              <a:t>/&gt;</a:t>
+            </a:r>
+            <a:endParaRPr lang="en-US" sz="1100" b="1" noProof="1">
+              <a:solidFill>
+                <a:srgbClr val="000000"/>
+              </a:solidFill>
+              <a:effectLst/>
+              <a:latin typeface="Courier New" panose="02070309020205020404" pitchFamily="49" charset="0"/>
+              <a:cs typeface="Courier New" panose="02070309020205020404" pitchFamily="49" charset="0"/>
+            </a:endParaRPr>
+          </a:p>
+          <a:p>
+            <a:br>
+              <a:rPr lang="en-US" sz="500" b="1" noProof="1">
+                <a:solidFill>
+                  <a:srgbClr val="000000"/>
+                </a:solidFill>
+                <a:effectLst/>
+                <a:latin typeface="Courier New" panose="02070309020205020404" pitchFamily="49" charset="0"/>
+                <a:cs typeface="Courier New" panose="02070309020205020404" pitchFamily="49" charset="0"/>
+              </a:rPr>
+            </a:br>
+            <a:r>
+              <a:rPr lang="en-US" sz="1100" b="1" noProof="1">
+                <a:solidFill>
+                  <a:srgbClr val="800000"/>
+                </a:solidFill>
+                <a:effectLst/>
+                <a:latin typeface="Courier New" panose="02070309020205020404" pitchFamily="49" charset="0"/>
+                <a:cs typeface="Courier New" panose="02070309020205020404" pitchFamily="49" charset="0"/>
+              </a:rPr>
+              <a:t>&lt;Transform</a:t>
+            </a:r>
+            <a:r>
+              <a:rPr lang="en-US" sz="1100" b="1" noProof="1">
+                <a:solidFill>
+                  <a:srgbClr val="000000"/>
+                </a:solidFill>
+                <a:effectLst/>
+                <a:latin typeface="Courier New" panose="02070309020205020404" pitchFamily="49" charset="0"/>
+                <a:cs typeface="Courier New" panose="02070309020205020404" pitchFamily="49" charset="0"/>
+              </a:rPr>
+              <a:t> </a:t>
+            </a:r>
+            <a:r>
+              <a:rPr lang="en-US" sz="1100" b="1" noProof="1">
+                <a:solidFill>
+                  <a:srgbClr val="FF0000"/>
+                </a:solidFill>
+                <a:effectLst/>
+                <a:latin typeface="Courier New" panose="02070309020205020404" pitchFamily="49" charset="0"/>
+                <a:cs typeface="Courier New" panose="02070309020205020404" pitchFamily="49" charset="0"/>
+              </a:rPr>
+              <a:t>rotation</a:t>
+            </a:r>
+            <a:r>
+              <a:rPr lang="en-US" sz="1100" b="1" noProof="1">
+                <a:solidFill>
+                  <a:srgbClr val="000000"/>
+                </a:solidFill>
+                <a:effectLst/>
+                <a:latin typeface="Courier New" panose="02070309020205020404" pitchFamily="49" charset="0"/>
+                <a:cs typeface="Courier New" panose="02070309020205020404" pitchFamily="49" charset="0"/>
+              </a:rPr>
+              <a:t>=</a:t>
+            </a:r>
+            <a:r>
+              <a:rPr lang="en-US" sz="1100" b="1" noProof="1">
+                <a:solidFill>
+                  <a:srgbClr val="E21F1F"/>
+                </a:solidFill>
+                <a:effectLst/>
+                <a:latin typeface="Courier New" panose="02070309020205020404" pitchFamily="49" charset="0"/>
+                <a:cs typeface="Courier New" panose="02070309020205020404" pitchFamily="49" charset="0"/>
+              </a:rPr>
+              <a:t>"</a:t>
+            </a:r>
+            <a:r>
+              <a:rPr lang="en-US" sz="1100" b="1" noProof="1">
+                <a:solidFill>
+                  <a:srgbClr val="0000FF"/>
+                </a:solidFill>
+                <a:effectLst/>
+                <a:latin typeface="Courier New" panose="02070309020205020404" pitchFamily="49" charset="0"/>
+                <a:cs typeface="Courier New" panose="02070309020205020404" pitchFamily="49" charset="0"/>
+              </a:rPr>
+              <a:t>0.64 0.75 0 0.7</a:t>
+            </a:r>
+            <a:r>
+              <a:rPr lang="en-US" sz="1100" b="1" noProof="1">
+                <a:solidFill>
+                  <a:srgbClr val="E21F1F"/>
+                </a:solidFill>
+                <a:effectLst/>
+                <a:latin typeface="Courier New" panose="02070309020205020404" pitchFamily="49" charset="0"/>
+                <a:cs typeface="Courier New" panose="02070309020205020404" pitchFamily="49" charset="0"/>
+              </a:rPr>
+              <a:t>"</a:t>
+            </a:r>
+            <a:r>
+              <a:rPr lang="en-US" sz="1100" b="1" noProof="1">
+                <a:solidFill>
+                  <a:srgbClr val="800000"/>
+                </a:solidFill>
+                <a:effectLst/>
+                <a:latin typeface="Courier New" panose="02070309020205020404" pitchFamily="49" charset="0"/>
+                <a:cs typeface="Courier New" panose="02070309020205020404" pitchFamily="49" charset="0"/>
+              </a:rPr>
+              <a:t>&gt;</a:t>
+            </a:r>
+            <a:endParaRPr lang="en-US" sz="1100" b="1" noProof="1">
+              <a:solidFill>
+                <a:srgbClr val="000000"/>
+              </a:solidFill>
+              <a:effectLst/>
+              <a:latin typeface="Courier New" panose="02070309020205020404" pitchFamily="49" charset="0"/>
+              <a:cs typeface="Courier New" panose="02070309020205020404" pitchFamily="49" charset="0"/>
+            </a:endParaRPr>
+          </a:p>
+          <a:p>
+            <a:r>
+              <a:rPr lang="en-US" sz="1100" b="1" noProof="1">
+                <a:solidFill>
+                  <a:srgbClr val="800000"/>
+                </a:solidFill>
+                <a:effectLst/>
+                <a:latin typeface="Courier New" panose="02070309020205020404" pitchFamily="49" charset="0"/>
+                <a:cs typeface="Courier New" panose="02070309020205020404" pitchFamily="49" charset="0"/>
+              </a:rPr>
+              <a:t>  &lt;Shape&gt;</a:t>
+            </a:r>
+            <a:endParaRPr lang="en-US" sz="1100" b="1" noProof="1">
+              <a:solidFill>
+                <a:srgbClr val="000000"/>
+              </a:solidFill>
+              <a:effectLst/>
+              <a:latin typeface="Courier New" panose="02070309020205020404" pitchFamily="49" charset="0"/>
+              <a:cs typeface="Courier New" panose="02070309020205020404" pitchFamily="49" charset="0"/>
+            </a:endParaRPr>
+          </a:p>
+          <a:p>
+            <a:r>
+              <a:rPr lang="en-US" sz="1100" b="1" noProof="1">
+                <a:solidFill>
+                  <a:srgbClr val="800000"/>
+                </a:solidFill>
+                <a:effectLst/>
+                <a:latin typeface="Courier New" panose="02070309020205020404" pitchFamily="49" charset="0"/>
+                <a:cs typeface="Courier New" panose="02070309020205020404" pitchFamily="49" charset="0"/>
+              </a:rPr>
+              <a:t>    &lt;Box/&gt;</a:t>
+            </a:r>
+            <a:endParaRPr lang="en-US" sz="1100" b="1" noProof="1">
+              <a:solidFill>
+                <a:srgbClr val="000000"/>
+              </a:solidFill>
+              <a:effectLst/>
+              <a:latin typeface="Courier New" panose="02070309020205020404" pitchFamily="49" charset="0"/>
+              <a:cs typeface="Courier New" panose="02070309020205020404" pitchFamily="49" charset="0"/>
+            </a:endParaRPr>
+          </a:p>
+          <a:p>
+            <a:r>
+              <a:rPr lang="en-US" sz="1100" b="1" noProof="1">
+                <a:solidFill>
+                  <a:srgbClr val="800000"/>
+                </a:solidFill>
+                <a:effectLst/>
+                <a:latin typeface="Courier New" panose="02070309020205020404" pitchFamily="49" charset="0"/>
+                <a:cs typeface="Courier New" panose="02070309020205020404" pitchFamily="49" charset="0"/>
+              </a:rPr>
+              <a:t>    &lt;Appearance&gt;</a:t>
+            </a:r>
+            <a:endParaRPr lang="en-US" sz="1100" b="1" noProof="1">
+              <a:solidFill>
+                <a:srgbClr val="000000"/>
+              </a:solidFill>
+              <a:effectLst/>
+              <a:latin typeface="Courier New" panose="02070309020205020404" pitchFamily="49" charset="0"/>
+              <a:cs typeface="Courier New" panose="02070309020205020404" pitchFamily="49" charset="0"/>
+            </a:endParaRPr>
+          </a:p>
+          <a:p>
+            <a:r>
+              <a:rPr lang="en-US" sz="1100" b="1" noProof="1">
+                <a:solidFill>
+                  <a:srgbClr val="800000"/>
+                </a:solidFill>
+                <a:effectLst/>
+                <a:latin typeface="Courier New" panose="02070309020205020404" pitchFamily="49" charset="0"/>
+                <a:cs typeface="Courier New" panose="02070309020205020404" pitchFamily="49" charset="0"/>
+              </a:rPr>
+              <a:t>      &lt;Material</a:t>
+            </a:r>
+            <a:r>
+              <a:rPr lang="en-US" sz="1100" b="1" noProof="1">
+                <a:solidFill>
+                  <a:srgbClr val="000000"/>
+                </a:solidFill>
+                <a:effectLst/>
+                <a:latin typeface="Courier New" panose="02070309020205020404" pitchFamily="49" charset="0"/>
+                <a:cs typeface="Courier New" panose="02070309020205020404" pitchFamily="49" charset="0"/>
+              </a:rPr>
+              <a:t> </a:t>
+            </a:r>
+            <a:r>
+              <a:rPr lang="en-US" sz="1100" b="1" noProof="1">
+                <a:solidFill>
+                  <a:srgbClr val="FF0000"/>
+                </a:solidFill>
+                <a:effectLst/>
+                <a:latin typeface="Courier New" panose="02070309020205020404" pitchFamily="49" charset="0"/>
+                <a:cs typeface="Courier New" panose="02070309020205020404" pitchFamily="49" charset="0"/>
+              </a:rPr>
+              <a:t>specularColor</a:t>
+            </a:r>
+            <a:r>
+              <a:rPr lang="en-US" sz="1100" b="1" noProof="1">
+                <a:solidFill>
+                  <a:srgbClr val="000000"/>
+                </a:solidFill>
+                <a:effectLst/>
+                <a:latin typeface="Courier New" panose="02070309020205020404" pitchFamily="49" charset="0"/>
+                <a:cs typeface="Courier New" panose="02070309020205020404" pitchFamily="49" charset="0"/>
+              </a:rPr>
+              <a:t>=</a:t>
+            </a:r>
+            <a:r>
+              <a:rPr lang="en-US" sz="1100" b="1" noProof="1">
+                <a:solidFill>
+                  <a:srgbClr val="E21F1F"/>
+                </a:solidFill>
+                <a:effectLst/>
+                <a:latin typeface="Courier New" panose="02070309020205020404" pitchFamily="49" charset="0"/>
+                <a:cs typeface="Courier New" panose="02070309020205020404" pitchFamily="49" charset="0"/>
+              </a:rPr>
+              <a:t>'</a:t>
+            </a:r>
+            <a:r>
+              <a:rPr lang="en-US" sz="1100" b="1" noProof="1">
+                <a:solidFill>
+                  <a:srgbClr val="0000FF"/>
+                </a:solidFill>
+                <a:effectLst/>
+                <a:latin typeface="Courier New" panose="02070309020205020404" pitchFamily="49" charset="0"/>
+                <a:cs typeface="Courier New" panose="02070309020205020404" pitchFamily="49" charset="0"/>
+              </a:rPr>
+              <a:t>1.0 1.0 1.0</a:t>
+            </a:r>
+            <a:r>
+              <a:rPr lang="en-US" sz="1100" b="1" noProof="1">
+                <a:solidFill>
+                  <a:srgbClr val="E21F1F"/>
+                </a:solidFill>
+                <a:effectLst/>
+                <a:latin typeface="Courier New" panose="02070309020205020404" pitchFamily="49" charset="0"/>
+                <a:cs typeface="Courier New" panose="02070309020205020404" pitchFamily="49" charset="0"/>
+              </a:rPr>
+              <a:t>'</a:t>
+            </a:r>
+            <a:r>
+              <a:rPr lang="en-US" sz="1100" b="1" noProof="1">
+                <a:solidFill>
+                  <a:srgbClr val="000000"/>
+                </a:solidFill>
+                <a:effectLst/>
+                <a:latin typeface="Courier New" panose="02070309020205020404" pitchFamily="49" charset="0"/>
+                <a:cs typeface="Courier New" panose="02070309020205020404" pitchFamily="49" charset="0"/>
+              </a:rPr>
+              <a:t> </a:t>
+            </a:r>
+            <a:r>
+              <a:rPr lang="en-US" sz="1100" b="1" noProof="1">
+                <a:solidFill>
+                  <a:srgbClr val="FF0000"/>
+                </a:solidFill>
+                <a:effectLst/>
+                <a:latin typeface="Courier New" panose="02070309020205020404" pitchFamily="49" charset="0"/>
+                <a:cs typeface="Courier New" panose="02070309020205020404" pitchFamily="49" charset="0"/>
+              </a:rPr>
+              <a:t>diffuseColor</a:t>
+            </a:r>
+            <a:r>
+              <a:rPr lang="en-US" sz="1100" b="1" noProof="1">
+                <a:solidFill>
+                  <a:srgbClr val="000000"/>
+                </a:solidFill>
+                <a:effectLst/>
+                <a:latin typeface="Courier New" panose="02070309020205020404" pitchFamily="49" charset="0"/>
+                <a:cs typeface="Courier New" panose="02070309020205020404" pitchFamily="49" charset="0"/>
+              </a:rPr>
+              <a:t>=</a:t>
+            </a:r>
+            <a:r>
+              <a:rPr lang="en-US" sz="1100" b="1" noProof="1">
+                <a:solidFill>
+                  <a:srgbClr val="E21F1F"/>
+                </a:solidFill>
+                <a:effectLst/>
+                <a:latin typeface="Courier New" panose="02070309020205020404" pitchFamily="49" charset="0"/>
+                <a:cs typeface="Courier New" panose="02070309020205020404" pitchFamily="49" charset="0"/>
+              </a:rPr>
+              <a:t>'</a:t>
+            </a:r>
+            <a:r>
+              <a:rPr lang="en-US" sz="1100" b="1" noProof="1">
+                <a:solidFill>
+                  <a:srgbClr val="0000FF"/>
+                </a:solidFill>
+                <a:effectLst/>
+                <a:latin typeface="Courier New" panose="02070309020205020404" pitchFamily="49" charset="0"/>
+                <a:cs typeface="Courier New" panose="02070309020205020404" pitchFamily="49" charset="0"/>
+              </a:rPr>
+              <a:t>0.2 1.0 0.2</a:t>
+            </a:r>
+            <a:r>
+              <a:rPr lang="en-US" sz="1100" b="1" noProof="1">
+                <a:solidFill>
+                  <a:srgbClr val="E21F1F"/>
+                </a:solidFill>
+                <a:effectLst/>
+                <a:latin typeface="Courier New" panose="02070309020205020404" pitchFamily="49" charset="0"/>
+                <a:cs typeface="Courier New" panose="02070309020205020404" pitchFamily="49" charset="0"/>
+              </a:rPr>
+              <a:t>’</a:t>
+            </a:r>
+            <a:endParaRPr lang="en-US" sz="1100" b="1" noProof="1">
+              <a:latin typeface="Courier New" panose="02070309020205020404" pitchFamily="49" charset="0"/>
+              <a:cs typeface="Courier New" panose="02070309020205020404" pitchFamily="49" charset="0"/>
+            </a:endParaRPr>
+          </a:p>
+          <a:p>
+            <a:r>
+              <a:rPr lang="en-US" sz="1100" b="1" noProof="1">
+                <a:solidFill>
+                  <a:srgbClr val="FF0000"/>
+                </a:solidFill>
+                <a:effectLst/>
+                <a:latin typeface="Courier New" panose="02070309020205020404" pitchFamily="49" charset="0"/>
+                <a:cs typeface="Courier New" panose="02070309020205020404" pitchFamily="49" charset="0"/>
+              </a:rPr>
+              <a:t>                shininess</a:t>
+            </a:r>
+            <a:r>
+              <a:rPr lang="en-US" sz="1100" b="1" noProof="1">
+                <a:solidFill>
+                  <a:srgbClr val="000000"/>
+                </a:solidFill>
+                <a:effectLst/>
+                <a:latin typeface="Courier New" panose="02070309020205020404" pitchFamily="49" charset="0"/>
+                <a:cs typeface="Courier New" panose="02070309020205020404" pitchFamily="49" charset="0"/>
+              </a:rPr>
+              <a:t>=</a:t>
+            </a:r>
+            <a:r>
+              <a:rPr lang="en-US" sz="1100" b="1" noProof="1">
+                <a:solidFill>
+                  <a:srgbClr val="E21F1F"/>
+                </a:solidFill>
+                <a:effectLst/>
+                <a:latin typeface="Courier New" panose="02070309020205020404" pitchFamily="49" charset="0"/>
+                <a:cs typeface="Courier New" panose="02070309020205020404" pitchFamily="49" charset="0"/>
+              </a:rPr>
+              <a:t>'</a:t>
+            </a:r>
+            <a:r>
+              <a:rPr lang="en-US" sz="1100" b="1" noProof="1">
+                <a:solidFill>
+                  <a:srgbClr val="0000FF"/>
+                </a:solidFill>
+                <a:effectLst/>
+                <a:latin typeface="Courier New" panose="02070309020205020404" pitchFamily="49" charset="0"/>
+                <a:cs typeface="Courier New" panose="02070309020205020404" pitchFamily="49" charset="0"/>
+              </a:rPr>
+              <a:t>0.1</a:t>
+            </a:r>
+            <a:r>
+              <a:rPr lang="en-US" sz="1100" b="1" noProof="1">
+                <a:solidFill>
+                  <a:srgbClr val="E21F1F"/>
+                </a:solidFill>
+                <a:effectLst/>
+                <a:latin typeface="Courier New" panose="02070309020205020404" pitchFamily="49" charset="0"/>
+                <a:cs typeface="Courier New" panose="02070309020205020404" pitchFamily="49" charset="0"/>
+              </a:rPr>
+              <a:t>’</a:t>
+            </a:r>
+            <a:r>
+              <a:rPr lang="en-US" sz="1100" b="1" noProof="1">
+                <a:latin typeface="Courier New" panose="02070309020205020404" pitchFamily="49" charset="0"/>
+                <a:cs typeface="Courier New" panose="02070309020205020404" pitchFamily="49" charset="0"/>
+              </a:rPr>
+              <a:t> </a:t>
+            </a:r>
+            <a:r>
+              <a:rPr lang="en-US" sz="1100" b="1" noProof="1">
+                <a:solidFill>
+                  <a:srgbClr val="FF0000"/>
+                </a:solidFill>
+                <a:effectLst/>
+                <a:latin typeface="Courier New" panose="02070309020205020404" pitchFamily="49" charset="0"/>
+                <a:cs typeface="Courier New" panose="02070309020205020404" pitchFamily="49" charset="0"/>
+              </a:rPr>
+              <a:t>ambientIntensity</a:t>
+            </a:r>
+            <a:r>
+              <a:rPr lang="en-US" sz="1100" b="1" noProof="1">
+                <a:solidFill>
+                  <a:srgbClr val="000000"/>
+                </a:solidFill>
+                <a:effectLst/>
+                <a:latin typeface="Courier New" panose="02070309020205020404" pitchFamily="49" charset="0"/>
+                <a:cs typeface="Courier New" panose="02070309020205020404" pitchFamily="49" charset="0"/>
+              </a:rPr>
+              <a:t>=</a:t>
+            </a:r>
+            <a:r>
+              <a:rPr lang="en-US" sz="1100" b="1" noProof="1">
+                <a:solidFill>
+                  <a:srgbClr val="E21F1F"/>
+                </a:solidFill>
+                <a:effectLst/>
+                <a:latin typeface="Courier New" panose="02070309020205020404" pitchFamily="49" charset="0"/>
+                <a:cs typeface="Courier New" panose="02070309020205020404" pitchFamily="49" charset="0"/>
+              </a:rPr>
+              <a:t>"</a:t>
+            </a:r>
+            <a:r>
+              <a:rPr lang="en-US" sz="1100" b="1" noProof="1">
+                <a:solidFill>
+                  <a:srgbClr val="0000FF"/>
+                </a:solidFill>
+                <a:effectLst/>
+                <a:latin typeface="Courier New" panose="02070309020205020404" pitchFamily="49" charset="0"/>
+                <a:cs typeface="Courier New" panose="02070309020205020404" pitchFamily="49" charset="0"/>
+              </a:rPr>
+              <a:t>0.3</a:t>
+            </a:r>
+            <a:r>
+              <a:rPr lang="en-US" sz="1100" b="1" noProof="1">
+                <a:solidFill>
+                  <a:srgbClr val="E21F1F"/>
+                </a:solidFill>
+                <a:effectLst/>
+                <a:latin typeface="Courier New" panose="02070309020205020404" pitchFamily="49" charset="0"/>
+                <a:cs typeface="Courier New" panose="02070309020205020404" pitchFamily="49" charset="0"/>
+              </a:rPr>
+              <a:t>"</a:t>
+            </a:r>
+            <a:r>
+              <a:rPr lang="en-US" sz="1100" b="1" noProof="1">
+                <a:solidFill>
+                  <a:srgbClr val="000000"/>
+                </a:solidFill>
+                <a:effectLst/>
+                <a:latin typeface="Courier New" panose="02070309020205020404" pitchFamily="49" charset="0"/>
+                <a:cs typeface="Courier New" panose="02070309020205020404" pitchFamily="49" charset="0"/>
+              </a:rPr>
+              <a:t> </a:t>
+            </a:r>
+            <a:r>
+              <a:rPr lang="en-US" sz="1100" b="1" noProof="1">
+                <a:solidFill>
+                  <a:srgbClr val="FF0000"/>
+                </a:solidFill>
+                <a:effectLst/>
+                <a:latin typeface="Courier New" panose="02070309020205020404" pitchFamily="49" charset="0"/>
+                <a:cs typeface="Courier New" panose="02070309020205020404" pitchFamily="49" charset="0"/>
+              </a:rPr>
+              <a:t>emissiveColor</a:t>
+            </a:r>
+            <a:r>
+              <a:rPr lang="en-US" sz="1100" b="1" noProof="1">
+                <a:solidFill>
+                  <a:srgbClr val="000000"/>
+                </a:solidFill>
+                <a:effectLst/>
+                <a:latin typeface="Courier New" panose="02070309020205020404" pitchFamily="49" charset="0"/>
+                <a:cs typeface="Courier New" panose="02070309020205020404" pitchFamily="49" charset="0"/>
+              </a:rPr>
+              <a:t>=</a:t>
+            </a:r>
+            <a:r>
+              <a:rPr lang="en-US" sz="1100" b="1" noProof="1">
+                <a:solidFill>
+                  <a:srgbClr val="E21F1F"/>
+                </a:solidFill>
+                <a:effectLst/>
+                <a:latin typeface="Courier New" panose="02070309020205020404" pitchFamily="49" charset="0"/>
+                <a:cs typeface="Courier New" panose="02070309020205020404" pitchFamily="49" charset="0"/>
+              </a:rPr>
+              <a:t>"</a:t>
+            </a:r>
+            <a:r>
+              <a:rPr lang="en-US" sz="1100" b="1" noProof="1">
+                <a:solidFill>
+                  <a:srgbClr val="0000FF"/>
+                </a:solidFill>
+                <a:effectLst/>
+                <a:latin typeface="Courier New" panose="02070309020205020404" pitchFamily="49" charset="0"/>
+                <a:cs typeface="Courier New" panose="02070309020205020404" pitchFamily="49" charset="0"/>
+              </a:rPr>
+              <a:t>0 0 0</a:t>
+            </a:r>
+            <a:r>
+              <a:rPr lang="en-US" sz="1100" b="1" noProof="1">
+                <a:solidFill>
+                  <a:srgbClr val="E21F1F"/>
+                </a:solidFill>
+                <a:effectLst/>
+                <a:latin typeface="Courier New" panose="02070309020205020404" pitchFamily="49" charset="0"/>
+                <a:cs typeface="Courier New" panose="02070309020205020404" pitchFamily="49" charset="0"/>
+              </a:rPr>
+              <a:t>"</a:t>
+            </a:r>
+            <a:r>
+              <a:rPr lang="en-US" sz="1100" b="1" noProof="1">
+                <a:solidFill>
+                  <a:srgbClr val="800000"/>
+                </a:solidFill>
+                <a:effectLst/>
+                <a:latin typeface="Courier New" panose="02070309020205020404" pitchFamily="49" charset="0"/>
+                <a:cs typeface="Courier New" panose="02070309020205020404" pitchFamily="49" charset="0"/>
+              </a:rPr>
+              <a:t>/&gt;</a:t>
+            </a:r>
+            <a:endParaRPr lang="en-US" sz="1100" b="1" noProof="1">
+              <a:solidFill>
+                <a:srgbClr val="000000"/>
+              </a:solidFill>
+              <a:effectLst/>
+              <a:latin typeface="Courier New" panose="02070309020205020404" pitchFamily="49" charset="0"/>
+              <a:cs typeface="Courier New" panose="02070309020205020404" pitchFamily="49" charset="0"/>
+            </a:endParaRPr>
+          </a:p>
+          <a:p>
+            <a:r>
+              <a:rPr lang="en-US" sz="1100" b="1" noProof="1">
+                <a:solidFill>
+                  <a:srgbClr val="800000"/>
+                </a:solidFill>
+                <a:effectLst/>
+                <a:latin typeface="Courier New" panose="02070309020205020404" pitchFamily="49" charset="0"/>
+                <a:cs typeface="Courier New" panose="02070309020205020404" pitchFamily="49" charset="0"/>
+              </a:rPr>
+              <a:t>    &lt;/Appearance&gt;</a:t>
+            </a:r>
+            <a:endParaRPr lang="en-US" sz="1100" b="1" noProof="1">
+              <a:solidFill>
+                <a:srgbClr val="000000"/>
+              </a:solidFill>
+              <a:effectLst/>
+              <a:latin typeface="Courier New" panose="02070309020205020404" pitchFamily="49" charset="0"/>
+              <a:cs typeface="Courier New" panose="02070309020205020404" pitchFamily="49" charset="0"/>
+            </a:endParaRPr>
+          </a:p>
+          <a:p>
+            <a:r>
+              <a:rPr lang="en-US" sz="1100" b="1" noProof="1">
+                <a:solidFill>
+                  <a:srgbClr val="800000"/>
+                </a:solidFill>
+                <a:effectLst/>
+                <a:latin typeface="Courier New" panose="02070309020205020404" pitchFamily="49" charset="0"/>
+                <a:cs typeface="Courier New" panose="02070309020205020404" pitchFamily="49" charset="0"/>
+              </a:rPr>
+              <a:t>  &lt;/Shape&gt;</a:t>
+            </a:r>
+            <a:endParaRPr lang="en-US" sz="1100" b="1" noProof="1">
+              <a:solidFill>
+                <a:srgbClr val="000000"/>
+              </a:solidFill>
+              <a:effectLst/>
+              <a:latin typeface="Courier New" panose="02070309020205020404" pitchFamily="49" charset="0"/>
+              <a:cs typeface="Courier New" panose="02070309020205020404" pitchFamily="49" charset="0"/>
+            </a:endParaRPr>
+          </a:p>
+          <a:p>
+            <a:r>
+              <a:rPr lang="en-US" sz="1100" b="1" noProof="1">
+                <a:solidFill>
+                  <a:srgbClr val="800000"/>
+                </a:solidFill>
+                <a:effectLst/>
+                <a:latin typeface="Courier New" panose="02070309020205020404" pitchFamily="49" charset="0"/>
+                <a:cs typeface="Courier New" panose="02070309020205020404" pitchFamily="49" charset="0"/>
+              </a:rPr>
+              <a:t>&lt;/Transform&gt;</a:t>
+            </a:r>
+            <a:endParaRPr lang="en-US" sz="1100" b="1" noProof="1">
+              <a:solidFill>
+                <a:srgbClr val="000000"/>
+              </a:solidFill>
+              <a:effectLst/>
+              <a:latin typeface="Courier New" panose="02070309020205020404" pitchFamily="49" charset="0"/>
+              <a:cs typeface="Courier New" panose="02070309020205020404" pitchFamily="49" charset="0"/>
+            </a:endParaRPr>
+          </a:p>
+        </p:txBody>
+      </p:sp>
+      <p:grpSp>
+        <p:nvGrpSpPr>
+          <p:cNvPr id="2" name="Google Shape;485;p59">
+            <a:extLst>
+              <a:ext uri="{FF2B5EF4-FFF2-40B4-BE49-F238E27FC236}">
+                <a16:creationId xmlns:a16="http://schemas.microsoft.com/office/drawing/2014/main" id="{000A28BB-DDB0-9F4E-AF9B-94F45DBB8E63}"/>
+              </a:ext>
+            </a:extLst>
+          </p:cNvPr>
+          <p:cNvGrpSpPr/>
+          <p:nvPr/>
+        </p:nvGrpSpPr>
+        <p:grpSpPr>
+          <a:xfrm>
+            <a:off x="6076319" y="236999"/>
+            <a:ext cx="1556100" cy="1478008"/>
+            <a:chOff x="6076319" y="236999"/>
+            <a:chExt cx="1556100" cy="1478008"/>
+          </a:xfrm>
+        </p:grpSpPr>
+        <p:sp>
+          <p:nvSpPr>
+            <p:cNvPr id="3" name="Google Shape;486;p59">
+              <a:extLst>
+                <a:ext uri="{FF2B5EF4-FFF2-40B4-BE49-F238E27FC236}">
+                  <a16:creationId xmlns:a16="http://schemas.microsoft.com/office/drawing/2014/main" id="{D091BE56-9015-0BD2-40C0-ADBA0F8785A6}"/>
+                </a:ext>
+              </a:extLst>
+            </p:cNvPr>
+            <p:cNvSpPr/>
+            <p:nvPr/>
+          </p:nvSpPr>
+          <p:spPr>
+            <a:xfrm>
+              <a:off x="7376716" y="1636107"/>
+              <a:ext cx="164100" cy="78900"/>
+            </a:xfrm>
+            <a:prstGeom prst="rect">
+              <a:avLst/>
+            </a:prstGeom>
+            <a:noFill/>
+            <a:ln w="9525" cap="flat" cmpd="sng">
+              <a:solidFill>
+                <a:srgbClr val="FF0000"/>
+              </a:solidFill>
+              <a:prstDash val="solid"/>
+              <a:round/>
+              <a:headEnd type="none" w="sm" len="sm"/>
+              <a:tailEnd type="none" w="sm" len="sm"/>
+            </a:ln>
+          </p:spPr>
+          <p:txBody>
+            <a:bodyPr spcFirstLastPara="1" wrap="square" lIns="91425" tIns="91425" rIns="91425" bIns="91425" anchor="ctr" anchorCtr="0">
+              <a:noAutofit/>
+            </a:bodyPr>
+            <a:lstStyle/>
+            <a:p>
+              <a:pPr marL="0" lvl="0" indent="0" algn="l" rtl="0">
+                <a:spcBef>
+                  <a:spcPts val="0"/>
+                </a:spcBef>
+                <a:spcAft>
+                  <a:spcPts val="0"/>
+                </a:spcAft>
+                <a:buNone/>
+              </a:pPr>
+              <a:endParaRPr/>
+            </a:p>
+          </p:txBody>
+        </p:sp>
+        <p:cxnSp>
+          <p:nvCxnSpPr>
+            <p:cNvPr id="4" name="Google Shape;487;p59">
+              <a:extLst>
+                <a:ext uri="{FF2B5EF4-FFF2-40B4-BE49-F238E27FC236}">
+                  <a16:creationId xmlns:a16="http://schemas.microsoft.com/office/drawing/2014/main" id="{F500007E-5704-2FFE-46AF-82493C84AC55}"/>
+                </a:ext>
+              </a:extLst>
+            </p:cNvPr>
+            <p:cNvCxnSpPr>
+              <a:cxnSpLocks/>
+            </p:cNvCxnSpPr>
+            <p:nvPr/>
+          </p:nvCxnSpPr>
+          <p:spPr>
+            <a:xfrm>
+              <a:off x="6844095" y="528938"/>
+              <a:ext cx="614671" cy="1107169"/>
+            </a:xfrm>
+            <a:prstGeom prst="straightConnector1">
+              <a:avLst/>
+            </a:prstGeom>
+            <a:noFill/>
+            <a:ln w="9525" cap="flat" cmpd="sng">
+              <a:solidFill>
+                <a:srgbClr val="FF0000"/>
+              </a:solidFill>
+              <a:prstDash val="solid"/>
+              <a:round/>
+              <a:headEnd type="none" w="med" len="med"/>
+              <a:tailEnd type="triangle" w="med" len="med"/>
+            </a:ln>
+          </p:spPr>
+        </p:cxnSp>
+        <p:sp>
+          <p:nvSpPr>
+            <p:cNvPr id="5" name="Google Shape;488;p59">
+              <a:extLst>
+                <a:ext uri="{FF2B5EF4-FFF2-40B4-BE49-F238E27FC236}">
+                  <a16:creationId xmlns:a16="http://schemas.microsoft.com/office/drawing/2014/main" id="{E88A8C40-06A0-038F-6E19-1B4D1EC3AB6D}"/>
+                </a:ext>
+              </a:extLst>
+            </p:cNvPr>
+            <p:cNvSpPr txBox="1"/>
+            <p:nvPr/>
+          </p:nvSpPr>
+          <p:spPr>
+            <a:xfrm>
+              <a:off x="6076319" y="236999"/>
+              <a:ext cx="1556100" cy="369300"/>
+            </a:xfrm>
+            <a:prstGeom prst="rect">
+              <a:avLst/>
+            </a:prstGeom>
+            <a:noFill/>
+            <a:ln>
+              <a:noFill/>
+            </a:ln>
+          </p:spPr>
+          <p:txBody>
+            <a:bodyPr spcFirstLastPara="1" wrap="square" lIns="91425" tIns="91425" rIns="91425" bIns="91425" anchor="t" anchorCtr="0">
+              <a:spAutoFit/>
+            </a:bodyPr>
+            <a:lstStyle/>
+            <a:p>
+              <a:pPr marL="0" lvl="0" indent="0" algn="l" rtl="0">
+                <a:spcBef>
+                  <a:spcPts val="0"/>
+                </a:spcBef>
+                <a:spcAft>
+                  <a:spcPts val="0"/>
+                </a:spcAft>
+                <a:buNone/>
+              </a:pPr>
+              <a:r>
+                <a:rPr lang="en-BR" sz="1200" dirty="0">
+                  <a:solidFill>
+                    <a:srgbClr val="FF0000"/>
+                  </a:solidFill>
+                  <a:latin typeface="Calibri"/>
+                  <a:ea typeface="Calibri"/>
+                  <a:cs typeface="Calibri"/>
+                  <a:sym typeface="Calibri"/>
+                </a:rPr>
+                <a:t>Qual a cor do pixel?</a:t>
+              </a:r>
+              <a:endParaRPr dirty="0">
+                <a:solidFill>
+                  <a:srgbClr val="FF0000"/>
+                </a:solidFill>
+              </a:endParaRPr>
+            </a:p>
+          </p:txBody>
+        </p:sp>
+      </p:grpSp>
+      <p:sp>
+        <p:nvSpPr>
+          <p:cNvPr id="11" name="Google Shape;480;p59">
+            <a:extLst>
+              <a:ext uri="{FF2B5EF4-FFF2-40B4-BE49-F238E27FC236}">
+                <a16:creationId xmlns:a16="http://schemas.microsoft.com/office/drawing/2014/main" id="{B8B36761-3E4A-84A3-4D93-7AFAB199034E}"/>
+              </a:ext>
+            </a:extLst>
+          </p:cNvPr>
+          <p:cNvSpPr txBox="1">
+            <a:spLocks noGrp="1"/>
+          </p:cNvSpPr>
+          <p:nvPr>
+            <p:ph type="body" idx="1"/>
+          </p:nvPr>
+        </p:nvSpPr>
+        <p:spPr>
+          <a:xfrm>
+            <a:off x="390550" y="3002275"/>
+            <a:ext cx="8428200" cy="2643900"/>
+          </a:xfrm>
+          <a:prstGeom prst="rect">
+            <a:avLst/>
+          </a:prstGeom>
+        </p:spPr>
+        <p:txBody>
+          <a:bodyPr spcFirstLastPara="1" wrap="square" lIns="91425" tIns="45700" rIns="91425" bIns="45700" anchor="t" anchorCtr="0">
+            <a:normAutofit/>
+          </a:bodyPr>
+          <a:lstStyle/>
+          <a:p>
+            <a:pPr marL="0" lvl="0" indent="0" algn="l" rtl="0">
+              <a:spcBef>
+                <a:spcPts val="400"/>
+              </a:spcBef>
+              <a:spcAft>
+                <a:spcPts val="0"/>
+              </a:spcAft>
+              <a:buClr>
+                <a:schemeClr val="dk1"/>
+              </a:buClr>
+              <a:buSzPts val="1100"/>
+              <a:buFont typeface="Arial"/>
+              <a:buNone/>
+            </a:pPr>
+            <a:r>
+              <a:rPr lang="en-BR" sz="1200" b="1" dirty="0">
+                <a:highlight>
+                  <a:srgbClr val="FFFFFF"/>
+                </a:highlight>
+              </a:rPr>
+              <a:t>I</a:t>
+            </a:r>
+            <a:r>
+              <a:rPr lang="en-BR" sz="1100" b="1" baseline="-25000" dirty="0">
+                <a:highlight>
+                  <a:srgbClr val="FFFFFF"/>
+                </a:highlight>
+              </a:rPr>
+              <a:t> </a:t>
+            </a:r>
+            <a:r>
+              <a:rPr lang="en-BR" sz="1800" b="1" baseline="-25000" dirty="0">
+                <a:highlight>
+                  <a:srgbClr val="FFFFFF"/>
+                </a:highlight>
+              </a:rPr>
+              <a:t>L</a:t>
+            </a:r>
+            <a:r>
+              <a:rPr lang="en-BR" sz="1700" b="1" baseline="-25000" dirty="0">
+                <a:highlight>
+                  <a:srgbClr val="FFFFFF"/>
+                </a:highlight>
+              </a:rPr>
+              <a:t>rgb</a:t>
+            </a:r>
+            <a:r>
+              <a:rPr lang="en-BR" sz="1200" dirty="0">
+                <a:highlight>
+                  <a:srgbClr val="FFFFFF"/>
+                </a:highlight>
+              </a:rPr>
+              <a:t> = (1.0, 1.0, 1.0)</a:t>
+            </a:r>
+            <a:r>
+              <a:rPr lang="en-BR" sz="1200" i="1" dirty="0">
+                <a:highlight>
+                  <a:srgbClr val="FFFFFF"/>
+                </a:highlight>
+              </a:rPr>
+              <a:t>      </a:t>
+            </a:r>
+            <a:r>
+              <a:rPr lang="en-BR" sz="1200" b="1" i="1" dirty="0">
+                <a:highlight>
+                  <a:srgbClr val="FFFFFF"/>
+                </a:highlight>
+              </a:rPr>
+              <a:t> </a:t>
+            </a:r>
+            <a:r>
+              <a:rPr lang="en-BR" sz="1200" b="1" dirty="0">
+                <a:highlight>
+                  <a:srgbClr val="FFFFFF"/>
+                </a:highlight>
+              </a:rPr>
+              <a:t>I</a:t>
+            </a:r>
+            <a:r>
+              <a:rPr lang="en-BR" sz="1800" b="1" baseline="-25000" dirty="0">
+                <a:highlight>
+                  <a:srgbClr val="FFFFFF"/>
+                </a:highlight>
+              </a:rPr>
+              <a:t>i</a:t>
+            </a:r>
+            <a:r>
+              <a:rPr lang="en-BR" sz="1200" dirty="0">
+                <a:highlight>
+                  <a:srgbClr val="FFFFFF"/>
+                </a:highlight>
+              </a:rPr>
+              <a:t> = 1.0</a:t>
+            </a:r>
+            <a:r>
+              <a:rPr lang="en-BR" sz="1200" i="1" dirty="0">
+                <a:highlight>
+                  <a:srgbClr val="FFFFFF"/>
+                </a:highlight>
+              </a:rPr>
+              <a:t>      </a:t>
+            </a:r>
+            <a:r>
+              <a:rPr lang="en-BR" sz="1200" b="1" i="1" dirty="0">
+                <a:highlight>
+                  <a:srgbClr val="FFFFFF"/>
+                </a:highlight>
+              </a:rPr>
+              <a:t>  </a:t>
+            </a:r>
+            <a:r>
+              <a:rPr lang="en-BR" sz="1200" b="1" dirty="0">
+                <a:highlight>
+                  <a:srgbClr val="FFFFFF"/>
+                </a:highlight>
+              </a:rPr>
+              <a:t>I</a:t>
+            </a:r>
+            <a:r>
+              <a:rPr lang="en-BR" sz="1800" b="1" baseline="-25000" dirty="0">
+                <a:highlight>
+                  <a:srgbClr val="FFFFFF"/>
+                </a:highlight>
+              </a:rPr>
+              <a:t>ia</a:t>
+            </a:r>
+            <a:r>
+              <a:rPr lang="en-BR" sz="1200" dirty="0">
+                <a:highlight>
+                  <a:srgbClr val="FFFFFF"/>
+                </a:highlight>
+              </a:rPr>
+              <a:t> = 0.0</a:t>
+            </a:r>
+            <a:endParaRPr sz="1200" dirty="0">
+              <a:highlight>
+                <a:srgbClr val="FFFFFF"/>
+              </a:highlight>
+            </a:endParaRPr>
+          </a:p>
+          <a:p>
+            <a:pPr marL="0" lvl="0" indent="0" algn="l" rtl="0">
+              <a:spcBef>
+                <a:spcPts val="1000"/>
+              </a:spcBef>
+              <a:spcAft>
+                <a:spcPts val="0"/>
+              </a:spcAft>
+              <a:buClr>
+                <a:schemeClr val="dk1"/>
+              </a:buClr>
+              <a:buSzPts val="1100"/>
+              <a:buFont typeface="Arial"/>
+              <a:buNone/>
+            </a:pPr>
+            <a:r>
+              <a:rPr lang="en-BR" sz="1200" b="1" dirty="0">
+                <a:highlight>
+                  <a:srgbClr val="FFFFFF"/>
+                </a:highlight>
+              </a:rPr>
+              <a:t>O</a:t>
+            </a:r>
+            <a:r>
+              <a:rPr lang="en-BR" sz="1800" b="1" baseline="-25000" dirty="0">
+                <a:highlight>
+                  <a:srgbClr val="FFFFFF"/>
+                </a:highlight>
+              </a:rPr>
+              <a:t>E</a:t>
+            </a:r>
+            <a:r>
+              <a:rPr lang="en-BR" sz="1700" b="1" baseline="-25000" dirty="0">
+                <a:highlight>
+                  <a:srgbClr val="FFFFFF"/>
+                </a:highlight>
+              </a:rPr>
+              <a:t>rgb</a:t>
+            </a:r>
+            <a:r>
+              <a:rPr lang="en-BR" sz="1200" dirty="0">
+                <a:highlight>
+                  <a:srgbClr val="FFFFFF"/>
+                </a:highlight>
+              </a:rPr>
+              <a:t> = (0.0, 0.0, 0.0)</a:t>
+            </a:r>
+            <a:r>
+              <a:rPr lang="en-BR" sz="1200" i="1" dirty="0">
+                <a:highlight>
+                  <a:srgbClr val="FFFFFF"/>
+                </a:highlight>
+              </a:rPr>
+              <a:t>      </a:t>
+            </a:r>
+            <a:r>
+              <a:rPr lang="en-BR" sz="1200" b="1" dirty="0">
+                <a:highlight>
+                  <a:srgbClr val="FFFFFF"/>
+                </a:highlight>
+              </a:rPr>
+              <a:t>O</a:t>
+            </a:r>
+            <a:r>
+              <a:rPr lang="en-BR" sz="1800" b="1" baseline="-25000" dirty="0">
+                <a:highlight>
+                  <a:srgbClr val="FFFFFF"/>
+                </a:highlight>
+              </a:rPr>
+              <a:t>D</a:t>
+            </a:r>
+            <a:r>
+              <a:rPr lang="en-BR" sz="1700" b="1" baseline="-25000" dirty="0">
+                <a:highlight>
+                  <a:srgbClr val="FFFFFF"/>
+                </a:highlight>
+              </a:rPr>
+              <a:t>rgb</a:t>
+            </a:r>
+            <a:r>
+              <a:rPr lang="en-BR" sz="1200" dirty="0">
+                <a:highlight>
+                  <a:srgbClr val="FFFFFF"/>
+                </a:highlight>
+              </a:rPr>
+              <a:t> = (1.0, 1.0, 0.0)</a:t>
+            </a:r>
+            <a:r>
+              <a:rPr lang="en-BR" sz="1200" i="1" dirty="0">
+                <a:highlight>
+                  <a:srgbClr val="FFFFFF"/>
+                </a:highlight>
+              </a:rPr>
+              <a:t> </a:t>
+            </a:r>
+            <a:r>
+              <a:rPr lang="en-BR" sz="1200" dirty="0">
+                <a:highlight>
+                  <a:srgbClr val="FFFFFF"/>
+                </a:highlight>
+              </a:rPr>
+              <a:t>       </a:t>
+            </a:r>
+            <a:r>
+              <a:rPr lang="en-BR" sz="1200" b="1" dirty="0">
+                <a:highlight>
+                  <a:srgbClr val="FFFFFF"/>
+                </a:highlight>
+              </a:rPr>
+              <a:t>O</a:t>
+            </a:r>
+            <a:r>
+              <a:rPr lang="en-BR" sz="1800" b="1" baseline="-25000" dirty="0">
+                <a:highlight>
+                  <a:srgbClr val="FFFFFF"/>
+                </a:highlight>
+              </a:rPr>
+              <a:t>S</a:t>
+            </a:r>
+            <a:r>
+              <a:rPr lang="en-BR" sz="1700" b="1" baseline="-25000" dirty="0">
+                <a:highlight>
+                  <a:srgbClr val="FFFFFF"/>
+                </a:highlight>
+              </a:rPr>
+              <a:t>rgb</a:t>
+            </a:r>
+            <a:r>
+              <a:rPr lang="en-BR" sz="1200" dirty="0">
+                <a:highlight>
+                  <a:srgbClr val="FFFFFF"/>
+                </a:highlight>
+              </a:rPr>
+              <a:t> = (1.0, 1.0, 1.0)</a:t>
+            </a:r>
+            <a:r>
+              <a:rPr lang="en-BR" sz="1200" i="1" dirty="0">
+                <a:highlight>
+                  <a:srgbClr val="FFFFFF"/>
+                </a:highlight>
+              </a:rPr>
+              <a:t>      </a:t>
+            </a:r>
+            <a:r>
+              <a:rPr lang="en-BR" sz="1200" b="1" dirty="0">
+                <a:highlight>
+                  <a:srgbClr val="FFFFFF"/>
+                </a:highlight>
+              </a:rPr>
+              <a:t>O</a:t>
+            </a:r>
+            <a:r>
+              <a:rPr lang="en-BR" sz="1800" b="1" baseline="-25000" dirty="0">
+                <a:highlight>
+                  <a:srgbClr val="FFFFFF"/>
+                </a:highlight>
+              </a:rPr>
+              <a:t>a</a:t>
+            </a:r>
+            <a:r>
+              <a:rPr lang="en-BR" sz="1200" dirty="0">
+                <a:highlight>
+                  <a:srgbClr val="FFFFFF"/>
+                </a:highlight>
+              </a:rPr>
+              <a:t> = 0.2</a:t>
+            </a:r>
+            <a:endParaRPr sz="1200" i="1" dirty="0">
+              <a:highlight>
+                <a:srgbClr val="FFFFFF"/>
+              </a:highlight>
+            </a:endParaRPr>
+          </a:p>
+          <a:p>
+            <a:pPr marL="0" lvl="0" indent="0" algn="l" rtl="0">
+              <a:lnSpc>
+                <a:spcPct val="115000"/>
+              </a:lnSpc>
+              <a:spcBef>
+                <a:spcPts val="1000"/>
+              </a:spcBef>
+              <a:spcAft>
+                <a:spcPts val="0"/>
+              </a:spcAft>
+              <a:buNone/>
+            </a:pPr>
+            <a:endParaRPr sz="1400" b="1" dirty="0">
+              <a:highlight>
+                <a:srgbClr val="FFFFFF"/>
+              </a:highlight>
+            </a:endParaRPr>
+          </a:p>
+          <a:p>
+            <a:pPr marL="0" lvl="0" indent="0" algn="l" rtl="0">
+              <a:lnSpc>
+                <a:spcPct val="115000"/>
+              </a:lnSpc>
+              <a:spcBef>
+                <a:spcPts val="1000"/>
+              </a:spcBef>
+              <a:spcAft>
+                <a:spcPts val="0"/>
+              </a:spcAft>
+              <a:buClr>
+                <a:schemeClr val="dk1"/>
+              </a:buClr>
+              <a:buSzPts val="1100"/>
+              <a:buFont typeface="Arial"/>
+              <a:buNone/>
+            </a:pPr>
+            <a:r>
+              <a:rPr lang="en-BR" sz="1400" b="1" dirty="0">
+                <a:highlight>
+                  <a:srgbClr val="FFFFFF"/>
+                </a:highlight>
+              </a:rPr>
+              <a:t>L</a:t>
+            </a:r>
+            <a:r>
+              <a:rPr lang="en-BR" sz="1200" dirty="0">
+                <a:highlight>
+                  <a:srgbClr val="FFFFFF"/>
+                </a:highlight>
+              </a:rPr>
+              <a:t> = (0.0, 0.8, 0.6)</a:t>
+            </a:r>
+            <a:endParaRPr sz="1200" dirty="0">
+              <a:highlight>
+                <a:srgbClr val="FFFFFF"/>
+              </a:highlight>
+            </a:endParaRPr>
+          </a:p>
+          <a:p>
+            <a:pPr marL="0" lvl="0" indent="0" algn="l" rtl="0">
+              <a:lnSpc>
+                <a:spcPct val="115000"/>
+              </a:lnSpc>
+              <a:spcBef>
+                <a:spcPts val="1000"/>
+              </a:spcBef>
+              <a:spcAft>
+                <a:spcPts val="0"/>
+              </a:spcAft>
+              <a:buClr>
+                <a:schemeClr val="dk1"/>
+              </a:buClr>
+              <a:buSzPts val="1100"/>
+              <a:buFont typeface="Arial"/>
+              <a:buNone/>
+            </a:pPr>
+            <a:r>
+              <a:rPr lang="en-BR" sz="1400" b="1" dirty="0">
+                <a:highlight>
+                  <a:srgbClr val="FFFFFF"/>
+                </a:highlight>
+              </a:rPr>
+              <a:t>N</a:t>
+            </a:r>
+            <a:r>
+              <a:rPr lang="en-BR" sz="1200" dirty="0">
+                <a:highlight>
+                  <a:srgbClr val="FFFFFF"/>
+                </a:highlight>
+              </a:rPr>
+              <a:t> = (0.0, 0.0, 1.0)</a:t>
+            </a:r>
+            <a:endParaRPr sz="1000" b="1" dirty="0"/>
+          </a:p>
+          <a:p>
+            <a:pPr marL="0" lvl="0" indent="0" algn="l" rtl="0">
+              <a:lnSpc>
+                <a:spcPct val="115000"/>
+              </a:lnSpc>
+              <a:spcBef>
+                <a:spcPts val="1000"/>
+              </a:spcBef>
+              <a:spcAft>
+                <a:spcPts val="0"/>
+              </a:spcAft>
+              <a:buNone/>
+            </a:pPr>
+            <a:r>
+              <a:rPr lang="en-BR" sz="1000" b="1" dirty="0"/>
+              <a:t>V</a:t>
+            </a:r>
+            <a:r>
+              <a:rPr lang="en-BR" sz="1200" dirty="0"/>
+              <a:t> = </a:t>
+            </a:r>
+            <a:r>
+              <a:rPr lang="en-BR" sz="1200" dirty="0">
+                <a:highlight>
+                  <a:srgbClr val="FFFFFF"/>
+                </a:highlight>
+              </a:rPr>
+              <a:t>(0.0, 0.0, 1.0)*  [Supondo no meio da tela]</a:t>
+            </a:r>
+            <a:endParaRPr sz="1200" dirty="0">
+              <a:highlight>
+                <a:srgbClr val="FFFFFF"/>
+              </a:highlight>
+            </a:endParaRPr>
+          </a:p>
+          <a:p>
+            <a:pPr marL="0" lvl="0" indent="0" algn="l" rtl="0">
+              <a:lnSpc>
+                <a:spcPct val="115000"/>
+              </a:lnSpc>
+              <a:spcBef>
+                <a:spcPts val="1000"/>
+              </a:spcBef>
+              <a:spcAft>
+                <a:spcPts val="1000"/>
+              </a:spcAft>
+              <a:buNone/>
+            </a:pPr>
+            <a:r>
+              <a:rPr lang="en-BR" sz="900" dirty="0">
+                <a:highlight>
+                  <a:srgbClr val="FFFFFF"/>
+                </a:highlight>
+              </a:rPr>
+              <a:t>*(essa é uma aproximação, mas podem usar no projeto se desejarem)</a:t>
+            </a:r>
+            <a:endParaRPr sz="900" dirty="0">
+              <a:highlight>
+                <a:srgbClr val="FFFFFF"/>
+              </a:highlight>
+            </a:endParaRPr>
+          </a:p>
+        </p:txBody>
+      </p:sp>
+      <p:sp>
+        <p:nvSpPr>
+          <p:cNvPr id="12" name="Cube 11">
+            <a:extLst>
+              <a:ext uri="{FF2B5EF4-FFF2-40B4-BE49-F238E27FC236}">
+                <a16:creationId xmlns:a16="http://schemas.microsoft.com/office/drawing/2014/main" id="{E12CAC65-9209-9B57-F44F-513FBE84FEE5}"/>
+              </a:ext>
+            </a:extLst>
+          </p:cNvPr>
+          <p:cNvSpPr/>
+          <p:nvPr/>
+        </p:nvSpPr>
+        <p:spPr>
+          <a:xfrm flipH="1">
+            <a:off x="7074641" y="4331167"/>
+            <a:ext cx="927649" cy="914143"/>
+          </a:xfrm>
+          <a:prstGeom prst="cube">
+            <a:avLst/>
+          </a:prstGeom>
+          <a:solidFill>
+            <a:srgbClr val="00B050"/>
+          </a:solidFill>
+          <a:ln>
+            <a:noFill/>
+          </a:ln>
+        </p:spPr>
+        <p:style>
+          <a:lnRef idx="2">
+            <a:schemeClr val="accent1">
+              <a:shade val="15000"/>
+            </a:schemeClr>
+          </a:lnRef>
+          <a:fillRef idx="1">
+            <a:schemeClr val="accent1"/>
+          </a:fillRef>
+          <a:effectRef idx="0">
+            <a:schemeClr val="accent1"/>
+          </a:effectRef>
+          <a:fontRef idx="minor">
+            <a:schemeClr val="lt1"/>
+          </a:fontRef>
+        </p:style>
+        <p:txBody>
+          <a:bodyPr rtlCol="0" anchor="ctr"/>
+          <a:lstStyle/>
+          <a:p>
+            <a:pPr algn="ctr"/>
+            <a:endParaRPr lang="en-US"/>
+          </a:p>
+        </p:txBody>
+      </p:sp>
+      <p:sp>
+        <p:nvSpPr>
+          <p:cNvPr id="13" name="Sun 12">
+            <a:extLst>
+              <a:ext uri="{FF2B5EF4-FFF2-40B4-BE49-F238E27FC236}">
+                <a16:creationId xmlns:a16="http://schemas.microsoft.com/office/drawing/2014/main" id="{19ACB101-4F5F-E273-79F2-9EACBA133C9C}"/>
+              </a:ext>
+            </a:extLst>
+          </p:cNvPr>
+          <p:cNvSpPr/>
+          <p:nvPr/>
+        </p:nvSpPr>
+        <p:spPr>
+          <a:xfrm>
+            <a:off x="4751109" y="3921551"/>
+            <a:ext cx="273378" cy="273378"/>
+          </a:xfrm>
+          <a:prstGeom prst="sun">
+            <a:avLst/>
+          </a:prstGeom>
+          <a:solidFill>
+            <a:srgbClr val="FFFF00"/>
+          </a:solidFill>
+          <a:ln>
+            <a:solidFill>
+              <a:srgbClr val="FFC000"/>
+            </a:solidFill>
+          </a:ln>
+        </p:spPr>
+        <p:style>
+          <a:lnRef idx="2">
+            <a:schemeClr val="accent1">
+              <a:shade val="15000"/>
+            </a:schemeClr>
+          </a:lnRef>
+          <a:fillRef idx="1">
+            <a:schemeClr val="accent1"/>
+          </a:fillRef>
+          <a:effectRef idx="0">
+            <a:schemeClr val="accent1"/>
+          </a:effectRef>
+          <a:fontRef idx="minor">
+            <a:schemeClr val="lt1"/>
+          </a:fontRef>
+        </p:style>
+        <p:txBody>
+          <a:bodyPr rtlCol="0" anchor="ctr"/>
+          <a:lstStyle/>
+          <a:p>
+            <a:pPr algn="ctr"/>
+            <a:endParaRPr lang="en-US"/>
+          </a:p>
+        </p:txBody>
+      </p:sp>
+      <p:cxnSp>
+        <p:nvCxnSpPr>
+          <p:cNvPr id="14" name="Straight Arrow Connector 13">
+            <a:extLst>
+              <a:ext uri="{FF2B5EF4-FFF2-40B4-BE49-F238E27FC236}">
+                <a16:creationId xmlns:a16="http://schemas.microsoft.com/office/drawing/2014/main" id="{0269FED1-DEC9-BB26-A4C1-F85663D804E1}"/>
+              </a:ext>
+            </a:extLst>
+          </p:cNvPr>
+          <p:cNvCxnSpPr/>
+          <p:nvPr/>
+        </p:nvCxnSpPr>
+        <p:spPr>
+          <a:xfrm>
+            <a:off x="4887798" y="4058240"/>
+            <a:ext cx="617456" cy="956820"/>
+          </a:xfrm>
+          <a:prstGeom prst="straightConnector1">
+            <a:avLst/>
+          </a:prstGeom>
+          <a:ln w="28575">
+            <a:solidFill>
+              <a:srgbClr val="FF0004">
+                <a:alpha val="23137"/>
+              </a:srgbClr>
+            </a:solidFill>
+            <a:tailEnd type="triangle"/>
+          </a:ln>
+        </p:spPr>
+        <p:style>
+          <a:lnRef idx="1">
+            <a:schemeClr val="accent1"/>
+          </a:lnRef>
+          <a:fillRef idx="0">
+            <a:schemeClr val="accent1"/>
+          </a:fillRef>
+          <a:effectRef idx="0">
+            <a:schemeClr val="accent1"/>
+          </a:effectRef>
+          <a:fontRef idx="minor">
+            <a:schemeClr val="tx1"/>
+          </a:fontRef>
+        </p:style>
+      </p:cxnSp>
+      <p:sp>
+        <p:nvSpPr>
+          <p:cNvPr id="15" name="TextBox 14">
+            <a:extLst>
+              <a:ext uri="{FF2B5EF4-FFF2-40B4-BE49-F238E27FC236}">
+                <a16:creationId xmlns:a16="http://schemas.microsoft.com/office/drawing/2014/main" id="{B6B12D1C-6109-9013-1640-DEEE5F8B4A69}"/>
+              </a:ext>
+            </a:extLst>
+          </p:cNvPr>
+          <p:cNvSpPr txBox="1"/>
+          <p:nvPr/>
+        </p:nvSpPr>
+        <p:spPr>
+          <a:xfrm>
+            <a:off x="4212935" y="4322030"/>
+            <a:ext cx="959177" cy="261610"/>
+          </a:xfrm>
+          <a:prstGeom prst="rect">
+            <a:avLst/>
+          </a:prstGeom>
+          <a:noFill/>
+        </p:spPr>
+        <p:txBody>
+          <a:bodyPr wrap="square">
+            <a:spAutoFit/>
+          </a:bodyPr>
+          <a:lstStyle/>
+          <a:p>
+            <a:pPr marL="0" lvl="0" indent="0" algn="ctr" rtl="0">
+              <a:spcBef>
+                <a:spcPts val="0"/>
+              </a:spcBef>
+              <a:spcAft>
+                <a:spcPts val="0"/>
+              </a:spcAft>
+              <a:buNone/>
+            </a:pPr>
+            <a:r>
+              <a:rPr lang="pt-BR" sz="1050" dirty="0"/>
+              <a:t>(0, -0.8, -0.6)</a:t>
+            </a:r>
+          </a:p>
+        </p:txBody>
+      </p:sp>
+      <p:cxnSp>
+        <p:nvCxnSpPr>
+          <p:cNvPr id="16" name="Straight Arrow Connector 15">
+            <a:extLst>
+              <a:ext uri="{FF2B5EF4-FFF2-40B4-BE49-F238E27FC236}">
+                <a16:creationId xmlns:a16="http://schemas.microsoft.com/office/drawing/2014/main" id="{7218A4F9-9533-1B56-CC4D-9245F055114E}"/>
+              </a:ext>
+            </a:extLst>
+          </p:cNvPr>
+          <p:cNvCxnSpPr/>
+          <p:nvPr/>
+        </p:nvCxnSpPr>
+        <p:spPr>
+          <a:xfrm>
+            <a:off x="6579289" y="3886900"/>
+            <a:ext cx="617456" cy="956820"/>
+          </a:xfrm>
+          <a:prstGeom prst="straightConnector1">
+            <a:avLst/>
+          </a:prstGeom>
+          <a:ln w="28575">
+            <a:headEnd type="triangle" w="med" len="med"/>
+            <a:tailEnd type="none" w="med" len="med"/>
+          </a:ln>
+        </p:spPr>
+        <p:style>
+          <a:lnRef idx="1">
+            <a:schemeClr val="dk1"/>
+          </a:lnRef>
+          <a:fillRef idx="0">
+            <a:schemeClr val="dk1"/>
+          </a:fillRef>
+          <a:effectRef idx="0">
+            <a:schemeClr val="dk1"/>
+          </a:effectRef>
+          <a:fontRef idx="minor">
+            <a:schemeClr val="tx1"/>
+          </a:fontRef>
+        </p:style>
+      </p:cxnSp>
+      <p:sp>
+        <p:nvSpPr>
+          <p:cNvPr id="17" name="TextBox 16">
+            <a:extLst>
+              <a:ext uri="{FF2B5EF4-FFF2-40B4-BE49-F238E27FC236}">
+                <a16:creationId xmlns:a16="http://schemas.microsoft.com/office/drawing/2014/main" id="{504A56EC-8B9C-56F3-369F-2B5C868A34DF}"/>
+              </a:ext>
+            </a:extLst>
+          </p:cNvPr>
+          <p:cNvSpPr txBox="1"/>
+          <p:nvPr/>
+        </p:nvSpPr>
+        <p:spPr>
+          <a:xfrm>
+            <a:off x="5945846" y="4084021"/>
+            <a:ext cx="959177" cy="415498"/>
+          </a:xfrm>
+          <a:prstGeom prst="rect">
+            <a:avLst/>
+          </a:prstGeom>
+          <a:noFill/>
+        </p:spPr>
+        <p:txBody>
+          <a:bodyPr wrap="square">
+            <a:spAutoFit/>
+          </a:bodyPr>
+          <a:lstStyle/>
+          <a:p>
+            <a:pPr marL="0" lvl="0" indent="0" algn="ctr" rtl="0">
+              <a:spcBef>
+                <a:spcPts val="0"/>
+              </a:spcBef>
+              <a:spcAft>
+                <a:spcPts val="0"/>
+              </a:spcAft>
+              <a:buNone/>
+            </a:pPr>
+            <a:r>
+              <a:rPr lang="pt-BR" sz="1050" dirty="0"/>
+              <a:t>L</a:t>
+            </a:r>
+            <a:br>
+              <a:rPr lang="pt-BR" sz="1050" dirty="0"/>
+            </a:br>
+            <a:r>
+              <a:rPr lang="pt-BR" sz="1050" dirty="0"/>
+              <a:t>(0, 0.8, 0.6)</a:t>
+            </a:r>
+          </a:p>
+        </p:txBody>
+      </p:sp>
+      <p:cxnSp>
+        <p:nvCxnSpPr>
+          <p:cNvPr id="18" name="Straight Arrow Connector 17">
+            <a:extLst>
+              <a:ext uri="{FF2B5EF4-FFF2-40B4-BE49-F238E27FC236}">
+                <a16:creationId xmlns:a16="http://schemas.microsoft.com/office/drawing/2014/main" id="{979F671D-1D39-B645-B2B2-40D2E0518930}"/>
+              </a:ext>
+            </a:extLst>
+          </p:cNvPr>
+          <p:cNvCxnSpPr>
+            <a:cxnSpLocks/>
+          </p:cNvCxnSpPr>
+          <p:nvPr/>
+        </p:nvCxnSpPr>
+        <p:spPr>
+          <a:xfrm flipV="1">
+            <a:off x="6676324" y="4835587"/>
+            <a:ext cx="520421" cy="476208"/>
+          </a:xfrm>
+          <a:prstGeom prst="straightConnector1">
+            <a:avLst/>
+          </a:prstGeom>
+          <a:ln w="28575">
+            <a:headEnd type="triangle" w="med" len="med"/>
+            <a:tailEnd type="none" w="med" len="med"/>
+          </a:ln>
+        </p:spPr>
+        <p:style>
+          <a:lnRef idx="1">
+            <a:schemeClr val="dk1"/>
+          </a:lnRef>
+          <a:fillRef idx="0">
+            <a:schemeClr val="dk1"/>
+          </a:fillRef>
+          <a:effectRef idx="0">
+            <a:schemeClr val="dk1"/>
+          </a:effectRef>
+          <a:fontRef idx="minor">
+            <a:schemeClr val="tx1"/>
+          </a:fontRef>
+        </p:style>
+      </p:cxnSp>
+      <p:sp>
+        <p:nvSpPr>
+          <p:cNvPr id="19" name="TextBox 18">
+            <a:extLst>
+              <a:ext uri="{FF2B5EF4-FFF2-40B4-BE49-F238E27FC236}">
+                <a16:creationId xmlns:a16="http://schemas.microsoft.com/office/drawing/2014/main" id="{6A5D2E47-9B6C-A13B-E38E-CE099E45369E}"/>
+              </a:ext>
+            </a:extLst>
+          </p:cNvPr>
+          <p:cNvSpPr txBox="1"/>
+          <p:nvPr/>
+        </p:nvSpPr>
+        <p:spPr>
+          <a:xfrm>
+            <a:off x="6456945" y="5155956"/>
+            <a:ext cx="959177" cy="415498"/>
+          </a:xfrm>
+          <a:prstGeom prst="rect">
+            <a:avLst/>
+          </a:prstGeom>
+          <a:noFill/>
+        </p:spPr>
+        <p:txBody>
+          <a:bodyPr wrap="square">
+            <a:spAutoFit/>
+          </a:bodyPr>
+          <a:lstStyle/>
+          <a:p>
+            <a:pPr marL="0" lvl="0" indent="0" algn="ctr" rtl="0">
+              <a:spcBef>
+                <a:spcPts val="0"/>
+              </a:spcBef>
+              <a:spcAft>
+                <a:spcPts val="0"/>
+              </a:spcAft>
+              <a:buNone/>
+            </a:pPr>
+            <a:r>
+              <a:rPr lang="pt-BR" sz="1050" dirty="0"/>
+              <a:t>N</a:t>
+            </a:r>
+            <a:br>
+              <a:rPr lang="pt-BR" sz="1050" dirty="0"/>
+            </a:br>
+            <a:r>
+              <a:rPr lang="pt-BR" sz="1050" dirty="0"/>
+              <a:t>(0, 0, 1)</a:t>
+            </a:r>
+          </a:p>
+        </p:txBody>
+      </p:sp>
+      <p:sp>
+        <p:nvSpPr>
+          <p:cNvPr id="20" name="TextBox 19">
+            <a:extLst>
+              <a:ext uri="{FF2B5EF4-FFF2-40B4-BE49-F238E27FC236}">
+                <a16:creationId xmlns:a16="http://schemas.microsoft.com/office/drawing/2014/main" id="{8E43C226-8BE2-9C68-C0B0-187F3ACA7F5D}"/>
+              </a:ext>
+            </a:extLst>
+          </p:cNvPr>
+          <p:cNvSpPr txBox="1"/>
+          <p:nvPr/>
+        </p:nvSpPr>
+        <p:spPr>
+          <a:xfrm>
+            <a:off x="5945846" y="4859479"/>
+            <a:ext cx="959177" cy="415498"/>
+          </a:xfrm>
+          <a:prstGeom prst="rect">
+            <a:avLst/>
+          </a:prstGeom>
+          <a:noFill/>
+        </p:spPr>
+        <p:txBody>
+          <a:bodyPr wrap="square">
+            <a:spAutoFit/>
+          </a:bodyPr>
+          <a:lstStyle/>
+          <a:p>
+            <a:pPr marL="0" lvl="0" indent="0" algn="ctr" rtl="0">
+              <a:spcBef>
+                <a:spcPts val="0"/>
+              </a:spcBef>
+              <a:spcAft>
+                <a:spcPts val="0"/>
+              </a:spcAft>
+              <a:buNone/>
+            </a:pPr>
+            <a:r>
+              <a:rPr lang="pt-BR" sz="1050" dirty="0"/>
+              <a:t>v</a:t>
+            </a:r>
+            <a:br>
+              <a:rPr lang="pt-BR" sz="1050" dirty="0"/>
+            </a:br>
+            <a:r>
+              <a:rPr lang="pt-BR" sz="1050" dirty="0"/>
+              <a:t>(0, 0, 1)</a:t>
+            </a:r>
+          </a:p>
+        </p:txBody>
+      </p:sp>
+      <p:grpSp>
+        <p:nvGrpSpPr>
+          <p:cNvPr id="21" name="Group 20">
+            <a:extLst>
+              <a:ext uri="{FF2B5EF4-FFF2-40B4-BE49-F238E27FC236}">
+                <a16:creationId xmlns:a16="http://schemas.microsoft.com/office/drawing/2014/main" id="{88C1BED6-4067-071B-1E49-F06D61685B3D}"/>
+              </a:ext>
+            </a:extLst>
+          </p:cNvPr>
+          <p:cNvGrpSpPr/>
+          <p:nvPr/>
+        </p:nvGrpSpPr>
+        <p:grpSpPr>
+          <a:xfrm rot="19036721">
+            <a:off x="6320255" y="5388975"/>
+            <a:ext cx="273378" cy="178574"/>
+            <a:chOff x="5024487" y="2460396"/>
+            <a:chExt cx="829558" cy="541879"/>
+          </a:xfrm>
+        </p:grpSpPr>
+        <p:sp>
+          <p:nvSpPr>
+            <p:cNvPr id="22" name="Rectangle 21">
+              <a:extLst>
+                <a:ext uri="{FF2B5EF4-FFF2-40B4-BE49-F238E27FC236}">
+                  <a16:creationId xmlns:a16="http://schemas.microsoft.com/office/drawing/2014/main" id="{14144C9A-14E9-AE78-54C2-D2F4532A02CC}"/>
+                </a:ext>
+              </a:extLst>
+            </p:cNvPr>
+            <p:cNvSpPr/>
+            <p:nvPr/>
+          </p:nvSpPr>
+          <p:spPr>
+            <a:xfrm>
+              <a:off x="5024487" y="2460396"/>
+              <a:ext cx="650449" cy="541879"/>
+            </a:xfrm>
+            <a:prstGeom prst="rect">
+              <a:avLst/>
+            </a:prstGeom>
+            <a:solidFill>
+              <a:schemeClr val="tx1">
+                <a:lumMod val="75000"/>
+                <a:lumOff val="25000"/>
+              </a:schemeClr>
+            </a:solidFill>
+            <a:ln>
+              <a:noFill/>
+            </a:ln>
+          </p:spPr>
+          <p:style>
+            <a:lnRef idx="2">
+              <a:schemeClr val="accent1">
+                <a:shade val="15000"/>
+              </a:schemeClr>
+            </a:lnRef>
+            <a:fillRef idx="1">
+              <a:schemeClr val="accent1"/>
+            </a:fillRef>
+            <a:effectRef idx="0">
+              <a:schemeClr val="accent1"/>
+            </a:effectRef>
+            <a:fontRef idx="minor">
+              <a:schemeClr val="lt1"/>
+            </a:fontRef>
+          </p:style>
+          <p:txBody>
+            <a:bodyPr rtlCol="0" anchor="ctr"/>
+            <a:lstStyle/>
+            <a:p>
+              <a:pPr algn="ctr"/>
+              <a:endParaRPr lang="en-US"/>
+            </a:p>
+          </p:txBody>
+        </p:sp>
+        <p:sp>
+          <p:nvSpPr>
+            <p:cNvPr id="23" name="Trapezoid 22">
+              <a:extLst>
+                <a:ext uri="{FF2B5EF4-FFF2-40B4-BE49-F238E27FC236}">
+                  <a16:creationId xmlns:a16="http://schemas.microsoft.com/office/drawing/2014/main" id="{2A657171-8693-6B29-6D72-54DFEB24A4E6}"/>
+                </a:ext>
+              </a:extLst>
+            </p:cNvPr>
+            <p:cNvSpPr/>
+            <p:nvPr/>
+          </p:nvSpPr>
+          <p:spPr>
+            <a:xfrm rot="16200000">
+              <a:off x="5559580" y="2634003"/>
+              <a:ext cx="394270" cy="194661"/>
+            </a:xfrm>
+            <a:prstGeom prst="trapezoid">
+              <a:avLst/>
+            </a:prstGeom>
+            <a:solidFill>
+              <a:schemeClr val="tx1">
+                <a:lumMod val="75000"/>
+                <a:lumOff val="25000"/>
+              </a:schemeClr>
+            </a:solidFill>
+            <a:ln>
+              <a:noFill/>
+            </a:ln>
+          </p:spPr>
+          <p:style>
+            <a:lnRef idx="2">
+              <a:schemeClr val="accent1">
+                <a:shade val="15000"/>
+              </a:schemeClr>
+            </a:lnRef>
+            <a:fillRef idx="1">
+              <a:schemeClr val="accent1"/>
+            </a:fillRef>
+            <a:effectRef idx="0">
+              <a:schemeClr val="accent1"/>
+            </a:effectRef>
+            <a:fontRef idx="minor">
+              <a:schemeClr val="lt1"/>
+            </a:fontRef>
+          </p:style>
+          <p:txBody>
+            <a:bodyPr rtlCol="0" anchor="ctr"/>
+            <a:lstStyle/>
+            <a:p>
+              <a:pPr algn="ctr"/>
+              <a:endParaRPr lang="en-US"/>
+            </a:p>
+          </p:txBody>
+        </p:sp>
+      </p:grpSp>
+      <p:sp>
+        <p:nvSpPr>
+          <p:cNvPr id="25" name="TextBox 24">
+            <a:extLst>
+              <a:ext uri="{FF2B5EF4-FFF2-40B4-BE49-F238E27FC236}">
+                <a16:creationId xmlns:a16="http://schemas.microsoft.com/office/drawing/2014/main" id="{3D3A716B-4400-ABF3-80BD-39A6F717A6A6}"/>
+              </a:ext>
+            </a:extLst>
+          </p:cNvPr>
+          <p:cNvSpPr txBox="1"/>
+          <p:nvPr/>
+        </p:nvSpPr>
+        <p:spPr>
+          <a:xfrm>
+            <a:off x="2025079" y="2343744"/>
+            <a:ext cx="5520513" cy="1107996"/>
+          </a:xfrm>
+          <a:prstGeom prst="rect">
+            <a:avLst/>
+          </a:prstGeom>
+          <a:noFill/>
+        </p:spPr>
+        <p:txBody>
+          <a:bodyPr wrap="square">
+            <a:spAutoFit/>
+          </a:bodyPr>
+          <a:lstStyle/>
+          <a:p>
+            <a:pPr marL="0" lvl="0" indent="0" algn="l" rtl="0">
+              <a:spcBef>
+                <a:spcPts val="0"/>
+              </a:spcBef>
+              <a:spcAft>
+                <a:spcPts val="0"/>
+              </a:spcAft>
+              <a:buNone/>
+            </a:pPr>
+            <a:r>
+              <a:rPr lang="pt-BR" sz="6600" dirty="0">
+                <a:solidFill>
+                  <a:srgbClr val="FF0000"/>
+                </a:solidFill>
+              </a:rPr>
+              <a:t>ATUALIZAR</a:t>
+            </a:r>
+          </a:p>
+        </p:txBody>
+      </p:sp>
+    </p:spTree>
+    <p:extLst>
+      <p:ext uri="{BB962C8B-B14F-4D97-AF65-F5344CB8AC3E}">
+        <p14:creationId xmlns:p14="http://schemas.microsoft.com/office/powerpoint/2010/main" val="1646437216"/>
+      </p:ext>
+    </p:extLst>
+  </p:cSld>
+  <p:clrMapOvr>
+    <a:masterClrMapping/>
+  </p:clrMapOvr>
+  <p:timing>
+    <p:tnLst>
+      <p:par>
+        <p:cTn id="1" dur="indefinite" restart="never" nodeType="tmRoot">
+          <p:childTnLst>
+            <p:seq concurrent="1" nextAc="seek">
+              <p:cTn id="2" dur="indefinite" nodeType="mainSeq">
+                <p:childTnLst>
+                  <p:par>
+                    <p:cTn id="3" fill="hold">
+                      <p:stCondLst>
+                        <p:cond delay="indefinite"/>
+                      </p:stCondLst>
+                      <p:childTnLst>
+                        <p:par>
+                          <p:cTn id="4" fill="hold">
+                            <p:stCondLst>
+                              <p:cond delay="0"/>
+                            </p:stCondLst>
+                            <p:childTnLst>
+                              <p:par>
+                                <p:cTn id="5" presetID="1" presetClass="entr" presetSubtype="0" fill="hold" nodeType="clickEffect">
+                                  <p:stCondLst>
+                                    <p:cond delay="0"/>
+                                  </p:stCondLst>
+                                  <p:childTnLst>
+                                    <p:set>
+                                      <p:cBhvr>
+                                        <p:cTn id="6" dur="1" fill="hold">
+                                          <p:stCondLst>
+                                            <p:cond delay="0"/>
+                                          </p:stCondLst>
+                                        </p:cTn>
+                                        <p:tgtEl>
+                                          <p:spTgt spid="2"/>
+                                        </p:tgtEl>
+                                        <p:attrNameLst>
+                                          <p:attrName>style.visibility</p:attrName>
+                                        </p:attrNameLst>
+                                      </p:cBhvr>
+                                      <p:to>
+                                        <p:strVal val="visible"/>
+                                      </p:to>
+                                    </p:set>
+                                  </p:childTnLst>
+                                </p:cTn>
+                              </p:par>
+                            </p:childTnLst>
+                          </p:cTn>
+                        </p:par>
+                      </p:childTnLst>
+                    </p:cTn>
+                  </p:par>
+                  <p:par>
+                    <p:cTn id="7" fill="hold">
+                      <p:stCondLst>
+                        <p:cond delay="indefinite"/>
+                      </p:stCondLst>
+                      <p:childTnLst>
+                        <p:par>
+                          <p:cTn id="8" fill="hold">
+                            <p:stCondLst>
+                              <p:cond delay="0"/>
+                            </p:stCondLst>
+                            <p:childTnLst>
+                              <p:par>
+                                <p:cTn id="9" presetID="10" presetClass="entr" presetSubtype="0" fill="hold" nodeType="clickEffect">
+                                  <p:stCondLst>
+                                    <p:cond delay="0"/>
+                                  </p:stCondLst>
+                                  <p:childTnLst>
+                                    <p:set>
+                                      <p:cBhvr>
+                                        <p:cTn id="10" dur="1" fill="hold">
+                                          <p:stCondLst>
+                                            <p:cond delay="0"/>
+                                          </p:stCondLst>
+                                        </p:cTn>
+                                        <p:tgtEl>
+                                          <p:spTgt spid="11">
+                                            <p:txEl>
+                                              <p:pRg st="0" end="0"/>
+                                            </p:txEl>
+                                          </p:spTgt>
+                                        </p:tgtEl>
+                                        <p:attrNameLst>
+                                          <p:attrName>style.visibility</p:attrName>
+                                        </p:attrNameLst>
+                                      </p:cBhvr>
+                                      <p:to>
+                                        <p:strVal val="visible"/>
+                                      </p:to>
+                                    </p:set>
+                                    <p:animEffect transition="in" filter="fade">
+                                      <p:cBhvr>
+                                        <p:cTn id="11" dur="1000"/>
+                                        <p:tgtEl>
+                                          <p:spTgt spid="11">
+                                            <p:txEl>
+                                              <p:pRg st="0" end="0"/>
+                                            </p:txEl>
+                                          </p:spTgt>
+                                        </p:tgtEl>
+                                      </p:cBhvr>
+                                    </p:animEffect>
+                                  </p:childTnLst>
+                                </p:cTn>
+                              </p:par>
+                            </p:childTnLst>
+                          </p:cTn>
+                        </p:par>
+                      </p:childTnLst>
+                    </p:cTn>
+                  </p:par>
+                  <p:par>
+                    <p:cTn id="12" fill="hold">
+                      <p:stCondLst>
+                        <p:cond delay="indefinite"/>
+                      </p:stCondLst>
+                      <p:childTnLst>
+                        <p:par>
+                          <p:cTn id="13" fill="hold">
+                            <p:stCondLst>
+                              <p:cond delay="0"/>
+                            </p:stCondLst>
+                            <p:childTnLst>
+                              <p:par>
+                                <p:cTn id="14" presetID="10" presetClass="entr" presetSubtype="0" fill="hold" nodeType="clickEffect">
+                                  <p:stCondLst>
+                                    <p:cond delay="0"/>
+                                  </p:stCondLst>
+                                  <p:childTnLst>
+                                    <p:set>
+                                      <p:cBhvr>
+                                        <p:cTn id="15" dur="1" fill="hold">
+                                          <p:stCondLst>
+                                            <p:cond delay="0"/>
+                                          </p:stCondLst>
+                                        </p:cTn>
+                                        <p:tgtEl>
+                                          <p:spTgt spid="11">
+                                            <p:txEl>
+                                              <p:pRg st="1" end="1"/>
+                                            </p:txEl>
+                                          </p:spTgt>
+                                        </p:tgtEl>
+                                        <p:attrNameLst>
+                                          <p:attrName>style.visibility</p:attrName>
+                                        </p:attrNameLst>
+                                      </p:cBhvr>
+                                      <p:to>
+                                        <p:strVal val="visible"/>
+                                      </p:to>
+                                    </p:set>
+                                    <p:animEffect transition="in" filter="fade">
+                                      <p:cBhvr>
+                                        <p:cTn id="16" dur="1000"/>
+                                        <p:tgtEl>
+                                          <p:spTgt spid="11">
+                                            <p:txEl>
+                                              <p:pRg st="1" end="1"/>
+                                            </p:txEl>
+                                          </p:spTgt>
+                                        </p:tgtEl>
+                                      </p:cBhvr>
+                                    </p:animEffect>
+                                  </p:childTnLst>
+                                </p:cTn>
+                              </p:par>
+                            </p:childTnLst>
+                          </p:cTn>
+                        </p:par>
+                      </p:childTnLst>
+                    </p:cTn>
+                  </p:par>
+                  <p:par>
+                    <p:cTn id="17" fill="hold">
+                      <p:stCondLst>
+                        <p:cond delay="indefinite"/>
+                      </p:stCondLst>
+                      <p:childTnLst>
+                        <p:par>
+                          <p:cTn id="18" fill="hold">
+                            <p:stCondLst>
+                              <p:cond delay="0"/>
+                            </p:stCondLst>
+                            <p:childTnLst>
+                              <p:par>
+                                <p:cTn id="19" presetID="9" presetClass="entr" presetSubtype="0" fill="hold" grpId="0" nodeType="clickEffect">
+                                  <p:stCondLst>
+                                    <p:cond delay="0"/>
+                                  </p:stCondLst>
+                                  <p:childTnLst>
+                                    <p:set>
+                                      <p:cBhvr>
+                                        <p:cTn id="20" dur="1" fill="hold">
+                                          <p:stCondLst>
+                                            <p:cond delay="0"/>
+                                          </p:stCondLst>
+                                        </p:cTn>
+                                        <p:tgtEl>
+                                          <p:spTgt spid="12"/>
+                                        </p:tgtEl>
+                                        <p:attrNameLst>
+                                          <p:attrName>style.visibility</p:attrName>
+                                        </p:attrNameLst>
+                                      </p:cBhvr>
+                                      <p:to>
+                                        <p:strVal val="visible"/>
+                                      </p:to>
+                                    </p:set>
+                                    <p:animEffect transition="in" filter="dissolve">
+                                      <p:cBhvr>
+                                        <p:cTn id="21" dur="500"/>
+                                        <p:tgtEl>
+                                          <p:spTgt spid="12"/>
+                                        </p:tgtEl>
+                                      </p:cBhvr>
+                                    </p:animEffect>
+                                  </p:childTnLst>
+                                </p:cTn>
+                              </p:par>
+                              <p:par>
+                                <p:cTn id="22" presetID="9" presetClass="entr" presetSubtype="0" fill="hold" grpId="0" nodeType="withEffect">
+                                  <p:stCondLst>
+                                    <p:cond delay="0"/>
+                                  </p:stCondLst>
+                                  <p:childTnLst>
+                                    <p:set>
+                                      <p:cBhvr>
+                                        <p:cTn id="23" dur="1" fill="hold">
+                                          <p:stCondLst>
+                                            <p:cond delay="0"/>
+                                          </p:stCondLst>
+                                        </p:cTn>
+                                        <p:tgtEl>
+                                          <p:spTgt spid="13"/>
+                                        </p:tgtEl>
+                                        <p:attrNameLst>
+                                          <p:attrName>style.visibility</p:attrName>
+                                        </p:attrNameLst>
+                                      </p:cBhvr>
+                                      <p:to>
+                                        <p:strVal val="visible"/>
+                                      </p:to>
+                                    </p:set>
+                                    <p:animEffect transition="in" filter="dissolve">
+                                      <p:cBhvr>
+                                        <p:cTn id="24" dur="500"/>
+                                        <p:tgtEl>
+                                          <p:spTgt spid="13"/>
+                                        </p:tgtEl>
+                                      </p:cBhvr>
+                                    </p:animEffect>
+                                  </p:childTnLst>
+                                </p:cTn>
+                              </p:par>
+                              <p:par>
+                                <p:cTn id="25" presetID="9" presetClass="entr" presetSubtype="0" fill="hold" nodeType="withEffect">
+                                  <p:stCondLst>
+                                    <p:cond delay="0"/>
+                                  </p:stCondLst>
+                                  <p:childTnLst>
+                                    <p:set>
+                                      <p:cBhvr>
+                                        <p:cTn id="26" dur="1" fill="hold">
+                                          <p:stCondLst>
+                                            <p:cond delay="0"/>
+                                          </p:stCondLst>
+                                        </p:cTn>
+                                        <p:tgtEl>
+                                          <p:spTgt spid="21"/>
+                                        </p:tgtEl>
+                                        <p:attrNameLst>
+                                          <p:attrName>style.visibility</p:attrName>
+                                        </p:attrNameLst>
+                                      </p:cBhvr>
+                                      <p:to>
+                                        <p:strVal val="visible"/>
+                                      </p:to>
+                                    </p:set>
+                                    <p:animEffect transition="in" filter="dissolve">
+                                      <p:cBhvr>
+                                        <p:cTn id="27" dur="500"/>
+                                        <p:tgtEl>
+                                          <p:spTgt spid="21"/>
+                                        </p:tgtEl>
+                                      </p:cBhvr>
+                                    </p:animEffect>
+                                  </p:childTnLst>
+                                </p:cTn>
+                              </p:par>
+                            </p:childTnLst>
+                          </p:cTn>
+                        </p:par>
+                      </p:childTnLst>
+                    </p:cTn>
+                  </p:par>
+                  <p:par>
+                    <p:cTn id="28" fill="hold">
+                      <p:stCondLst>
+                        <p:cond delay="indefinite"/>
+                      </p:stCondLst>
+                      <p:childTnLst>
+                        <p:par>
+                          <p:cTn id="29" fill="hold">
+                            <p:stCondLst>
+                              <p:cond delay="0"/>
+                            </p:stCondLst>
+                            <p:childTnLst>
+                              <p:par>
+                                <p:cTn id="30" presetID="22" presetClass="entr" presetSubtype="1" fill="hold" nodeType="clickEffect">
+                                  <p:stCondLst>
+                                    <p:cond delay="0"/>
+                                  </p:stCondLst>
+                                  <p:childTnLst>
+                                    <p:set>
+                                      <p:cBhvr>
+                                        <p:cTn id="31" dur="1" fill="hold">
+                                          <p:stCondLst>
+                                            <p:cond delay="0"/>
+                                          </p:stCondLst>
+                                        </p:cTn>
+                                        <p:tgtEl>
+                                          <p:spTgt spid="14"/>
+                                        </p:tgtEl>
+                                        <p:attrNameLst>
+                                          <p:attrName>style.visibility</p:attrName>
+                                        </p:attrNameLst>
+                                      </p:cBhvr>
+                                      <p:to>
+                                        <p:strVal val="visible"/>
+                                      </p:to>
+                                    </p:set>
+                                    <p:animEffect transition="in" filter="wipe(up)">
+                                      <p:cBhvr>
+                                        <p:cTn id="32" dur="500"/>
+                                        <p:tgtEl>
+                                          <p:spTgt spid="14"/>
+                                        </p:tgtEl>
+                                      </p:cBhvr>
+                                    </p:animEffect>
+                                  </p:childTnLst>
+                                </p:cTn>
+                              </p:par>
+                            </p:childTnLst>
+                          </p:cTn>
+                        </p:par>
+                        <p:par>
+                          <p:cTn id="33" fill="hold">
+                            <p:stCondLst>
+                              <p:cond delay="500"/>
+                            </p:stCondLst>
+                            <p:childTnLst>
+                              <p:par>
+                                <p:cTn id="34" presetID="1" presetClass="entr" presetSubtype="0" fill="hold" grpId="0" nodeType="afterEffect">
+                                  <p:stCondLst>
+                                    <p:cond delay="500"/>
+                                  </p:stCondLst>
+                                  <p:childTnLst>
+                                    <p:set>
+                                      <p:cBhvr>
+                                        <p:cTn id="35" dur="1" fill="hold">
+                                          <p:stCondLst>
+                                            <p:cond delay="0"/>
+                                          </p:stCondLst>
+                                        </p:cTn>
+                                        <p:tgtEl>
+                                          <p:spTgt spid="15"/>
+                                        </p:tgtEl>
+                                        <p:attrNameLst>
+                                          <p:attrName>style.visibility</p:attrName>
+                                        </p:attrNameLst>
+                                      </p:cBhvr>
+                                      <p:to>
+                                        <p:strVal val="visible"/>
+                                      </p:to>
+                                    </p:set>
+                                  </p:childTnLst>
+                                </p:cTn>
+                              </p:par>
+                            </p:childTnLst>
+                          </p:cTn>
+                        </p:par>
+                      </p:childTnLst>
+                    </p:cTn>
+                  </p:par>
+                  <p:par>
+                    <p:cTn id="36" fill="hold">
+                      <p:stCondLst>
+                        <p:cond delay="indefinite"/>
+                      </p:stCondLst>
+                      <p:childTnLst>
+                        <p:par>
+                          <p:cTn id="37" fill="hold">
+                            <p:stCondLst>
+                              <p:cond delay="0"/>
+                            </p:stCondLst>
+                            <p:childTnLst>
+                              <p:par>
+                                <p:cTn id="38" presetID="22" presetClass="entr" presetSubtype="4" fill="hold" nodeType="clickEffect">
+                                  <p:stCondLst>
+                                    <p:cond delay="0"/>
+                                  </p:stCondLst>
+                                  <p:childTnLst>
+                                    <p:set>
+                                      <p:cBhvr>
+                                        <p:cTn id="39" dur="1" fill="hold">
+                                          <p:stCondLst>
+                                            <p:cond delay="0"/>
+                                          </p:stCondLst>
+                                        </p:cTn>
+                                        <p:tgtEl>
+                                          <p:spTgt spid="16"/>
+                                        </p:tgtEl>
+                                        <p:attrNameLst>
+                                          <p:attrName>style.visibility</p:attrName>
+                                        </p:attrNameLst>
+                                      </p:cBhvr>
+                                      <p:to>
+                                        <p:strVal val="visible"/>
+                                      </p:to>
+                                    </p:set>
+                                    <p:animEffect transition="in" filter="wipe(down)">
+                                      <p:cBhvr>
+                                        <p:cTn id="40" dur="500"/>
+                                        <p:tgtEl>
+                                          <p:spTgt spid="16"/>
+                                        </p:tgtEl>
+                                      </p:cBhvr>
+                                    </p:animEffect>
+                                  </p:childTnLst>
+                                </p:cTn>
+                              </p:par>
+                            </p:childTnLst>
+                          </p:cTn>
+                        </p:par>
+                        <p:par>
+                          <p:cTn id="41" fill="hold">
+                            <p:stCondLst>
+                              <p:cond delay="500"/>
+                            </p:stCondLst>
+                            <p:childTnLst>
+                              <p:par>
+                                <p:cTn id="42" presetID="1" presetClass="entr" presetSubtype="0" fill="hold" grpId="0" nodeType="afterEffect">
+                                  <p:stCondLst>
+                                    <p:cond delay="500"/>
+                                  </p:stCondLst>
+                                  <p:childTnLst>
+                                    <p:set>
+                                      <p:cBhvr>
+                                        <p:cTn id="43" dur="1" fill="hold">
+                                          <p:stCondLst>
+                                            <p:cond delay="0"/>
+                                          </p:stCondLst>
+                                        </p:cTn>
+                                        <p:tgtEl>
+                                          <p:spTgt spid="17"/>
+                                        </p:tgtEl>
+                                        <p:attrNameLst>
+                                          <p:attrName>style.visibility</p:attrName>
+                                        </p:attrNameLst>
+                                      </p:cBhvr>
+                                      <p:to>
+                                        <p:strVal val="visible"/>
+                                      </p:to>
+                                    </p:set>
+                                  </p:childTnLst>
+                                </p:cTn>
+                              </p:par>
+                            </p:childTnLst>
+                          </p:cTn>
+                        </p:par>
+                      </p:childTnLst>
+                    </p:cTn>
+                  </p:par>
+                  <p:par>
+                    <p:cTn id="44" fill="hold">
+                      <p:stCondLst>
+                        <p:cond delay="indefinite"/>
+                      </p:stCondLst>
+                      <p:childTnLst>
+                        <p:par>
+                          <p:cTn id="45" fill="hold">
+                            <p:stCondLst>
+                              <p:cond delay="0"/>
+                            </p:stCondLst>
+                            <p:childTnLst>
+                              <p:par>
+                                <p:cTn id="46" presetID="22" presetClass="entr" presetSubtype="1" fill="hold" nodeType="clickEffect">
+                                  <p:stCondLst>
+                                    <p:cond delay="0"/>
+                                  </p:stCondLst>
+                                  <p:childTnLst>
+                                    <p:set>
+                                      <p:cBhvr>
+                                        <p:cTn id="47" dur="1" fill="hold">
+                                          <p:stCondLst>
+                                            <p:cond delay="0"/>
+                                          </p:stCondLst>
+                                        </p:cTn>
+                                        <p:tgtEl>
+                                          <p:spTgt spid="18"/>
+                                        </p:tgtEl>
+                                        <p:attrNameLst>
+                                          <p:attrName>style.visibility</p:attrName>
+                                        </p:attrNameLst>
+                                      </p:cBhvr>
+                                      <p:to>
+                                        <p:strVal val="visible"/>
+                                      </p:to>
+                                    </p:set>
+                                    <p:animEffect transition="in" filter="wipe(up)">
+                                      <p:cBhvr>
+                                        <p:cTn id="48" dur="500"/>
+                                        <p:tgtEl>
+                                          <p:spTgt spid="18"/>
+                                        </p:tgtEl>
+                                      </p:cBhvr>
+                                    </p:animEffect>
+                                  </p:childTnLst>
+                                </p:cTn>
+                              </p:par>
+                            </p:childTnLst>
+                          </p:cTn>
+                        </p:par>
+                        <p:par>
+                          <p:cTn id="49" fill="hold">
+                            <p:stCondLst>
+                              <p:cond delay="500"/>
+                            </p:stCondLst>
+                            <p:childTnLst>
+                              <p:par>
+                                <p:cTn id="50" presetID="1" presetClass="entr" presetSubtype="0" fill="hold" grpId="0" nodeType="afterEffect">
+                                  <p:stCondLst>
+                                    <p:cond delay="500"/>
+                                  </p:stCondLst>
+                                  <p:childTnLst>
+                                    <p:set>
+                                      <p:cBhvr>
+                                        <p:cTn id="51" dur="1" fill="hold">
+                                          <p:stCondLst>
+                                            <p:cond delay="0"/>
+                                          </p:stCondLst>
+                                        </p:cTn>
+                                        <p:tgtEl>
+                                          <p:spTgt spid="19"/>
+                                        </p:tgtEl>
+                                        <p:attrNameLst>
+                                          <p:attrName>style.visibility</p:attrName>
+                                        </p:attrNameLst>
+                                      </p:cBhvr>
+                                      <p:to>
+                                        <p:strVal val="visible"/>
+                                      </p:to>
+                                    </p:set>
+                                  </p:childTnLst>
+                                </p:cTn>
+                              </p:par>
+                            </p:childTnLst>
+                          </p:cTn>
+                        </p:par>
+                      </p:childTnLst>
+                    </p:cTn>
+                  </p:par>
+                  <p:par>
+                    <p:cTn id="52" fill="hold">
+                      <p:stCondLst>
+                        <p:cond delay="indefinite"/>
+                      </p:stCondLst>
+                      <p:childTnLst>
+                        <p:par>
+                          <p:cTn id="53" fill="hold">
+                            <p:stCondLst>
+                              <p:cond delay="0"/>
+                            </p:stCondLst>
+                            <p:childTnLst>
+                              <p:par>
+                                <p:cTn id="54" presetID="1" presetClass="entr" presetSubtype="0" fill="hold" grpId="0" nodeType="clickEffect">
+                                  <p:stCondLst>
+                                    <p:cond delay="0"/>
+                                  </p:stCondLst>
+                                  <p:childTnLst>
+                                    <p:set>
+                                      <p:cBhvr>
+                                        <p:cTn id="55" dur="1" fill="hold">
+                                          <p:stCondLst>
+                                            <p:cond delay="0"/>
+                                          </p:stCondLst>
+                                        </p:cTn>
+                                        <p:tgtEl>
+                                          <p:spTgt spid="20"/>
+                                        </p:tgtEl>
+                                        <p:attrNameLst>
+                                          <p:attrName>style.visibility</p:attrName>
+                                        </p:attrNameLst>
+                                      </p:cBhvr>
+                                      <p:to>
+                                        <p:strVal val="visible"/>
+                                      </p:to>
+                                    </p:set>
+                                  </p:childTnLst>
+                                </p:cTn>
+                              </p:par>
+                            </p:childTnLst>
+                          </p:cTn>
+                        </p:par>
+                      </p:childTnLst>
+                    </p:cTn>
+                  </p:par>
+                  <p:par>
+                    <p:cTn id="56" fill="hold">
+                      <p:stCondLst>
+                        <p:cond delay="indefinite"/>
+                      </p:stCondLst>
+                      <p:childTnLst>
+                        <p:par>
+                          <p:cTn id="57" fill="hold">
+                            <p:stCondLst>
+                              <p:cond delay="0"/>
+                            </p:stCondLst>
+                            <p:childTnLst>
+                              <p:par>
+                                <p:cTn id="58" presetID="10" presetClass="entr" presetSubtype="0" fill="hold" nodeType="clickEffect">
+                                  <p:stCondLst>
+                                    <p:cond delay="0"/>
+                                  </p:stCondLst>
+                                  <p:childTnLst>
+                                    <p:set>
+                                      <p:cBhvr>
+                                        <p:cTn id="59" dur="1" fill="hold">
+                                          <p:stCondLst>
+                                            <p:cond delay="0"/>
+                                          </p:stCondLst>
+                                        </p:cTn>
+                                        <p:tgtEl>
+                                          <p:spTgt spid="11">
+                                            <p:txEl>
+                                              <p:pRg st="3" end="3"/>
+                                            </p:txEl>
+                                          </p:spTgt>
+                                        </p:tgtEl>
+                                        <p:attrNameLst>
+                                          <p:attrName>style.visibility</p:attrName>
+                                        </p:attrNameLst>
+                                      </p:cBhvr>
+                                      <p:to>
+                                        <p:strVal val="visible"/>
+                                      </p:to>
+                                    </p:set>
+                                    <p:animEffect transition="in" filter="fade">
+                                      <p:cBhvr>
+                                        <p:cTn id="60" dur="1000"/>
+                                        <p:tgtEl>
+                                          <p:spTgt spid="11">
+                                            <p:txEl>
+                                              <p:pRg st="3" end="3"/>
+                                            </p:txEl>
+                                          </p:spTgt>
+                                        </p:tgtEl>
+                                      </p:cBhvr>
+                                    </p:animEffect>
+                                  </p:childTnLst>
+                                </p:cTn>
+                              </p:par>
+                            </p:childTnLst>
+                          </p:cTn>
+                        </p:par>
+                      </p:childTnLst>
+                    </p:cTn>
+                  </p:par>
+                  <p:par>
+                    <p:cTn id="61" fill="hold">
+                      <p:stCondLst>
+                        <p:cond delay="indefinite"/>
+                      </p:stCondLst>
+                      <p:childTnLst>
+                        <p:par>
+                          <p:cTn id="62" fill="hold">
+                            <p:stCondLst>
+                              <p:cond delay="0"/>
+                            </p:stCondLst>
+                            <p:childTnLst>
+                              <p:par>
+                                <p:cTn id="63" presetID="10" presetClass="entr" presetSubtype="0" fill="hold" nodeType="clickEffect">
+                                  <p:stCondLst>
+                                    <p:cond delay="0"/>
+                                  </p:stCondLst>
+                                  <p:childTnLst>
+                                    <p:set>
+                                      <p:cBhvr>
+                                        <p:cTn id="64" dur="1" fill="hold">
+                                          <p:stCondLst>
+                                            <p:cond delay="0"/>
+                                          </p:stCondLst>
+                                        </p:cTn>
+                                        <p:tgtEl>
+                                          <p:spTgt spid="11">
+                                            <p:txEl>
+                                              <p:pRg st="4" end="4"/>
+                                            </p:txEl>
+                                          </p:spTgt>
+                                        </p:tgtEl>
+                                        <p:attrNameLst>
+                                          <p:attrName>style.visibility</p:attrName>
+                                        </p:attrNameLst>
+                                      </p:cBhvr>
+                                      <p:to>
+                                        <p:strVal val="visible"/>
+                                      </p:to>
+                                    </p:set>
+                                    <p:animEffect transition="in" filter="fade">
+                                      <p:cBhvr>
+                                        <p:cTn id="65" dur="1000"/>
+                                        <p:tgtEl>
+                                          <p:spTgt spid="11">
+                                            <p:txEl>
+                                              <p:pRg st="4" end="4"/>
+                                            </p:txEl>
+                                          </p:spTgt>
+                                        </p:tgtEl>
+                                      </p:cBhvr>
+                                    </p:animEffect>
+                                  </p:childTnLst>
+                                </p:cTn>
+                              </p:par>
+                            </p:childTnLst>
+                          </p:cTn>
+                        </p:par>
+                      </p:childTnLst>
+                    </p:cTn>
+                  </p:par>
+                  <p:par>
+                    <p:cTn id="66" fill="hold">
+                      <p:stCondLst>
+                        <p:cond delay="indefinite"/>
+                      </p:stCondLst>
+                      <p:childTnLst>
+                        <p:par>
+                          <p:cTn id="67" fill="hold">
+                            <p:stCondLst>
+                              <p:cond delay="0"/>
+                            </p:stCondLst>
+                            <p:childTnLst>
+                              <p:par>
+                                <p:cTn id="68" presetID="10" presetClass="entr" presetSubtype="0" fill="hold" nodeType="clickEffect">
+                                  <p:stCondLst>
+                                    <p:cond delay="0"/>
+                                  </p:stCondLst>
+                                  <p:childTnLst>
+                                    <p:set>
+                                      <p:cBhvr>
+                                        <p:cTn id="69" dur="1" fill="hold">
+                                          <p:stCondLst>
+                                            <p:cond delay="0"/>
+                                          </p:stCondLst>
+                                        </p:cTn>
+                                        <p:tgtEl>
+                                          <p:spTgt spid="11">
+                                            <p:txEl>
+                                              <p:pRg st="5" end="5"/>
+                                            </p:txEl>
+                                          </p:spTgt>
+                                        </p:tgtEl>
+                                        <p:attrNameLst>
+                                          <p:attrName>style.visibility</p:attrName>
+                                        </p:attrNameLst>
+                                      </p:cBhvr>
+                                      <p:to>
+                                        <p:strVal val="visible"/>
+                                      </p:to>
+                                    </p:set>
+                                    <p:animEffect transition="in" filter="fade">
+                                      <p:cBhvr>
+                                        <p:cTn id="70" dur="1000"/>
+                                        <p:tgtEl>
+                                          <p:spTgt spid="11">
+                                            <p:txEl>
+                                              <p:pRg st="5" end="5"/>
+                                            </p:txEl>
+                                          </p:spTgt>
+                                        </p:tgtEl>
+                                      </p:cBhvr>
+                                    </p:animEffect>
+                                  </p:childTnLst>
+                                </p:cTn>
+                              </p:par>
+                            </p:childTnLst>
+                          </p:cTn>
+                        </p:par>
+                      </p:childTnLst>
+                    </p:cTn>
+                  </p:par>
+                  <p:par>
+                    <p:cTn id="71" fill="hold">
+                      <p:stCondLst>
+                        <p:cond delay="indefinite"/>
+                      </p:stCondLst>
+                      <p:childTnLst>
+                        <p:par>
+                          <p:cTn id="72" fill="hold">
+                            <p:stCondLst>
+                              <p:cond delay="0"/>
+                            </p:stCondLst>
+                            <p:childTnLst>
+                              <p:par>
+                                <p:cTn id="73" presetID="10" presetClass="entr" presetSubtype="0" fill="hold" nodeType="clickEffect">
+                                  <p:stCondLst>
+                                    <p:cond delay="0"/>
+                                  </p:stCondLst>
+                                  <p:childTnLst>
+                                    <p:set>
+                                      <p:cBhvr>
+                                        <p:cTn id="74" dur="1" fill="hold">
+                                          <p:stCondLst>
+                                            <p:cond delay="0"/>
+                                          </p:stCondLst>
+                                        </p:cTn>
+                                        <p:tgtEl>
+                                          <p:spTgt spid="11">
+                                            <p:txEl>
+                                              <p:pRg st="6" end="6"/>
+                                            </p:txEl>
+                                          </p:spTgt>
+                                        </p:tgtEl>
+                                        <p:attrNameLst>
+                                          <p:attrName>style.visibility</p:attrName>
+                                        </p:attrNameLst>
+                                      </p:cBhvr>
+                                      <p:to>
+                                        <p:strVal val="visible"/>
+                                      </p:to>
+                                    </p:set>
+                                    <p:animEffect transition="in" filter="fade">
+                                      <p:cBhvr>
+                                        <p:cTn id="75" dur="1000"/>
+                                        <p:tgtEl>
+                                          <p:spTgt spid="11">
+                                            <p:txEl>
+                                              <p:pRg st="6" end="6"/>
+                                            </p:txEl>
+                                          </p:spTgt>
+                                        </p:tgtEl>
+                                      </p:cBhvr>
+                                    </p:animEffect>
+                                  </p:childTnLst>
+                                </p:cTn>
+                              </p:par>
+                            </p:childTnLst>
+                          </p:cTn>
+                        </p:par>
+                      </p:childTnLst>
+                    </p:cTn>
+                  </p:par>
+                </p:childTnLst>
+              </p:cTn>
+              <p:prevCondLst>
+                <p:cond evt="onPrev" delay="0">
+                  <p:tgtEl>
+                    <p:sldTgt/>
+                  </p:tgtEl>
+                </p:cond>
+              </p:prevCondLst>
+              <p:nextCondLst>
+                <p:cond evt="onNext" delay="0">
+                  <p:tgtEl>
+                    <p:sldTgt/>
+                  </p:tgtEl>
+                </p:cond>
+              </p:nextCondLst>
+            </p:seq>
+          </p:childTnLst>
+        </p:cTn>
+      </p:par>
+    </p:tnLst>
+    <p:bldLst>
+      <p:bldP spid="12" grpId="0" animBg="1"/>
+      <p:bldP spid="13" grpId="0" animBg="1"/>
+      <p:bldP spid="15" grpId="0"/>
+      <p:bldP spid="17" grpId="0"/>
+      <p:bldP spid="19" grpId="0"/>
+      <p:bldP spid="20" grpId="0"/>
+    </p:bldLst>
+  </p:timing>
+</p:sld>
+</file>
+
+<file path=ppt/slides/slide15.xml><?xml version="1.0" encoding="utf-8"?>
+<p:sld xmlns:a="http://schemas.openxmlformats.org/drawingml/2006/main" xmlns:r="http://schemas.openxmlformats.org/officeDocument/2006/relationships" xmlns:p="http://schemas.openxmlformats.org/presentationml/2006/main">
+  <p:cSld>
+    <p:spTree>
+      <p:nvGrpSpPr>
+        <p:cNvPr id="1" name=""/>
+        <p:cNvGrpSpPr/>
+        <p:nvPr/>
+      </p:nvGrpSpPr>
+      <p:grpSpPr>
+        <a:xfrm>
+          <a:off x="0" y="0"/>
+          <a:ext cx="0" cy="0"/>
+          <a:chOff x="0" y="0"/>
+          <a:chExt cx="0" cy="0"/>
+        </a:xfrm>
+      </p:grpSpPr>
+      <p:sp>
+        <p:nvSpPr>
+          <p:cNvPr id="2" name="Título 1">
+            <a:extLst>
+              <a:ext uri="{FF2B5EF4-FFF2-40B4-BE49-F238E27FC236}">
+                <a16:creationId xmlns:a16="http://schemas.microsoft.com/office/drawing/2014/main" id="{23BECD60-F5B4-773E-BE74-0C74D7D97B8E}"/>
+              </a:ext>
+            </a:extLst>
+          </p:cNvPr>
+          <p:cNvSpPr>
+            <a:spLocks noGrp="1"/>
+          </p:cNvSpPr>
+          <p:nvPr>
+            <p:ph type="title"/>
+          </p:nvPr>
+        </p:nvSpPr>
+        <p:spPr/>
+        <p:txBody>
+          <a:bodyPr/>
+          <a:lstStyle/>
+          <a:p>
+            <a:r>
+              <a:rPr lang="pt-BR" sz="2650" dirty="0"/>
+              <a:t>Truque para calcular normais</a:t>
+            </a:r>
+            <a:endParaRPr lang="pt-BR" dirty="0"/>
+          </a:p>
+        </p:txBody>
+      </p:sp>
+      <p:sp>
+        <p:nvSpPr>
+          <p:cNvPr id="4" name="Espaço Reservado para Número de Slide 3">
+            <a:extLst>
+              <a:ext uri="{FF2B5EF4-FFF2-40B4-BE49-F238E27FC236}">
+                <a16:creationId xmlns:a16="http://schemas.microsoft.com/office/drawing/2014/main" id="{C09E0658-7265-BF63-B762-D42838E2FDF1}"/>
+              </a:ext>
+            </a:extLst>
+          </p:cNvPr>
+          <p:cNvSpPr>
+            <a:spLocks noGrp="1"/>
+          </p:cNvSpPr>
+          <p:nvPr>
+            <p:ph type="sldNum" idx="12"/>
+          </p:nvPr>
+        </p:nvSpPr>
+        <p:spPr/>
+        <p:txBody>
+          <a:bodyPr/>
+          <a:lstStyle/>
+          <a:p>
+            <a:pPr marL="0" lvl="0" indent="0" algn="ctr" rtl="0">
+              <a:spcBef>
+                <a:spcPts val="0"/>
+              </a:spcBef>
+              <a:spcAft>
+                <a:spcPts val="0"/>
+              </a:spcAft>
+              <a:buNone/>
+            </a:pPr>
+            <a:fld id="{00000000-1234-1234-1234-123412341234}" type="slidenum">
+              <a:rPr lang="pt-BR"/>
+              <a:t>15</a:t>
+            </a:fld>
+            <a:endParaRPr lang="pt-BR"/>
+          </a:p>
+        </p:txBody>
+      </p:sp>
+      <p:pic>
+        <p:nvPicPr>
+          <p:cNvPr id="1026" name="Picture 2" descr="Tutorials/tips for Normal Maps? - Help - Aseprite Community">
+            <a:extLst>
+              <a:ext uri="{FF2B5EF4-FFF2-40B4-BE49-F238E27FC236}">
+                <a16:creationId xmlns:a16="http://schemas.microsoft.com/office/drawing/2014/main" id="{76B4473E-6C07-6CBE-9C5F-E7162AD09417}"/>
+              </a:ext>
+            </a:extLst>
+          </p:cNvPr>
+          <p:cNvPicPr>
+            <a:picLocks noChangeAspect="1" noChangeArrowheads="1"/>
+          </p:cNvPicPr>
+          <p:nvPr/>
+        </p:nvPicPr>
+        <p:blipFill>
+          <a:blip r:embed="rId2">
+            <a:extLst>
+              <a:ext uri="{28A0092B-C50C-407E-A947-70E740481C1C}">
+                <a14:useLocalDpi xmlns:a14="http://schemas.microsoft.com/office/drawing/2010/main" val="0"/>
+              </a:ext>
+            </a:extLst>
+          </a:blip>
+          <a:srcRect/>
+          <a:stretch>
+            <a:fillRect/>
+          </a:stretch>
+        </p:blipFill>
+        <p:spPr bwMode="auto">
+          <a:xfrm>
+            <a:off x="0" y="1333500"/>
+            <a:ext cx="9144000" cy="3048000"/>
+          </a:xfrm>
+          <a:prstGeom prst="rect">
+            <a:avLst/>
+          </a:prstGeom>
+          <a:noFill/>
+          <a:extLst>
+            <a:ext uri="{909E8E84-426E-40DD-AFC4-6F175D3DCCD1}">
+              <a14:hiddenFill xmlns:a14="http://schemas.microsoft.com/office/drawing/2010/main">
+                <a:solidFill>
+                  <a:srgbClr val="FFFFFF"/>
+                </a:solidFill>
+              </a14:hiddenFill>
+            </a:ext>
+          </a:extLst>
+        </p:spPr>
+      </p:pic>
+    </p:spTree>
+    <p:extLst>
+      <p:ext uri="{BB962C8B-B14F-4D97-AF65-F5344CB8AC3E}">
+        <p14:creationId xmlns:p14="http://schemas.microsoft.com/office/powerpoint/2010/main" val="2257687813"/>
+      </p:ext>
+    </p:extLst>
+  </p:cSld>
+  <p:clrMapOvr>
+    <a:masterClrMapping/>
+  </p:clrMapOvr>
+</p:sld>
+</file>
+
+<file path=ppt/slides/slide16.xml><?xml version="1.0" encoding="utf-8"?>
 <p:sld xmlns:a="http://schemas.openxmlformats.org/drawingml/2006/main" xmlns:r="http://schemas.openxmlformats.org/officeDocument/2006/relationships" xmlns:p="http://schemas.openxmlformats.org/presentationml/2006/main">
   <p:cSld>
     <p:spTree>
@@ -16200,7 +20727,7 @@
             </a:pPr>
             <a:fld id="{00000000-1234-1234-1234-123412341234}" type="slidenum">
               <a:rPr lang="en-BR"/>
-              <a:t>13</a:t>
+              <a:t>16</a:t>
             </a:fld>
             <a:endParaRPr/>
           </a:p>
@@ -16753,7 +21280,7 @@
 </p:sld>
 </file>
 
-<file path=ppt/slides/slide14.xml><?xml version="1.0" encoding="utf-8"?>
+<file path=ppt/slides/slide17.xml><?xml version="1.0" encoding="utf-8"?>
 <p:sld xmlns:a="http://schemas.openxmlformats.org/drawingml/2006/main" xmlns:r="http://schemas.openxmlformats.org/officeDocument/2006/relationships" xmlns:p="http://schemas.openxmlformats.org/presentationml/2006/main">
   <p:cSld>
     <p:spTree>
@@ -16822,6 +21349,64 @@
           </a:p>
         </p:txBody>
       </p:sp>
+      <p:pic>
+        <p:nvPicPr>
+          <p:cNvPr id="7" name="Picture 6" descr="A black background with a black square&#10;&#10;Description automatically generated with medium confidence">
+            <a:extLst>
+              <a:ext uri="{FF2B5EF4-FFF2-40B4-BE49-F238E27FC236}">
+                <a16:creationId xmlns:a16="http://schemas.microsoft.com/office/drawing/2014/main" id="{FC57E889-20CF-DE05-A7E2-FDA6B2CA4984}"/>
+              </a:ext>
+            </a:extLst>
+          </p:cNvPr>
+          <p:cNvPicPr>
+            <a:picLocks noChangeAspect="1"/>
+          </p:cNvPicPr>
+          <p:nvPr/>
+        </p:nvPicPr>
+        <p:blipFill>
+          <a:blip r:embed="rId3"/>
+          <a:stretch>
+            <a:fillRect/>
+          </a:stretch>
+        </p:blipFill>
+        <p:spPr>
+          <a:xfrm>
+            <a:off x="5420535" y="721509"/>
+            <a:ext cx="3021927" cy="1928170"/>
+          </a:xfrm>
+          <a:prstGeom prst="rect">
+            <a:avLst/>
+          </a:prstGeom>
+        </p:spPr>
+      </p:pic>
+      <p:pic>
+        <p:nvPicPr>
+          <p:cNvPr id="528" name="Google Shape;528;p63"/>
+          <p:cNvPicPr preferRelativeResize="0"/>
+          <p:nvPr/>
+        </p:nvPicPr>
+        <p:blipFill>
+          <a:blip r:embed="rId4">
+            <a:alphaModFix/>
+          </a:blip>
+          <a:stretch>
+            <a:fillRect/>
+          </a:stretch>
+        </p:blipFill>
+        <p:spPr>
+          <a:xfrm>
+            <a:off x="5179625" y="715675"/>
+            <a:ext cx="3503749" cy="1943450"/>
+          </a:xfrm>
+          <a:prstGeom prst="rect">
+            <a:avLst/>
+          </a:prstGeom>
+          <a:noFill/>
+          <a:ln>
+            <a:noFill/>
+          </a:ln>
+        </p:spPr>
+      </p:pic>
       <p:sp>
         <p:nvSpPr>
           <p:cNvPr id="529" name="Google Shape;529;p63"/>
@@ -16900,7 +21485,7 @@
             </a:pPr>
             <a:fld id="{00000000-1234-1234-1234-123412341234}" type="slidenum">
               <a:rPr lang="en-BR"/>
-              <a:t>14</a:t>
+              <a:t>17</a:t>
             </a:fld>
             <a:endParaRPr/>
           </a:p>
@@ -19533,64 +24118,6 @@
           </a:p>
         </p:txBody>
       </p:sp>
-      <p:pic>
-        <p:nvPicPr>
-          <p:cNvPr id="3" name="Picture 2" descr="A black background with a black square&#10;&#10;Description automatically generated with medium confidence">
-            <a:extLst>
-              <a:ext uri="{FF2B5EF4-FFF2-40B4-BE49-F238E27FC236}">
-                <a16:creationId xmlns:a16="http://schemas.microsoft.com/office/drawing/2014/main" id="{FE06C9DD-DB3F-3A9E-05BB-26BD215DBE91}"/>
-              </a:ext>
-            </a:extLst>
-          </p:cNvPr>
-          <p:cNvPicPr>
-            <a:picLocks noChangeAspect="1"/>
-          </p:cNvPicPr>
-          <p:nvPr/>
-        </p:nvPicPr>
-        <p:blipFill>
-          <a:blip r:embed="rId3"/>
-          <a:stretch>
-            <a:fillRect/>
-          </a:stretch>
-        </p:blipFill>
-        <p:spPr>
-          <a:xfrm>
-            <a:off x="5507647" y="739012"/>
-            <a:ext cx="2941904" cy="1877111"/>
-          </a:xfrm>
-          <a:prstGeom prst="rect">
-            <a:avLst/>
-          </a:prstGeom>
-        </p:spPr>
-      </p:pic>
-      <p:pic>
-        <p:nvPicPr>
-          <p:cNvPr id="528" name="Google Shape;528;p63"/>
-          <p:cNvPicPr preferRelativeResize="0"/>
-          <p:nvPr/>
-        </p:nvPicPr>
-        <p:blipFill>
-          <a:blip r:embed="rId4">
-            <a:alphaModFix/>
-          </a:blip>
-          <a:stretch>
-            <a:fillRect/>
-          </a:stretch>
-        </p:blipFill>
-        <p:spPr>
-          <a:xfrm>
-            <a:off x="5179625" y="715675"/>
-            <a:ext cx="3503749" cy="1943450"/>
-          </a:xfrm>
-          <a:prstGeom prst="rect">
-            <a:avLst/>
-          </a:prstGeom>
-          <a:noFill/>
-          <a:ln>
-            <a:noFill/>
-          </a:ln>
-        </p:spPr>
-      </p:pic>
       <p:grpSp>
         <p:nvGrpSpPr>
           <p:cNvPr id="532" name="Google Shape;532;p63"/>
@@ -19599,22 +24126,25 @@
         </p:nvGrpSpPr>
         <p:grpSpPr>
           <a:xfrm>
-            <a:off x="4912776" y="237000"/>
-            <a:ext cx="3217765" cy="1362636"/>
-            <a:chOff x="5919396" y="237002"/>
-            <a:chExt cx="2847327" cy="1362636"/>
+            <a:off x="4034673" y="98707"/>
+            <a:ext cx="4042398" cy="1500929"/>
+            <a:chOff x="5142383" y="98709"/>
+            <a:chExt cx="3577026" cy="1500929"/>
           </a:xfrm>
         </p:grpSpPr>
         <p:cxnSp>
           <p:nvCxnSpPr>
             <p:cNvPr id="533" name="Google Shape;533;p63"/>
-            <p:cNvCxnSpPr/>
+            <p:cNvCxnSpPr>
+              <a:cxnSpLocks/>
+              <a:stCxn id="534" idx="2"/>
+            </p:cNvCxnSpPr>
             <p:nvPr/>
           </p:nvCxnSpPr>
           <p:spPr>
             <a:xfrm>
-              <a:off x="6844095" y="528938"/>
-              <a:ext cx="903300" cy="1070700"/>
+              <a:off x="6930896" y="468011"/>
+              <a:ext cx="816499" cy="1131627"/>
             </a:xfrm>
             <a:prstGeom prst="straightConnector1">
               <a:avLst/>
@@ -19639,8 +24169,8 @@
           </p:nvSpPr>
           <p:spPr>
             <a:xfrm>
-              <a:off x="5919396" y="237002"/>
-              <a:ext cx="2847327" cy="369302"/>
+              <a:off x="5142383" y="98709"/>
+              <a:ext cx="3577026" cy="369302"/>
             </a:xfrm>
             <a:prstGeom prst="rect">
               <a:avLst/>
@@ -19675,7 +24205,7 @@
                   <a:cs typeface="Calibri"/>
                   <a:sym typeface="Calibri"/>
                 </a:rPr>
-                <a:t>Qual a posição no meio da interpolação (t=0.5)?</a:t>
+                <a:t>Qual a posição da interpolação depois de 4 segundos (t=0.5)?</a:t>
               </a:r>
               <a:endParaRPr dirty="0">
                 <a:solidFill>
@@ -20057,7 +24587,7 @@
 </p:sld>
 </file>
 
-<file path=ppt/slides/slide15.xml><?xml version="1.0" encoding="utf-8"?>
+<file path=ppt/slides/slide18.xml><?xml version="1.0" encoding="utf-8"?>
 <p:sld xmlns:a="http://schemas.openxmlformats.org/drawingml/2006/main" xmlns:r="http://schemas.openxmlformats.org/officeDocument/2006/relationships" xmlns:p="http://schemas.openxmlformats.org/presentationml/2006/main">
   <p:cSld>
     <p:spTree>
@@ -20180,7 +24710,7 @@
             </a:pPr>
             <a:fld id="{00000000-1234-1234-1234-123412341234}" type="slidenum">
               <a:rPr lang="en-BR"/>
-              <a:t>15</a:t>
+              <a:t>18</a:t>
             </a:fld>
             <a:endParaRPr/>
           </a:p>
@@ -22139,101 +26669,6 @@
           </a:p>
         </p:txBody>
       </p:sp>
-      <p:grpSp>
-        <p:nvGrpSpPr>
-          <p:cNvPr id="545" name="Google Shape;545;p64"/>
-          <p:cNvGrpSpPr/>
-          <p:nvPr/>
-        </p:nvGrpSpPr>
-        <p:grpSpPr>
-          <a:xfrm>
-            <a:off x="4912775" y="237000"/>
-            <a:ext cx="2483395" cy="1362636"/>
-            <a:chOff x="5919396" y="237002"/>
-            <a:chExt cx="2197500" cy="1362636"/>
-          </a:xfrm>
-        </p:grpSpPr>
-        <p:cxnSp>
-          <p:nvCxnSpPr>
-            <p:cNvPr id="546" name="Google Shape;546;p64"/>
-            <p:cNvCxnSpPr/>
-            <p:nvPr/>
-          </p:nvCxnSpPr>
-          <p:spPr>
-            <a:xfrm>
-              <a:off x="6844095" y="528938"/>
-              <a:ext cx="903300" cy="1070700"/>
-            </a:xfrm>
-            <a:prstGeom prst="straightConnector1">
-              <a:avLst/>
-            </a:prstGeom>
-            <a:noFill/>
-            <a:ln w="9525" cap="flat" cmpd="sng">
-              <a:solidFill>
-                <a:srgbClr val="FF0000"/>
-              </a:solidFill>
-              <a:prstDash val="solid"/>
-              <a:round/>
-              <a:headEnd type="none" w="med" len="med"/>
-              <a:tailEnd type="triangle" w="med" len="med"/>
-            </a:ln>
-          </p:spPr>
-        </p:cxnSp>
-        <p:sp>
-          <p:nvSpPr>
-            <p:cNvPr id="547" name="Google Shape;547;p64"/>
-            <p:cNvSpPr txBox="1"/>
-            <p:nvPr/>
-          </p:nvSpPr>
-          <p:spPr>
-            <a:xfrm>
-              <a:off x="5919396" y="237002"/>
-              <a:ext cx="2197500" cy="369300"/>
-            </a:xfrm>
-            <a:prstGeom prst="rect">
-              <a:avLst/>
-            </a:prstGeom>
-            <a:noFill/>
-            <a:ln>
-              <a:noFill/>
-            </a:ln>
-          </p:spPr>
-          <p:txBody>
-            <a:bodyPr spcFirstLastPara="1" wrap="square" lIns="91425" tIns="91425" rIns="91425" bIns="91425" anchor="t" anchorCtr="0">
-              <a:spAutoFit/>
-            </a:bodyPr>
-            <a:lstStyle/>
-            <a:p>
-              <a:pPr marL="0" lvl="0" indent="0" algn="l" rtl="0">
-                <a:spcBef>
-                  <a:spcPts val="0"/>
-                </a:spcBef>
-                <a:spcAft>
-                  <a:spcPts val="0"/>
-                </a:spcAft>
-                <a:buNone/>
-              </a:pPr>
-              <a:r>
-                <a:rPr lang="en-BR" sz="1200">
-                  <a:solidFill>
-                    <a:srgbClr val="FF0000"/>
-                  </a:solidFill>
-                  <a:latin typeface="Calibri"/>
-                  <a:ea typeface="Calibri"/>
-                  <a:cs typeface="Calibri"/>
-                  <a:sym typeface="Calibri"/>
-                </a:rPr>
-                <a:t>Qual a posição no meio (t=0.5)?</a:t>
-              </a:r>
-              <a:endParaRPr>
-                <a:solidFill>
-                  <a:srgbClr val="FF0000"/>
-                </a:solidFill>
-              </a:endParaRPr>
-            </a:p>
-          </p:txBody>
-        </p:sp>
-      </p:grpSp>
       <p:pic>
         <p:nvPicPr>
           <p:cNvPr id="548" name="Google Shape;548;p64" descr="{&quot;font&quot;:{&quot;family&quot;:&quot;Arial&quot;,&quot;color&quot;:&quot;#000000&quot;,&quot;size&quot;:12},&quot;backgroundColorModified&quot;:null,&quot;code&quot;:&quot;$$S=\\begin{bmatrix}\n{0.125}\\\\\n{0.25}\\\\\n{0.5}\\\\\n{1}\\\\\n\\end{bmatrix}^{T}$$&quot;,&quot;aid&quot;:null,&quot;backgroundColor&quot;:&quot;#FFFFFF&quot;,&quot;type&quot;:&quot;$$&quot;,&quot;id&quot;:&quot;2&quot;,&quot;ts&quot;:1634773041551,&quot;cs&quot;:&quot;L0DNntMm6C1SXyfqnTA11Q==&quot;,&quot;size&quot;:{&quot;width&quot;:113.33333333333333,&quot;height&quot;:101.5}}"/>
@@ -22472,6 +26907,122 @@
           </a:p>
         </p:txBody>
       </p:sp>
+      <p:grpSp>
+        <p:nvGrpSpPr>
+          <p:cNvPr id="5" name="Google Shape;532;p63">
+            <a:extLst>
+              <a:ext uri="{FF2B5EF4-FFF2-40B4-BE49-F238E27FC236}">
+                <a16:creationId xmlns:a16="http://schemas.microsoft.com/office/drawing/2014/main" id="{367D02A5-5471-6B48-096F-60E3F9C57077}"/>
+              </a:ext>
+            </a:extLst>
+          </p:cNvPr>
+          <p:cNvGrpSpPr/>
+          <p:nvPr/>
+        </p:nvGrpSpPr>
+        <p:grpSpPr>
+          <a:xfrm>
+            <a:off x="4034673" y="98707"/>
+            <a:ext cx="4042398" cy="1500929"/>
+            <a:chOff x="5142383" y="98709"/>
+            <a:chExt cx="3577026" cy="1500929"/>
+          </a:xfrm>
+        </p:grpSpPr>
+        <p:cxnSp>
+          <p:nvCxnSpPr>
+            <p:cNvPr id="6" name="Google Shape;533;p63">
+              <a:extLst>
+                <a:ext uri="{FF2B5EF4-FFF2-40B4-BE49-F238E27FC236}">
+                  <a16:creationId xmlns:a16="http://schemas.microsoft.com/office/drawing/2014/main" id="{970CE9AC-EEC9-DD56-5E62-8D0B58DBDE2A}"/>
+                </a:ext>
+              </a:extLst>
+            </p:cNvPr>
+            <p:cNvCxnSpPr>
+              <a:cxnSpLocks/>
+              <a:stCxn id="7" idx="2"/>
+            </p:cNvCxnSpPr>
+            <p:nvPr/>
+          </p:nvCxnSpPr>
+          <p:spPr>
+            <a:xfrm>
+              <a:off x="6930896" y="468011"/>
+              <a:ext cx="816499" cy="1131627"/>
+            </a:xfrm>
+            <a:prstGeom prst="straightConnector1">
+              <a:avLst/>
+            </a:prstGeom>
+            <a:noFill/>
+            <a:ln w="9525" cap="flat" cmpd="sng">
+              <a:solidFill>
+                <a:srgbClr val="FF0000"/>
+              </a:solidFill>
+              <a:prstDash val="solid"/>
+              <a:round/>
+              <a:headEnd type="none" w="med" len="med"/>
+              <a:tailEnd type="triangle" w="med" len="med"/>
+            </a:ln>
+          </p:spPr>
+        </p:cxnSp>
+        <p:sp>
+          <p:nvSpPr>
+            <p:cNvPr id="7" name="Google Shape;534;p63">
+              <a:extLst>
+                <a:ext uri="{FF2B5EF4-FFF2-40B4-BE49-F238E27FC236}">
+                  <a16:creationId xmlns:a16="http://schemas.microsoft.com/office/drawing/2014/main" id="{94E7B6D5-390E-5842-C79B-7E75EA68F25A}"/>
+                </a:ext>
+              </a:extLst>
+            </p:cNvPr>
+            <p:cNvSpPr txBox="1"/>
+            <p:nvPr/>
+          </p:nvSpPr>
+          <p:spPr>
+            <a:xfrm>
+              <a:off x="5142383" y="98709"/>
+              <a:ext cx="3577026" cy="369302"/>
+            </a:xfrm>
+            <a:prstGeom prst="rect">
+              <a:avLst/>
+            </a:prstGeom>
+            <a:noFill/>
+            <a:ln>
+              <a:noFill/>
+            </a:ln>
+          </p:spPr>
+          <p:txBody>
+            <a:bodyPr spcFirstLastPara="1" wrap="square" lIns="91425" tIns="91425" rIns="91425" bIns="91425" anchor="t" anchorCtr="0">
+              <a:spAutoFit/>
+            </a:bodyPr>
+            <a:lstStyle/>
+            <a:p>
+              <a:pPr marL="0" lvl="0" indent="0" algn="l" rtl="0">
+                <a:spcBef>
+                  <a:spcPts val="0"/>
+                </a:spcBef>
+                <a:spcAft>
+                  <a:spcPts val="0"/>
+                </a:spcAft>
+                <a:buNone/>
+              </a:pPr>
+              <a:r>
+                <a:rPr lang="en-BR" sz="1200" dirty="0">
+                  <a:solidFill>
+                    <a:srgbClr val="FF0000"/>
+                  </a:solidFill>
+                  <a:latin typeface="Calibri"/>
+                  <a:ea typeface="Calibri"/>
+                  <a:cs typeface="Calibri"/>
+                  <a:sym typeface="Calibri"/>
+                </a:rPr>
+                <a:t>Qual a posição da interpolação depois de 4 segundos (t=0.5)?</a:t>
+              </a:r>
+              <a:endParaRPr dirty="0">
+                <a:solidFill>
+                  <a:srgbClr val="FF0000"/>
+                </a:solidFill>
+              </a:endParaRPr>
+            </a:p>
+          </p:txBody>
+        </p:sp>
+      </p:grpSp>
     </p:spTree>
   </p:cSld>
   <p:clrMapOvr>
@@ -22722,7 +27273,7 @@
 </p:sld>
 </file>
 
-<file path=ppt/slides/slide16.xml><?xml version="1.0" encoding="utf-8"?>
+<file path=ppt/slides/slide19.xml><?xml version="1.0" encoding="utf-8"?>
 <p:sld xmlns:a="http://schemas.openxmlformats.org/drawingml/2006/main" xmlns:r="http://schemas.openxmlformats.org/officeDocument/2006/relationships" xmlns:p="http://schemas.openxmlformats.org/presentationml/2006/main">
   <p:cSld>
     <p:spTree>
@@ -22845,7 +27396,7 @@
             </a:pPr>
             <a:fld id="{00000000-1234-1234-1234-123412341234}" type="slidenum">
               <a:rPr lang="en-BR"/>
-              <a:t>16</a:t>
+              <a:t>19</a:t>
             </a:fld>
             <a:endParaRPr/>
           </a:p>
@@ -22889,7 +27440,7 @@
               <a:buNone/>
             </a:pPr>
             <a:r>
-              <a:rPr lang="en-BR" sz="900" b="1">
+              <a:rPr lang="en-BR" sz="900" b="1" dirty="0">
                 <a:solidFill>
                   <a:srgbClr val="800000"/>
                 </a:solidFill>
@@ -22904,7 +27455,7 @@
               <a:t>   &lt;TimeSensor</a:t>
             </a:r>
             <a:r>
-              <a:rPr lang="en-BR" sz="900" b="1">
+              <a:rPr lang="en-BR" sz="900" b="1" dirty="0">
                 <a:solidFill>
                   <a:schemeClr val="dk1"/>
                 </a:solidFill>
@@ -22919,7 +27470,7 @@
               <a:t> </a:t>
             </a:r>
             <a:r>
-              <a:rPr lang="en-BR" sz="900" b="1">
+              <a:rPr lang="en-BR" sz="900" b="1" dirty="0">
                 <a:solidFill>
                   <a:srgbClr val="FF0000"/>
                 </a:solidFill>
@@ -22934,7 +27485,7 @@
               <a:t>DEF</a:t>
             </a:r>
             <a:r>
-              <a:rPr lang="en-BR" sz="900" b="1">
+              <a:rPr lang="en-BR" sz="900" b="1" dirty="0">
                 <a:solidFill>
                   <a:schemeClr val="dk1"/>
                 </a:solidFill>
@@ -22949,7 +27500,7 @@
               <a:t>=</a:t>
             </a:r>
             <a:r>
-              <a:rPr lang="en-BR" sz="900" b="1">
+              <a:rPr lang="en-BR" sz="900" b="1" dirty="0">
                 <a:solidFill>
                   <a:srgbClr val="0000FF"/>
                 </a:solidFill>
@@ -22964,7 +27515,7 @@
               <a:t>'relogio'</a:t>
             </a:r>
             <a:r>
-              <a:rPr lang="en-BR" sz="900" b="1">
+              <a:rPr lang="en-BR" sz="900" b="1" dirty="0">
                 <a:solidFill>
                   <a:schemeClr val="dk1"/>
                 </a:solidFill>
@@ -22979,7 +27530,7 @@
               <a:t> </a:t>
             </a:r>
             <a:r>
-              <a:rPr lang="en-BR" sz="900" b="1">
+              <a:rPr lang="en-BR" sz="900" b="1" dirty="0">
                 <a:solidFill>
                   <a:srgbClr val="FF0000"/>
                 </a:solidFill>
@@ -22994,7 +27545,7 @@
               <a:t>cycleInterval</a:t>
             </a:r>
             <a:r>
-              <a:rPr lang="en-BR" sz="900" b="1">
+              <a:rPr lang="en-BR" sz="900" b="1" dirty="0">
                 <a:solidFill>
                   <a:schemeClr val="dk1"/>
                 </a:solidFill>
@@ -23009,7 +27560,7 @@
               <a:t>=</a:t>
             </a:r>
             <a:r>
-              <a:rPr lang="en-BR" sz="900" b="1">
+              <a:rPr lang="en-BR" sz="900" b="1" dirty="0">
                 <a:solidFill>
                   <a:srgbClr val="0000FF"/>
                 </a:solidFill>
@@ -23024,7 +27575,7 @@
               <a:t>'8'</a:t>
             </a:r>
             <a:r>
-              <a:rPr lang="en-BR" sz="900" b="1">
+              <a:rPr lang="en-BR" sz="900" b="1" dirty="0">
                 <a:solidFill>
                   <a:schemeClr val="dk1"/>
                 </a:solidFill>
@@ -23039,7 +27590,7 @@
               <a:t> </a:t>
             </a:r>
             <a:r>
-              <a:rPr lang="en-BR" sz="900" b="1">
+              <a:rPr lang="en-BR" sz="900" b="1" dirty="0">
                 <a:solidFill>
                   <a:srgbClr val="FF0000"/>
                 </a:solidFill>
@@ -23054,7 +27605,7 @@
               <a:t>loop</a:t>
             </a:r>
             <a:r>
-              <a:rPr lang="en-BR" sz="900" b="1">
+              <a:rPr lang="en-BR" sz="900" b="1" dirty="0">
                 <a:solidFill>
                   <a:schemeClr val="dk1"/>
                 </a:solidFill>
@@ -23069,7 +27620,7 @@
               <a:t>=</a:t>
             </a:r>
             <a:r>
-              <a:rPr lang="en-BR" sz="900" b="1">
+              <a:rPr lang="en-BR" sz="900" b="1" dirty="0">
                 <a:solidFill>
                   <a:srgbClr val="0000FF"/>
                 </a:solidFill>
@@ -23084,7 +27635,7 @@
               <a:t>'true'</a:t>
             </a:r>
             <a:r>
-              <a:rPr lang="en-BR" sz="900" b="1">
+              <a:rPr lang="en-BR" sz="900" b="1" dirty="0">
                 <a:solidFill>
                   <a:srgbClr val="800000"/>
                 </a:solidFill>
@@ -23098,7 +27649,7 @@
               </a:rPr>
               <a:t>/&gt;</a:t>
             </a:r>
-            <a:endParaRPr sz="900" b="1">
+            <a:endParaRPr sz="900" b="1" dirty="0">
               <a:solidFill>
                 <a:srgbClr val="800000"/>
               </a:solidFill>
@@ -23125,7 +27676,7 @@
               <a:buNone/>
             </a:pPr>
             <a:r>
-              <a:rPr lang="en-BR" sz="900" b="1">
+              <a:rPr lang="en-BR" sz="900" b="1" dirty="0">
                 <a:solidFill>
                   <a:schemeClr val="dk1"/>
                 </a:solidFill>
@@ -23139,7 +27690,7 @@
               </a:rPr>
               <a:t>  </a:t>
             </a:r>
-            <a:endParaRPr sz="900" b="1">
+            <a:endParaRPr sz="900" b="1" dirty="0">
               <a:solidFill>
                 <a:schemeClr val="dk1"/>
               </a:solidFill>
@@ -23166,7 +27717,7 @@
               <a:buNone/>
             </a:pPr>
             <a:r>
-              <a:rPr lang="en-BR" sz="900" b="1">
+              <a:rPr lang="en-BR" sz="900" b="1" dirty="0">
                 <a:solidFill>
                   <a:schemeClr val="dk1"/>
                 </a:solidFill>
@@ -23181,7 +27732,7 @@
               <a:t>   </a:t>
             </a:r>
             <a:r>
-              <a:rPr lang="en-BR" sz="900" b="1">
+              <a:rPr lang="en-BR" sz="900" b="1" dirty="0">
                 <a:solidFill>
                   <a:srgbClr val="800000"/>
                 </a:solidFill>
@@ -23196,7 +27747,7 @@
               <a:t>&lt;SplinePositionInterpolator</a:t>
             </a:r>
             <a:r>
-              <a:rPr lang="en-BR" sz="900" b="1">
+              <a:rPr lang="en-BR" sz="900" b="1" dirty="0">
                 <a:solidFill>
                   <a:schemeClr val="dk1"/>
                 </a:solidFill>
@@ -23211,7 +27762,7 @@
               <a:t> </a:t>
             </a:r>
             <a:r>
-              <a:rPr lang="en-BR" sz="900" b="1">
+              <a:rPr lang="en-BR" sz="900" b="1" dirty="0">
                 <a:solidFill>
                   <a:srgbClr val="FF0000"/>
                 </a:solidFill>
@@ -23226,7 +27777,7 @@
               <a:t>DEF</a:t>
             </a:r>
             <a:r>
-              <a:rPr lang="en-BR" sz="900" b="1">
+              <a:rPr lang="en-BR" sz="900" b="1" dirty="0">
                 <a:solidFill>
                   <a:schemeClr val="dk1"/>
                 </a:solidFill>
@@ -23241,7 +27792,7 @@
               <a:t>=</a:t>
             </a:r>
             <a:r>
-              <a:rPr lang="en-BR" sz="900" b="1">
+              <a:rPr lang="en-BR" sz="900" b="1" dirty="0">
                 <a:solidFill>
                   <a:srgbClr val="0000FF"/>
                 </a:solidFill>
@@ -23256,7 +27807,7 @@
               <a:t>"move"</a:t>
             </a:r>
             <a:r>
-              <a:rPr lang="en-BR" sz="900" b="1">
+              <a:rPr lang="en-BR" sz="900" b="1" dirty="0">
                 <a:solidFill>
                   <a:schemeClr val="dk1"/>
                 </a:solidFill>
@@ -23271,7 +27822,7 @@
               <a:t> </a:t>
             </a:r>
             <a:r>
-              <a:rPr lang="en-BR" sz="900" b="1">
+              <a:rPr lang="en-BR" sz="900" b="1" dirty="0">
                 <a:solidFill>
                   <a:srgbClr val="FF0000"/>
                 </a:solidFill>
@@ -23286,7 +27837,7 @@
               <a:t>closed</a:t>
             </a:r>
             <a:r>
-              <a:rPr lang="en-BR" sz="900" b="1">
+              <a:rPr lang="en-BR" sz="900" b="1" dirty="0">
                 <a:solidFill>
                   <a:schemeClr val="dk1"/>
                 </a:solidFill>
@@ -23301,7 +27852,7 @@
               <a:t>=</a:t>
             </a:r>
             <a:r>
-              <a:rPr lang="en-BR" sz="900" b="1">
+              <a:rPr lang="en-BR" sz="900" b="1" dirty="0">
                 <a:solidFill>
                   <a:srgbClr val="0000FF"/>
                 </a:solidFill>
@@ -23315,7 +27866,7 @@
               </a:rPr>
               <a:t>"false"</a:t>
             </a:r>
-            <a:endParaRPr sz="900" b="1">
+            <a:endParaRPr sz="900" b="1" dirty="0">
               <a:solidFill>
                 <a:srgbClr val="0000FF"/>
               </a:solidFill>
@@ -23342,7 +27893,7 @@
               <a:buNone/>
             </a:pPr>
             <a:r>
-              <a:rPr lang="en-BR" sz="900" b="1">
+              <a:rPr lang="en-BR" sz="900" b="1" dirty="0">
                 <a:solidFill>
                   <a:schemeClr val="dk1"/>
                 </a:solidFill>
@@ -23357,7 +27908,7 @@
               <a:t>         </a:t>
             </a:r>
             <a:r>
-              <a:rPr lang="en-BR" sz="900" b="1">
+              <a:rPr lang="en-BR" sz="900" b="1" dirty="0">
                 <a:solidFill>
                   <a:srgbClr val="FF0000"/>
                 </a:solidFill>
@@ -23372,7 +27923,7 @@
               <a:t>key</a:t>
             </a:r>
             <a:r>
-              <a:rPr lang="en-BR" sz="900" b="1">
+              <a:rPr lang="en-BR" sz="900" b="1" dirty="0">
                 <a:solidFill>
                   <a:schemeClr val="dk1"/>
                 </a:solidFill>
@@ -23387,7 +27938,7 @@
               <a:t>=</a:t>
             </a:r>
             <a:r>
-              <a:rPr lang="en-BR" sz="900" b="1">
+              <a:rPr lang="en-BR" sz="900" b="1" dirty="0">
                 <a:solidFill>
                   <a:srgbClr val="0000FF"/>
                 </a:solidFill>
@@ -23401,7 +27952,7 @@
               </a:rPr>
               <a:t>"     0.00     0.2     0.4      0.6    0.8     1.00"</a:t>
             </a:r>
-            <a:endParaRPr sz="900" b="1">
+            <a:endParaRPr sz="900" b="1" dirty="0">
               <a:solidFill>
                 <a:srgbClr val="0000FF"/>
               </a:solidFill>
@@ -23428,7 +27979,7 @@
               <a:buNone/>
             </a:pPr>
             <a:r>
-              <a:rPr lang="en-BR" sz="900" b="1">
+              <a:rPr lang="en-BR" sz="900" b="1" dirty="0">
                 <a:solidFill>
                   <a:schemeClr val="dk1"/>
                 </a:solidFill>
@@ -23443,7 +27994,7 @@
               <a:t>         </a:t>
             </a:r>
             <a:r>
-              <a:rPr lang="en-BR" sz="900" b="1">
+              <a:rPr lang="en-BR" sz="900" b="1" dirty="0">
                 <a:solidFill>
                   <a:srgbClr val="FF0000"/>
                 </a:solidFill>
@@ -23458,7 +28009,7 @@
               <a:t>keyValue</a:t>
             </a:r>
             <a:r>
-              <a:rPr lang="en-BR" sz="900" b="1">
+              <a:rPr lang="en-BR" sz="900" b="1" dirty="0">
                 <a:solidFill>
                   <a:schemeClr val="dk1"/>
                 </a:solidFill>
@@ -23473,7 +28024,7 @@
               <a:t>=</a:t>
             </a:r>
             <a:r>
-              <a:rPr lang="en-BR" sz="900" b="1">
+              <a:rPr lang="en-BR" sz="900" b="1" dirty="0">
                 <a:solidFill>
                   <a:srgbClr val="0000FF"/>
                 </a:solidFill>
@@ -23488,7 +28039,7 @@
               <a:t>"-5 -1 0  -3 1 0  -1 -1 0  1 1 0  3 -1 0  5 1 0"</a:t>
             </a:r>
             <a:r>
-              <a:rPr lang="en-BR" sz="900" b="1">
+              <a:rPr lang="en-BR" sz="900" b="1" dirty="0">
                 <a:solidFill>
                   <a:srgbClr val="800000"/>
                 </a:solidFill>
@@ -23502,7 +28053,7 @@
               </a:rPr>
               <a:t>/&gt;</a:t>
             </a:r>
-            <a:endParaRPr sz="900" b="1">
+            <a:endParaRPr sz="900" b="1" dirty="0">
               <a:solidFill>
                 <a:srgbClr val="800000"/>
               </a:solidFill>
@@ -23529,7 +28080,7 @@
               <a:buNone/>
             </a:pPr>
             <a:r>
-              <a:rPr lang="en-BR" sz="900" b="1">
+              <a:rPr lang="en-BR" sz="900" b="1" dirty="0">
                 <a:solidFill>
                   <a:schemeClr val="dk1"/>
                 </a:solidFill>
@@ -23543,7 +28094,7 @@
               </a:rPr>
               <a:t>  </a:t>
             </a:r>
-            <a:endParaRPr sz="900" b="1">
+            <a:endParaRPr sz="900" b="1" dirty="0">
               <a:solidFill>
                 <a:schemeClr val="dk1"/>
               </a:solidFill>
@@ -23570,7 +28121,7 @@
               <a:buNone/>
             </a:pPr>
             <a:r>
-              <a:rPr lang="en-BR" sz="900" b="1">
+              <a:rPr lang="en-BR" sz="900" b="1" dirty="0">
                 <a:solidFill>
                   <a:schemeClr val="dk1"/>
                 </a:solidFill>
@@ -23585,7 +28136,7 @@
               <a:t>   </a:t>
             </a:r>
             <a:r>
-              <a:rPr lang="en-BR" sz="900" b="1">
+              <a:rPr lang="en-BR" sz="900" b="1" dirty="0">
                 <a:solidFill>
                   <a:srgbClr val="800000"/>
                 </a:solidFill>
@@ -23600,7 +28151,7 @@
               <a:t>&lt;Transform</a:t>
             </a:r>
             <a:r>
-              <a:rPr lang="en-BR" sz="900" b="1">
+              <a:rPr lang="en-BR" sz="900" b="1" dirty="0">
                 <a:solidFill>
                   <a:schemeClr val="dk1"/>
                 </a:solidFill>
@@ -23615,7 +28166,7 @@
               <a:t> </a:t>
             </a:r>
             <a:r>
-              <a:rPr lang="en-BR" sz="900" b="1">
+              <a:rPr lang="en-BR" sz="900" b="1" dirty="0">
                 <a:solidFill>
                   <a:srgbClr val="FF0000"/>
                 </a:solidFill>
@@ -23630,7 +28181,7 @@
               <a:t>DEF</a:t>
             </a:r>
             <a:r>
-              <a:rPr lang="en-BR" sz="900" b="1">
+              <a:rPr lang="en-BR" sz="900" b="1" dirty="0">
                 <a:solidFill>
                   <a:schemeClr val="dk1"/>
                 </a:solidFill>
@@ -23645,7 +28196,7 @@
               <a:t>=</a:t>
             </a:r>
             <a:r>
-              <a:rPr lang="en-BR" sz="900" b="1">
+              <a:rPr lang="en-BR" sz="900" b="1" dirty="0">
                 <a:solidFill>
                   <a:srgbClr val="0000FF"/>
                 </a:solidFill>
@@ -23660,7 +28211,7 @@
               <a:t>'esfera'</a:t>
             </a:r>
             <a:r>
-              <a:rPr lang="en-BR" sz="900" b="1">
+              <a:rPr lang="en-BR" sz="900" b="1" dirty="0">
                 <a:solidFill>
                   <a:srgbClr val="800000"/>
                 </a:solidFill>
@@ -23674,7 +28225,7 @@
               </a:rPr>
               <a:t>&gt;</a:t>
             </a:r>
-            <a:endParaRPr sz="900" b="1">
+            <a:endParaRPr sz="900" b="1" dirty="0">
               <a:solidFill>
                 <a:srgbClr val="800000"/>
               </a:solidFill>
@@ -23701,7 +28252,7 @@
               <a:buNone/>
             </a:pPr>
             <a:r>
-              <a:rPr lang="en-BR" sz="900" b="1">
+              <a:rPr lang="en-BR" sz="900" b="1" dirty="0">
                 <a:solidFill>
                   <a:schemeClr val="dk1"/>
                 </a:solidFill>
@@ -23716,7 +28267,7 @@
               <a:t>     </a:t>
             </a:r>
             <a:r>
-              <a:rPr lang="en-BR" sz="900" b="1">
+              <a:rPr lang="en-BR" sz="900" b="1" dirty="0">
                 <a:solidFill>
                   <a:srgbClr val="800000"/>
                 </a:solidFill>
@@ -23730,7 +28281,7 @@
               </a:rPr>
               <a:t>&lt;Shape&gt;</a:t>
             </a:r>
-            <a:endParaRPr sz="900" b="1">
+            <a:endParaRPr sz="900" b="1" dirty="0">
               <a:solidFill>
                 <a:srgbClr val="800000"/>
               </a:solidFill>
@@ -23757,7 +28308,7 @@
               <a:buNone/>
             </a:pPr>
             <a:r>
-              <a:rPr lang="en-BR" sz="900" b="1">
+              <a:rPr lang="en-BR" sz="900" b="1" dirty="0">
                 <a:solidFill>
                   <a:schemeClr val="dk1"/>
                 </a:solidFill>
@@ -23772,7 +28323,7 @@
               <a:t>       </a:t>
             </a:r>
             <a:r>
-              <a:rPr lang="en-BR" sz="900" b="1">
+              <a:rPr lang="en-BR" sz="900" b="1" dirty="0">
                 <a:solidFill>
                   <a:srgbClr val="800000"/>
                 </a:solidFill>
@@ -23786,7 +28337,7 @@
               </a:rPr>
               <a:t>&lt;Sphere/&gt;</a:t>
             </a:r>
-            <a:endParaRPr sz="900" b="1">
+            <a:endParaRPr sz="900" b="1" dirty="0">
               <a:solidFill>
                 <a:srgbClr val="800000"/>
               </a:solidFill>
@@ -23813,7 +28364,7 @@
               <a:buNone/>
             </a:pPr>
             <a:r>
-              <a:rPr lang="en-BR" sz="900" b="1">
+              <a:rPr lang="en-BR" sz="900" b="1" dirty="0">
                 <a:solidFill>
                   <a:schemeClr val="dk1"/>
                 </a:solidFill>
@@ -23828,7 +28379,7 @@
               <a:t>       </a:t>
             </a:r>
             <a:r>
-              <a:rPr lang="en-BR" sz="900" b="1">
+              <a:rPr lang="en-BR" sz="900" b="1" dirty="0">
                 <a:solidFill>
                   <a:srgbClr val="800000"/>
                 </a:solidFill>
@@ -23842,7 +28393,7 @@
               </a:rPr>
               <a:t>&lt;Appearance&gt;</a:t>
             </a:r>
-            <a:endParaRPr sz="900" b="1">
+            <a:endParaRPr sz="900" b="1" dirty="0">
               <a:solidFill>
                 <a:srgbClr val="800000"/>
               </a:solidFill>
@@ -23869,7 +28420,7 @@
               <a:buNone/>
             </a:pPr>
             <a:r>
-              <a:rPr lang="en-BR" sz="900" b="1">
+              <a:rPr lang="en-BR" sz="900" b="1" dirty="0">
                 <a:solidFill>
                   <a:schemeClr val="dk1"/>
                 </a:solidFill>
@@ -23884,7 +28435,7 @@
               <a:t>         </a:t>
             </a:r>
             <a:r>
-              <a:rPr lang="en-BR" sz="900" b="1">
+              <a:rPr lang="en-BR" sz="900" b="1" dirty="0">
                 <a:solidFill>
                   <a:srgbClr val="800000"/>
                 </a:solidFill>
@@ -23899,7 +28450,7 @@
               <a:t>&lt;Material</a:t>
             </a:r>
             <a:r>
-              <a:rPr lang="en-BR" sz="900" b="1">
+              <a:rPr lang="en-BR" sz="900" b="1" dirty="0">
                 <a:solidFill>
                   <a:schemeClr val="dk1"/>
                 </a:solidFill>
@@ -23914,7 +28465,7 @@
               <a:t> </a:t>
             </a:r>
             <a:r>
-              <a:rPr lang="en-BR" sz="900" b="1">
+              <a:rPr lang="en-BR" sz="900" b="1" dirty="0">
                 <a:solidFill>
                   <a:srgbClr val="FF0000"/>
                 </a:solidFill>
@@ -23929,7 +28480,7 @@
               <a:t>diffuseColor</a:t>
             </a:r>
             <a:r>
-              <a:rPr lang="en-BR" sz="900" b="1">
+              <a:rPr lang="en-BR" sz="900" b="1" dirty="0">
                 <a:solidFill>
                   <a:schemeClr val="dk1"/>
                 </a:solidFill>
@@ -23944,7 +28495,7 @@
               <a:t>=</a:t>
             </a:r>
             <a:r>
-              <a:rPr lang="en-BR" sz="900" b="1">
+              <a:rPr lang="en-BR" sz="900" b="1" dirty="0">
                 <a:solidFill>
                   <a:srgbClr val="0000FF"/>
                 </a:solidFill>
@@ -23959,7 +28510,7 @@
               <a:t>'0.0 1.0 1.0'</a:t>
             </a:r>
             <a:r>
-              <a:rPr lang="en-BR" sz="900" b="1">
+              <a:rPr lang="en-BR" sz="900" b="1" dirty="0">
                 <a:solidFill>
                   <a:srgbClr val="800000"/>
                 </a:solidFill>
@@ -23973,7 +28524,7 @@
               </a:rPr>
               <a:t>/&gt;</a:t>
             </a:r>
-            <a:endParaRPr sz="900" b="1">
+            <a:endParaRPr sz="900" b="1" dirty="0">
               <a:solidFill>
                 <a:srgbClr val="800000"/>
               </a:solidFill>
@@ -24000,7 +28551,7 @@
               <a:buNone/>
             </a:pPr>
             <a:r>
-              <a:rPr lang="en-BR" sz="900" b="1">
+              <a:rPr lang="en-BR" sz="900" b="1" dirty="0">
                 <a:solidFill>
                   <a:schemeClr val="dk1"/>
                 </a:solidFill>
@@ -24015,7 +28566,7 @@
               <a:t>       </a:t>
             </a:r>
             <a:r>
-              <a:rPr lang="en-BR" sz="900" b="1">
+              <a:rPr lang="en-BR" sz="900" b="1" dirty="0">
                 <a:solidFill>
                   <a:srgbClr val="800000"/>
                 </a:solidFill>
@@ -24029,7 +28580,7 @@
               </a:rPr>
               <a:t>&lt;/Appearance&gt;</a:t>
             </a:r>
-            <a:endParaRPr sz="900" b="1">
+            <a:endParaRPr sz="900" b="1" dirty="0">
               <a:solidFill>
                 <a:srgbClr val="800000"/>
               </a:solidFill>
@@ -24056,7 +28607,7 @@
               <a:buNone/>
             </a:pPr>
             <a:r>
-              <a:rPr lang="en-BR" sz="900" b="1">
+              <a:rPr lang="en-BR" sz="900" b="1" dirty="0">
                 <a:solidFill>
                   <a:schemeClr val="dk1"/>
                 </a:solidFill>
@@ -24071,7 +28622,7 @@
               <a:t>     </a:t>
             </a:r>
             <a:r>
-              <a:rPr lang="en-BR" sz="900" b="1">
+              <a:rPr lang="en-BR" sz="900" b="1" dirty="0">
                 <a:solidFill>
                   <a:srgbClr val="800000"/>
                 </a:solidFill>
@@ -24085,7 +28636,7 @@
               </a:rPr>
               <a:t>&lt;/Shape&gt;</a:t>
             </a:r>
-            <a:endParaRPr sz="900" b="1">
+            <a:endParaRPr sz="900" b="1" dirty="0">
               <a:solidFill>
                 <a:srgbClr val="800000"/>
               </a:solidFill>
@@ -24112,7 +28663,7 @@
               <a:buNone/>
             </a:pPr>
             <a:r>
-              <a:rPr lang="en-BR" sz="900" b="1">
+              <a:rPr lang="en-BR" sz="900" b="1" dirty="0">
                 <a:solidFill>
                   <a:schemeClr val="dk1"/>
                 </a:solidFill>
@@ -24127,7 +28678,7 @@
               <a:t>   </a:t>
             </a:r>
             <a:r>
-              <a:rPr lang="en-BR" sz="900" b="1">
+              <a:rPr lang="en-BR" sz="900" b="1" dirty="0">
                 <a:solidFill>
                   <a:srgbClr val="800000"/>
                 </a:solidFill>
@@ -24141,7 +28692,7 @@
               </a:rPr>
               <a:t>&lt;/Transform&gt;</a:t>
             </a:r>
-            <a:endParaRPr sz="900" b="1">
+            <a:endParaRPr sz="900" b="1" dirty="0">
               <a:solidFill>
                 <a:srgbClr val="800000"/>
               </a:solidFill>
@@ -24167,7 +28718,7 @@
               </a:spcAft>
               <a:buNone/>
             </a:pPr>
-            <a:endParaRPr sz="900" b="1">
+            <a:endParaRPr sz="900" b="1" dirty="0">
               <a:solidFill>
                 <a:schemeClr val="dk1"/>
               </a:solidFill>
@@ -24194,7 +28745,7 @@
               <a:buNone/>
             </a:pPr>
             <a:r>
-              <a:rPr lang="en-BR" sz="900" b="1">
+              <a:rPr lang="en-BR" sz="900" b="1" dirty="0">
                 <a:solidFill>
                   <a:schemeClr val="dk1"/>
                 </a:solidFill>
@@ -24209,7 +28760,7 @@
               <a:t>   </a:t>
             </a:r>
             <a:r>
-              <a:rPr lang="en-BR" sz="900" b="1">
+              <a:rPr lang="en-BR" sz="900" b="1" dirty="0">
                 <a:solidFill>
                   <a:srgbClr val="800000"/>
                 </a:solidFill>
@@ -24224,7 +28775,7 @@
               <a:t>&lt;ROUTE</a:t>
             </a:r>
             <a:r>
-              <a:rPr lang="en-BR" sz="900" b="1">
+              <a:rPr lang="en-BR" sz="900" b="1" dirty="0">
                 <a:solidFill>
                   <a:schemeClr val="dk1"/>
                 </a:solidFill>
@@ -24239,7 +28790,7 @@
               <a:t> </a:t>
             </a:r>
             <a:r>
-              <a:rPr lang="en-BR" sz="900" b="1">
+              <a:rPr lang="en-BR" sz="900" b="1" dirty="0">
                 <a:solidFill>
                   <a:srgbClr val="FF0000"/>
                 </a:solidFill>
@@ -24254,7 +28805,7 @@
               <a:t>fromNode</a:t>
             </a:r>
             <a:r>
-              <a:rPr lang="en-BR" sz="900" b="1">
+              <a:rPr lang="en-BR" sz="900" b="1" dirty="0">
                 <a:solidFill>
                   <a:schemeClr val="dk1"/>
                 </a:solidFill>
@@ -24269,7 +28820,7 @@
               <a:t>=</a:t>
             </a:r>
             <a:r>
-              <a:rPr lang="en-BR" sz="900" b="1">
+              <a:rPr lang="en-BR" sz="900" b="1" dirty="0">
                 <a:solidFill>
                   <a:srgbClr val="0000FF"/>
                 </a:solidFill>
@@ -24284,7 +28835,7 @@
               <a:t>'relogio'</a:t>
             </a:r>
             <a:r>
-              <a:rPr lang="en-BR" sz="900" b="1">
+              <a:rPr lang="en-BR" sz="900" b="1" dirty="0">
                 <a:solidFill>
                   <a:schemeClr val="dk1"/>
                 </a:solidFill>
@@ -24299,7 +28850,7 @@
               <a:t> </a:t>
             </a:r>
             <a:r>
-              <a:rPr lang="en-BR" sz="900" b="1">
+              <a:rPr lang="en-BR" sz="900" b="1" dirty="0">
                 <a:solidFill>
                   <a:srgbClr val="FF0000"/>
                 </a:solidFill>
@@ -24314,7 +28865,7 @@
               <a:t>fromField</a:t>
             </a:r>
             <a:r>
-              <a:rPr lang="en-BR" sz="900" b="1">
+              <a:rPr lang="en-BR" sz="900" b="1" dirty="0">
                 <a:solidFill>
                   <a:schemeClr val="dk1"/>
                 </a:solidFill>
@@ -24329,7 +28880,7 @@
               <a:t>=</a:t>
             </a:r>
             <a:r>
-              <a:rPr lang="en-BR" sz="900" b="1">
+              <a:rPr lang="en-BR" sz="900" b="1" dirty="0">
                 <a:solidFill>
                   <a:srgbClr val="0000FF"/>
                 </a:solidFill>
@@ -24344,7 +28895,7 @@
               <a:t>'fraction_changed'</a:t>
             </a:r>
             <a:r>
-              <a:rPr lang="en-BR" sz="900" b="1">
+              <a:rPr lang="en-BR" sz="900" b="1" dirty="0">
                 <a:solidFill>
                   <a:schemeClr val="dk1"/>
                 </a:solidFill>
@@ -24359,7 +28910,7 @@
               <a:t> </a:t>
             </a:r>
             <a:r>
-              <a:rPr lang="en-BR" sz="900" b="1">
+              <a:rPr lang="en-BR" sz="900" b="1" dirty="0">
                 <a:solidFill>
                   <a:srgbClr val="FF0000"/>
                 </a:solidFill>
@@ -24374,7 +28925,7 @@
               <a:t>toNode</a:t>
             </a:r>
             <a:r>
-              <a:rPr lang="en-BR" sz="900" b="1">
+              <a:rPr lang="en-BR" sz="900" b="1" dirty="0">
                 <a:solidFill>
                   <a:schemeClr val="dk1"/>
                 </a:solidFill>
@@ -24389,7 +28940,7 @@
               <a:t>=</a:t>
             </a:r>
             <a:r>
-              <a:rPr lang="en-BR" sz="900" b="1">
+              <a:rPr lang="en-BR" sz="900" b="1" dirty="0">
                 <a:solidFill>
                   <a:srgbClr val="0000FF"/>
                 </a:solidFill>
@@ -24404,7 +28955,7 @@
               <a:t>'move'</a:t>
             </a:r>
             <a:r>
-              <a:rPr lang="en-BR" sz="900" b="1">
+              <a:rPr lang="en-BR" sz="900" b="1" dirty="0">
                 <a:solidFill>
                   <a:schemeClr val="dk1"/>
                 </a:solidFill>
@@ -24419,7 +28970,7 @@
               <a:t> </a:t>
             </a:r>
             <a:r>
-              <a:rPr lang="en-BR" sz="900" b="1">
+              <a:rPr lang="en-BR" sz="900" b="1" dirty="0">
                 <a:solidFill>
                   <a:srgbClr val="FF0000"/>
                 </a:solidFill>
@@ -24434,7 +28985,7 @@
               <a:t>toField</a:t>
             </a:r>
             <a:r>
-              <a:rPr lang="en-BR" sz="900" b="1">
+              <a:rPr lang="en-BR" sz="900" b="1" dirty="0">
                 <a:solidFill>
                   <a:schemeClr val="dk1"/>
                 </a:solidFill>
@@ -24449,7 +29000,7 @@
               <a:t>=</a:t>
             </a:r>
             <a:r>
-              <a:rPr lang="en-BR" sz="900" b="1">
+              <a:rPr lang="en-BR" sz="900" b="1" dirty="0">
                 <a:solidFill>
                   <a:srgbClr val="0000FF"/>
                 </a:solidFill>
@@ -24464,7 +29015,7 @@
               <a:t>'set_fraction'</a:t>
             </a:r>
             <a:r>
-              <a:rPr lang="en-BR" sz="900" b="1">
+              <a:rPr lang="en-BR" sz="900" b="1" dirty="0">
                 <a:solidFill>
                   <a:srgbClr val="800000"/>
                 </a:solidFill>
@@ -24478,7 +29029,7 @@
               </a:rPr>
               <a:t>/&gt;</a:t>
             </a:r>
-            <a:endParaRPr sz="900" b="1">
+            <a:endParaRPr sz="900" b="1" dirty="0">
               <a:solidFill>
                 <a:srgbClr val="800000"/>
               </a:solidFill>
@@ -24505,7 +29056,7 @@
               <a:buNone/>
             </a:pPr>
             <a:r>
-              <a:rPr lang="en-BR" sz="900" b="1">
+              <a:rPr lang="en-BR" sz="900" b="1" dirty="0">
                 <a:solidFill>
                   <a:schemeClr val="dk1"/>
                 </a:solidFill>
@@ -24520,7 +29071,7 @@
               <a:t>   </a:t>
             </a:r>
             <a:r>
-              <a:rPr lang="en-BR" sz="900" b="1">
+              <a:rPr lang="en-BR" sz="900" b="1" dirty="0">
                 <a:solidFill>
                   <a:srgbClr val="800000"/>
                 </a:solidFill>
@@ -24535,7 +29086,7 @@
               <a:t>&lt;ROUTE</a:t>
             </a:r>
             <a:r>
-              <a:rPr lang="en-BR" sz="900" b="1">
+              <a:rPr lang="en-BR" sz="900" b="1" dirty="0">
                 <a:solidFill>
                   <a:schemeClr val="dk1"/>
                 </a:solidFill>
@@ -24550,7 +29101,7 @@
               <a:t> </a:t>
             </a:r>
             <a:r>
-              <a:rPr lang="en-BR" sz="900" b="1">
+              <a:rPr lang="en-BR" sz="900" b="1" dirty="0">
                 <a:solidFill>
                   <a:srgbClr val="FF0000"/>
                 </a:solidFill>
@@ -24565,7 +29116,7 @@
               <a:t>fromNode</a:t>
             </a:r>
             <a:r>
-              <a:rPr lang="en-BR" sz="900" b="1">
+              <a:rPr lang="en-BR" sz="900" b="1" dirty="0">
                 <a:solidFill>
                   <a:schemeClr val="dk1"/>
                 </a:solidFill>
@@ -24580,7 +29131,7 @@
               <a:t>=</a:t>
             </a:r>
             <a:r>
-              <a:rPr lang="en-BR" sz="900" b="1">
+              <a:rPr lang="en-BR" sz="900" b="1" dirty="0">
                 <a:solidFill>
                   <a:srgbClr val="0000FF"/>
                 </a:solidFill>
@@ -24595,7 +29146,7 @@
               <a:t>'move'</a:t>
             </a:r>
             <a:r>
-              <a:rPr lang="en-BR" sz="900" b="1">
+              <a:rPr lang="en-BR" sz="900" b="1" dirty="0">
                 <a:solidFill>
                   <a:schemeClr val="dk1"/>
                 </a:solidFill>
@@ -24610,7 +29161,7 @@
               <a:t> </a:t>
             </a:r>
             <a:r>
-              <a:rPr lang="en-BR" sz="900" b="1">
+              <a:rPr lang="en-BR" sz="900" b="1" dirty="0">
                 <a:solidFill>
                   <a:srgbClr val="FF0000"/>
                 </a:solidFill>
@@ -24625,7 +29176,7 @@
               <a:t>fromField</a:t>
             </a:r>
             <a:r>
-              <a:rPr lang="en-BR" sz="900" b="1">
+              <a:rPr lang="en-BR" sz="900" b="1" dirty="0">
                 <a:solidFill>
                   <a:schemeClr val="dk1"/>
                 </a:solidFill>
@@ -24640,7 +29191,7 @@
               <a:t>=</a:t>
             </a:r>
             <a:r>
-              <a:rPr lang="en-BR" sz="900" b="1">
+              <a:rPr lang="en-BR" sz="900" b="1" dirty="0">
                 <a:solidFill>
                   <a:srgbClr val="0000FF"/>
                 </a:solidFill>
@@ -24655,7 +29206,7 @@
               <a:t>'value_changed'</a:t>
             </a:r>
             <a:r>
-              <a:rPr lang="en-BR" sz="900" b="1">
+              <a:rPr lang="en-BR" sz="900" b="1" dirty="0">
                 <a:solidFill>
                   <a:schemeClr val="dk1"/>
                 </a:solidFill>
@@ -24670,7 +29221,7 @@
               <a:t> </a:t>
             </a:r>
             <a:r>
-              <a:rPr lang="en-BR" sz="900" b="1">
+              <a:rPr lang="en-BR" sz="900" b="1" dirty="0">
                 <a:solidFill>
                   <a:srgbClr val="FF0000"/>
                 </a:solidFill>
@@ -24685,7 +29236,7 @@
               <a:t>toNode</a:t>
             </a:r>
             <a:r>
-              <a:rPr lang="en-BR" sz="900" b="1">
+              <a:rPr lang="en-BR" sz="900" b="1" dirty="0">
                 <a:solidFill>
                   <a:schemeClr val="dk1"/>
                 </a:solidFill>
@@ -24700,7 +29251,7 @@
               <a:t>=</a:t>
             </a:r>
             <a:r>
-              <a:rPr lang="en-BR" sz="900" b="1">
+              <a:rPr lang="en-BR" sz="900" b="1" dirty="0">
                 <a:solidFill>
                   <a:srgbClr val="0000FF"/>
                 </a:solidFill>
@@ -24715,7 +29266,7 @@
               <a:t>'esfera'</a:t>
             </a:r>
             <a:r>
-              <a:rPr lang="en-BR" sz="900" b="1">
+              <a:rPr lang="en-BR" sz="900" b="1" dirty="0">
                 <a:solidFill>
                   <a:schemeClr val="dk1"/>
                 </a:solidFill>
@@ -24730,7 +29281,7 @@
               <a:t> </a:t>
             </a:r>
             <a:r>
-              <a:rPr lang="en-BR" sz="900" b="1">
+              <a:rPr lang="en-BR" sz="900" b="1" dirty="0">
                 <a:solidFill>
                   <a:srgbClr val="FF0000"/>
                 </a:solidFill>
@@ -24745,7 +29296,7 @@
               <a:t>toField</a:t>
             </a:r>
             <a:r>
-              <a:rPr lang="en-BR" sz="900" b="1">
+              <a:rPr lang="en-BR" sz="900" b="1" dirty="0">
                 <a:solidFill>
                   <a:schemeClr val="dk1"/>
                 </a:solidFill>
@@ -24760,7 +29311,7 @@
               <a:t>=</a:t>
             </a:r>
             <a:r>
-              <a:rPr lang="en-BR" sz="900" b="1">
+              <a:rPr lang="en-BR" sz="900" b="1" dirty="0">
                 <a:solidFill>
                   <a:srgbClr val="0000FF"/>
                 </a:solidFill>
@@ -24775,7 +29326,7 @@
               <a:t>'translation'</a:t>
             </a:r>
             <a:r>
-              <a:rPr lang="en-BR" sz="900" b="1">
+              <a:rPr lang="en-BR" sz="900" b="1" dirty="0">
                 <a:solidFill>
                   <a:srgbClr val="800000"/>
                 </a:solidFill>
@@ -24789,7 +29340,7 @@
               </a:rPr>
               <a:t>/&gt;</a:t>
             </a:r>
-            <a:endParaRPr sz="900" b="1">
+            <a:endParaRPr sz="900" b="1" dirty="0">
               <a:solidFill>
                 <a:schemeClr val="dk1"/>
               </a:solidFill>
@@ -24804,101 +29355,6 @@
           </a:p>
         </p:txBody>
       </p:sp>
-      <p:grpSp>
-        <p:nvGrpSpPr>
-          <p:cNvPr id="561" name="Google Shape;561;p65"/>
-          <p:cNvGrpSpPr/>
-          <p:nvPr/>
-        </p:nvGrpSpPr>
-        <p:grpSpPr>
-          <a:xfrm>
-            <a:off x="4912775" y="237000"/>
-            <a:ext cx="2483395" cy="1362636"/>
-            <a:chOff x="5919396" y="237002"/>
-            <a:chExt cx="2197500" cy="1362636"/>
-          </a:xfrm>
-        </p:grpSpPr>
-        <p:cxnSp>
-          <p:nvCxnSpPr>
-            <p:cNvPr id="562" name="Google Shape;562;p65"/>
-            <p:cNvCxnSpPr/>
-            <p:nvPr/>
-          </p:nvCxnSpPr>
-          <p:spPr>
-            <a:xfrm>
-              <a:off x="6844095" y="528938"/>
-              <a:ext cx="903300" cy="1070700"/>
-            </a:xfrm>
-            <a:prstGeom prst="straightConnector1">
-              <a:avLst/>
-            </a:prstGeom>
-            <a:noFill/>
-            <a:ln w="9525" cap="flat" cmpd="sng">
-              <a:solidFill>
-                <a:srgbClr val="FF0000"/>
-              </a:solidFill>
-              <a:prstDash val="solid"/>
-              <a:round/>
-              <a:headEnd type="none" w="med" len="med"/>
-              <a:tailEnd type="triangle" w="med" len="med"/>
-            </a:ln>
-          </p:spPr>
-        </p:cxnSp>
-        <p:sp>
-          <p:nvSpPr>
-            <p:cNvPr id="563" name="Google Shape;563;p65"/>
-            <p:cNvSpPr txBox="1"/>
-            <p:nvPr/>
-          </p:nvSpPr>
-          <p:spPr>
-            <a:xfrm>
-              <a:off x="5919396" y="237002"/>
-              <a:ext cx="2197500" cy="369300"/>
-            </a:xfrm>
-            <a:prstGeom prst="rect">
-              <a:avLst/>
-            </a:prstGeom>
-            <a:noFill/>
-            <a:ln>
-              <a:noFill/>
-            </a:ln>
-          </p:spPr>
-          <p:txBody>
-            <a:bodyPr spcFirstLastPara="1" wrap="square" lIns="91425" tIns="91425" rIns="91425" bIns="91425" anchor="t" anchorCtr="0">
-              <a:spAutoFit/>
-            </a:bodyPr>
-            <a:lstStyle/>
-            <a:p>
-              <a:pPr marL="0" lvl="0" indent="0" algn="l" rtl="0">
-                <a:spcBef>
-                  <a:spcPts val="0"/>
-                </a:spcBef>
-                <a:spcAft>
-                  <a:spcPts val="0"/>
-                </a:spcAft>
-                <a:buNone/>
-              </a:pPr>
-              <a:r>
-                <a:rPr lang="en-BR" sz="1200">
-                  <a:solidFill>
-                    <a:srgbClr val="FF0000"/>
-                  </a:solidFill>
-                  <a:latin typeface="Calibri"/>
-                  <a:ea typeface="Calibri"/>
-                  <a:cs typeface="Calibri"/>
-                  <a:sym typeface="Calibri"/>
-                </a:rPr>
-                <a:t>Qual a posição no meio (t=0.5)?</a:t>
-              </a:r>
-              <a:endParaRPr>
-                <a:solidFill>
-                  <a:srgbClr val="FF0000"/>
-                </a:solidFill>
-              </a:endParaRPr>
-            </a:p>
-          </p:txBody>
-        </p:sp>
-      </p:grpSp>
       <p:pic>
         <p:nvPicPr>
           <p:cNvPr id="564" name="Google Shape;564;p65" descr="{&quot;type&quot;:&quot;$$&quot;,&quot;font&quot;:{&quot;color&quot;:&quot;#000000&quot;,&quot;family&quot;:&quot;Arial&quot;,&quot;size&quot;:12},&quot;aid&quot;:null,&quot;backgroundColor&quot;:&quot;#FFFFFF&quot;,&quot;id&quot;:&quot;3&quot;,&quot;backgroundColorModified&quot;:false,&quot;code&quot;:&quot;$$\\text{V}_{s}=\\begin{bmatrix}\n{0.125}&amp;{0.25}&amp;{0.5}&amp;{1}\\\\\n\\end{bmatrix}\\begin{bmatrix}\n{2}&amp;{-2}&amp;{1}&amp;{1}\\\\\n{-3}&amp;{3}&amp;{-2}&amp;{-1}\\\\\n{0}&amp;{0}&amp;{1}&amp;{0}\\\\\n{1}&amp;{0}&amp;{0}&amp;{0}\\\\\n\\end{bmatrix}\\cdot\\begin{bmatrix}\n{-1}&amp;{-1}&amp;{0}\\\\\n{1}&amp;{1}&amp;{0}\\\\\n{2}&amp;{0}&amp;{0}\\\\\n{2}&amp;{0}&amp;{0}\\\\\n\\end{bmatrix}$$&quot;,&quot;ts&quot;:1634774888642,&quot;cs&quot;:&quot;pnh+EZUno2d3yE/SpWzIwg==&quot;,&quot;size&quot;:{&quot;width&quot;:527.5,&quot;height&quot;:98}}"/>
@@ -24955,6 +29411,122 @@
           </a:ln>
         </p:spPr>
       </p:pic>
+      <p:grpSp>
+        <p:nvGrpSpPr>
+          <p:cNvPr id="5" name="Google Shape;532;p63">
+            <a:extLst>
+              <a:ext uri="{FF2B5EF4-FFF2-40B4-BE49-F238E27FC236}">
+                <a16:creationId xmlns:a16="http://schemas.microsoft.com/office/drawing/2014/main" id="{9B5B75DC-A088-F8B7-449D-B34B74F74948}"/>
+              </a:ext>
+            </a:extLst>
+          </p:cNvPr>
+          <p:cNvGrpSpPr/>
+          <p:nvPr/>
+        </p:nvGrpSpPr>
+        <p:grpSpPr>
+          <a:xfrm>
+            <a:off x="4034673" y="98707"/>
+            <a:ext cx="4042398" cy="1500929"/>
+            <a:chOff x="5142383" y="98709"/>
+            <a:chExt cx="3577026" cy="1500929"/>
+          </a:xfrm>
+        </p:grpSpPr>
+        <p:cxnSp>
+          <p:nvCxnSpPr>
+            <p:cNvPr id="6" name="Google Shape;533;p63">
+              <a:extLst>
+                <a:ext uri="{FF2B5EF4-FFF2-40B4-BE49-F238E27FC236}">
+                  <a16:creationId xmlns:a16="http://schemas.microsoft.com/office/drawing/2014/main" id="{06F6ABF6-AF07-12B7-CFA0-C2CD6A3911C0}"/>
+                </a:ext>
+              </a:extLst>
+            </p:cNvPr>
+            <p:cNvCxnSpPr>
+              <a:cxnSpLocks/>
+              <a:stCxn id="7" idx="2"/>
+            </p:cNvCxnSpPr>
+            <p:nvPr/>
+          </p:nvCxnSpPr>
+          <p:spPr>
+            <a:xfrm>
+              <a:off x="6930896" y="468011"/>
+              <a:ext cx="816499" cy="1131627"/>
+            </a:xfrm>
+            <a:prstGeom prst="straightConnector1">
+              <a:avLst/>
+            </a:prstGeom>
+            <a:noFill/>
+            <a:ln w="9525" cap="flat" cmpd="sng">
+              <a:solidFill>
+                <a:srgbClr val="FF0000"/>
+              </a:solidFill>
+              <a:prstDash val="solid"/>
+              <a:round/>
+              <a:headEnd type="none" w="med" len="med"/>
+              <a:tailEnd type="triangle" w="med" len="med"/>
+            </a:ln>
+          </p:spPr>
+        </p:cxnSp>
+        <p:sp>
+          <p:nvSpPr>
+            <p:cNvPr id="7" name="Google Shape;534;p63">
+              <a:extLst>
+                <a:ext uri="{FF2B5EF4-FFF2-40B4-BE49-F238E27FC236}">
+                  <a16:creationId xmlns:a16="http://schemas.microsoft.com/office/drawing/2014/main" id="{C10FF148-F745-7C26-CF33-3AEFC1CE22CF}"/>
+                </a:ext>
+              </a:extLst>
+            </p:cNvPr>
+            <p:cNvSpPr txBox="1"/>
+            <p:nvPr/>
+          </p:nvSpPr>
+          <p:spPr>
+            <a:xfrm>
+              <a:off x="5142383" y="98709"/>
+              <a:ext cx="3577026" cy="369302"/>
+            </a:xfrm>
+            <a:prstGeom prst="rect">
+              <a:avLst/>
+            </a:prstGeom>
+            <a:noFill/>
+            <a:ln>
+              <a:noFill/>
+            </a:ln>
+          </p:spPr>
+          <p:txBody>
+            <a:bodyPr spcFirstLastPara="1" wrap="square" lIns="91425" tIns="91425" rIns="91425" bIns="91425" anchor="t" anchorCtr="0">
+              <a:spAutoFit/>
+            </a:bodyPr>
+            <a:lstStyle/>
+            <a:p>
+              <a:pPr marL="0" lvl="0" indent="0" algn="l" rtl="0">
+                <a:spcBef>
+                  <a:spcPts val="0"/>
+                </a:spcBef>
+                <a:spcAft>
+                  <a:spcPts val="0"/>
+                </a:spcAft>
+                <a:buNone/>
+              </a:pPr>
+              <a:r>
+                <a:rPr lang="en-BR" sz="1200" dirty="0">
+                  <a:solidFill>
+                    <a:srgbClr val="FF0000"/>
+                  </a:solidFill>
+                  <a:latin typeface="Calibri"/>
+                  <a:ea typeface="Calibri"/>
+                  <a:cs typeface="Calibri"/>
+                  <a:sym typeface="Calibri"/>
+                </a:rPr>
+                <a:t>Qual a posição da interpolação depois de 4 segundos (t=0.5)?</a:t>
+              </a:r>
+              <a:endParaRPr dirty="0">
+                <a:solidFill>
+                  <a:srgbClr val="FF0000"/>
+                </a:solidFill>
+              </a:endParaRPr>
+            </a:p>
+          </p:txBody>
+        </p:sp>
+      </p:grpSp>
     </p:spTree>
   </p:cSld>
   <p:clrMapOvr>
@@ -25099,484 +29671,6 @@
 </p:sld>
 </file>
 
-<file path=ppt/slides/slide17.xml><?xml version="1.0" encoding="utf-8"?>
-<p:sld xmlns:a="http://schemas.openxmlformats.org/drawingml/2006/main" xmlns:r="http://schemas.openxmlformats.org/officeDocument/2006/relationships" xmlns:p="http://schemas.openxmlformats.org/presentationml/2006/main">
-  <p:cSld>
-    <p:spTree>
-      <p:nvGrpSpPr>
-        <p:cNvPr id="1" name="Shape 569"/>
-        <p:cNvGrpSpPr/>
-        <p:nvPr/>
-      </p:nvGrpSpPr>
-      <p:grpSpPr>
-        <a:xfrm>
-          <a:off x="0" y="0"/>
-          <a:ext cx="0" cy="0"/>
-          <a:chOff x="0" y="0"/>
-          <a:chExt cx="0" cy="0"/>
-        </a:xfrm>
-      </p:grpSpPr>
-      <p:sp>
-        <p:nvSpPr>
-          <p:cNvPr id="571" name="Google Shape;571;p66"/>
-          <p:cNvSpPr txBox="1">
-            <a:spLocks noGrp="1"/>
-          </p:cNvSpPr>
-          <p:nvPr>
-            <p:ph type="body" idx="1"/>
-          </p:nvPr>
-        </p:nvSpPr>
-        <p:spPr>
-          <a:xfrm>
-            <a:off x="955687" y="1402663"/>
-            <a:ext cx="7343700" cy="595200"/>
-          </a:xfrm>
-          <a:prstGeom prst="rect">
-            <a:avLst/>
-          </a:prstGeom>
-          <a:noFill/>
-          <a:ln>
-            <a:noFill/>
-          </a:ln>
-        </p:spPr>
-        <p:txBody>
-          <a:bodyPr spcFirstLastPara="1" wrap="square" lIns="91425" tIns="45700" rIns="91425" bIns="45700" anchor="t" anchorCtr="0">
-            <a:normAutofit/>
-          </a:bodyPr>
-          <a:lstStyle/>
-          <a:p>
-            <a:pPr marL="0" lvl="0" indent="0" algn="ctr" rtl="0">
-              <a:spcBef>
-                <a:spcPts val="0"/>
-              </a:spcBef>
-              <a:spcAft>
-                <a:spcPts val="0"/>
-              </a:spcAft>
-              <a:buClr>
-                <a:schemeClr val="lt1"/>
-              </a:buClr>
-              <a:buSzPts val="3000"/>
-              <a:buFont typeface="Verdana"/>
-              <a:buNone/>
-            </a:pPr>
-            <a:r>
-              <a:rPr lang="en-BR"/>
-              <a:t>Computação Gráfica</a:t>
-            </a:r>
-            <a:endParaRPr/>
-          </a:p>
-        </p:txBody>
-      </p:sp>
-      <p:sp>
-        <p:nvSpPr>
-          <p:cNvPr id="4" name="Google Shape;926;p84">
-            <a:extLst>
-              <a:ext uri="{FF2B5EF4-FFF2-40B4-BE49-F238E27FC236}">
-                <a16:creationId xmlns:a16="http://schemas.microsoft.com/office/drawing/2014/main" id="{84ADE440-70D3-7993-9C1F-B5C671CFA3B7}"/>
-              </a:ext>
-            </a:extLst>
-          </p:cNvPr>
-          <p:cNvSpPr txBox="1">
-            <a:spLocks noGrp="1"/>
-          </p:cNvSpPr>
-          <p:nvPr>
-            <p:ph type="body" idx="2"/>
-          </p:nvPr>
-        </p:nvSpPr>
-        <p:spPr>
-          <a:prstGeom prst="rect">
-            <a:avLst/>
-          </a:prstGeom>
-          <a:noFill/>
-          <a:ln>
-            <a:noFill/>
-          </a:ln>
-        </p:spPr>
-        <p:txBody>
-          <a:bodyPr spcFirstLastPara="1" wrap="square" lIns="91425" tIns="45700" rIns="91425" bIns="45700" anchor="t" anchorCtr="0">
-            <a:noAutofit/>
-          </a:bodyPr>
-          <a:lstStyle>
-            <a:defPPr marR="0" lvl="0" algn="l" rtl="0">
-              <a:lnSpc>
-                <a:spcPct val="100000"/>
-              </a:lnSpc>
-              <a:spcBef>
-                <a:spcPts val="0"/>
-              </a:spcBef>
-              <a:spcAft>
-                <a:spcPts val="0"/>
-              </a:spcAft>
-            </a:defPPr>
-            <a:lvl1pPr marL="457200" marR="0" lvl="0" indent="-228600" algn="ctr" rtl="0">
-              <a:lnSpc>
-                <a:spcPct val="100000"/>
-              </a:lnSpc>
-              <a:spcBef>
-                <a:spcPts val="333"/>
-              </a:spcBef>
-              <a:spcAft>
-                <a:spcPts val="0"/>
-              </a:spcAft>
-              <a:buClr>
-                <a:schemeClr val="lt1"/>
-              </a:buClr>
-              <a:buSzPts val="1667"/>
-              <a:buFont typeface="Arial"/>
-              <a:buNone/>
-              <a:defRPr sz="1667" b="0" i="0" u="none" strike="noStrike" cap="none">
-                <a:solidFill>
-                  <a:schemeClr val="lt1"/>
-                </a:solidFill>
-                <a:latin typeface="Verdana"/>
-                <a:ea typeface="Verdana"/>
-                <a:cs typeface="Verdana"/>
-                <a:sym typeface="Verdana"/>
-              </a:defRPr>
-            </a:lvl1pPr>
-            <a:lvl2pPr marL="914400" marR="0" lvl="1" indent="-323850" algn="l" rtl="0">
-              <a:lnSpc>
-                <a:spcPct val="100000"/>
-              </a:lnSpc>
-              <a:spcBef>
-                <a:spcPts val="300"/>
-              </a:spcBef>
-              <a:spcAft>
-                <a:spcPts val="0"/>
-              </a:spcAft>
-              <a:buClr>
-                <a:schemeClr val="dk1"/>
-              </a:buClr>
-              <a:buSzPts val="1500"/>
-              <a:buFont typeface="Arial"/>
-              <a:buChar char="–"/>
-              <a:defRPr sz="1500" b="0" i="0" u="none" strike="noStrike" cap="none">
-                <a:solidFill>
-                  <a:schemeClr val="dk1"/>
-                </a:solidFill>
-                <a:latin typeface="Verdana"/>
-                <a:ea typeface="Verdana"/>
-                <a:cs typeface="Verdana"/>
-                <a:sym typeface="Verdana"/>
-              </a:defRPr>
-            </a:lvl2pPr>
-            <a:lvl3pPr marL="1371600" marR="0" lvl="2" indent="-323850" algn="l" rtl="0">
-              <a:lnSpc>
-                <a:spcPct val="100000"/>
-              </a:lnSpc>
-              <a:spcBef>
-                <a:spcPts val="300"/>
-              </a:spcBef>
-              <a:spcAft>
-                <a:spcPts val="0"/>
-              </a:spcAft>
-              <a:buClr>
-                <a:schemeClr val="dk1"/>
-              </a:buClr>
-              <a:buSzPts val="1500"/>
-              <a:buFont typeface="Arial"/>
-              <a:buChar char="•"/>
-              <a:defRPr sz="1500" b="0" i="0" u="none" strike="noStrike" cap="none">
-                <a:solidFill>
-                  <a:schemeClr val="dk1"/>
-                </a:solidFill>
-                <a:latin typeface="Verdana"/>
-                <a:ea typeface="Verdana"/>
-                <a:cs typeface="Verdana"/>
-                <a:sym typeface="Verdana"/>
-              </a:defRPr>
-            </a:lvl3pPr>
-            <a:lvl4pPr marL="1828800" marR="0" lvl="3" indent="-323850" algn="l" rtl="0">
-              <a:lnSpc>
-                <a:spcPct val="100000"/>
-              </a:lnSpc>
-              <a:spcBef>
-                <a:spcPts val="300"/>
-              </a:spcBef>
-              <a:spcAft>
-                <a:spcPts val="0"/>
-              </a:spcAft>
-              <a:buClr>
-                <a:schemeClr val="dk1"/>
-              </a:buClr>
-              <a:buSzPts val="1500"/>
-              <a:buFont typeface="Arial"/>
-              <a:buChar char="–"/>
-              <a:defRPr sz="1500" b="0" i="0" u="none" strike="noStrike" cap="none">
-                <a:solidFill>
-                  <a:schemeClr val="dk1"/>
-                </a:solidFill>
-                <a:latin typeface="Verdana"/>
-                <a:ea typeface="Verdana"/>
-                <a:cs typeface="Verdana"/>
-                <a:sym typeface="Verdana"/>
-              </a:defRPr>
-            </a:lvl4pPr>
-            <a:lvl5pPr marL="2286000" marR="0" lvl="4" indent="-323850" algn="l" rtl="0">
-              <a:lnSpc>
-                <a:spcPct val="100000"/>
-              </a:lnSpc>
-              <a:spcBef>
-                <a:spcPts val="300"/>
-              </a:spcBef>
-              <a:spcAft>
-                <a:spcPts val="0"/>
-              </a:spcAft>
-              <a:buClr>
-                <a:schemeClr val="dk1"/>
-              </a:buClr>
-              <a:buSzPts val="1500"/>
-              <a:buFont typeface="Arial"/>
-              <a:buChar char="»"/>
-              <a:defRPr sz="1500" b="0" i="0" u="none" strike="noStrike" cap="none">
-                <a:solidFill>
-                  <a:schemeClr val="dk1"/>
-                </a:solidFill>
-                <a:latin typeface="Verdana"/>
-                <a:ea typeface="Verdana"/>
-                <a:cs typeface="Verdana"/>
-                <a:sym typeface="Verdana"/>
-              </a:defRPr>
-            </a:lvl5pPr>
-            <a:lvl6pPr marL="2743200" marR="0" lvl="5" indent="-334454" algn="l" rtl="0">
-              <a:lnSpc>
-                <a:spcPct val="100000"/>
-              </a:lnSpc>
-              <a:spcBef>
-                <a:spcPts val="333"/>
-              </a:spcBef>
-              <a:spcAft>
-                <a:spcPts val="0"/>
-              </a:spcAft>
-              <a:buClr>
-                <a:schemeClr val="dk1"/>
-              </a:buClr>
-              <a:buSzPts val="1667"/>
-              <a:buFont typeface="Arial"/>
-              <a:buChar char="•"/>
-              <a:defRPr sz="1667" b="0" i="0" u="none" strike="noStrike" cap="none">
-                <a:solidFill>
-                  <a:schemeClr val="dk1"/>
-                </a:solidFill>
-                <a:latin typeface="Arial"/>
-                <a:ea typeface="Arial"/>
-                <a:cs typeface="Arial"/>
-                <a:sym typeface="Arial"/>
-              </a:defRPr>
-            </a:lvl6pPr>
-            <a:lvl7pPr marL="3200400" marR="0" lvl="6" indent="-334454" algn="l" rtl="0">
-              <a:lnSpc>
-                <a:spcPct val="100000"/>
-              </a:lnSpc>
-              <a:spcBef>
-                <a:spcPts val="333"/>
-              </a:spcBef>
-              <a:spcAft>
-                <a:spcPts val="0"/>
-              </a:spcAft>
-              <a:buClr>
-                <a:schemeClr val="dk1"/>
-              </a:buClr>
-              <a:buSzPts val="1667"/>
-              <a:buFont typeface="Arial"/>
-              <a:buChar char="•"/>
-              <a:defRPr sz="1667" b="0" i="0" u="none" strike="noStrike" cap="none">
-                <a:solidFill>
-                  <a:schemeClr val="dk1"/>
-                </a:solidFill>
-                <a:latin typeface="Arial"/>
-                <a:ea typeface="Arial"/>
-                <a:cs typeface="Arial"/>
-                <a:sym typeface="Arial"/>
-              </a:defRPr>
-            </a:lvl7pPr>
-            <a:lvl8pPr marL="3657600" marR="0" lvl="7" indent="-334454" algn="l" rtl="0">
-              <a:lnSpc>
-                <a:spcPct val="100000"/>
-              </a:lnSpc>
-              <a:spcBef>
-                <a:spcPts val="333"/>
-              </a:spcBef>
-              <a:spcAft>
-                <a:spcPts val="0"/>
-              </a:spcAft>
-              <a:buClr>
-                <a:schemeClr val="dk1"/>
-              </a:buClr>
-              <a:buSzPts val="1667"/>
-              <a:buFont typeface="Arial"/>
-              <a:buChar char="•"/>
-              <a:defRPr sz="1667" b="0" i="0" u="none" strike="noStrike" cap="none">
-                <a:solidFill>
-                  <a:schemeClr val="dk1"/>
-                </a:solidFill>
-                <a:latin typeface="Arial"/>
-                <a:ea typeface="Arial"/>
-                <a:cs typeface="Arial"/>
-                <a:sym typeface="Arial"/>
-              </a:defRPr>
-            </a:lvl8pPr>
-            <a:lvl9pPr marL="4114800" marR="0" lvl="8" indent="-334454" algn="l" rtl="0">
-              <a:lnSpc>
-                <a:spcPct val="100000"/>
-              </a:lnSpc>
-              <a:spcBef>
-                <a:spcPts val="333"/>
-              </a:spcBef>
-              <a:spcAft>
-                <a:spcPts val="0"/>
-              </a:spcAft>
-              <a:buClr>
-                <a:schemeClr val="dk1"/>
-              </a:buClr>
-              <a:buSzPts val="1667"/>
-              <a:buFont typeface="Arial"/>
-              <a:buChar char="•"/>
-              <a:defRPr sz="1667" b="0" i="0" u="none" strike="noStrike" cap="none">
-                <a:solidFill>
-                  <a:schemeClr val="dk1"/>
-                </a:solidFill>
-                <a:latin typeface="Arial"/>
-                <a:ea typeface="Arial"/>
-                <a:cs typeface="Arial"/>
-                <a:sym typeface="Arial"/>
-              </a:defRPr>
-            </a:lvl9pPr>
-          </a:lstStyle>
-          <a:p>
-            <a:pPr marL="0" lvl="0" indent="0" algn="ctr" rtl="0">
-              <a:spcBef>
-                <a:spcPts val="0"/>
-              </a:spcBef>
-              <a:spcAft>
-                <a:spcPts val="0"/>
-              </a:spcAft>
-              <a:buClr>
-                <a:schemeClr val="lt1"/>
-              </a:buClr>
-              <a:buSzPts val="2333"/>
-              <a:buFont typeface="Verdana"/>
-              <a:buNone/>
-            </a:pPr>
-            <a:r>
-              <a:rPr lang="pt-BR" sz="2333" dirty="0"/>
-              <a:t>Luciano Soares</a:t>
-            </a:r>
-            <a:endParaRPr dirty="0"/>
-          </a:p>
-          <a:p>
-            <a:pPr marL="0" lvl="0" indent="0" algn="ctr" rtl="0">
-              <a:spcBef>
-                <a:spcPts val="467"/>
-              </a:spcBef>
-              <a:spcAft>
-                <a:spcPts val="0"/>
-              </a:spcAft>
-              <a:buClr>
-                <a:schemeClr val="lt1"/>
-              </a:buClr>
-              <a:buSzPts val="2333"/>
-              <a:buFont typeface="Verdana"/>
-              <a:buNone/>
-            </a:pPr>
-            <a:r>
-              <a:rPr lang="pt-BR" sz="2333" dirty="0"/>
-              <a:t>&lt;</a:t>
-            </a:r>
-            <a:r>
-              <a:rPr lang="pt-BR" sz="2333" dirty="0" err="1"/>
-              <a:t>lpsoares@insper.edu.br</a:t>
-            </a:r>
-            <a:r>
-              <a:rPr lang="pt-BR" sz="2333" dirty="0"/>
-              <a:t>&gt;</a:t>
-            </a:r>
-          </a:p>
-          <a:p>
-            <a:pPr marL="0" lvl="0" indent="0" algn="ctr" rtl="0">
-              <a:spcBef>
-                <a:spcPts val="467"/>
-              </a:spcBef>
-              <a:spcAft>
-                <a:spcPts val="0"/>
-              </a:spcAft>
-              <a:buClr>
-                <a:schemeClr val="lt1"/>
-              </a:buClr>
-              <a:buSzPts val="2333"/>
-              <a:buFont typeface="Verdana"/>
-              <a:buNone/>
-            </a:pPr>
-            <a:endParaRPr lang="pt-BR" sz="2333" dirty="0"/>
-          </a:p>
-          <a:p>
-            <a:pPr marL="0" lvl="0" indent="0" algn="ctr" rtl="0">
-              <a:spcBef>
-                <a:spcPts val="467"/>
-              </a:spcBef>
-              <a:spcAft>
-                <a:spcPts val="0"/>
-              </a:spcAft>
-              <a:buClr>
-                <a:schemeClr val="lt1"/>
-              </a:buClr>
-              <a:buSzPts val="2333"/>
-              <a:buFont typeface="Verdana"/>
-              <a:buNone/>
-            </a:pPr>
-            <a:r>
-              <a:rPr lang="en-BR" sz="2333" dirty="0"/>
-              <a:t>Fabio Orfali</a:t>
-            </a:r>
-          </a:p>
-          <a:p>
-            <a:pPr marL="0" lvl="0" indent="0" algn="ctr" rtl="0">
-              <a:spcBef>
-                <a:spcPts val="467"/>
-              </a:spcBef>
-              <a:spcAft>
-                <a:spcPts val="0"/>
-              </a:spcAft>
-              <a:buClr>
-                <a:schemeClr val="lt1"/>
-              </a:buClr>
-              <a:buSzPts val="2333"/>
-              <a:buFont typeface="Verdana"/>
-              <a:buNone/>
-            </a:pPr>
-            <a:r>
-              <a:rPr lang="en-BR" sz="2333" dirty="0"/>
-              <a:t>&lt;fabioO1@insper.edu.br&gt;</a:t>
-            </a:r>
-            <a:endParaRPr sz="2333" dirty="0"/>
-          </a:p>
-          <a:p>
-            <a:pPr marL="0" lvl="0" indent="0" algn="ctr" rtl="0">
-              <a:spcBef>
-                <a:spcPts val="467"/>
-              </a:spcBef>
-              <a:spcAft>
-                <a:spcPts val="0"/>
-              </a:spcAft>
-              <a:buClr>
-                <a:schemeClr val="lt1"/>
-              </a:buClr>
-              <a:buSzPts val="2333"/>
-              <a:buFont typeface="Verdana"/>
-              <a:buNone/>
-            </a:pPr>
-            <a:endParaRPr sz="2333" dirty="0"/>
-          </a:p>
-        </p:txBody>
-      </p:sp>
-    </p:spTree>
-  </p:cSld>
-  <p:clrMapOvr>
-    <a:masterClrMapping/>
-  </p:clrMapOvr>
-</p:sld>
-</file>
-
 <file path=ppt/slides/slide2.xml><?xml version="1.0" encoding="utf-8"?>
 <p:sld xmlns:a="http://schemas.openxmlformats.org/drawingml/2006/main" xmlns:r="http://schemas.openxmlformats.org/officeDocument/2006/relationships" xmlns:p="http://schemas.openxmlformats.org/presentationml/2006/main">
   <p:cSld>
@@ -25773,6 +29867,484 @@
               <a:t>2</a:t>
             </a:fld>
             <a:endParaRPr/>
+          </a:p>
+        </p:txBody>
+      </p:sp>
+    </p:spTree>
+  </p:cSld>
+  <p:clrMapOvr>
+    <a:masterClrMapping/>
+  </p:clrMapOvr>
+</p:sld>
+</file>
+
+<file path=ppt/slides/slide20.xml><?xml version="1.0" encoding="utf-8"?>
+<p:sld xmlns:a="http://schemas.openxmlformats.org/drawingml/2006/main" xmlns:r="http://schemas.openxmlformats.org/officeDocument/2006/relationships" xmlns:p="http://schemas.openxmlformats.org/presentationml/2006/main">
+  <p:cSld>
+    <p:spTree>
+      <p:nvGrpSpPr>
+        <p:cNvPr id="1" name="Shape 569"/>
+        <p:cNvGrpSpPr/>
+        <p:nvPr/>
+      </p:nvGrpSpPr>
+      <p:grpSpPr>
+        <a:xfrm>
+          <a:off x="0" y="0"/>
+          <a:ext cx="0" cy="0"/>
+          <a:chOff x="0" y="0"/>
+          <a:chExt cx="0" cy="0"/>
+        </a:xfrm>
+      </p:grpSpPr>
+      <p:sp>
+        <p:nvSpPr>
+          <p:cNvPr id="571" name="Google Shape;571;p66"/>
+          <p:cNvSpPr txBox="1">
+            <a:spLocks noGrp="1"/>
+          </p:cNvSpPr>
+          <p:nvPr>
+            <p:ph type="body" idx="1"/>
+          </p:nvPr>
+        </p:nvSpPr>
+        <p:spPr>
+          <a:xfrm>
+            <a:off x="955687" y="1402663"/>
+            <a:ext cx="7343700" cy="595200"/>
+          </a:xfrm>
+          <a:prstGeom prst="rect">
+            <a:avLst/>
+          </a:prstGeom>
+          <a:noFill/>
+          <a:ln>
+            <a:noFill/>
+          </a:ln>
+        </p:spPr>
+        <p:txBody>
+          <a:bodyPr spcFirstLastPara="1" wrap="square" lIns="91425" tIns="45700" rIns="91425" bIns="45700" anchor="t" anchorCtr="0">
+            <a:normAutofit/>
+          </a:bodyPr>
+          <a:lstStyle/>
+          <a:p>
+            <a:pPr marL="0" lvl="0" indent="0" algn="ctr" rtl="0">
+              <a:spcBef>
+                <a:spcPts val="0"/>
+              </a:spcBef>
+              <a:spcAft>
+                <a:spcPts val="0"/>
+              </a:spcAft>
+              <a:buClr>
+                <a:schemeClr val="lt1"/>
+              </a:buClr>
+              <a:buSzPts val="3000"/>
+              <a:buFont typeface="Verdana"/>
+              <a:buNone/>
+            </a:pPr>
+            <a:r>
+              <a:rPr lang="en-BR"/>
+              <a:t>Computação Gráfica</a:t>
+            </a:r>
+            <a:endParaRPr/>
+          </a:p>
+        </p:txBody>
+      </p:sp>
+      <p:sp>
+        <p:nvSpPr>
+          <p:cNvPr id="4" name="Google Shape;926;p84">
+            <a:extLst>
+              <a:ext uri="{FF2B5EF4-FFF2-40B4-BE49-F238E27FC236}">
+                <a16:creationId xmlns:a16="http://schemas.microsoft.com/office/drawing/2014/main" id="{84ADE440-70D3-7993-9C1F-B5C671CFA3B7}"/>
+              </a:ext>
+            </a:extLst>
+          </p:cNvPr>
+          <p:cNvSpPr txBox="1">
+            <a:spLocks noGrp="1"/>
+          </p:cNvSpPr>
+          <p:nvPr>
+            <p:ph type="body" idx="2"/>
+          </p:nvPr>
+        </p:nvSpPr>
+        <p:spPr>
+          <a:prstGeom prst="rect">
+            <a:avLst/>
+          </a:prstGeom>
+          <a:noFill/>
+          <a:ln>
+            <a:noFill/>
+          </a:ln>
+        </p:spPr>
+        <p:txBody>
+          <a:bodyPr spcFirstLastPara="1" wrap="square" lIns="91425" tIns="45700" rIns="91425" bIns="45700" anchor="t" anchorCtr="0">
+            <a:noAutofit/>
+          </a:bodyPr>
+          <a:lstStyle>
+            <a:defPPr marR="0" lvl="0" algn="l" rtl="0">
+              <a:lnSpc>
+                <a:spcPct val="100000"/>
+              </a:lnSpc>
+              <a:spcBef>
+                <a:spcPts val="0"/>
+              </a:spcBef>
+              <a:spcAft>
+                <a:spcPts val="0"/>
+              </a:spcAft>
+            </a:defPPr>
+            <a:lvl1pPr marL="457200" marR="0" lvl="0" indent="-228600" algn="ctr" rtl="0">
+              <a:lnSpc>
+                <a:spcPct val="100000"/>
+              </a:lnSpc>
+              <a:spcBef>
+                <a:spcPts val="333"/>
+              </a:spcBef>
+              <a:spcAft>
+                <a:spcPts val="0"/>
+              </a:spcAft>
+              <a:buClr>
+                <a:schemeClr val="lt1"/>
+              </a:buClr>
+              <a:buSzPts val="1667"/>
+              <a:buFont typeface="Arial"/>
+              <a:buNone/>
+              <a:defRPr sz="1667" b="0" i="0" u="none" strike="noStrike" cap="none">
+                <a:solidFill>
+                  <a:schemeClr val="lt1"/>
+                </a:solidFill>
+                <a:latin typeface="Verdana"/>
+                <a:ea typeface="Verdana"/>
+                <a:cs typeface="Verdana"/>
+                <a:sym typeface="Verdana"/>
+              </a:defRPr>
+            </a:lvl1pPr>
+            <a:lvl2pPr marL="914400" marR="0" lvl="1" indent="-323850" algn="l" rtl="0">
+              <a:lnSpc>
+                <a:spcPct val="100000"/>
+              </a:lnSpc>
+              <a:spcBef>
+                <a:spcPts val="300"/>
+              </a:spcBef>
+              <a:spcAft>
+                <a:spcPts val="0"/>
+              </a:spcAft>
+              <a:buClr>
+                <a:schemeClr val="dk1"/>
+              </a:buClr>
+              <a:buSzPts val="1500"/>
+              <a:buFont typeface="Arial"/>
+              <a:buChar char="–"/>
+              <a:defRPr sz="1500" b="0" i="0" u="none" strike="noStrike" cap="none">
+                <a:solidFill>
+                  <a:schemeClr val="dk1"/>
+                </a:solidFill>
+                <a:latin typeface="Verdana"/>
+                <a:ea typeface="Verdana"/>
+                <a:cs typeface="Verdana"/>
+                <a:sym typeface="Verdana"/>
+              </a:defRPr>
+            </a:lvl2pPr>
+            <a:lvl3pPr marL="1371600" marR="0" lvl="2" indent="-323850" algn="l" rtl="0">
+              <a:lnSpc>
+                <a:spcPct val="100000"/>
+              </a:lnSpc>
+              <a:spcBef>
+                <a:spcPts val="300"/>
+              </a:spcBef>
+              <a:spcAft>
+                <a:spcPts val="0"/>
+              </a:spcAft>
+              <a:buClr>
+                <a:schemeClr val="dk1"/>
+              </a:buClr>
+              <a:buSzPts val="1500"/>
+              <a:buFont typeface="Arial"/>
+              <a:buChar char="•"/>
+              <a:defRPr sz="1500" b="0" i="0" u="none" strike="noStrike" cap="none">
+                <a:solidFill>
+                  <a:schemeClr val="dk1"/>
+                </a:solidFill>
+                <a:latin typeface="Verdana"/>
+                <a:ea typeface="Verdana"/>
+                <a:cs typeface="Verdana"/>
+                <a:sym typeface="Verdana"/>
+              </a:defRPr>
+            </a:lvl3pPr>
+            <a:lvl4pPr marL="1828800" marR="0" lvl="3" indent="-323850" algn="l" rtl="0">
+              <a:lnSpc>
+                <a:spcPct val="100000"/>
+              </a:lnSpc>
+              <a:spcBef>
+                <a:spcPts val="300"/>
+              </a:spcBef>
+              <a:spcAft>
+                <a:spcPts val="0"/>
+              </a:spcAft>
+              <a:buClr>
+                <a:schemeClr val="dk1"/>
+              </a:buClr>
+              <a:buSzPts val="1500"/>
+              <a:buFont typeface="Arial"/>
+              <a:buChar char="–"/>
+              <a:defRPr sz="1500" b="0" i="0" u="none" strike="noStrike" cap="none">
+                <a:solidFill>
+                  <a:schemeClr val="dk1"/>
+                </a:solidFill>
+                <a:latin typeface="Verdana"/>
+                <a:ea typeface="Verdana"/>
+                <a:cs typeface="Verdana"/>
+                <a:sym typeface="Verdana"/>
+              </a:defRPr>
+            </a:lvl4pPr>
+            <a:lvl5pPr marL="2286000" marR="0" lvl="4" indent="-323850" algn="l" rtl="0">
+              <a:lnSpc>
+                <a:spcPct val="100000"/>
+              </a:lnSpc>
+              <a:spcBef>
+                <a:spcPts val="300"/>
+              </a:spcBef>
+              <a:spcAft>
+                <a:spcPts val="0"/>
+              </a:spcAft>
+              <a:buClr>
+                <a:schemeClr val="dk1"/>
+              </a:buClr>
+              <a:buSzPts val="1500"/>
+              <a:buFont typeface="Arial"/>
+              <a:buChar char="»"/>
+              <a:defRPr sz="1500" b="0" i="0" u="none" strike="noStrike" cap="none">
+                <a:solidFill>
+                  <a:schemeClr val="dk1"/>
+                </a:solidFill>
+                <a:latin typeface="Verdana"/>
+                <a:ea typeface="Verdana"/>
+                <a:cs typeface="Verdana"/>
+                <a:sym typeface="Verdana"/>
+              </a:defRPr>
+            </a:lvl5pPr>
+            <a:lvl6pPr marL="2743200" marR="0" lvl="5" indent="-334454" algn="l" rtl="0">
+              <a:lnSpc>
+                <a:spcPct val="100000"/>
+              </a:lnSpc>
+              <a:spcBef>
+                <a:spcPts val="333"/>
+              </a:spcBef>
+              <a:spcAft>
+                <a:spcPts val="0"/>
+              </a:spcAft>
+              <a:buClr>
+                <a:schemeClr val="dk1"/>
+              </a:buClr>
+              <a:buSzPts val="1667"/>
+              <a:buFont typeface="Arial"/>
+              <a:buChar char="•"/>
+              <a:defRPr sz="1667" b="0" i="0" u="none" strike="noStrike" cap="none">
+                <a:solidFill>
+                  <a:schemeClr val="dk1"/>
+                </a:solidFill>
+                <a:latin typeface="Arial"/>
+                <a:ea typeface="Arial"/>
+                <a:cs typeface="Arial"/>
+                <a:sym typeface="Arial"/>
+              </a:defRPr>
+            </a:lvl6pPr>
+            <a:lvl7pPr marL="3200400" marR="0" lvl="6" indent="-334454" algn="l" rtl="0">
+              <a:lnSpc>
+                <a:spcPct val="100000"/>
+              </a:lnSpc>
+              <a:spcBef>
+                <a:spcPts val="333"/>
+              </a:spcBef>
+              <a:spcAft>
+                <a:spcPts val="0"/>
+              </a:spcAft>
+              <a:buClr>
+                <a:schemeClr val="dk1"/>
+              </a:buClr>
+              <a:buSzPts val="1667"/>
+              <a:buFont typeface="Arial"/>
+              <a:buChar char="•"/>
+              <a:defRPr sz="1667" b="0" i="0" u="none" strike="noStrike" cap="none">
+                <a:solidFill>
+                  <a:schemeClr val="dk1"/>
+                </a:solidFill>
+                <a:latin typeface="Arial"/>
+                <a:ea typeface="Arial"/>
+                <a:cs typeface="Arial"/>
+                <a:sym typeface="Arial"/>
+              </a:defRPr>
+            </a:lvl7pPr>
+            <a:lvl8pPr marL="3657600" marR="0" lvl="7" indent="-334454" algn="l" rtl="0">
+              <a:lnSpc>
+                <a:spcPct val="100000"/>
+              </a:lnSpc>
+              <a:spcBef>
+                <a:spcPts val="333"/>
+              </a:spcBef>
+              <a:spcAft>
+                <a:spcPts val="0"/>
+              </a:spcAft>
+              <a:buClr>
+                <a:schemeClr val="dk1"/>
+              </a:buClr>
+              <a:buSzPts val="1667"/>
+              <a:buFont typeface="Arial"/>
+              <a:buChar char="•"/>
+              <a:defRPr sz="1667" b="0" i="0" u="none" strike="noStrike" cap="none">
+                <a:solidFill>
+                  <a:schemeClr val="dk1"/>
+                </a:solidFill>
+                <a:latin typeface="Arial"/>
+                <a:ea typeface="Arial"/>
+                <a:cs typeface="Arial"/>
+                <a:sym typeface="Arial"/>
+              </a:defRPr>
+            </a:lvl8pPr>
+            <a:lvl9pPr marL="4114800" marR="0" lvl="8" indent="-334454" algn="l" rtl="0">
+              <a:lnSpc>
+                <a:spcPct val="100000"/>
+              </a:lnSpc>
+              <a:spcBef>
+                <a:spcPts val="333"/>
+              </a:spcBef>
+              <a:spcAft>
+                <a:spcPts val="0"/>
+              </a:spcAft>
+              <a:buClr>
+                <a:schemeClr val="dk1"/>
+              </a:buClr>
+              <a:buSzPts val="1667"/>
+              <a:buFont typeface="Arial"/>
+              <a:buChar char="•"/>
+              <a:defRPr sz="1667" b="0" i="0" u="none" strike="noStrike" cap="none">
+                <a:solidFill>
+                  <a:schemeClr val="dk1"/>
+                </a:solidFill>
+                <a:latin typeface="Arial"/>
+                <a:ea typeface="Arial"/>
+                <a:cs typeface="Arial"/>
+                <a:sym typeface="Arial"/>
+              </a:defRPr>
+            </a:lvl9pPr>
+          </a:lstStyle>
+          <a:p>
+            <a:pPr marL="0" lvl="0" indent="0" algn="ctr" rtl="0">
+              <a:spcBef>
+                <a:spcPts val="0"/>
+              </a:spcBef>
+              <a:spcAft>
+                <a:spcPts val="0"/>
+              </a:spcAft>
+              <a:buClr>
+                <a:schemeClr val="lt1"/>
+              </a:buClr>
+              <a:buSzPts val="2333"/>
+              <a:buFont typeface="Verdana"/>
+              <a:buNone/>
+            </a:pPr>
+            <a:r>
+              <a:rPr lang="pt-BR" sz="2333" dirty="0"/>
+              <a:t>Luciano Soares</a:t>
+            </a:r>
+            <a:endParaRPr dirty="0"/>
+          </a:p>
+          <a:p>
+            <a:pPr marL="0" lvl="0" indent="0" algn="ctr" rtl="0">
+              <a:spcBef>
+                <a:spcPts val="467"/>
+              </a:spcBef>
+              <a:spcAft>
+                <a:spcPts val="0"/>
+              </a:spcAft>
+              <a:buClr>
+                <a:schemeClr val="lt1"/>
+              </a:buClr>
+              <a:buSzPts val="2333"/>
+              <a:buFont typeface="Verdana"/>
+              <a:buNone/>
+            </a:pPr>
+            <a:r>
+              <a:rPr lang="pt-BR" sz="2333" dirty="0"/>
+              <a:t>&lt;</a:t>
+            </a:r>
+            <a:r>
+              <a:rPr lang="pt-BR" sz="2333" dirty="0" err="1"/>
+              <a:t>lpsoares@insper.edu.br</a:t>
+            </a:r>
+            <a:r>
+              <a:rPr lang="pt-BR" sz="2333" dirty="0"/>
+              <a:t>&gt;</a:t>
+            </a:r>
+          </a:p>
+          <a:p>
+            <a:pPr marL="0" lvl="0" indent="0" algn="ctr" rtl="0">
+              <a:spcBef>
+                <a:spcPts val="467"/>
+              </a:spcBef>
+              <a:spcAft>
+                <a:spcPts val="0"/>
+              </a:spcAft>
+              <a:buClr>
+                <a:schemeClr val="lt1"/>
+              </a:buClr>
+              <a:buSzPts val="2333"/>
+              <a:buFont typeface="Verdana"/>
+              <a:buNone/>
+            </a:pPr>
+            <a:endParaRPr lang="pt-BR" sz="2333" dirty="0"/>
+          </a:p>
+          <a:p>
+            <a:pPr marL="0" lvl="0" indent="0" algn="ctr" rtl="0">
+              <a:spcBef>
+                <a:spcPts val="467"/>
+              </a:spcBef>
+              <a:spcAft>
+                <a:spcPts val="0"/>
+              </a:spcAft>
+              <a:buClr>
+                <a:schemeClr val="lt1"/>
+              </a:buClr>
+              <a:buSzPts val="2333"/>
+              <a:buFont typeface="Verdana"/>
+              <a:buNone/>
+            </a:pPr>
+            <a:r>
+              <a:rPr lang="en-BR" sz="2333" dirty="0"/>
+              <a:t>Fabio Orfali</a:t>
+            </a:r>
+          </a:p>
+          <a:p>
+            <a:pPr marL="0" lvl="0" indent="0" algn="ctr" rtl="0">
+              <a:spcBef>
+                <a:spcPts val="467"/>
+              </a:spcBef>
+              <a:spcAft>
+                <a:spcPts val="0"/>
+              </a:spcAft>
+              <a:buClr>
+                <a:schemeClr val="lt1"/>
+              </a:buClr>
+              <a:buSzPts val="2333"/>
+              <a:buFont typeface="Verdana"/>
+              <a:buNone/>
+            </a:pPr>
+            <a:r>
+              <a:rPr lang="en-BR" sz="2333" dirty="0"/>
+              <a:t>&lt;fabioO1@insper.edu.br&gt;</a:t>
+            </a:r>
+            <a:endParaRPr sz="2333" dirty="0"/>
+          </a:p>
+          <a:p>
+            <a:pPr marL="0" lvl="0" indent="0" algn="ctr" rtl="0">
+              <a:spcBef>
+                <a:spcPts val="467"/>
+              </a:spcBef>
+              <a:spcAft>
+                <a:spcPts val="0"/>
+              </a:spcAft>
+              <a:buClr>
+                <a:schemeClr val="lt1"/>
+              </a:buClr>
+              <a:buSzPts val="2333"/>
+              <a:buFont typeface="Verdana"/>
+              <a:buNone/>
+            </a:pPr>
+            <a:endParaRPr sz="2333" dirty="0"/>
           </a:p>
         </p:txBody>
       </p:sp>
@@ -30187,9 +34759,9 @@
         <p:grpSpPr>
           <a:xfrm>
             <a:off x="6076319" y="236999"/>
-            <a:ext cx="1753126" cy="1441539"/>
+            <a:ext cx="1556100" cy="1199344"/>
             <a:chOff x="6076319" y="236999"/>
-            <a:chExt cx="1753126" cy="1441539"/>
+            <a:chExt cx="1556100" cy="1199344"/>
           </a:xfrm>
         </p:grpSpPr>
         <p:sp>
@@ -30200,7 +34772,7 @@
           </p:nvSpPr>
           <p:spPr>
             <a:xfrm>
-              <a:off x="7665345" y="1599638"/>
+              <a:off x="7458766" y="1357443"/>
               <a:ext cx="164100" cy="78900"/>
             </a:xfrm>
             <a:prstGeom prst="rect">
@@ -30240,14 +34812,14 @@
           <p:nvCxnSpPr>
             <p:cNvPr id="487" name="Google Shape;487;p59"/>
             <p:cNvCxnSpPr>
-              <a:endCxn id="486" idx="0"/>
+              <a:cxnSpLocks/>
             </p:cNvCxnSpPr>
             <p:nvPr/>
           </p:nvCxnSpPr>
           <p:spPr>
             <a:xfrm>
               <a:off x="6844095" y="528938"/>
-              <a:ext cx="903300" cy="1070700"/>
+              <a:ext cx="663129" cy="815230"/>
             </a:xfrm>
             <a:prstGeom prst="straightConnector1">
               <a:avLst/>
@@ -30299,7 +34871,7 @@
                 <a:buNone/>
               </a:pPr>
               <a:r>
-                <a:rPr lang="en-BR" sz="1200">
+                <a:rPr lang="en-BR" sz="1200" dirty="0">
                   <a:solidFill>
                     <a:srgbClr val="FF0000"/>
                   </a:solidFill>
@@ -30310,7 +34882,7 @@
                 </a:rPr>
                 <a:t>Qual a cor do pixel?</a:t>
               </a:r>
-              <a:endParaRPr>
+              <a:endParaRPr dirty="0">
                 <a:solidFill>
                   <a:srgbClr val="FF0000"/>
                 </a:solidFill>
@@ -34468,10 +39040,10 @@
       </p:sp>
       <p:grpSp>
         <p:nvGrpSpPr>
-          <p:cNvPr id="485" name="Google Shape;485;p59">
+          <p:cNvPr id="2" name="Google Shape;485;p59">
             <a:extLst>
               <a:ext uri="{FF2B5EF4-FFF2-40B4-BE49-F238E27FC236}">
-                <a16:creationId xmlns:a16="http://schemas.microsoft.com/office/drawing/2014/main" id="{E98739DF-C98C-051A-EF41-329F40B54B4E}"/>
+                <a16:creationId xmlns:a16="http://schemas.microsoft.com/office/drawing/2014/main" id="{F7A210C4-2128-1633-B8A9-FDB06377D795}"/>
               </a:ext>
             </a:extLst>
           </p:cNvPr>
@@ -34481,17 +39053,17 @@
         <p:grpSpPr>
           <a:xfrm>
             <a:off x="6076319" y="236999"/>
-            <a:ext cx="1753126" cy="1441539"/>
+            <a:ext cx="1556100" cy="1199344"/>
             <a:chOff x="6076319" y="236999"/>
-            <a:chExt cx="1753126" cy="1441539"/>
+            <a:chExt cx="1556100" cy="1199344"/>
           </a:xfrm>
         </p:grpSpPr>
         <p:sp>
           <p:nvSpPr>
-            <p:cNvPr id="486" name="Google Shape;486;p59">
+            <p:cNvPr id="3" name="Google Shape;486;p59">
               <a:extLst>
                 <a:ext uri="{FF2B5EF4-FFF2-40B4-BE49-F238E27FC236}">
-                  <a16:creationId xmlns:a16="http://schemas.microsoft.com/office/drawing/2014/main" id="{C10CD48B-8734-7719-756A-3C6EE3D341EB}"/>
+                  <a16:creationId xmlns:a16="http://schemas.microsoft.com/office/drawing/2014/main" id="{7E4F86F1-F5EE-5694-A843-B9114B41F7E7}"/>
                 </a:ext>
               </a:extLst>
             </p:cNvPr>
@@ -34500,7 +39072,7 @@
           </p:nvSpPr>
           <p:spPr>
             <a:xfrm>
-              <a:off x="7665345" y="1599638"/>
+              <a:off x="7458766" y="1357443"/>
               <a:ext cx="164100" cy="78900"/>
             </a:xfrm>
             <a:prstGeom prst="rect">
@@ -34538,22 +39110,22 @@
         </p:sp>
         <p:cxnSp>
           <p:nvCxnSpPr>
-            <p:cNvPr id="487" name="Google Shape;487;p59">
+            <p:cNvPr id="4" name="Google Shape;487;p59">
               <a:extLst>
                 <a:ext uri="{FF2B5EF4-FFF2-40B4-BE49-F238E27FC236}">
-                  <a16:creationId xmlns:a16="http://schemas.microsoft.com/office/drawing/2014/main" id="{8C7C69A3-0795-A505-0417-FA61C959C9C4}"/>
+                  <a16:creationId xmlns:a16="http://schemas.microsoft.com/office/drawing/2014/main" id="{BD66CEDF-C914-B0E5-BD2C-B6407998CBD7}"/>
                 </a:ext>
               </a:extLst>
             </p:cNvPr>
             <p:cNvCxnSpPr>
-              <a:endCxn id="486" idx="0"/>
+              <a:cxnSpLocks/>
             </p:cNvCxnSpPr>
             <p:nvPr/>
           </p:nvCxnSpPr>
           <p:spPr>
             <a:xfrm>
               <a:off x="6844095" y="528938"/>
-              <a:ext cx="903300" cy="1070700"/>
+              <a:ext cx="663129" cy="815230"/>
             </a:xfrm>
             <a:prstGeom prst="straightConnector1">
               <a:avLst/>
@@ -34572,10 +39144,10 @@
         </p:cxnSp>
         <p:sp>
           <p:nvSpPr>
-            <p:cNvPr id="488" name="Google Shape;488;p59">
+            <p:cNvPr id="5" name="Google Shape;488;p59">
               <a:extLst>
                 <a:ext uri="{FF2B5EF4-FFF2-40B4-BE49-F238E27FC236}">
-                  <a16:creationId xmlns:a16="http://schemas.microsoft.com/office/drawing/2014/main" id="{EE47C800-E444-7F90-16D1-01FE6AA06BB8}"/>
+                  <a16:creationId xmlns:a16="http://schemas.microsoft.com/office/drawing/2014/main" id="{2E61D72F-5F0C-B0CA-7F3A-8F73C8DC7773}"/>
                 </a:ext>
               </a:extLst>
             </p:cNvPr>
@@ -34611,7 +39183,7 @@
                 <a:buNone/>
               </a:pPr>
               <a:r>
-                <a:rPr lang="en-BR" sz="1200">
+                <a:rPr lang="en-BR" sz="1200" dirty="0">
                   <a:solidFill>
                     <a:srgbClr val="FF0000"/>
                   </a:solidFill>
@@ -34622,7 +39194,7 @@
                 </a:rPr>
                 <a:t>Qual a cor do pixel?</a:t>
               </a:r>
-              <a:endParaRPr>
+              <a:endParaRPr dirty="0">
                 <a:solidFill>
                   <a:srgbClr val="FF0000"/>
                 </a:solidFill>

--- a/content/aulas/16-revisao4/aula16_revisao4.pptx
+++ b/content/aulas/16-revisao4/aula16_revisao4.pptx
@@ -5,7 +5,7 @@
     <p:sldMasterId id="2147483659" r:id="rId1"/>
   </p:sldMasterIdLst>
   <p:notesMasterIdLst>
-    <p:notesMasterId r:id="rId22"/>
+    <p:notesMasterId r:id="rId25"/>
   </p:notesMasterIdLst>
   <p:sldIdLst>
     <p:sldId id="256" r:id="rId2"/>
@@ -22,12 +22,15 @@
     <p:sldId id="348" r:id="rId13"/>
     <p:sldId id="351" r:id="rId14"/>
     <p:sldId id="350" r:id="rId15"/>
-    <p:sldId id="349" r:id="rId16"/>
-    <p:sldId id="304" r:id="rId17"/>
-    <p:sldId id="305" r:id="rId18"/>
-    <p:sldId id="306" r:id="rId19"/>
-    <p:sldId id="307" r:id="rId20"/>
-    <p:sldId id="346" r:id="rId21"/>
+    <p:sldId id="352" r:id="rId16"/>
+    <p:sldId id="353" r:id="rId17"/>
+    <p:sldId id="354" r:id="rId18"/>
+    <p:sldId id="349" r:id="rId19"/>
+    <p:sldId id="304" r:id="rId20"/>
+    <p:sldId id="305" r:id="rId21"/>
+    <p:sldId id="306" r:id="rId22"/>
+    <p:sldId id="307" r:id="rId23"/>
+    <p:sldId id="346" r:id="rId24"/>
   </p:sldIdLst>
   <p:sldSz cx="9144000" cy="5715000" type="screen16x10"/>
   <p:notesSz cx="6858000" cy="9144000"/>
@@ -2216,6 +2219,181 @@
   <p:cSld>
     <p:spTree>
       <p:nvGrpSpPr>
+        <p:cNvPr id="1" name="Shape 500">
+          <a:extLst>
+            <a:ext uri="{FF2B5EF4-FFF2-40B4-BE49-F238E27FC236}">
+              <a16:creationId xmlns:a16="http://schemas.microsoft.com/office/drawing/2014/main" id="{3D0C1D9E-C5A4-C0F7-31BD-7F2F91A72E20}"/>
+            </a:ext>
+          </a:extLst>
+        </p:cNvPr>
+        <p:cNvGrpSpPr/>
+        <p:nvPr/>
+      </p:nvGrpSpPr>
+      <p:grpSpPr>
+        <a:xfrm>
+          <a:off x="0" y="0"/>
+          <a:ext cx="0" cy="0"/>
+          <a:chOff x="0" y="0"/>
+          <a:chExt cx="0" cy="0"/>
+        </a:xfrm>
+      </p:grpSpPr>
+      <p:sp>
+        <p:nvSpPr>
+          <p:cNvPr id="501" name="Google Shape;501;gf9b8c33c70_0_116:notes">
+            <a:extLst>
+              <a:ext uri="{FF2B5EF4-FFF2-40B4-BE49-F238E27FC236}">
+                <a16:creationId xmlns:a16="http://schemas.microsoft.com/office/drawing/2014/main" id="{27B372CF-4377-CCE1-8528-E03E72CB8F3D}"/>
+              </a:ext>
+            </a:extLst>
+          </p:cNvPr>
+          <p:cNvSpPr>
+            <a:spLocks noGrp="1" noRot="1" noChangeAspect="1"/>
+          </p:cNvSpPr>
+          <p:nvPr>
+            <p:ph type="sldImg" idx="2"/>
+          </p:nvPr>
+        </p:nvSpPr>
+        <p:spPr>
+          <a:xfrm>
+            <a:off x="685800" y="685800"/>
+            <a:ext cx="5486400" cy="3429000"/>
+          </a:xfrm>
+          <a:custGeom>
+            <a:avLst/>
+            <a:gdLst/>
+            <a:ahLst/>
+            <a:cxnLst/>
+            <a:rect l="l" t="t" r="r" b="b"/>
+            <a:pathLst>
+              <a:path w="120000" h="120000" extrusionOk="0">
+                <a:moveTo>
+                  <a:pt x="0" y="0"/>
+                </a:moveTo>
+                <a:lnTo>
+                  <a:pt x="120000" y="0"/>
+                </a:lnTo>
+                <a:lnTo>
+                  <a:pt x="120000" y="120000"/>
+                </a:lnTo>
+                <a:lnTo>
+                  <a:pt x="0" y="120000"/>
+                </a:lnTo>
+                <a:close/>
+              </a:path>
+            </a:pathLst>
+          </a:custGeom>
+        </p:spPr>
+      </p:sp>
+      <p:sp>
+        <p:nvSpPr>
+          <p:cNvPr id="502" name="Google Shape;502;gf9b8c33c70_0_116:notes">
+            <a:extLst>
+              <a:ext uri="{FF2B5EF4-FFF2-40B4-BE49-F238E27FC236}">
+                <a16:creationId xmlns:a16="http://schemas.microsoft.com/office/drawing/2014/main" id="{0EDEF7E5-72BF-F9EA-1A1A-00456C92351B}"/>
+              </a:ext>
+            </a:extLst>
+          </p:cNvPr>
+          <p:cNvSpPr txBox="1">
+            <a:spLocks noGrp="1"/>
+          </p:cNvSpPr>
+          <p:nvPr>
+            <p:ph type="body" idx="1"/>
+          </p:nvPr>
+        </p:nvSpPr>
+        <p:spPr>
+          <a:xfrm>
+            <a:off x="685800" y="4343400"/>
+            <a:ext cx="5486400" cy="4114800"/>
+          </a:xfrm>
+          <a:prstGeom prst="rect">
+            <a:avLst/>
+          </a:prstGeom>
+        </p:spPr>
+        <p:txBody>
+          <a:bodyPr spcFirstLastPara="1" wrap="square" lIns="91425" tIns="45700" rIns="91425" bIns="45700" anchor="t" anchorCtr="0">
+            <a:noAutofit/>
+          </a:bodyPr>
+          <a:lstStyle/>
+          <a:p>
+            <a:pPr marL="0" lvl="0" indent="0" algn="l" rtl="0">
+              <a:spcBef>
+                <a:spcPts val="0"/>
+              </a:spcBef>
+              <a:spcAft>
+                <a:spcPts val="0"/>
+              </a:spcAft>
+              <a:buNone/>
+            </a:pPr>
+            <a:endParaRPr dirty="0"/>
+          </a:p>
+        </p:txBody>
+      </p:sp>
+      <p:sp>
+        <p:nvSpPr>
+          <p:cNvPr id="503" name="Google Shape;503;gf9b8c33c70_0_116:notes">
+            <a:extLst>
+              <a:ext uri="{FF2B5EF4-FFF2-40B4-BE49-F238E27FC236}">
+                <a16:creationId xmlns:a16="http://schemas.microsoft.com/office/drawing/2014/main" id="{1B799D43-2256-2F48-CE96-F4C59FAC778C}"/>
+              </a:ext>
+            </a:extLst>
+          </p:cNvPr>
+          <p:cNvSpPr txBox="1">
+            <a:spLocks noGrp="1"/>
+          </p:cNvSpPr>
+          <p:nvPr>
+            <p:ph type="sldNum" idx="12"/>
+          </p:nvPr>
+        </p:nvSpPr>
+        <p:spPr>
+          <a:xfrm>
+            <a:off x="3884613" y="8685213"/>
+            <a:ext cx="2971800" cy="457200"/>
+          </a:xfrm>
+          <a:prstGeom prst="rect">
+            <a:avLst/>
+          </a:prstGeom>
+        </p:spPr>
+        <p:txBody>
+          <a:bodyPr spcFirstLastPara="1" wrap="square" lIns="91425" tIns="45700" rIns="91425" bIns="45700" anchor="b" anchorCtr="0">
+            <a:noAutofit/>
+          </a:bodyPr>
+          <a:lstStyle/>
+          <a:p>
+            <a:pPr marL="0" lvl="0" indent="0" algn="r" rtl="0">
+              <a:spcBef>
+                <a:spcPts val="0"/>
+              </a:spcBef>
+              <a:spcAft>
+                <a:spcPts val="0"/>
+              </a:spcAft>
+              <a:buNone/>
+            </a:pPr>
+            <a:fld id="{00000000-1234-1234-1234-123412341234}" type="slidenum">
+              <a:rPr lang="en-BR"/>
+              <a:t>16</a:t>
+            </a:fld>
+            <a:endParaRPr/>
+          </a:p>
+        </p:txBody>
+      </p:sp>
+    </p:spTree>
+    <p:extLst>
+      <p:ext uri="{BB962C8B-B14F-4D97-AF65-F5344CB8AC3E}">
+        <p14:creationId xmlns:p14="http://schemas.microsoft.com/office/powerpoint/2010/main" val="2679549625"/>
+      </p:ext>
+    </p:extLst>
+  </p:cSld>
+  <p:clrMapOvr>
+    <a:masterClrMapping/>
+  </p:clrMapOvr>
+</p:notes>
+</file>
+
+<file path=ppt/notesSlides/notesSlide15.xml><?xml version="1.0" encoding="utf-8"?>
+<p:notes xmlns:a="http://schemas.openxmlformats.org/drawingml/2006/main" xmlns:r="http://schemas.openxmlformats.org/officeDocument/2006/relationships" xmlns:p="http://schemas.openxmlformats.org/presentationml/2006/main" showMasterSp="0" showMasterPhAnim="0">
+  <p:cSld>
+    <p:spTree>
+      <p:nvGrpSpPr>
         <p:cNvPr id="1" name="Shape 512"/>
         <p:cNvGrpSpPr/>
         <p:nvPr/>
@@ -2347,7 +2525,7 @@
             </a:pPr>
             <a:fld id="{00000000-1234-1234-1234-123412341234}" type="slidenum">
               <a:rPr lang="en-BR"/>
-              <a:t>16</a:t>
+              <a:t>19</a:t>
             </a:fld>
             <a:endParaRPr/>
           </a:p>
@@ -2361,7 +2539,7 @@
 </p:notes>
 </file>
 
-<file path=ppt/notesSlides/notesSlide15.xml><?xml version="1.0" encoding="utf-8"?>
+<file path=ppt/notesSlides/notesSlide16.xml><?xml version="1.0" encoding="utf-8"?>
 <p:notes xmlns:a="http://schemas.openxmlformats.org/drawingml/2006/main" xmlns:r="http://schemas.openxmlformats.org/officeDocument/2006/relationships" xmlns:p="http://schemas.openxmlformats.org/presentationml/2006/main" showMasterSp="0" showMasterPhAnim="0">
   <p:cSld>
     <p:spTree>
@@ -2493,7 +2671,7 @@
             </a:pPr>
             <a:fld id="{00000000-1234-1234-1234-123412341234}" type="slidenum">
               <a:rPr lang="en-BR"/>
-              <a:t>17</a:t>
+              <a:t>20</a:t>
             </a:fld>
             <a:endParaRPr/>
           </a:p>
@@ -2507,7 +2685,7 @@
 </p:notes>
 </file>
 
-<file path=ppt/notesSlides/notesSlide16.xml><?xml version="1.0" encoding="utf-8"?>
+<file path=ppt/notesSlides/notesSlide17.xml><?xml version="1.0" encoding="utf-8"?>
 <p:notes xmlns:a="http://schemas.openxmlformats.org/drawingml/2006/main" xmlns:r="http://schemas.openxmlformats.org/officeDocument/2006/relationships" xmlns:p="http://schemas.openxmlformats.org/presentationml/2006/main" showMasterSp="0" showMasterPhAnim="0">
   <p:cSld>
     <p:spTree>
@@ -2639,7 +2817,7 @@
             </a:pPr>
             <a:fld id="{00000000-1234-1234-1234-123412341234}" type="slidenum">
               <a:rPr lang="en-BR"/>
-              <a:t>18</a:t>
+              <a:t>21</a:t>
             </a:fld>
             <a:endParaRPr/>
           </a:p>
@@ -2653,7 +2831,7 @@
 </p:notes>
 </file>
 
-<file path=ppt/notesSlides/notesSlide17.xml><?xml version="1.0" encoding="utf-8"?>
+<file path=ppt/notesSlides/notesSlide18.xml><?xml version="1.0" encoding="utf-8"?>
 <p:notes xmlns:a="http://schemas.openxmlformats.org/drawingml/2006/main" xmlns:r="http://schemas.openxmlformats.org/officeDocument/2006/relationships" xmlns:p="http://schemas.openxmlformats.org/presentationml/2006/main" showMasterSp="0" showMasterPhAnim="0">
   <p:cSld>
     <p:spTree>
@@ -2785,7 +2963,7 @@
             </a:pPr>
             <a:fld id="{00000000-1234-1234-1234-123412341234}" type="slidenum">
               <a:rPr lang="en-BR"/>
-              <a:t>19</a:t>
+              <a:t>22</a:t>
             </a:fld>
             <a:endParaRPr/>
           </a:p>
@@ -2799,7 +2977,7 @@
 </p:notes>
 </file>
 
-<file path=ppt/notesSlides/notesSlide18.xml><?xml version="1.0" encoding="utf-8"?>
+<file path=ppt/notesSlides/notesSlide19.xml><?xml version="1.0" encoding="utf-8"?>
 <p:notes xmlns:a="http://schemas.openxmlformats.org/drawingml/2006/main" xmlns:r="http://schemas.openxmlformats.org/officeDocument/2006/relationships" xmlns:p="http://schemas.openxmlformats.org/presentationml/2006/main" showMasterSp="0" showMasterPhAnim="0">
   <p:cSld>
     <p:spTree>
@@ -16768,7 +16946,7 @@
             </a:pPr>
             <a:r>
               <a:rPr lang="en-BR" dirty="0"/>
-              <a:t>Exemplo X3D – Cubo 2</a:t>
+              <a:t>Exemplo X3D – Cubo2</a:t>
             </a:r>
             <a:endParaRPr dirty="0"/>
           </a:p>
@@ -20134,6 +20312,3692 @@
       </p:grpSpPr>
       <p:sp>
         <p:nvSpPr>
+          <p:cNvPr id="2" name="Title 1">
+            <a:extLst>
+              <a:ext uri="{FF2B5EF4-FFF2-40B4-BE49-F238E27FC236}">
+                <a16:creationId xmlns:a16="http://schemas.microsoft.com/office/drawing/2014/main" id="{9C54C2AB-7CDF-6BD0-3ABF-BB51298771E5}"/>
+              </a:ext>
+            </a:extLst>
+          </p:cNvPr>
+          <p:cNvSpPr>
+            <a:spLocks noGrp="1"/>
+          </p:cNvSpPr>
+          <p:nvPr>
+            <p:ph type="title"/>
+          </p:nvPr>
+        </p:nvSpPr>
+        <p:spPr/>
+        <p:txBody>
+          <a:bodyPr/>
+          <a:lstStyle/>
+          <a:p>
+            <a:r>
+              <a:rPr lang="en-US" dirty="0"/>
+              <a:t>NavigationInfo - headlight</a:t>
+            </a:r>
+          </a:p>
+        </p:txBody>
+      </p:sp>
+      <p:sp>
+        <p:nvSpPr>
+          <p:cNvPr id="3" name="Text Placeholder 2">
+            <a:extLst>
+              <a:ext uri="{FF2B5EF4-FFF2-40B4-BE49-F238E27FC236}">
+                <a16:creationId xmlns:a16="http://schemas.microsoft.com/office/drawing/2014/main" id="{E5328726-ED6A-74D9-CEAB-F66C733C4C36}"/>
+              </a:ext>
+            </a:extLst>
+          </p:cNvPr>
+          <p:cNvSpPr>
+            <a:spLocks noGrp="1"/>
+          </p:cNvSpPr>
+          <p:nvPr>
+            <p:ph type="body" idx="1"/>
+          </p:nvPr>
+        </p:nvSpPr>
+        <p:spPr>
+          <a:xfrm>
+            <a:off x="265176" y="838985"/>
+            <a:ext cx="8650224" cy="4496159"/>
+          </a:xfrm>
+        </p:spPr>
+        <p:txBody>
+          <a:bodyPr>
+            <a:normAutofit/>
+          </a:bodyPr>
+          <a:lstStyle/>
+          <a:p>
+            <a:pPr marL="7938" indent="0"/>
+            <a:r>
+              <a:rPr lang="en-US" sz="1800" dirty="0">
+                <a:solidFill>
+                  <a:srgbClr val="000000"/>
+                </a:solidFill>
+                <a:latin typeface="Verdana" panose="020B0604030504040204" pitchFamily="34" charset="0"/>
+              </a:rPr>
+              <a:t>The headlight field specifies whether a browser shall turn on a headlight.</a:t>
+            </a:r>
+          </a:p>
+          <a:p>
+            <a:pPr marL="7938" indent="0"/>
+            <a:r>
+              <a:rPr lang="en-US" sz="1800" b="0" i="0" dirty="0">
+                <a:solidFill>
+                  <a:srgbClr val="000000"/>
+                </a:solidFill>
+                <a:effectLst/>
+                <a:latin typeface="Verdana" panose="020B0604030504040204" pitchFamily="34" charset="0"/>
+              </a:rPr>
+              <a:t>A headlight is a </a:t>
+            </a:r>
+            <a:r>
+              <a:rPr lang="en-US" sz="1800" b="1" i="0" dirty="0">
+                <a:solidFill>
+                  <a:srgbClr val="000000"/>
+                </a:solidFill>
+                <a:effectLst/>
+                <a:latin typeface="Verdana" panose="020B0604030504040204" pitchFamily="34" charset="0"/>
+              </a:rPr>
+              <a:t>directional light </a:t>
+            </a:r>
+            <a:r>
+              <a:rPr lang="en-US" sz="1800" b="0" i="0" dirty="0">
+                <a:solidFill>
+                  <a:srgbClr val="000000"/>
+                </a:solidFill>
+                <a:effectLst/>
+                <a:latin typeface="Verdana" panose="020B0604030504040204" pitchFamily="34" charset="0"/>
+              </a:rPr>
+              <a:t>that always points in the direction the user is looking. </a:t>
+            </a:r>
+          </a:p>
+          <a:p>
+            <a:pPr marL="7938" indent="0"/>
+            <a:r>
+              <a:rPr lang="en-US" sz="1800" b="0" i="0" dirty="0">
+                <a:solidFill>
+                  <a:srgbClr val="000000"/>
+                </a:solidFill>
+                <a:effectLst/>
+                <a:latin typeface="Verdana" panose="020B0604030504040204" pitchFamily="34" charset="0"/>
+              </a:rPr>
+              <a:t>The headlight shall have:</a:t>
+            </a:r>
+          </a:p>
+          <a:p>
+            <a:pPr marL="293688" indent="-285750">
+              <a:buFont typeface="Arial" panose="020B0604020202020204" pitchFamily="34" charset="0"/>
+              <a:buChar char="•"/>
+            </a:pPr>
+            <a:r>
+              <a:rPr lang="en-US" sz="1800" b="0" i="1" dirty="0">
+                <a:solidFill>
+                  <a:srgbClr val="000000"/>
+                </a:solidFill>
+                <a:effectLst/>
+                <a:latin typeface="Verdana" panose="020B0604030504040204" pitchFamily="34" charset="0"/>
+              </a:rPr>
+              <a:t>intensity </a:t>
+            </a:r>
+            <a:r>
+              <a:rPr lang="en-US" sz="1800" b="0" i="0" dirty="0">
+                <a:solidFill>
+                  <a:srgbClr val="000000"/>
+                </a:solidFill>
+                <a:effectLst/>
+                <a:latin typeface="Verdana" panose="020B0604030504040204" pitchFamily="34" charset="0"/>
+              </a:rPr>
+              <a:t>= 1,</a:t>
+            </a:r>
+          </a:p>
+          <a:p>
+            <a:pPr marL="293688" indent="-285750">
+              <a:buFont typeface="Arial" panose="020B0604020202020204" pitchFamily="34" charset="0"/>
+              <a:buChar char="•"/>
+            </a:pPr>
+            <a:r>
+              <a:rPr lang="en-US" sz="1800" b="0" i="1" dirty="0">
+                <a:solidFill>
+                  <a:srgbClr val="000000"/>
+                </a:solidFill>
+                <a:effectLst/>
+                <a:latin typeface="Verdana" panose="020B0604030504040204" pitchFamily="34" charset="0"/>
+              </a:rPr>
+              <a:t>color</a:t>
+            </a:r>
+            <a:r>
+              <a:rPr lang="en-US" sz="1800" dirty="0">
+                <a:solidFill>
+                  <a:srgbClr val="000000"/>
+                </a:solidFill>
+                <a:latin typeface="Verdana" panose="020B0604030504040204" pitchFamily="34" charset="0"/>
+              </a:rPr>
+              <a:t> </a:t>
+            </a:r>
+            <a:r>
+              <a:rPr lang="en-US" sz="1800" b="0" i="0" dirty="0">
+                <a:solidFill>
+                  <a:srgbClr val="000000"/>
+                </a:solidFill>
+                <a:effectLst/>
+                <a:latin typeface="Verdana" panose="020B0604030504040204" pitchFamily="34" charset="0"/>
+              </a:rPr>
+              <a:t>= (1 1 1),</a:t>
+            </a:r>
+          </a:p>
+          <a:p>
+            <a:pPr marL="293688" indent="-285750">
+              <a:buFont typeface="Arial" panose="020B0604020202020204" pitchFamily="34" charset="0"/>
+              <a:buChar char="•"/>
+            </a:pPr>
+            <a:r>
+              <a:rPr lang="en-US" sz="1800" b="0" i="1" dirty="0">
+                <a:solidFill>
+                  <a:srgbClr val="000000"/>
+                </a:solidFill>
+                <a:effectLst/>
+                <a:latin typeface="Verdana" panose="020B0604030504040204" pitchFamily="34" charset="0"/>
+              </a:rPr>
+              <a:t>ambientIntensity</a:t>
+            </a:r>
+            <a:r>
+              <a:rPr lang="en-US" sz="1800" i="1" dirty="0">
+                <a:solidFill>
+                  <a:srgbClr val="000000"/>
+                </a:solidFill>
+                <a:latin typeface="Verdana" panose="020B0604030504040204" pitchFamily="34" charset="0"/>
+              </a:rPr>
+              <a:t> </a:t>
+            </a:r>
+            <a:r>
+              <a:rPr lang="en-US" sz="1800" b="0" i="0" dirty="0">
+                <a:solidFill>
+                  <a:srgbClr val="000000"/>
+                </a:solidFill>
+                <a:effectLst/>
+                <a:latin typeface="Verdana" panose="020B0604030504040204" pitchFamily="34" charset="0"/>
+              </a:rPr>
+              <a:t>= 0.0,</a:t>
+            </a:r>
+          </a:p>
+          <a:p>
+            <a:pPr marL="293688" indent="-285750">
+              <a:buFont typeface="Arial" panose="020B0604020202020204" pitchFamily="34" charset="0"/>
+              <a:buChar char="•"/>
+            </a:pPr>
+            <a:r>
+              <a:rPr lang="en-US" sz="1800" b="0" i="1" dirty="0">
+                <a:solidFill>
+                  <a:srgbClr val="000000"/>
+                </a:solidFill>
+                <a:effectLst/>
+                <a:latin typeface="Verdana" panose="020B0604030504040204" pitchFamily="34" charset="0"/>
+              </a:rPr>
+              <a:t>direction </a:t>
+            </a:r>
+            <a:r>
+              <a:rPr lang="en-US" sz="1800" b="0" i="0" dirty="0">
+                <a:solidFill>
+                  <a:srgbClr val="000000"/>
+                </a:solidFill>
+                <a:effectLst/>
+                <a:latin typeface="Verdana" panose="020B0604030504040204" pitchFamily="34" charset="0"/>
+              </a:rPr>
+              <a:t>= (0 0 −1).</a:t>
+            </a:r>
+            <a:endParaRPr lang="en-US" sz="1800" dirty="0"/>
+          </a:p>
+        </p:txBody>
+      </p:sp>
+      <p:sp>
+        <p:nvSpPr>
+          <p:cNvPr id="4" name="Slide Number Placeholder 3">
+            <a:extLst>
+              <a:ext uri="{FF2B5EF4-FFF2-40B4-BE49-F238E27FC236}">
+                <a16:creationId xmlns:a16="http://schemas.microsoft.com/office/drawing/2014/main" id="{082B8F5A-EA3A-730A-258E-A7A9E5ADBA77}"/>
+              </a:ext>
+            </a:extLst>
+          </p:cNvPr>
+          <p:cNvSpPr>
+            <a:spLocks noGrp="1"/>
+          </p:cNvSpPr>
+          <p:nvPr>
+            <p:ph type="sldNum" idx="12"/>
+          </p:nvPr>
+        </p:nvSpPr>
+        <p:spPr/>
+        <p:txBody>
+          <a:bodyPr/>
+          <a:lstStyle/>
+          <a:p>
+            <a:pPr marL="0" lvl="0" indent="0" algn="ctr" rtl="0">
+              <a:spcBef>
+                <a:spcPts val="0"/>
+              </a:spcBef>
+              <a:spcAft>
+                <a:spcPts val="0"/>
+              </a:spcAft>
+              <a:buNone/>
+            </a:pPr>
+            <a:fld id="{00000000-1234-1234-1234-123412341234}" type="slidenum">
+              <a:rPr lang="en-BR" smtClean="0"/>
+              <a:t>15</a:t>
+            </a:fld>
+            <a:endParaRPr lang="en-BR"/>
+          </a:p>
+        </p:txBody>
+      </p:sp>
+      <p:sp>
+        <p:nvSpPr>
+          <p:cNvPr id="6" name="TextBox 5">
+            <a:extLst>
+              <a:ext uri="{FF2B5EF4-FFF2-40B4-BE49-F238E27FC236}">
+                <a16:creationId xmlns:a16="http://schemas.microsoft.com/office/drawing/2014/main" id="{9CA9E3B4-B7D2-564C-FAFF-BE09321C26B6}"/>
+              </a:ext>
+            </a:extLst>
+          </p:cNvPr>
+          <p:cNvSpPr txBox="1"/>
+          <p:nvPr/>
+        </p:nvSpPr>
+        <p:spPr>
+          <a:xfrm>
+            <a:off x="475013" y="5444446"/>
+            <a:ext cx="6567678" cy="230832"/>
+          </a:xfrm>
+          <a:prstGeom prst="rect">
+            <a:avLst/>
+          </a:prstGeom>
+          <a:noFill/>
+        </p:spPr>
+        <p:txBody>
+          <a:bodyPr wrap="square">
+            <a:spAutoFit/>
+          </a:bodyPr>
+          <a:lstStyle/>
+          <a:p>
+            <a:r>
+              <a:rPr lang="en-US" sz="900" dirty="0"/>
+              <a:t>https://www.web3d.org/documents/specifications/19775-1/V3.3/Part01/components/</a:t>
+            </a:r>
+            <a:r>
+              <a:rPr lang="en-US" sz="900" dirty="0" err="1"/>
+              <a:t>navigation.html#NavigationInfo</a:t>
+            </a:r>
+            <a:endParaRPr lang="en-US" sz="900" dirty="0"/>
+          </a:p>
+        </p:txBody>
+      </p:sp>
+      <p:pic>
+        <p:nvPicPr>
+          <p:cNvPr id="7" name="Picture 6">
+            <a:extLst>
+              <a:ext uri="{FF2B5EF4-FFF2-40B4-BE49-F238E27FC236}">
+                <a16:creationId xmlns:a16="http://schemas.microsoft.com/office/drawing/2014/main" id="{A9494810-5599-147B-E074-165744B04B10}"/>
+              </a:ext>
+            </a:extLst>
+          </p:cNvPr>
+          <p:cNvPicPr>
+            <a:picLocks noChangeAspect="1"/>
+          </p:cNvPicPr>
+          <p:nvPr/>
+        </p:nvPicPr>
+        <p:blipFill>
+          <a:blip r:embed="rId2"/>
+          <a:stretch>
+            <a:fillRect/>
+          </a:stretch>
+        </p:blipFill>
+        <p:spPr>
+          <a:xfrm>
+            <a:off x="4572000" y="1942870"/>
+            <a:ext cx="3934460" cy="2933145"/>
+          </a:xfrm>
+          <a:prstGeom prst="rect">
+            <a:avLst/>
+          </a:prstGeom>
+        </p:spPr>
+      </p:pic>
+    </p:spTree>
+    <p:extLst>
+      <p:ext uri="{BB962C8B-B14F-4D97-AF65-F5344CB8AC3E}">
+        <p14:creationId xmlns:p14="http://schemas.microsoft.com/office/powerpoint/2010/main" val="2640497176"/>
+      </p:ext>
+    </p:extLst>
+  </p:cSld>
+  <p:clrMapOvr>
+    <a:masterClrMapping/>
+  </p:clrMapOvr>
+</p:sld>
+</file>
+
+<file path=ppt/slides/slide16.xml><?xml version="1.0" encoding="utf-8"?>
+<p:sld xmlns:a="http://schemas.openxmlformats.org/drawingml/2006/main" xmlns:r="http://schemas.openxmlformats.org/officeDocument/2006/relationships" xmlns:p="http://schemas.openxmlformats.org/presentationml/2006/main" show="0">
+  <p:cSld>
+    <p:spTree>
+      <p:nvGrpSpPr>
+        <p:cNvPr id="1" name="Shape 504">
+          <a:extLst>
+            <a:ext uri="{FF2B5EF4-FFF2-40B4-BE49-F238E27FC236}">
+              <a16:creationId xmlns:a16="http://schemas.microsoft.com/office/drawing/2014/main" id="{87F3706C-DF69-99B1-B9A8-448525438AE4}"/>
+            </a:ext>
+          </a:extLst>
+        </p:cNvPr>
+        <p:cNvGrpSpPr/>
+        <p:nvPr/>
+      </p:nvGrpSpPr>
+      <p:grpSpPr>
+        <a:xfrm>
+          <a:off x="0" y="0"/>
+          <a:ext cx="0" cy="0"/>
+          <a:chOff x="0" y="0"/>
+          <a:chExt cx="0" cy="0"/>
+        </a:xfrm>
+      </p:grpSpPr>
+      <p:pic>
+        <p:nvPicPr>
+          <p:cNvPr id="7" name="Picture 6" descr="A blue triangle on a black background&#10;&#10;Description automatically generated">
+            <a:extLst>
+              <a:ext uri="{FF2B5EF4-FFF2-40B4-BE49-F238E27FC236}">
+                <a16:creationId xmlns:a16="http://schemas.microsoft.com/office/drawing/2014/main" id="{751990DF-F72C-B501-862F-B4440A5C4045}"/>
+              </a:ext>
+            </a:extLst>
+          </p:cNvPr>
+          <p:cNvPicPr>
+            <a:picLocks noChangeAspect="1"/>
+          </p:cNvPicPr>
+          <p:nvPr/>
+        </p:nvPicPr>
+        <p:blipFill>
+          <a:blip r:embed="rId3"/>
+          <a:stretch>
+            <a:fillRect/>
+          </a:stretch>
+        </p:blipFill>
+        <p:spPr>
+          <a:xfrm>
+            <a:off x="6375400" y="431761"/>
+            <a:ext cx="1873051" cy="1246380"/>
+          </a:xfrm>
+          <a:prstGeom prst="rect">
+            <a:avLst/>
+          </a:prstGeom>
+        </p:spPr>
+      </p:pic>
+      <p:sp>
+        <p:nvSpPr>
+          <p:cNvPr id="505" name="Google Shape;505;p61">
+            <a:extLst>
+              <a:ext uri="{FF2B5EF4-FFF2-40B4-BE49-F238E27FC236}">
+                <a16:creationId xmlns:a16="http://schemas.microsoft.com/office/drawing/2014/main" id="{E0F74002-1386-EDA5-1D81-9A34B1379DEF}"/>
+              </a:ext>
+            </a:extLst>
+          </p:cNvPr>
+          <p:cNvSpPr txBox="1">
+            <a:spLocks noGrp="1"/>
+          </p:cNvSpPr>
+          <p:nvPr>
+            <p:ph type="title"/>
+          </p:nvPr>
+        </p:nvSpPr>
+        <p:spPr>
+          <a:xfrm>
+            <a:off x="84172" y="113717"/>
+            <a:ext cx="8428200" cy="516000"/>
+          </a:xfrm>
+          <a:prstGeom prst="rect">
+            <a:avLst/>
+          </a:prstGeom>
+        </p:spPr>
+        <p:txBody>
+          <a:bodyPr spcFirstLastPara="1" wrap="square" lIns="91425" tIns="45700" rIns="91425" bIns="45700" anchor="t" anchorCtr="0">
+            <a:noAutofit/>
+          </a:bodyPr>
+          <a:lstStyle/>
+          <a:p>
+            <a:pPr marL="0" lvl="0" indent="0" algn="l" rtl="0">
+              <a:spcBef>
+                <a:spcPts val="0"/>
+              </a:spcBef>
+              <a:spcAft>
+                <a:spcPts val="0"/>
+              </a:spcAft>
+              <a:buNone/>
+            </a:pPr>
+            <a:r>
+              <a:rPr lang="en-BR" dirty="0"/>
+              <a:t>Exemplo X3D – Mineiro</a:t>
+            </a:r>
+            <a:endParaRPr dirty="0"/>
+          </a:p>
+        </p:txBody>
+      </p:sp>
+      <p:sp>
+        <p:nvSpPr>
+          <p:cNvPr id="507" name="Google Shape;507;p61">
+            <a:extLst>
+              <a:ext uri="{FF2B5EF4-FFF2-40B4-BE49-F238E27FC236}">
+                <a16:creationId xmlns:a16="http://schemas.microsoft.com/office/drawing/2014/main" id="{C8A35569-24AF-1038-453E-EF406556961F}"/>
+              </a:ext>
+            </a:extLst>
+          </p:cNvPr>
+          <p:cNvSpPr txBox="1">
+            <a:spLocks noGrp="1"/>
+          </p:cNvSpPr>
+          <p:nvPr>
+            <p:ph type="sldNum" idx="12"/>
+          </p:nvPr>
+        </p:nvSpPr>
+        <p:spPr>
+          <a:xfrm>
+            <a:off x="0" y="5410729"/>
+            <a:ext cx="474900" cy="304200"/>
+          </a:xfrm>
+          <a:prstGeom prst="rect">
+            <a:avLst/>
+          </a:prstGeom>
+        </p:spPr>
+        <p:txBody>
+          <a:bodyPr spcFirstLastPara="1" wrap="square" lIns="91425" tIns="45700" rIns="91425" bIns="45700" anchor="ctr" anchorCtr="0">
+            <a:noAutofit/>
+          </a:bodyPr>
+          <a:lstStyle/>
+          <a:p>
+            <a:pPr marL="0" lvl="0" indent="0" algn="ctr" rtl="0">
+              <a:spcBef>
+                <a:spcPts val="0"/>
+              </a:spcBef>
+              <a:spcAft>
+                <a:spcPts val="0"/>
+              </a:spcAft>
+              <a:buNone/>
+            </a:pPr>
+            <a:fld id="{00000000-1234-1234-1234-123412341234}" type="slidenum">
+              <a:rPr lang="en-BR"/>
+              <a:t>16</a:t>
+            </a:fld>
+            <a:endParaRPr/>
+          </a:p>
+        </p:txBody>
+      </p:sp>
+      <p:sp>
+        <p:nvSpPr>
+          <p:cNvPr id="508" name="Google Shape;508;p61">
+            <a:extLst>
+              <a:ext uri="{FF2B5EF4-FFF2-40B4-BE49-F238E27FC236}">
+                <a16:creationId xmlns:a16="http://schemas.microsoft.com/office/drawing/2014/main" id="{F98B69F7-CE2E-2ECB-DBCE-662B66448D8F}"/>
+              </a:ext>
+            </a:extLst>
+          </p:cNvPr>
+          <p:cNvSpPr txBox="1"/>
+          <p:nvPr/>
+        </p:nvSpPr>
+        <p:spPr>
+          <a:xfrm>
+            <a:off x="197962" y="594550"/>
+            <a:ext cx="7260804" cy="2893069"/>
+          </a:xfrm>
+          <a:prstGeom prst="rect">
+            <a:avLst/>
+          </a:prstGeom>
+          <a:noFill/>
+          <a:ln>
+            <a:noFill/>
+          </a:ln>
+        </p:spPr>
+        <p:txBody>
+          <a:bodyPr spcFirstLastPara="1" wrap="square" lIns="91425" tIns="91425" rIns="91425" bIns="91425" anchor="t" anchorCtr="0">
+            <a:spAutoFit/>
+          </a:bodyPr>
+          <a:lstStyle/>
+          <a:p>
+            <a:r>
+              <a:rPr lang="en-US" sz="1100" b="1" dirty="0">
+                <a:solidFill>
+                  <a:srgbClr val="800000"/>
+                </a:solidFill>
+                <a:effectLst/>
+                <a:latin typeface="Courier New" panose="02070309020205020404" pitchFamily="49" charset="0"/>
+                <a:cs typeface="Courier New" panose="02070309020205020404" pitchFamily="49" charset="0"/>
+              </a:rPr>
+              <a:t>&lt;Viewpoint</a:t>
+            </a:r>
+            <a:r>
+              <a:rPr lang="en-US" sz="1100" b="1" dirty="0">
+                <a:solidFill>
+                  <a:srgbClr val="000000"/>
+                </a:solidFill>
+                <a:effectLst/>
+                <a:latin typeface="Courier New" panose="02070309020205020404" pitchFamily="49" charset="0"/>
+                <a:cs typeface="Courier New" panose="02070309020205020404" pitchFamily="49" charset="0"/>
+              </a:rPr>
+              <a:t> </a:t>
+            </a:r>
+            <a:r>
+              <a:rPr lang="en-US" sz="1100" b="1" dirty="0">
+                <a:solidFill>
+                  <a:srgbClr val="FF0000"/>
+                </a:solidFill>
+                <a:effectLst/>
+                <a:latin typeface="Courier New" panose="02070309020205020404" pitchFamily="49" charset="0"/>
+                <a:cs typeface="Courier New" panose="02070309020205020404" pitchFamily="49" charset="0"/>
+              </a:rPr>
+              <a:t>position</a:t>
+            </a:r>
+            <a:r>
+              <a:rPr lang="en-US" sz="1100" b="1" dirty="0">
+                <a:solidFill>
+                  <a:srgbClr val="000000"/>
+                </a:solidFill>
+                <a:effectLst/>
+                <a:latin typeface="Courier New" panose="02070309020205020404" pitchFamily="49" charset="0"/>
+                <a:cs typeface="Courier New" panose="02070309020205020404" pitchFamily="49" charset="0"/>
+              </a:rPr>
+              <a:t>=</a:t>
+            </a:r>
+            <a:r>
+              <a:rPr lang="en-US" sz="1100" b="1" dirty="0">
+                <a:solidFill>
+                  <a:srgbClr val="E21F1F"/>
+                </a:solidFill>
+                <a:effectLst/>
+                <a:latin typeface="Courier New" panose="02070309020205020404" pitchFamily="49" charset="0"/>
+                <a:cs typeface="Courier New" panose="02070309020205020404" pitchFamily="49" charset="0"/>
+              </a:rPr>
+              <a:t>"</a:t>
+            </a:r>
+            <a:r>
+              <a:rPr lang="en-US" sz="1100" b="1" dirty="0">
+                <a:solidFill>
+                  <a:srgbClr val="0000FF"/>
+                </a:solidFill>
+                <a:effectLst/>
+                <a:latin typeface="Courier New" panose="02070309020205020404" pitchFamily="49" charset="0"/>
+                <a:cs typeface="Courier New" panose="02070309020205020404" pitchFamily="49" charset="0"/>
+              </a:rPr>
+              <a:t>0 0 10</a:t>
+            </a:r>
+            <a:r>
+              <a:rPr lang="en-US" sz="1100" b="1" dirty="0">
+                <a:solidFill>
+                  <a:srgbClr val="E21F1F"/>
+                </a:solidFill>
+                <a:effectLst/>
+                <a:latin typeface="Courier New" panose="02070309020205020404" pitchFamily="49" charset="0"/>
+                <a:cs typeface="Courier New" panose="02070309020205020404" pitchFamily="49" charset="0"/>
+              </a:rPr>
+              <a:t>"</a:t>
+            </a:r>
+            <a:r>
+              <a:rPr lang="en-US" sz="1100" b="1" dirty="0">
+                <a:solidFill>
+                  <a:srgbClr val="800000"/>
+                </a:solidFill>
+                <a:effectLst/>
+                <a:latin typeface="Courier New" panose="02070309020205020404" pitchFamily="49" charset="0"/>
+                <a:cs typeface="Courier New" panose="02070309020205020404" pitchFamily="49" charset="0"/>
+              </a:rPr>
+              <a:t>/&gt;</a:t>
+            </a:r>
+            <a:endParaRPr lang="en-US" sz="1100" b="1" dirty="0">
+              <a:solidFill>
+                <a:srgbClr val="000000"/>
+              </a:solidFill>
+              <a:effectLst/>
+              <a:latin typeface="Courier New" panose="02070309020205020404" pitchFamily="49" charset="0"/>
+              <a:cs typeface="Courier New" panose="02070309020205020404" pitchFamily="49" charset="0"/>
+            </a:endParaRPr>
+          </a:p>
+          <a:p>
+            <a:r>
+              <a:rPr lang="en-US" sz="1100" b="1" dirty="0">
+                <a:solidFill>
+                  <a:srgbClr val="800000"/>
+                </a:solidFill>
+                <a:effectLst/>
+                <a:latin typeface="Courier New" panose="02070309020205020404" pitchFamily="49" charset="0"/>
+                <a:cs typeface="Courier New" panose="02070309020205020404" pitchFamily="49" charset="0"/>
+              </a:rPr>
+              <a:t>&lt;NavigationInfo</a:t>
+            </a:r>
+            <a:r>
+              <a:rPr lang="en-US" sz="1100" b="1" dirty="0">
+                <a:solidFill>
+                  <a:srgbClr val="000000"/>
+                </a:solidFill>
+                <a:effectLst/>
+                <a:latin typeface="Courier New" panose="02070309020205020404" pitchFamily="49" charset="0"/>
+                <a:cs typeface="Courier New" panose="02070309020205020404" pitchFamily="49" charset="0"/>
+              </a:rPr>
+              <a:t> </a:t>
+            </a:r>
+            <a:r>
+              <a:rPr lang="en-US" sz="1100" b="1" dirty="0">
+                <a:solidFill>
+                  <a:srgbClr val="FF0000"/>
+                </a:solidFill>
+                <a:effectLst/>
+                <a:latin typeface="Courier New" panose="02070309020205020404" pitchFamily="49" charset="0"/>
+                <a:cs typeface="Courier New" panose="02070309020205020404" pitchFamily="49" charset="0"/>
+              </a:rPr>
+              <a:t>headlight</a:t>
+            </a:r>
+            <a:r>
+              <a:rPr lang="en-US" sz="1100" b="1" dirty="0">
+                <a:solidFill>
+                  <a:srgbClr val="000000"/>
+                </a:solidFill>
+                <a:effectLst/>
+                <a:latin typeface="Courier New" panose="02070309020205020404" pitchFamily="49" charset="0"/>
+                <a:cs typeface="Courier New" panose="02070309020205020404" pitchFamily="49" charset="0"/>
+              </a:rPr>
+              <a:t>=</a:t>
+            </a:r>
+            <a:r>
+              <a:rPr lang="en-US" sz="1100" b="1" dirty="0">
+                <a:solidFill>
+                  <a:srgbClr val="E21F1F"/>
+                </a:solidFill>
+                <a:effectLst/>
+                <a:latin typeface="Courier New" panose="02070309020205020404" pitchFamily="49" charset="0"/>
+                <a:cs typeface="Courier New" panose="02070309020205020404" pitchFamily="49" charset="0"/>
+              </a:rPr>
+              <a:t>'</a:t>
+            </a:r>
+            <a:r>
+              <a:rPr lang="en-US" sz="1100" b="1" dirty="0">
+                <a:solidFill>
+                  <a:srgbClr val="0000FF"/>
+                </a:solidFill>
+                <a:effectLst/>
+                <a:latin typeface="Courier New" panose="02070309020205020404" pitchFamily="49" charset="0"/>
+                <a:cs typeface="Courier New" panose="02070309020205020404" pitchFamily="49" charset="0"/>
+              </a:rPr>
+              <a:t>true</a:t>
+            </a:r>
+            <a:r>
+              <a:rPr lang="en-US" sz="1100" b="1" dirty="0">
+                <a:solidFill>
+                  <a:srgbClr val="E21F1F"/>
+                </a:solidFill>
+                <a:effectLst/>
+                <a:latin typeface="Courier New" panose="02070309020205020404" pitchFamily="49" charset="0"/>
+                <a:cs typeface="Courier New" panose="02070309020205020404" pitchFamily="49" charset="0"/>
+              </a:rPr>
+              <a:t>’</a:t>
+            </a:r>
+            <a:r>
+              <a:rPr lang="en-US" sz="1100" b="1" dirty="0">
+                <a:solidFill>
+                  <a:srgbClr val="800000"/>
+                </a:solidFill>
+                <a:effectLst/>
+                <a:latin typeface="Courier New" panose="02070309020205020404" pitchFamily="49" charset="0"/>
+                <a:cs typeface="Courier New" panose="02070309020205020404" pitchFamily="49" charset="0"/>
+              </a:rPr>
+              <a:t>/&gt;</a:t>
+            </a:r>
+          </a:p>
+          <a:p>
+            <a:endParaRPr lang="en-US" sz="1100" b="1" dirty="0">
+              <a:solidFill>
+                <a:srgbClr val="000000"/>
+              </a:solidFill>
+              <a:effectLst/>
+              <a:latin typeface="Courier New" panose="02070309020205020404" pitchFamily="49" charset="0"/>
+              <a:cs typeface="Courier New" panose="02070309020205020404" pitchFamily="49" charset="0"/>
+            </a:endParaRPr>
+          </a:p>
+          <a:p>
+            <a:r>
+              <a:rPr lang="en-US" sz="1100" b="1" dirty="0">
+                <a:solidFill>
+                  <a:srgbClr val="800000"/>
+                </a:solidFill>
+                <a:effectLst/>
+                <a:latin typeface="Courier New" panose="02070309020205020404" pitchFamily="49" charset="0"/>
+                <a:cs typeface="Courier New" panose="02070309020205020404" pitchFamily="49" charset="0"/>
+              </a:rPr>
+              <a:t>&lt;Transform&gt;</a:t>
+            </a:r>
+            <a:endParaRPr lang="en-US" sz="1100" b="1" dirty="0">
+              <a:solidFill>
+                <a:srgbClr val="000000"/>
+              </a:solidFill>
+              <a:effectLst/>
+              <a:latin typeface="Courier New" panose="02070309020205020404" pitchFamily="49" charset="0"/>
+              <a:cs typeface="Courier New" panose="02070309020205020404" pitchFamily="49" charset="0"/>
+            </a:endParaRPr>
+          </a:p>
+          <a:p>
+            <a:r>
+              <a:rPr lang="en-US" sz="1100" b="1" dirty="0">
+                <a:solidFill>
+                  <a:srgbClr val="800000"/>
+                </a:solidFill>
+                <a:effectLst/>
+                <a:latin typeface="Courier New" panose="02070309020205020404" pitchFamily="49" charset="0"/>
+                <a:cs typeface="Courier New" panose="02070309020205020404" pitchFamily="49" charset="0"/>
+              </a:rPr>
+              <a:t>  &lt;Shape&gt;</a:t>
+            </a:r>
+            <a:endParaRPr lang="en-US" sz="1100" b="1" dirty="0">
+              <a:solidFill>
+                <a:srgbClr val="000000"/>
+              </a:solidFill>
+              <a:effectLst/>
+              <a:latin typeface="Courier New" panose="02070309020205020404" pitchFamily="49" charset="0"/>
+              <a:cs typeface="Courier New" panose="02070309020205020404" pitchFamily="49" charset="0"/>
+            </a:endParaRPr>
+          </a:p>
+          <a:p>
+            <a:r>
+              <a:rPr lang="en-US" sz="1100" b="1" dirty="0">
+                <a:solidFill>
+                  <a:srgbClr val="800000"/>
+                </a:solidFill>
+                <a:effectLst/>
+                <a:latin typeface="Courier New" panose="02070309020205020404" pitchFamily="49" charset="0"/>
+                <a:cs typeface="Courier New" panose="02070309020205020404" pitchFamily="49" charset="0"/>
+              </a:rPr>
+              <a:t>    &lt;Appearance&gt;</a:t>
+            </a:r>
+            <a:endParaRPr lang="en-US" sz="1100" b="1" dirty="0">
+              <a:solidFill>
+                <a:srgbClr val="000000"/>
+              </a:solidFill>
+              <a:effectLst/>
+              <a:latin typeface="Courier New" panose="02070309020205020404" pitchFamily="49" charset="0"/>
+              <a:cs typeface="Courier New" panose="02070309020205020404" pitchFamily="49" charset="0"/>
+            </a:endParaRPr>
+          </a:p>
+          <a:p>
+            <a:r>
+              <a:rPr lang="en-US" sz="1100" b="1" dirty="0">
+                <a:solidFill>
+                  <a:srgbClr val="800000"/>
+                </a:solidFill>
+                <a:effectLst/>
+                <a:latin typeface="Courier New" panose="02070309020205020404" pitchFamily="49" charset="0"/>
+                <a:cs typeface="Courier New" panose="02070309020205020404" pitchFamily="49" charset="0"/>
+              </a:rPr>
+              <a:t>      &lt;Material</a:t>
+            </a:r>
+            <a:r>
+              <a:rPr lang="en-US" sz="1100" b="1" dirty="0">
+                <a:solidFill>
+                  <a:srgbClr val="000000"/>
+                </a:solidFill>
+                <a:effectLst/>
+                <a:latin typeface="Courier New" panose="02070309020205020404" pitchFamily="49" charset="0"/>
+                <a:cs typeface="Courier New" panose="02070309020205020404" pitchFamily="49" charset="0"/>
+              </a:rPr>
+              <a:t> </a:t>
+            </a:r>
+            <a:r>
+              <a:rPr lang="en-US" sz="1100" b="1" dirty="0" err="1">
+                <a:solidFill>
+                  <a:srgbClr val="FF0000"/>
+                </a:solidFill>
+                <a:effectLst/>
+                <a:latin typeface="Courier New" panose="02070309020205020404" pitchFamily="49" charset="0"/>
+                <a:cs typeface="Courier New" panose="02070309020205020404" pitchFamily="49" charset="0"/>
+              </a:rPr>
+              <a:t>specularColor</a:t>
+            </a:r>
+            <a:r>
+              <a:rPr lang="en-US" sz="1100" b="1" dirty="0">
+                <a:solidFill>
+                  <a:srgbClr val="000000"/>
+                </a:solidFill>
+                <a:effectLst/>
+                <a:latin typeface="Courier New" panose="02070309020205020404" pitchFamily="49" charset="0"/>
+                <a:cs typeface="Courier New" panose="02070309020205020404" pitchFamily="49" charset="0"/>
+              </a:rPr>
+              <a:t>=</a:t>
+            </a:r>
+            <a:r>
+              <a:rPr lang="en-US" sz="1100" b="1" dirty="0">
+                <a:solidFill>
+                  <a:srgbClr val="E21F1F"/>
+                </a:solidFill>
+                <a:effectLst/>
+                <a:latin typeface="Courier New" panose="02070309020205020404" pitchFamily="49" charset="0"/>
+                <a:cs typeface="Courier New" panose="02070309020205020404" pitchFamily="49" charset="0"/>
+              </a:rPr>
+              <a:t>'</a:t>
+            </a:r>
+            <a:r>
+              <a:rPr lang="en-US" sz="1100" b="1" dirty="0">
+                <a:solidFill>
+                  <a:srgbClr val="0000FF"/>
+                </a:solidFill>
+                <a:effectLst/>
+                <a:latin typeface="Courier New" panose="02070309020205020404" pitchFamily="49" charset="0"/>
+                <a:cs typeface="Courier New" panose="02070309020205020404" pitchFamily="49" charset="0"/>
+              </a:rPr>
+              <a:t>1.0 1.0 1.0</a:t>
+            </a:r>
+            <a:r>
+              <a:rPr lang="en-US" sz="1100" b="1" dirty="0">
+                <a:solidFill>
+                  <a:srgbClr val="E21F1F"/>
+                </a:solidFill>
+                <a:effectLst/>
+                <a:latin typeface="Courier New" panose="02070309020205020404" pitchFamily="49" charset="0"/>
+                <a:cs typeface="Courier New" panose="02070309020205020404" pitchFamily="49" charset="0"/>
+              </a:rPr>
+              <a:t>'</a:t>
+            </a:r>
+            <a:r>
+              <a:rPr lang="en-US" sz="1100" b="1" dirty="0">
+                <a:solidFill>
+                  <a:srgbClr val="000000"/>
+                </a:solidFill>
+                <a:effectLst/>
+                <a:latin typeface="Courier New" panose="02070309020205020404" pitchFamily="49" charset="0"/>
+                <a:cs typeface="Courier New" panose="02070309020205020404" pitchFamily="49" charset="0"/>
+              </a:rPr>
+              <a:t> </a:t>
+            </a:r>
+            <a:r>
+              <a:rPr lang="en-US" sz="1100" b="1" dirty="0" err="1">
+                <a:solidFill>
+                  <a:srgbClr val="FF0000"/>
+                </a:solidFill>
+                <a:effectLst/>
+                <a:latin typeface="Courier New" panose="02070309020205020404" pitchFamily="49" charset="0"/>
+                <a:cs typeface="Courier New" panose="02070309020205020404" pitchFamily="49" charset="0"/>
+              </a:rPr>
+              <a:t>diffuseColor</a:t>
+            </a:r>
+            <a:r>
+              <a:rPr lang="en-US" sz="1100" b="1" dirty="0">
+                <a:solidFill>
+                  <a:srgbClr val="000000"/>
+                </a:solidFill>
+                <a:effectLst/>
+                <a:latin typeface="Courier New" panose="02070309020205020404" pitchFamily="49" charset="0"/>
+                <a:cs typeface="Courier New" panose="02070309020205020404" pitchFamily="49" charset="0"/>
+              </a:rPr>
+              <a:t>=</a:t>
+            </a:r>
+            <a:r>
+              <a:rPr lang="en-US" sz="1100" b="1" dirty="0">
+                <a:solidFill>
+                  <a:srgbClr val="E21F1F"/>
+                </a:solidFill>
+                <a:effectLst/>
+                <a:latin typeface="Courier New" panose="02070309020205020404" pitchFamily="49" charset="0"/>
+                <a:cs typeface="Courier New" panose="02070309020205020404" pitchFamily="49" charset="0"/>
+              </a:rPr>
+              <a:t>'</a:t>
+            </a:r>
+            <a:r>
+              <a:rPr lang="en-US" sz="1100" b="1" dirty="0">
+                <a:solidFill>
+                  <a:srgbClr val="0000FF"/>
+                </a:solidFill>
+                <a:effectLst/>
+                <a:latin typeface="Courier New" panose="02070309020205020404" pitchFamily="49" charset="0"/>
+                <a:cs typeface="Courier New" panose="02070309020205020404" pitchFamily="49" charset="0"/>
+              </a:rPr>
+              <a:t>0.1 0.7 1.0</a:t>
+            </a:r>
+            <a:r>
+              <a:rPr lang="en-US" sz="1100" b="1" dirty="0">
+                <a:solidFill>
+                  <a:srgbClr val="E21F1F"/>
+                </a:solidFill>
+                <a:effectLst/>
+                <a:latin typeface="Courier New" panose="02070309020205020404" pitchFamily="49" charset="0"/>
+                <a:cs typeface="Courier New" panose="02070309020205020404" pitchFamily="49" charset="0"/>
+              </a:rPr>
+              <a:t>’</a:t>
+            </a:r>
+          </a:p>
+          <a:p>
+            <a:r>
+              <a:rPr lang="en-US" sz="1100" b="1" dirty="0">
+                <a:solidFill>
+                  <a:srgbClr val="E21F1F"/>
+                </a:solidFill>
+                <a:latin typeface="Courier New" panose="02070309020205020404" pitchFamily="49" charset="0"/>
+                <a:cs typeface="Courier New" panose="02070309020205020404" pitchFamily="49" charset="0"/>
+              </a:rPr>
+              <a:t>               </a:t>
+            </a:r>
+            <a:r>
+              <a:rPr lang="en-US" sz="1100" b="1" dirty="0">
+                <a:solidFill>
+                  <a:srgbClr val="000000"/>
+                </a:solidFill>
+                <a:effectLst/>
+                <a:latin typeface="Courier New" panose="02070309020205020404" pitchFamily="49" charset="0"/>
+                <a:cs typeface="Courier New" panose="02070309020205020404" pitchFamily="49" charset="0"/>
+              </a:rPr>
+              <a:t> </a:t>
+            </a:r>
+            <a:r>
+              <a:rPr lang="en-US" sz="1100" b="1" dirty="0">
+                <a:solidFill>
+                  <a:srgbClr val="FF0000"/>
+                </a:solidFill>
+                <a:effectLst/>
+                <a:latin typeface="Courier New" panose="02070309020205020404" pitchFamily="49" charset="0"/>
+                <a:cs typeface="Courier New" panose="02070309020205020404" pitchFamily="49" charset="0"/>
+              </a:rPr>
+              <a:t>shininess</a:t>
+            </a:r>
+            <a:r>
+              <a:rPr lang="en-US" sz="1100" b="1" dirty="0">
+                <a:solidFill>
+                  <a:srgbClr val="000000"/>
+                </a:solidFill>
+                <a:effectLst/>
+                <a:latin typeface="Courier New" panose="02070309020205020404" pitchFamily="49" charset="0"/>
+                <a:cs typeface="Courier New" panose="02070309020205020404" pitchFamily="49" charset="0"/>
+              </a:rPr>
+              <a:t>=</a:t>
+            </a:r>
+            <a:r>
+              <a:rPr lang="en-US" sz="1100" b="1" dirty="0">
+                <a:solidFill>
+                  <a:srgbClr val="E21F1F"/>
+                </a:solidFill>
+                <a:effectLst/>
+                <a:latin typeface="Courier New" panose="02070309020205020404" pitchFamily="49" charset="0"/>
+                <a:cs typeface="Courier New" panose="02070309020205020404" pitchFamily="49" charset="0"/>
+              </a:rPr>
+              <a:t>'</a:t>
+            </a:r>
+            <a:r>
+              <a:rPr lang="en-US" sz="1100" b="1" dirty="0">
+                <a:solidFill>
+                  <a:srgbClr val="0000FF"/>
+                </a:solidFill>
+                <a:effectLst/>
+                <a:latin typeface="Courier New" panose="02070309020205020404" pitchFamily="49" charset="0"/>
+                <a:cs typeface="Courier New" panose="02070309020205020404" pitchFamily="49" charset="0"/>
+              </a:rPr>
+              <a:t>0.4</a:t>
+            </a:r>
+            <a:r>
+              <a:rPr lang="en-US" sz="1100" b="1" dirty="0">
+                <a:solidFill>
+                  <a:srgbClr val="E21F1F"/>
+                </a:solidFill>
+                <a:effectLst/>
+                <a:latin typeface="Courier New" panose="02070309020205020404" pitchFamily="49" charset="0"/>
+                <a:cs typeface="Courier New" panose="02070309020205020404" pitchFamily="49" charset="0"/>
+              </a:rPr>
+              <a:t>’</a:t>
+            </a:r>
+            <a:r>
+              <a:rPr lang="en-US" sz="1100" b="1" dirty="0">
+                <a:latin typeface="Courier New" panose="02070309020205020404" pitchFamily="49" charset="0"/>
+                <a:cs typeface="Courier New" panose="02070309020205020404" pitchFamily="49" charset="0"/>
+              </a:rPr>
+              <a:t> </a:t>
+            </a:r>
+            <a:r>
+              <a:rPr lang="en-US" sz="1100" b="1" dirty="0">
+                <a:solidFill>
+                  <a:srgbClr val="FF0000"/>
+                </a:solidFill>
+                <a:effectLst/>
+                <a:latin typeface="Courier New" panose="02070309020205020404" pitchFamily="49" charset="0"/>
+                <a:cs typeface="Courier New" panose="02070309020205020404" pitchFamily="49" charset="0"/>
+              </a:rPr>
+              <a:t>ambientIntensity</a:t>
+            </a:r>
+            <a:r>
+              <a:rPr lang="en-US" sz="1100" b="1" dirty="0">
+                <a:solidFill>
+                  <a:srgbClr val="000000"/>
+                </a:solidFill>
+                <a:effectLst/>
+                <a:latin typeface="Courier New" panose="02070309020205020404" pitchFamily="49" charset="0"/>
+                <a:cs typeface="Courier New" panose="02070309020205020404" pitchFamily="49" charset="0"/>
+              </a:rPr>
+              <a:t>=</a:t>
+            </a:r>
+            <a:r>
+              <a:rPr lang="en-US" sz="1100" b="1" dirty="0">
+                <a:solidFill>
+                  <a:srgbClr val="E21F1F"/>
+                </a:solidFill>
+                <a:effectLst/>
+                <a:latin typeface="Courier New" panose="02070309020205020404" pitchFamily="49" charset="0"/>
+                <a:cs typeface="Courier New" panose="02070309020205020404" pitchFamily="49" charset="0"/>
+              </a:rPr>
+              <a:t>"</a:t>
+            </a:r>
+            <a:r>
+              <a:rPr lang="en-US" sz="1100" b="1" dirty="0">
+                <a:solidFill>
+                  <a:srgbClr val="0000FF"/>
+                </a:solidFill>
+                <a:effectLst/>
+                <a:latin typeface="Courier New" panose="02070309020205020404" pitchFamily="49" charset="0"/>
+                <a:cs typeface="Courier New" panose="02070309020205020404" pitchFamily="49" charset="0"/>
+              </a:rPr>
+              <a:t>0.0</a:t>
+            </a:r>
+            <a:r>
+              <a:rPr lang="en-US" sz="1100" b="1" dirty="0">
+                <a:solidFill>
+                  <a:srgbClr val="E21F1F"/>
+                </a:solidFill>
+                <a:effectLst/>
+                <a:latin typeface="Courier New" panose="02070309020205020404" pitchFamily="49" charset="0"/>
+                <a:cs typeface="Courier New" panose="02070309020205020404" pitchFamily="49" charset="0"/>
+              </a:rPr>
+              <a:t>"</a:t>
+            </a:r>
+            <a:r>
+              <a:rPr lang="en-US" sz="1100" b="1" dirty="0">
+                <a:solidFill>
+                  <a:srgbClr val="000000"/>
+                </a:solidFill>
+                <a:effectLst/>
+                <a:latin typeface="Courier New" panose="02070309020205020404" pitchFamily="49" charset="0"/>
+                <a:cs typeface="Courier New" panose="02070309020205020404" pitchFamily="49" charset="0"/>
+              </a:rPr>
+              <a:t> </a:t>
+            </a:r>
+            <a:r>
+              <a:rPr lang="en-US" sz="1100" b="1" dirty="0" err="1">
+                <a:solidFill>
+                  <a:srgbClr val="FF0000"/>
+                </a:solidFill>
+                <a:effectLst/>
+                <a:latin typeface="Courier New" panose="02070309020205020404" pitchFamily="49" charset="0"/>
+                <a:cs typeface="Courier New" panose="02070309020205020404" pitchFamily="49" charset="0"/>
+              </a:rPr>
+              <a:t>emissiveColor</a:t>
+            </a:r>
+            <a:r>
+              <a:rPr lang="en-US" sz="1100" b="1" dirty="0">
+                <a:solidFill>
+                  <a:srgbClr val="000000"/>
+                </a:solidFill>
+                <a:effectLst/>
+                <a:latin typeface="Courier New" panose="02070309020205020404" pitchFamily="49" charset="0"/>
+                <a:cs typeface="Courier New" panose="02070309020205020404" pitchFamily="49" charset="0"/>
+              </a:rPr>
+              <a:t>=</a:t>
+            </a:r>
+            <a:r>
+              <a:rPr lang="en-US" sz="1100" b="1" dirty="0">
+                <a:solidFill>
+                  <a:srgbClr val="E21F1F"/>
+                </a:solidFill>
+                <a:effectLst/>
+                <a:latin typeface="Courier New" panose="02070309020205020404" pitchFamily="49" charset="0"/>
+                <a:cs typeface="Courier New" panose="02070309020205020404" pitchFamily="49" charset="0"/>
+              </a:rPr>
+              <a:t>"</a:t>
+            </a:r>
+            <a:r>
+              <a:rPr lang="en-US" sz="1100" b="1" dirty="0">
+                <a:solidFill>
+                  <a:srgbClr val="0000FF"/>
+                </a:solidFill>
+                <a:effectLst/>
+                <a:latin typeface="Courier New" panose="02070309020205020404" pitchFamily="49" charset="0"/>
+                <a:cs typeface="Courier New" panose="02070309020205020404" pitchFamily="49" charset="0"/>
+              </a:rPr>
+              <a:t>0 0 0</a:t>
+            </a:r>
+            <a:r>
+              <a:rPr lang="en-US" sz="1100" b="1" dirty="0">
+                <a:solidFill>
+                  <a:srgbClr val="E21F1F"/>
+                </a:solidFill>
+                <a:effectLst/>
+                <a:latin typeface="Courier New" panose="02070309020205020404" pitchFamily="49" charset="0"/>
+                <a:cs typeface="Courier New" panose="02070309020205020404" pitchFamily="49" charset="0"/>
+              </a:rPr>
+              <a:t>"</a:t>
+            </a:r>
+            <a:r>
+              <a:rPr lang="en-US" sz="1100" b="1" dirty="0">
+                <a:solidFill>
+                  <a:srgbClr val="800000"/>
+                </a:solidFill>
+                <a:effectLst/>
+                <a:latin typeface="Courier New" panose="02070309020205020404" pitchFamily="49" charset="0"/>
+                <a:cs typeface="Courier New" panose="02070309020205020404" pitchFamily="49" charset="0"/>
+              </a:rPr>
+              <a:t>/&gt;</a:t>
+            </a:r>
+            <a:endParaRPr lang="en-US" sz="1100" b="1" dirty="0">
+              <a:solidFill>
+                <a:srgbClr val="000000"/>
+              </a:solidFill>
+              <a:effectLst/>
+              <a:latin typeface="Courier New" panose="02070309020205020404" pitchFamily="49" charset="0"/>
+              <a:cs typeface="Courier New" panose="02070309020205020404" pitchFamily="49" charset="0"/>
+            </a:endParaRPr>
+          </a:p>
+          <a:p>
+            <a:r>
+              <a:rPr lang="en-US" sz="1100" b="1" dirty="0">
+                <a:solidFill>
+                  <a:srgbClr val="800000"/>
+                </a:solidFill>
+                <a:effectLst/>
+                <a:latin typeface="Courier New" panose="02070309020205020404" pitchFamily="49" charset="0"/>
+                <a:cs typeface="Courier New" panose="02070309020205020404" pitchFamily="49" charset="0"/>
+              </a:rPr>
+              <a:t>    &lt;/Appearance&gt;</a:t>
+            </a:r>
+            <a:endParaRPr lang="en-US" sz="1100" b="1" dirty="0">
+              <a:solidFill>
+                <a:srgbClr val="000000"/>
+              </a:solidFill>
+              <a:effectLst/>
+              <a:latin typeface="Courier New" panose="02070309020205020404" pitchFamily="49" charset="0"/>
+              <a:cs typeface="Courier New" panose="02070309020205020404" pitchFamily="49" charset="0"/>
+            </a:endParaRPr>
+          </a:p>
+          <a:p>
+            <a:r>
+              <a:rPr lang="en-US" sz="1100" b="1" dirty="0">
+                <a:solidFill>
+                  <a:srgbClr val="800000"/>
+                </a:solidFill>
+                <a:effectLst/>
+                <a:latin typeface="Courier New" panose="02070309020205020404" pitchFamily="49" charset="0"/>
+                <a:cs typeface="Courier New" panose="02070309020205020404" pitchFamily="49" charset="0"/>
+              </a:rPr>
+              <a:t>    &lt;</a:t>
+            </a:r>
+            <a:r>
+              <a:rPr lang="en-US" sz="1100" b="1" dirty="0" err="1">
+                <a:solidFill>
+                  <a:srgbClr val="800000"/>
+                </a:solidFill>
+                <a:effectLst/>
+                <a:latin typeface="Courier New" panose="02070309020205020404" pitchFamily="49" charset="0"/>
+                <a:cs typeface="Courier New" panose="02070309020205020404" pitchFamily="49" charset="0"/>
+              </a:rPr>
+              <a:t>TriangleSet</a:t>
+            </a:r>
+            <a:r>
+              <a:rPr lang="en-US" sz="1100" b="1" dirty="0">
+                <a:solidFill>
+                  <a:srgbClr val="800000"/>
+                </a:solidFill>
+                <a:effectLst/>
+                <a:latin typeface="Courier New" panose="02070309020205020404" pitchFamily="49" charset="0"/>
+                <a:cs typeface="Courier New" panose="02070309020205020404" pitchFamily="49" charset="0"/>
+              </a:rPr>
+              <a:t>&gt;</a:t>
+            </a:r>
+            <a:endParaRPr lang="en-US" sz="1100" b="1" dirty="0">
+              <a:solidFill>
+                <a:srgbClr val="000000"/>
+              </a:solidFill>
+              <a:effectLst/>
+              <a:latin typeface="Courier New" panose="02070309020205020404" pitchFamily="49" charset="0"/>
+              <a:cs typeface="Courier New" panose="02070309020205020404" pitchFamily="49" charset="0"/>
+            </a:endParaRPr>
+          </a:p>
+          <a:p>
+            <a:r>
+              <a:rPr lang="en-US" sz="1100" b="1" dirty="0">
+                <a:solidFill>
+                  <a:srgbClr val="800000"/>
+                </a:solidFill>
+                <a:effectLst/>
+                <a:latin typeface="Courier New" panose="02070309020205020404" pitchFamily="49" charset="0"/>
+                <a:cs typeface="Courier New" panose="02070309020205020404" pitchFamily="49" charset="0"/>
+              </a:rPr>
+              <a:t>      &lt;Coordinate</a:t>
+            </a:r>
+            <a:r>
+              <a:rPr lang="en-US" sz="1100" b="1" dirty="0">
+                <a:solidFill>
+                  <a:srgbClr val="000000"/>
+                </a:solidFill>
+                <a:effectLst/>
+                <a:latin typeface="Courier New" panose="02070309020205020404" pitchFamily="49" charset="0"/>
+                <a:cs typeface="Courier New" panose="02070309020205020404" pitchFamily="49" charset="0"/>
+              </a:rPr>
+              <a:t> </a:t>
+            </a:r>
+            <a:r>
+              <a:rPr lang="en-US" sz="1100" b="1" dirty="0">
+                <a:solidFill>
+                  <a:srgbClr val="FF0000"/>
+                </a:solidFill>
+                <a:effectLst/>
+                <a:latin typeface="Courier New" panose="02070309020205020404" pitchFamily="49" charset="0"/>
+                <a:cs typeface="Courier New" panose="02070309020205020404" pitchFamily="49" charset="0"/>
+              </a:rPr>
+              <a:t>point</a:t>
+            </a:r>
+            <a:r>
+              <a:rPr lang="en-US" sz="1100" b="1" dirty="0">
+                <a:solidFill>
+                  <a:srgbClr val="000000"/>
+                </a:solidFill>
+                <a:effectLst/>
+                <a:latin typeface="Courier New" panose="02070309020205020404" pitchFamily="49" charset="0"/>
+                <a:cs typeface="Courier New" panose="02070309020205020404" pitchFamily="49" charset="0"/>
+              </a:rPr>
+              <a:t>=</a:t>
+            </a:r>
+            <a:r>
+              <a:rPr lang="en-US" sz="1100" b="1" dirty="0">
+                <a:solidFill>
+                  <a:srgbClr val="E21F1F"/>
+                </a:solidFill>
+                <a:effectLst/>
+                <a:latin typeface="Courier New" panose="02070309020205020404" pitchFamily="49" charset="0"/>
+                <a:cs typeface="Courier New" panose="02070309020205020404" pitchFamily="49" charset="0"/>
+              </a:rPr>
+              <a:t>”</a:t>
+            </a:r>
+            <a:r>
+              <a:rPr lang="en-US" sz="1100" b="1" dirty="0">
+                <a:latin typeface="Courier New" panose="02070309020205020404" pitchFamily="49" charset="0"/>
+                <a:cs typeface="Courier New" panose="02070309020205020404" pitchFamily="49" charset="0"/>
+              </a:rPr>
+              <a:t> </a:t>
+            </a:r>
+            <a:r>
+              <a:rPr lang="en-US" sz="1100" b="1" dirty="0">
+                <a:solidFill>
+                  <a:srgbClr val="0000FF"/>
+                </a:solidFill>
+                <a:effectLst/>
+                <a:latin typeface="Courier New" panose="02070309020205020404" pitchFamily="49" charset="0"/>
+                <a:cs typeface="Courier New" panose="02070309020205020404" pitchFamily="49" charset="0"/>
+              </a:rPr>
+              <a:t>-5 -4 -1 </a:t>
+            </a:r>
+            <a:endParaRPr lang="en-US" sz="1100" b="1" dirty="0">
+              <a:solidFill>
+                <a:srgbClr val="000000"/>
+              </a:solidFill>
+              <a:effectLst/>
+              <a:latin typeface="Courier New" panose="02070309020205020404" pitchFamily="49" charset="0"/>
+              <a:cs typeface="Courier New" panose="02070309020205020404" pitchFamily="49" charset="0"/>
+            </a:endParaRPr>
+          </a:p>
+          <a:p>
+            <a:r>
+              <a:rPr lang="en-US" sz="1100" b="1" dirty="0">
+                <a:solidFill>
+                  <a:srgbClr val="0000FF"/>
+                </a:solidFill>
+                <a:effectLst/>
+                <a:latin typeface="Courier New" panose="02070309020205020404" pitchFamily="49" charset="0"/>
+                <a:cs typeface="Courier New" panose="02070309020205020404" pitchFamily="49" charset="0"/>
+              </a:rPr>
+              <a:t>                           7 -2 -3</a:t>
+            </a:r>
+            <a:endParaRPr lang="en-US" sz="1100" b="1" dirty="0">
+              <a:solidFill>
+                <a:srgbClr val="000000"/>
+              </a:solidFill>
+              <a:effectLst/>
+              <a:latin typeface="Courier New" panose="02070309020205020404" pitchFamily="49" charset="0"/>
+              <a:cs typeface="Courier New" panose="02070309020205020404" pitchFamily="49" charset="0"/>
+            </a:endParaRPr>
+          </a:p>
+          <a:p>
+            <a:r>
+              <a:rPr lang="en-US" sz="1100" b="1" dirty="0">
+                <a:solidFill>
+                  <a:srgbClr val="0000FF"/>
+                </a:solidFill>
+                <a:effectLst/>
+                <a:latin typeface="Courier New" panose="02070309020205020404" pitchFamily="49" charset="0"/>
+                <a:cs typeface="Courier New" panose="02070309020205020404" pitchFamily="49" charset="0"/>
+              </a:rPr>
+              <a:t>                           2  5 -4</a:t>
+            </a:r>
+            <a:r>
+              <a:rPr lang="en-US" sz="1100" b="1" dirty="0">
+                <a:solidFill>
+                  <a:srgbClr val="E21F1F"/>
+                </a:solidFill>
+                <a:effectLst/>
+                <a:latin typeface="Courier New" panose="02070309020205020404" pitchFamily="49" charset="0"/>
+                <a:cs typeface="Courier New" panose="02070309020205020404" pitchFamily="49" charset="0"/>
+              </a:rPr>
+              <a:t>"</a:t>
+            </a:r>
+            <a:r>
+              <a:rPr lang="en-US" sz="1100" b="1" dirty="0">
+                <a:solidFill>
+                  <a:srgbClr val="800000"/>
+                </a:solidFill>
+                <a:effectLst/>
+                <a:latin typeface="Courier New" panose="02070309020205020404" pitchFamily="49" charset="0"/>
+                <a:cs typeface="Courier New" panose="02070309020205020404" pitchFamily="49" charset="0"/>
+              </a:rPr>
+              <a:t>/&gt;</a:t>
+            </a:r>
+            <a:endParaRPr lang="en-US" sz="1100" b="1" dirty="0">
+              <a:solidFill>
+                <a:srgbClr val="000000"/>
+              </a:solidFill>
+              <a:effectLst/>
+              <a:latin typeface="Courier New" panose="02070309020205020404" pitchFamily="49" charset="0"/>
+              <a:cs typeface="Courier New" panose="02070309020205020404" pitchFamily="49" charset="0"/>
+            </a:endParaRPr>
+          </a:p>
+          <a:p>
+            <a:r>
+              <a:rPr lang="en-US" sz="1100" b="1" dirty="0">
+                <a:solidFill>
+                  <a:srgbClr val="800000"/>
+                </a:solidFill>
+                <a:effectLst/>
+                <a:latin typeface="Courier New" panose="02070309020205020404" pitchFamily="49" charset="0"/>
+                <a:cs typeface="Courier New" panose="02070309020205020404" pitchFamily="49" charset="0"/>
+              </a:rPr>
+              <a:t>    &lt;/</a:t>
+            </a:r>
+            <a:r>
+              <a:rPr lang="en-US" sz="1100" b="1" dirty="0" err="1">
+                <a:solidFill>
+                  <a:srgbClr val="800000"/>
+                </a:solidFill>
+                <a:effectLst/>
+                <a:latin typeface="Courier New" panose="02070309020205020404" pitchFamily="49" charset="0"/>
+                <a:cs typeface="Courier New" panose="02070309020205020404" pitchFamily="49" charset="0"/>
+              </a:rPr>
+              <a:t>TriangleSet</a:t>
+            </a:r>
+            <a:r>
+              <a:rPr lang="en-US" sz="1100" b="1" dirty="0">
+                <a:solidFill>
+                  <a:srgbClr val="800000"/>
+                </a:solidFill>
+                <a:effectLst/>
+                <a:latin typeface="Courier New" panose="02070309020205020404" pitchFamily="49" charset="0"/>
+                <a:cs typeface="Courier New" panose="02070309020205020404" pitchFamily="49" charset="0"/>
+              </a:rPr>
+              <a:t>&gt;</a:t>
+            </a:r>
+            <a:endParaRPr lang="en-US" sz="1100" b="1" dirty="0">
+              <a:solidFill>
+                <a:srgbClr val="000000"/>
+              </a:solidFill>
+              <a:effectLst/>
+              <a:latin typeface="Courier New" panose="02070309020205020404" pitchFamily="49" charset="0"/>
+              <a:cs typeface="Courier New" panose="02070309020205020404" pitchFamily="49" charset="0"/>
+            </a:endParaRPr>
+          </a:p>
+          <a:p>
+            <a:r>
+              <a:rPr lang="en-US" sz="1100" b="1" dirty="0">
+                <a:solidFill>
+                  <a:srgbClr val="800000"/>
+                </a:solidFill>
+                <a:effectLst/>
+                <a:latin typeface="Courier New" panose="02070309020205020404" pitchFamily="49" charset="0"/>
+                <a:cs typeface="Courier New" panose="02070309020205020404" pitchFamily="49" charset="0"/>
+              </a:rPr>
+              <a:t>  &lt;/Shape&gt;</a:t>
+            </a:r>
+            <a:endParaRPr lang="en-US" sz="1100" b="1" dirty="0">
+              <a:solidFill>
+                <a:srgbClr val="000000"/>
+              </a:solidFill>
+              <a:effectLst/>
+              <a:latin typeface="Courier New" panose="02070309020205020404" pitchFamily="49" charset="0"/>
+              <a:cs typeface="Courier New" panose="02070309020205020404" pitchFamily="49" charset="0"/>
+            </a:endParaRPr>
+          </a:p>
+          <a:p>
+            <a:r>
+              <a:rPr lang="en-US" sz="1100" b="1" dirty="0">
+                <a:solidFill>
+                  <a:srgbClr val="800000"/>
+                </a:solidFill>
+                <a:effectLst/>
+                <a:latin typeface="Courier New" panose="02070309020205020404" pitchFamily="49" charset="0"/>
+                <a:cs typeface="Courier New" panose="02070309020205020404" pitchFamily="49" charset="0"/>
+              </a:rPr>
+              <a:t>&lt;/Transform&gt;</a:t>
+            </a:r>
+            <a:endParaRPr lang="en-US" sz="1100" b="1" dirty="0">
+              <a:solidFill>
+                <a:srgbClr val="000000"/>
+              </a:solidFill>
+              <a:effectLst/>
+              <a:latin typeface="Courier New" panose="02070309020205020404" pitchFamily="49" charset="0"/>
+              <a:cs typeface="Courier New" panose="02070309020205020404" pitchFamily="49" charset="0"/>
+            </a:endParaRPr>
+          </a:p>
+        </p:txBody>
+      </p:sp>
+      <p:grpSp>
+        <p:nvGrpSpPr>
+          <p:cNvPr id="2" name="Google Shape;485;p59">
+            <a:extLst>
+              <a:ext uri="{FF2B5EF4-FFF2-40B4-BE49-F238E27FC236}">
+                <a16:creationId xmlns:a16="http://schemas.microsoft.com/office/drawing/2014/main" id="{320115CA-586C-CCFE-CAA4-B4D3DF5ADC96}"/>
+              </a:ext>
+            </a:extLst>
+          </p:cNvPr>
+          <p:cNvGrpSpPr/>
+          <p:nvPr/>
+        </p:nvGrpSpPr>
+        <p:grpSpPr>
+          <a:xfrm>
+            <a:off x="6311987" y="57890"/>
+            <a:ext cx="1556100" cy="1153844"/>
+            <a:chOff x="6076319" y="236999"/>
+            <a:chExt cx="1556100" cy="1153844"/>
+          </a:xfrm>
+        </p:grpSpPr>
+        <p:sp>
+          <p:nvSpPr>
+            <p:cNvPr id="3" name="Google Shape;486;p59">
+              <a:extLst>
+                <a:ext uri="{FF2B5EF4-FFF2-40B4-BE49-F238E27FC236}">
+                  <a16:creationId xmlns:a16="http://schemas.microsoft.com/office/drawing/2014/main" id="{354551E1-8FF4-8399-9C43-62C9E8C547BE}"/>
+                </a:ext>
+              </a:extLst>
+            </p:cNvPr>
+            <p:cNvSpPr/>
+            <p:nvPr/>
+          </p:nvSpPr>
+          <p:spPr>
+            <a:xfrm>
+              <a:off x="7194007" y="1311943"/>
+              <a:ext cx="164100" cy="78900"/>
+            </a:xfrm>
+            <a:prstGeom prst="rect">
+              <a:avLst/>
+            </a:prstGeom>
+            <a:noFill/>
+            <a:ln w="9525" cap="flat" cmpd="sng">
+              <a:solidFill>
+                <a:srgbClr val="FF0000"/>
+              </a:solidFill>
+              <a:prstDash val="solid"/>
+              <a:round/>
+              <a:headEnd type="none" w="sm" len="sm"/>
+              <a:tailEnd type="none" w="sm" len="sm"/>
+            </a:ln>
+          </p:spPr>
+          <p:txBody>
+            <a:bodyPr spcFirstLastPara="1" wrap="square" lIns="91425" tIns="91425" rIns="91425" bIns="91425" anchor="ctr" anchorCtr="0">
+              <a:noAutofit/>
+            </a:bodyPr>
+            <a:lstStyle/>
+            <a:p>
+              <a:pPr marL="0" lvl="0" indent="0" algn="l" rtl="0">
+                <a:spcBef>
+                  <a:spcPts val="0"/>
+                </a:spcBef>
+                <a:spcAft>
+                  <a:spcPts val="0"/>
+                </a:spcAft>
+                <a:buNone/>
+              </a:pPr>
+              <a:endParaRPr/>
+            </a:p>
+          </p:txBody>
+        </p:sp>
+        <p:cxnSp>
+          <p:nvCxnSpPr>
+            <p:cNvPr id="4" name="Google Shape;487;p59">
+              <a:extLst>
+                <a:ext uri="{FF2B5EF4-FFF2-40B4-BE49-F238E27FC236}">
+                  <a16:creationId xmlns:a16="http://schemas.microsoft.com/office/drawing/2014/main" id="{1D027D88-0159-0E35-9012-22A56CA2D4B1}"/>
+                </a:ext>
+              </a:extLst>
+            </p:cNvPr>
+            <p:cNvCxnSpPr>
+              <a:cxnSpLocks/>
+            </p:cNvCxnSpPr>
+            <p:nvPr/>
+          </p:nvCxnSpPr>
+          <p:spPr>
+            <a:xfrm>
+              <a:off x="6844095" y="528938"/>
+              <a:ext cx="436643" cy="759310"/>
+            </a:xfrm>
+            <a:prstGeom prst="straightConnector1">
+              <a:avLst/>
+            </a:prstGeom>
+            <a:noFill/>
+            <a:ln w="9525" cap="flat" cmpd="sng">
+              <a:solidFill>
+                <a:srgbClr val="FF0000"/>
+              </a:solidFill>
+              <a:prstDash val="solid"/>
+              <a:round/>
+              <a:headEnd type="none" w="med" len="med"/>
+              <a:tailEnd type="triangle" w="med" len="med"/>
+            </a:ln>
+          </p:spPr>
+        </p:cxnSp>
+        <p:sp>
+          <p:nvSpPr>
+            <p:cNvPr id="5" name="Google Shape;488;p59">
+              <a:extLst>
+                <a:ext uri="{FF2B5EF4-FFF2-40B4-BE49-F238E27FC236}">
+                  <a16:creationId xmlns:a16="http://schemas.microsoft.com/office/drawing/2014/main" id="{F6E953FE-46DB-3CAB-3FAC-FF8209BCA660}"/>
+                </a:ext>
+              </a:extLst>
+            </p:cNvPr>
+            <p:cNvSpPr txBox="1"/>
+            <p:nvPr/>
+          </p:nvSpPr>
+          <p:spPr>
+            <a:xfrm>
+              <a:off x="6076319" y="236999"/>
+              <a:ext cx="1556100" cy="369300"/>
+            </a:xfrm>
+            <a:prstGeom prst="rect">
+              <a:avLst/>
+            </a:prstGeom>
+            <a:noFill/>
+            <a:ln>
+              <a:noFill/>
+            </a:ln>
+          </p:spPr>
+          <p:txBody>
+            <a:bodyPr spcFirstLastPara="1" wrap="square" lIns="91425" tIns="91425" rIns="91425" bIns="91425" anchor="t" anchorCtr="0">
+              <a:spAutoFit/>
+            </a:bodyPr>
+            <a:lstStyle/>
+            <a:p>
+              <a:pPr marL="0" lvl="0" indent="0" algn="l" rtl="0">
+                <a:spcBef>
+                  <a:spcPts val="0"/>
+                </a:spcBef>
+                <a:spcAft>
+                  <a:spcPts val="0"/>
+                </a:spcAft>
+                <a:buNone/>
+              </a:pPr>
+              <a:r>
+                <a:rPr lang="en-BR" sz="1200" dirty="0">
+                  <a:solidFill>
+                    <a:srgbClr val="FF0000"/>
+                  </a:solidFill>
+                  <a:latin typeface="Calibri"/>
+                  <a:ea typeface="Calibri"/>
+                  <a:cs typeface="Calibri"/>
+                  <a:sym typeface="Calibri"/>
+                </a:rPr>
+                <a:t>Qual a cor do pixel?</a:t>
+              </a:r>
+              <a:endParaRPr dirty="0">
+                <a:solidFill>
+                  <a:srgbClr val="FF0000"/>
+                </a:solidFill>
+              </a:endParaRPr>
+            </a:p>
+          </p:txBody>
+        </p:sp>
+      </p:grpSp>
+      <p:sp>
+        <p:nvSpPr>
+          <p:cNvPr id="11" name="Google Shape;480;p59">
+            <a:extLst>
+              <a:ext uri="{FF2B5EF4-FFF2-40B4-BE49-F238E27FC236}">
+                <a16:creationId xmlns:a16="http://schemas.microsoft.com/office/drawing/2014/main" id="{FCA17F8F-CE76-AEEF-BEF7-94F138C5C34F}"/>
+              </a:ext>
+            </a:extLst>
+          </p:cNvPr>
+          <p:cNvSpPr txBox="1">
+            <a:spLocks noGrp="1"/>
+          </p:cNvSpPr>
+          <p:nvPr>
+            <p:ph type="body" idx="1"/>
+          </p:nvPr>
+        </p:nvSpPr>
+        <p:spPr>
+          <a:xfrm>
+            <a:off x="390550" y="3487619"/>
+            <a:ext cx="8428200" cy="2158556"/>
+          </a:xfrm>
+          <a:prstGeom prst="rect">
+            <a:avLst/>
+          </a:prstGeom>
+        </p:spPr>
+        <p:txBody>
+          <a:bodyPr spcFirstLastPara="1" wrap="square" lIns="91425" tIns="45700" rIns="91425" bIns="45700" anchor="t" anchorCtr="0">
+            <a:normAutofit/>
+          </a:bodyPr>
+          <a:lstStyle/>
+          <a:p>
+            <a:pPr marL="0" lvl="0" indent="0" algn="l" rtl="0">
+              <a:spcBef>
+                <a:spcPts val="400"/>
+              </a:spcBef>
+              <a:spcAft>
+                <a:spcPts val="0"/>
+              </a:spcAft>
+              <a:buClr>
+                <a:schemeClr val="dk1"/>
+              </a:buClr>
+              <a:buSzPts val="1100"/>
+              <a:buFont typeface="Arial"/>
+              <a:buNone/>
+            </a:pPr>
+            <a:r>
+              <a:rPr lang="en-BR" sz="1200" b="1" dirty="0">
+                <a:highlight>
+                  <a:srgbClr val="FFFFFF"/>
+                </a:highlight>
+              </a:rPr>
+              <a:t>I</a:t>
+            </a:r>
+            <a:r>
+              <a:rPr lang="en-BR" sz="1100" b="1" baseline="-25000" dirty="0">
+                <a:highlight>
+                  <a:srgbClr val="FFFFFF"/>
+                </a:highlight>
+              </a:rPr>
+              <a:t> </a:t>
+            </a:r>
+            <a:r>
+              <a:rPr lang="en-BR" sz="1800" b="1" baseline="-25000" dirty="0">
+                <a:highlight>
+                  <a:srgbClr val="FFFFFF"/>
+                </a:highlight>
+              </a:rPr>
+              <a:t>L</a:t>
+            </a:r>
+            <a:r>
+              <a:rPr lang="en-BR" sz="1700" b="1" baseline="-25000" dirty="0">
+                <a:highlight>
+                  <a:srgbClr val="FFFFFF"/>
+                </a:highlight>
+              </a:rPr>
+              <a:t>rgb</a:t>
+            </a:r>
+            <a:r>
+              <a:rPr lang="en-BR" sz="1200" dirty="0">
+                <a:highlight>
+                  <a:srgbClr val="FFFFFF"/>
+                </a:highlight>
+              </a:rPr>
+              <a:t> = (1.0, 1.0, 1.0)</a:t>
+            </a:r>
+            <a:r>
+              <a:rPr lang="en-BR" sz="1200" i="1" dirty="0">
+                <a:highlight>
+                  <a:srgbClr val="FFFFFF"/>
+                </a:highlight>
+              </a:rPr>
+              <a:t>      </a:t>
+            </a:r>
+            <a:r>
+              <a:rPr lang="en-BR" sz="1200" b="1" i="1" dirty="0">
+                <a:highlight>
+                  <a:srgbClr val="FFFFFF"/>
+                </a:highlight>
+              </a:rPr>
+              <a:t> </a:t>
+            </a:r>
+            <a:r>
+              <a:rPr lang="en-BR" sz="1200" b="1" dirty="0">
+                <a:highlight>
+                  <a:srgbClr val="FFFFFF"/>
+                </a:highlight>
+              </a:rPr>
+              <a:t>I</a:t>
+            </a:r>
+            <a:r>
+              <a:rPr lang="en-BR" sz="1800" b="1" baseline="-25000" dirty="0">
+                <a:highlight>
+                  <a:srgbClr val="FFFFFF"/>
+                </a:highlight>
+              </a:rPr>
+              <a:t>i</a:t>
+            </a:r>
+            <a:r>
+              <a:rPr lang="en-BR" sz="1200" dirty="0">
+                <a:highlight>
+                  <a:srgbClr val="FFFFFF"/>
+                </a:highlight>
+              </a:rPr>
+              <a:t> = 1.0</a:t>
+            </a:r>
+            <a:r>
+              <a:rPr lang="en-BR" sz="1200" i="1" dirty="0">
+                <a:highlight>
+                  <a:srgbClr val="FFFFFF"/>
+                </a:highlight>
+              </a:rPr>
+              <a:t>      </a:t>
+            </a:r>
+            <a:r>
+              <a:rPr lang="en-BR" sz="1200" b="1" i="1" dirty="0">
+                <a:highlight>
+                  <a:srgbClr val="FFFFFF"/>
+                </a:highlight>
+              </a:rPr>
+              <a:t>  </a:t>
+            </a:r>
+            <a:r>
+              <a:rPr lang="en-BR" sz="1200" b="1" dirty="0">
+                <a:highlight>
+                  <a:srgbClr val="FFFFFF"/>
+                </a:highlight>
+              </a:rPr>
+              <a:t>I</a:t>
+            </a:r>
+            <a:r>
+              <a:rPr lang="en-BR" sz="1800" b="1" baseline="-25000" dirty="0">
+                <a:highlight>
+                  <a:srgbClr val="FFFFFF"/>
+                </a:highlight>
+              </a:rPr>
+              <a:t>ia</a:t>
+            </a:r>
+            <a:r>
+              <a:rPr lang="en-BR" sz="1200" dirty="0">
+                <a:highlight>
+                  <a:srgbClr val="FFFFFF"/>
+                </a:highlight>
+              </a:rPr>
+              <a:t> = 0.0</a:t>
+            </a:r>
+            <a:endParaRPr sz="1200" dirty="0">
+              <a:highlight>
+                <a:srgbClr val="FFFFFF"/>
+              </a:highlight>
+            </a:endParaRPr>
+          </a:p>
+          <a:p>
+            <a:pPr marL="0" lvl="0" indent="0" algn="l" rtl="0">
+              <a:spcBef>
+                <a:spcPts val="1000"/>
+              </a:spcBef>
+              <a:spcAft>
+                <a:spcPts val="0"/>
+              </a:spcAft>
+              <a:buClr>
+                <a:schemeClr val="dk1"/>
+              </a:buClr>
+              <a:buSzPts val="1100"/>
+              <a:buFont typeface="Arial"/>
+              <a:buNone/>
+            </a:pPr>
+            <a:r>
+              <a:rPr lang="en-BR" sz="1200" b="1" dirty="0">
+                <a:highlight>
+                  <a:srgbClr val="FFFFFF"/>
+                </a:highlight>
+              </a:rPr>
+              <a:t>O</a:t>
+            </a:r>
+            <a:r>
+              <a:rPr lang="en-BR" sz="1800" b="1" baseline="-25000" dirty="0">
+                <a:highlight>
+                  <a:srgbClr val="FFFFFF"/>
+                </a:highlight>
+              </a:rPr>
+              <a:t>E</a:t>
+            </a:r>
+            <a:r>
+              <a:rPr lang="en-BR" sz="1700" b="1" baseline="-25000" dirty="0">
+                <a:highlight>
+                  <a:srgbClr val="FFFFFF"/>
+                </a:highlight>
+              </a:rPr>
+              <a:t>rgb</a:t>
+            </a:r>
+            <a:r>
+              <a:rPr lang="en-BR" sz="1200" dirty="0">
+                <a:highlight>
+                  <a:srgbClr val="FFFFFF"/>
+                </a:highlight>
+              </a:rPr>
+              <a:t> = (0.0, 0.0, 0.0)</a:t>
+            </a:r>
+            <a:r>
+              <a:rPr lang="en-BR" sz="1200" i="1" dirty="0">
+                <a:highlight>
+                  <a:srgbClr val="FFFFFF"/>
+                </a:highlight>
+              </a:rPr>
+              <a:t>      </a:t>
+            </a:r>
+            <a:r>
+              <a:rPr lang="en-BR" sz="1200" b="1" dirty="0">
+                <a:highlight>
+                  <a:srgbClr val="FFFFFF"/>
+                </a:highlight>
+              </a:rPr>
+              <a:t>O</a:t>
+            </a:r>
+            <a:r>
+              <a:rPr lang="en-BR" sz="1800" b="1" baseline="-25000" dirty="0">
+                <a:highlight>
+                  <a:srgbClr val="FFFFFF"/>
+                </a:highlight>
+              </a:rPr>
+              <a:t>D</a:t>
+            </a:r>
+            <a:r>
+              <a:rPr lang="en-BR" sz="1700" b="1" baseline="-25000" dirty="0">
+                <a:highlight>
+                  <a:srgbClr val="FFFFFF"/>
+                </a:highlight>
+              </a:rPr>
+              <a:t>rgb</a:t>
+            </a:r>
+            <a:r>
+              <a:rPr lang="en-BR" sz="1200" dirty="0">
+                <a:highlight>
+                  <a:srgbClr val="FFFFFF"/>
+                </a:highlight>
+              </a:rPr>
+              <a:t> = (1.0, 1.0, 0.0)</a:t>
+            </a:r>
+            <a:r>
+              <a:rPr lang="en-BR" sz="1200" i="1" dirty="0">
+                <a:highlight>
+                  <a:srgbClr val="FFFFFF"/>
+                </a:highlight>
+              </a:rPr>
+              <a:t> </a:t>
+            </a:r>
+            <a:r>
+              <a:rPr lang="en-BR" sz="1200" dirty="0">
+                <a:highlight>
+                  <a:srgbClr val="FFFFFF"/>
+                </a:highlight>
+              </a:rPr>
+              <a:t>       </a:t>
+            </a:r>
+            <a:r>
+              <a:rPr lang="en-BR" sz="1200" b="1" dirty="0">
+                <a:highlight>
+                  <a:srgbClr val="FFFFFF"/>
+                </a:highlight>
+              </a:rPr>
+              <a:t>O</a:t>
+            </a:r>
+            <a:r>
+              <a:rPr lang="en-BR" sz="1800" b="1" baseline="-25000" dirty="0">
+                <a:highlight>
+                  <a:srgbClr val="FFFFFF"/>
+                </a:highlight>
+              </a:rPr>
+              <a:t>S</a:t>
+            </a:r>
+            <a:r>
+              <a:rPr lang="en-BR" sz="1700" b="1" baseline="-25000" dirty="0">
+                <a:highlight>
+                  <a:srgbClr val="FFFFFF"/>
+                </a:highlight>
+              </a:rPr>
+              <a:t>rgb</a:t>
+            </a:r>
+            <a:r>
+              <a:rPr lang="en-BR" sz="1200" dirty="0">
+                <a:highlight>
+                  <a:srgbClr val="FFFFFF"/>
+                </a:highlight>
+              </a:rPr>
+              <a:t> = (1.0, 1.0, 1.0)</a:t>
+            </a:r>
+            <a:r>
+              <a:rPr lang="en-BR" sz="1200" i="1" dirty="0">
+                <a:highlight>
+                  <a:srgbClr val="FFFFFF"/>
+                </a:highlight>
+              </a:rPr>
+              <a:t>      </a:t>
+            </a:r>
+            <a:r>
+              <a:rPr lang="en-BR" sz="1200" b="1" dirty="0">
+                <a:highlight>
+                  <a:srgbClr val="FFFFFF"/>
+                </a:highlight>
+              </a:rPr>
+              <a:t>O</a:t>
+            </a:r>
+            <a:r>
+              <a:rPr lang="en-BR" sz="1800" b="1" baseline="-25000" dirty="0">
+                <a:highlight>
+                  <a:srgbClr val="FFFFFF"/>
+                </a:highlight>
+              </a:rPr>
+              <a:t>a</a:t>
+            </a:r>
+            <a:r>
+              <a:rPr lang="en-BR" sz="1200" dirty="0">
+                <a:highlight>
+                  <a:srgbClr val="FFFFFF"/>
+                </a:highlight>
+              </a:rPr>
+              <a:t> = 0.2</a:t>
+            </a:r>
+            <a:endParaRPr sz="1400" b="1" dirty="0">
+              <a:highlight>
+                <a:srgbClr val="FFFFFF"/>
+              </a:highlight>
+            </a:endParaRPr>
+          </a:p>
+          <a:p>
+            <a:pPr marL="0" lvl="0" indent="0" algn="l" rtl="0">
+              <a:lnSpc>
+                <a:spcPct val="115000"/>
+              </a:lnSpc>
+              <a:spcBef>
+                <a:spcPts val="1000"/>
+              </a:spcBef>
+              <a:spcAft>
+                <a:spcPts val="0"/>
+              </a:spcAft>
+              <a:buClr>
+                <a:schemeClr val="dk1"/>
+              </a:buClr>
+              <a:buSzPts val="1100"/>
+              <a:buFont typeface="Arial"/>
+              <a:buNone/>
+            </a:pPr>
+            <a:r>
+              <a:rPr lang="en-BR" sz="1400" b="1" dirty="0">
+                <a:highlight>
+                  <a:srgbClr val="FFFFFF"/>
+                </a:highlight>
+              </a:rPr>
+              <a:t>L</a:t>
+            </a:r>
+            <a:r>
+              <a:rPr lang="en-BR" sz="1200" dirty="0">
+                <a:highlight>
+                  <a:srgbClr val="FFFFFF"/>
+                </a:highlight>
+              </a:rPr>
+              <a:t> = (0.0, 0.8, 0.6)</a:t>
+            </a:r>
+            <a:endParaRPr sz="1200" dirty="0">
+              <a:highlight>
+                <a:srgbClr val="FFFFFF"/>
+              </a:highlight>
+            </a:endParaRPr>
+          </a:p>
+          <a:p>
+            <a:pPr marL="0" lvl="0" indent="0" algn="l" rtl="0">
+              <a:lnSpc>
+                <a:spcPct val="115000"/>
+              </a:lnSpc>
+              <a:spcBef>
+                <a:spcPts val="1000"/>
+              </a:spcBef>
+              <a:spcAft>
+                <a:spcPts val="0"/>
+              </a:spcAft>
+              <a:buClr>
+                <a:schemeClr val="dk1"/>
+              </a:buClr>
+              <a:buSzPts val="1100"/>
+              <a:buFont typeface="Arial"/>
+              <a:buNone/>
+            </a:pPr>
+            <a:r>
+              <a:rPr lang="en-BR" sz="1400" b="1" dirty="0">
+                <a:highlight>
+                  <a:srgbClr val="FFFFFF"/>
+                </a:highlight>
+              </a:rPr>
+              <a:t>N</a:t>
+            </a:r>
+            <a:r>
+              <a:rPr lang="en-BR" sz="1200" dirty="0">
+                <a:highlight>
+                  <a:srgbClr val="FFFFFF"/>
+                </a:highlight>
+              </a:rPr>
+              <a:t> = (0.0, 0.0, 1.0)</a:t>
+            </a:r>
+            <a:endParaRPr sz="1000" b="1" dirty="0"/>
+          </a:p>
+          <a:p>
+            <a:pPr marL="0" lvl="0" indent="0" algn="l" rtl="0">
+              <a:lnSpc>
+                <a:spcPct val="115000"/>
+              </a:lnSpc>
+              <a:spcBef>
+                <a:spcPts val="1000"/>
+              </a:spcBef>
+              <a:spcAft>
+                <a:spcPts val="0"/>
+              </a:spcAft>
+              <a:buNone/>
+            </a:pPr>
+            <a:r>
+              <a:rPr lang="en-BR" sz="1000" b="1" dirty="0"/>
+              <a:t>V</a:t>
+            </a:r>
+            <a:r>
+              <a:rPr lang="en-BR" sz="1200" dirty="0"/>
+              <a:t> = </a:t>
+            </a:r>
+            <a:r>
+              <a:rPr lang="en-BR" sz="1200" dirty="0">
+                <a:highlight>
+                  <a:srgbClr val="FFFFFF"/>
+                </a:highlight>
+              </a:rPr>
+              <a:t>(0.0, 0.0, 1.0)*  [Supondo no meio da tela]</a:t>
+            </a:r>
+            <a:endParaRPr sz="1200" dirty="0">
+              <a:highlight>
+                <a:srgbClr val="FFFFFF"/>
+              </a:highlight>
+            </a:endParaRPr>
+          </a:p>
+          <a:p>
+            <a:pPr marL="0" lvl="0" indent="0" algn="l" rtl="0">
+              <a:lnSpc>
+                <a:spcPct val="115000"/>
+              </a:lnSpc>
+              <a:spcBef>
+                <a:spcPts val="1000"/>
+              </a:spcBef>
+              <a:spcAft>
+                <a:spcPts val="1000"/>
+              </a:spcAft>
+              <a:buNone/>
+            </a:pPr>
+            <a:r>
+              <a:rPr lang="en-BR" sz="900" dirty="0">
+                <a:highlight>
+                  <a:srgbClr val="FFFFFF"/>
+                </a:highlight>
+              </a:rPr>
+              <a:t>*(essa é uma aproximação, mas podem usar no projeto se desejarem)</a:t>
+            </a:r>
+            <a:endParaRPr sz="900" dirty="0">
+              <a:highlight>
+                <a:srgbClr val="FFFFFF"/>
+              </a:highlight>
+            </a:endParaRPr>
+          </a:p>
+        </p:txBody>
+      </p:sp>
+      <p:sp>
+        <p:nvSpPr>
+          <p:cNvPr id="13" name="Sun 12">
+            <a:extLst>
+              <a:ext uri="{FF2B5EF4-FFF2-40B4-BE49-F238E27FC236}">
+                <a16:creationId xmlns:a16="http://schemas.microsoft.com/office/drawing/2014/main" id="{E98404E0-8E9B-EE29-3E7E-9EBA77F097F0}"/>
+              </a:ext>
+            </a:extLst>
+          </p:cNvPr>
+          <p:cNvSpPr/>
+          <p:nvPr/>
+        </p:nvSpPr>
+        <p:spPr>
+          <a:xfrm>
+            <a:off x="4751109" y="3921551"/>
+            <a:ext cx="273378" cy="273378"/>
+          </a:xfrm>
+          <a:prstGeom prst="sun">
+            <a:avLst/>
+          </a:prstGeom>
+          <a:solidFill>
+            <a:srgbClr val="FFFF00"/>
+          </a:solidFill>
+          <a:ln>
+            <a:solidFill>
+              <a:srgbClr val="FFC000"/>
+            </a:solidFill>
+          </a:ln>
+        </p:spPr>
+        <p:style>
+          <a:lnRef idx="2">
+            <a:schemeClr val="accent1">
+              <a:shade val="15000"/>
+            </a:schemeClr>
+          </a:lnRef>
+          <a:fillRef idx="1">
+            <a:schemeClr val="accent1"/>
+          </a:fillRef>
+          <a:effectRef idx="0">
+            <a:schemeClr val="accent1"/>
+          </a:effectRef>
+          <a:fontRef idx="minor">
+            <a:schemeClr val="lt1"/>
+          </a:fontRef>
+        </p:style>
+        <p:txBody>
+          <a:bodyPr rtlCol="0" anchor="ctr"/>
+          <a:lstStyle/>
+          <a:p>
+            <a:pPr algn="ctr"/>
+            <a:endParaRPr lang="en-US"/>
+          </a:p>
+        </p:txBody>
+      </p:sp>
+      <p:cxnSp>
+        <p:nvCxnSpPr>
+          <p:cNvPr id="14" name="Straight Arrow Connector 13">
+            <a:extLst>
+              <a:ext uri="{FF2B5EF4-FFF2-40B4-BE49-F238E27FC236}">
+                <a16:creationId xmlns:a16="http://schemas.microsoft.com/office/drawing/2014/main" id="{85A15926-C34E-6498-D080-2A2923FDDDB2}"/>
+              </a:ext>
+            </a:extLst>
+          </p:cNvPr>
+          <p:cNvCxnSpPr/>
+          <p:nvPr/>
+        </p:nvCxnSpPr>
+        <p:spPr>
+          <a:xfrm>
+            <a:off x="4887798" y="4058240"/>
+            <a:ext cx="617456" cy="956820"/>
+          </a:xfrm>
+          <a:prstGeom prst="straightConnector1">
+            <a:avLst/>
+          </a:prstGeom>
+          <a:ln w="28575">
+            <a:solidFill>
+              <a:srgbClr val="FF0004">
+                <a:alpha val="23137"/>
+              </a:srgbClr>
+            </a:solidFill>
+            <a:tailEnd type="triangle"/>
+          </a:ln>
+        </p:spPr>
+        <p:style>
+          <a:lnRef idx="1">
+            <a:schemeClr val="accent1"/>
+          </a:lnRef>
+          <a:fillRef idx="0">
+            <a:schemeClr val="accent1"/>
+          </a:fillRef>
+          <a:effectRef idx="0">
+            <a:schemeClr val="accent1"/>
+          </a:effectRef>
+          <a:fontRef idx="minor">
+            <a:schemeClr val="tx1"/>
+          </a:fontRef>
+        </p:style>
+      </p:cxnSp>
+      <p:sp>
+        <p:nvSpPr>
+          <p:cNvPr id="15" name="TextBox 14">
+            <a:extLst>
+              <a:ext uri="{FF2B5EF4-FFF2-40B4-BE49-F238E27FC236}">
+                <a16:creationId xmlns:a16="http://schemas.microsoft.com/office/drawing/2014/main" id="{F0837972-6D39-7551-2DD9-8471908EE751}"/>
+              </a:ext>
+            </a:extLst>
+          </p:cNvPr>
+          <p:cNvSpPr txBox="1"/>
+          <p:nvPr/>
+        </p:nvSpPr>
+        <p:spPr>
+          <a:xfrm>
+            <a:off x="4212935" y="4322030"/>
+            <a:ext cx="959177" cy="261610"/>
+          </a:xfrm>
+          <a:prstGeom prst="rect">
+            <a:avLst/>
+          </a:prstGeom>
+          <a:noFill/>
+        </p:spPr>
+        <p:txBody>
+          <a:bodyPr wrap="square">
+            <a:spAutoFit/>
+          </a:bodyPr>
+          <a:lstStyle/>
+          <a:p>
+            <a:pPr marL="0" lvl="0" indent="0" algn="ctr" rtl="0">
+              <a:spcBef>
+                <a:spcPts val="0"/>
+              </a:spcBef>
+              <a:spcAft>
+                <a:spcPts val="0"/>
+              </a:spcAft>
+              <a:buNone/>
+            </a:pPr>
+            <a:r>
+              <a:rPr lang="pt-BR" sz="1050" dirty="0"/>
+              <a:t>(0, -0.8, -0.6)</a:t>
+            </a:r>
+          </a:p>
+        </p:txBody>
+      </p:sp>
+      <p:cxnSp>
+        <p:nvCxnSpPr>
+          <p:cNvPr id="16" name="Straight Arrow Connector 15">
+            <a:extLst>
+              <a:ext uri="{FF2B5EF4-FFF2-40B4-BE49-F238E27FC236}">
+                <a16:creationId xmlns:a16="http://schemas.microsoft.com/office/drawing/2014/main" id="{75226C4E-FCA2-A935-7351-4A1C5DE1662D}"/>
+              </a:ext>
+            </a:extLst>
+          </p:cNvPr>
+          <p:cNvCxnSpPr/>
+          <p:nvPr/>
+        </p:nvCxnSpPr>
+        <p:spPr>
+          <a:xfrm>
+            <a:off x="6579289" y="3886900"/>
+            <a:ext cx="617456" cy="956820"/>
+          </a:xfrm>
+          <a:prstGeom prst="straightConnector1">
+            <a:avLst/>
+          </a:prstGeom>
+          <a:ln w="28575">
+            <a:headEnd type="triangle" w="med" len="med"/>
+            <a:tailEnd type="none" w="med" len="med"/>
+          </a:ln>
+        </p:spPr>
+        <p:style>
+          <a:lnRef idx="1">
+            <a:schemeClr val="dk1"/>
+          </a:lnRef>
+          <a:fillRef idx="0">
+            <a:schemeClr val="dk1"/>
+          </a:fillRef>
+          <a:effectRef idx="0">
+            <a:schemeClr val="dk1"/>
+          </a:effectRef>
+          <a:fontRef idx="minor">
+            <a:schemeClr val="tx1"/>
+          </a:fontRef>
+        </p:style>
+      </p:cxnSp>
+      <p:sp>
+        <p:nvSpPr>
+          <p:cNvPr id="17" name="TextBox 16">
+            <a:extLst>
+              <a:ext uri="{FF2B5EF4-FFF2-40B4-BE49-F238E27FC236}">
+                <a16:creationId xmlns:a16="http://schemas.microsoft.com/office/drawing/2014/main" id="{5E28CDA3-7633-DD06-63C2-B500EA1CB99D}"/>
+              </a:ext>
+            </a:extLst>
+          </p:cNvPr>
+          <p:cNvSpPr txBox="1"/>
+          <p:nvPr/>
+        </p:nvSpPr>
+        <p:spPr>
+          <a:xfrm>
+            <a:off x="5945846" y="4084021"/>
+            <a:ext cx="959177" cy="415498"/>
+          </a:xfrm>
+          <a:prstGeom prst="rect">
+            <a:avLst/>
+          </a:prstGeom>
+          <a:noFill/>
+        </p:spPr>
+        <p:txBody>
+          <a:bodyPr wrap="square">
+            <a:spAutoFit/>
+          </a:bodyPr>
+          <a:lstStyle/>
+          <a:p>
+            <a:pPr marL="0" lvl="0" indent="0" algn="ctr" rtl="0">
+              <a:spcBef>
+                <a:spcPts val="0"/>
+              </a:spcBef>
+              <a:spcAft>
+                <a:spcPts val="0"/>
+              </a:spcAft>
+              <a:buNone/>
+            </a:pPr>
+            <a:r>
+              <a:rPr lang="pt-BR" sz="1050" dirty="0"/>
+              <a:t>L</a:t>
+            </a:r>
+            <a:br>
+              <a:rPr lang="pt-BR" sz="1050" dirty="0"/>
+            </a:br>
+            <a:r>
+              <a:rPr lang="pt-BR" sz="1050" dirty="0"/>
+              <a:t>(0, 0.8, 0.6)</a:t>
+            </a:r>
+          </a:p>
+        </p:txBody>
+      </p:sp>
+      <p:cxnSp>
+        <p:nvCxnSpPr>
+          <p:cNvPr id="18" name="Straight Arrow Connector 17">
+            <a:extLst>
+              <a:ext uri="{FF2B5EF4-FFF2-40B4-BE49-F238E27FC236}">
+                <a16:creationId xmlns:a16="http://schemas.microsoft.com/office/drawing/2014/main" id="{CCC7500F-B023-6231-A45A-02F184C79EF1}"/>
+              </a:ext>
+            </a:extLst>
+          </p:cNvPr>
+          <p:cNvCxnSpPr>
+            <a:cxnSpLocks/>
+          </p:cNvCxnSpPr>
+          <p:nvPr/>
+        </p:nvCxnSpPr>
+        <p:spPr>
+          <a:xfrm flipV="1">
+            <a:off x="6676324" y="4835587"/>
+            <a:ext cx="520421" cy="476208"/>
+          </a:xfrm>
+          <a:prstGeom prst="straightConnector1">
+            <a:avLst/>
+          </a:prstGeom>
+          <a:ln w="28575">
+            <a:headEnd type="triangle" w="med" len="med"/>
+            <a:tailEnd type="none" w="med" len="med"/>
+          </a:ln>
+        </p:spPr>
+        <p:style>
+          <a:lnRef idx="1">
+            <a:schemeClr val="dk1"/>
+          </a:lnRef>
+          <a:fillRef idx="0">
+            <a:schemeClr val="dk1"/>
+          </a:fillRef>
+          <a:effectRef idx="0">
+            <a:schemeClr val="dk1"/>
+          </a:effectRef>
+          <a:fontRef idx="minor">
+            <a:schemeClr val="tx1"/>
+          </a:fontRef>
+        </p:style>
+      </p:cxnSp>
+      <p:sp>
+        <p:nvSpPr>
+          <p:cNvPr id="19" name="TextBox 18">
+            <a:extLst>
+              <a:ext uri="{FF2B5EF4-FFF2-40B4-BE49-F238E27FC236}">
+                <a16:creationId xmlns:a16="http://schemas.microsoft.com/office/drawing/2014/main" id="{6D5548AD-C263-1181-DF58-1502AB96DD6B}"/>
+              </a:ext>
+            </a:extLst>
+          </p:cNvPr>
+          <p:cNvSpPr txBox="1"/>
+          <p:nvPr/>
+        </p:nvSpPr>
+        <p:spPr>
+          <a:xfrm>
+            <a:off x="6456945" y="5155956"/>
+            <a:ext cx="959177" cy="415498"/>
+          </a:xfrm>
+          <a:prstGeom prst="rect">
+            <a:avLst/>
+          </a:prstGeom>
+          <a:noFill/>
+        </p:spPr>
+        <p:txBody>
+          <a:bodyPr wrap="square">
+            <a:spAutoFit/>
+          </a:bodyPr>
+          <a:lstStyle/>
+          <a:p>
+            <a:pPr marL="0" lvl="0" indent="0" algn="ctr" rtl="0">
+              <a:spcBef>
+                <a:spcPts val="0"/>
+              </a:spcBef>
+              <a:spcAft>
+                <a:spcPts val="0"/>
+              </a:spcAft>
+              <a:buNone/>
+            </a:pPr>
+            <a:r>
+              <a:rPr lang="pt-BR" sz="1050" dirty="0"/>
+              <a:t>N</a:t>
+            </a:r>
+            <a:br>
+              <a:rPr lang="pt-BR" sz="1050" dirty="0"/>
+            </a:br>
+            <a:r>
+              <a:rPr lang="pt-BR" sz="1050" dirty="0"/>
+              <a:t>(0, 0, 1)</a:t>
+            </a:r>
+          </a:p>
+        </p:txBody>
+      </p:sp>
+      <p:sp>
+        <p:nvSpPr>
+          <p:cNvPr id="20" name="TextBox 19">
+            <a:extLst>
+              <a:ext uri="{FF2B5EF4-FFF2-40B4-BE49-F238E27FC236}">
+                <a16:creationId xmlns:a16="http://schemas.microsoft.com/office/drawing/2014/main" id="{60E72784-4928-B352-F540-2953B7A806DD}"/>
+              </a:ext>
+            </a:extLst>
+          </p:cNvPr>
+          <p:cNvSpPr txBox="1"/>
+          <p:nvPr/>
+        </p:nvSpPr>
+        <p:spPr>
+          <a:xfrm>
+            <a:off x="5945846" y="4859479"/>
+            <a:ext cx="959177" cy="415498"/>
+          </a:xfrm>
+          <a:prstGeom prst="rect">
+            <a:avLst/>
+          </a:prstGeom>
+          <a:noFill/>
+        </p:spPr>
+        <p:txBody>
+          <a:bodyPr wrap="square">
+            <a:spAutoFit/>
+          </a:bodyPr>
+          <a:lstStyle/>
+          <a:p>
+            <a:pPr marL="0" lvl="0" indent="0" algn="ctr" rtl="0">
+              <a:spcBef>
+                <a:spcPts val="0"/>
+              </a:spcBef>
+              <a:spcAft>
+                <a:spcPts val="0"/>
+              </a:spcAft>
+              <a:buNone/>
+            </a:pPr>
+            <a:r>
+              <a:rPr lang="pt-BR" sz="1050" dirty="0"/>
+              <a:t>v</a:t>
+            </a:r>
+            <a:br>
+              <a:rPr lang="pt-BR" sz="1050" dirty="0"/>
+            </a:br>
+            <a:r>
+              <a:rPr lang="pt-BR" sz="1050" dirty="0"/>
+              <a:t>(0, 0, 1)</a:t>
+            </a:r>
+          </a:p>
+        </p:txBody>
+      </p:sp>
+      <p:grpSp>
+        <p:nvGrpSpPr>
+          <p:cNvPr id="21" name="Group 20">
+            <a:extLst>
+              <a:ext uri="{FF2B5EF4-FFF2-40B4-BE49-F238E27FC236}">
+                <a16:creationId xmlns:a16="http://schemas.microsoft.com/office/drawing/2014/main" id="{19D68C28-882A-3AB4-BE48-D5B4066D8A17}"/>
+              </a:ext>
+            </a:extLst>
+          </p:cNvPr>
+          <p:cNvGrpSpPr/>
+          <p:nvPr/>
+        </p:nvGrpSpPr>
+        <p:grpSpPr>
+          <a:xfrm rot="19036721">
+            <a:off x="6320255" y="5388975"/>
+            <a:ext cx="273378" cy="178574"/>
+            <a:chOff x="5024487" y="2460396"/>
+            <a:chExt cx="829558" cy="541879"/>
+          </a:xfrm>
+        </p:grpSpPr>
+        <p:sp>
+          <p:nvSpPr>
+            <p:cNvPr id="22" name="Rectangle 21">
+              <a:extLst>
+                <a:ext uri="{FF2B5EF4-FFF2-40B4-BE49-F238E27FC236}">
+                  <a16:creationId xmlns:a16="http://schemas.microsoft.com/office/drawing/2014/main" id="{D51D4ECE-2E7F-3263-10DB-18CA364EF672}"/>
+                </a:ext>
+              </a:extLst>
+            </p:cNvPr>
+            <p:cNvSpPr/>
+            <p:nvPr/>
+          </p:nvSpPr>
+          <p:spPr>
+            <a:xfrm>
+              <a:off x="5024487" y="2460396"/>
+              <a:ext cx="650449" cy="541879"/>
+            </a:xfrm>
+            <a:prstGeom prst="rect">
+              <a:avLst/>
+            </a:prstGeom>
+            <a:solidFill>
+              <a:schemeClr val="tx1">
+                <a:lumMod val="75000"/>
+                <a:lumOff val="25000"/>
+              </a:schemeClr>
+            </a:solidFill>
+            <a:ln>
+              <a:noFill/>
+            </a:ln>
+          </p:spPr>
+          <p:style>
+            <a:lnRef idx="2">
+              <a:schemeClr val="accent1">
+                <a:shade val="15000"/>
+              </a:schemeClr>
+            </a:lnRef>
+            <a:fillRef idx="1">
+              <a:schemeClr val="accent1"/>
+            </a:fillRef>
+            <a:effectRef idx="0">
+              <a:schemeClr val="accent1"/>
+            </a:effectRef>
+            <a:fontRef idx="minor">
+              <a:schemeClr val="lt1"/>
+            </a:fontRef>
+          </p:style>
+          <p:txBody>
+            <a:bodyPr rtlCol="0" anchor="ctr"/>
+            <a:lstStyle/>
+            <a:p>
+              <a:pPr algn="ctr"/>
+              <a:endParaRPr lang="en-US"/>
+            </a:p>
+          </p:txBody>
+        </p:sp>
+        <p:sp>
+          <p:nvSpPr>
+            <p:cNvPr id="23" name="Trapezoid 22">
+              <a:extLst>
+                <a:ext uri="{FF2B5EF4-FFF2-40B4-BE49-F238E27FC236}">
+                  <a16:creationId xmlns:a16="http://schemas.microsoft.com/office/drawing/2014/main" id="{044B6258-AF23-A804-DE73-7237F5B8142E}"/>
+                </a:ext>
+              </a:extLst>
+            </p:cNvPr>
+            <p:cNvSpPr/>
+            <p:nvPr/>
+          </p:nvSpPr>
+          <p:spPr>
+            <a:xfrm rot="16200000">
+              <a:off x="5559580" y="2634003"/>
+              <a:ext cx="394270" cy="194661"/>
+            </a:xfrm>
+            <a:prstGeom prst="trapezoid">
+              <a:avLst/>
+            </a:prstGeom>
+            <a:solidFill>
+              <a:schemeClr val="tx1">
+                <a:lumMod val="75000"/>
+                <a:lumOff val="25000"/>
+              </a:schemeClr>
+            </a:solidFill>
+            <a:ln>
+              <a:noFill/>
+            </a:ln>
+          </p:spPr>
+          <p:style>
+            <a:lnRef idx="2">
+              <a:schemeClr val="accent1">
+                <a:shade val="15000"/>
+              </a:schemeClr>
+            </a:lnRef>
+            <a:fillRef idx="1">
+              <a:schemeClr val="accent1"/>
+            </a:fillRef>
+            <a:effectRef idx="0">
+              <a:schemeClr val="accent1"/>
+            </a:effectRef>
+            <a:fontRef idx="minor">
+              <a:schemeClr val="lt1"/>
+            </a:fontRef>
+          </p:style>
+          <p:txBody>
+            <a:bodyPr rtlCol="0" anchor="ctr"/>
+            <a:lstStyle/>
+            <a:p>
+              <a:pPr algn="ctr"/>
+              <a:endParaRPr lang="en-US"/>
+            </a:p>
+          </p:txBody>
+        </p:sp>
+      </p:grpSp>
+      <p:sp>
+        <p:nvSpPr>
+          <p:cNvPr id="25" name="TextBox 24">
+            <a:extLst>
+              <a:ext uri="{FF2B5EF4-FFF2-40B4-BE49-F238E27FC236}">
+                <a16:creationId xmlns:a16="http://schemas.microsoft.com/office/drawing/2014/main" id="{4A10B529-DCF3-D41E-70D1-9C0F2174F431}"/>
+              </a:ext>
+            </a:extLst>
+          </p:cNvPr>
+          <p:cNvSpPr txBox="1"/>
+          <p:nvPr/>
+        </p:nvSpPr>
+        <p:spPr>
+          <a:xfrm>
+            <a:off x="2025079" y="2343744"/>
+            <a:ext cx="5520513" cy="1107996"/>
+          </a:xfrm>
+          <a:prstGeom prst="rect">
+            <a:avLst/>
+          </a:prstGeom>
+          <a:noFill/>
+        </p:spPr>
+        <p:txBody>
+          <a:bodyPr wrap="square">
+            <a:spAutoFit/>
+          </a:bodyPr>
+          <a:lstStyle/>
+          <a:p>
+            <a:pPr marL="0" lvl="0" indent="0" algn="l" rtl="0">
+              <a:spcBef>
+                <a:spcPts val="0"/>
+              </a:spcBef>
+              <a:spcAft>
+                <a:spcPts val="0"/>
+              </a:spcAft>
+              <a:buNone/>
+            </a:pPr>
+            <a:r>
+              <a:rPr lang="pt-BR" sz="6600" dirty="0">
+                <a:solidFill>
+                  <a:srgbClr val="FF0000"/>
+                </a:solidFill>
+              </a:rPr>
+              <a:t>ATUALIZAR</a:t>
+            </a:r>
+          </a:p>
+        </p:txBody>
+      </p:sp>
+    </p:spTree>
+    <p:extLst>
+      <p:ext uri="{BB962C8B-B14F-4D97-AF65-F5344CB8AC3E}">
+        <p14:creationId xmlns:p14="http://schemas.microsoft.com/office/powerpoint/2010/main" val="1195335478"/>
+      </p:ext>
+    </p:extLst>
+  </p:cSld>
+  <p:clrMapOvr>
+    <a:masterClrMapping/>
+  </p:clrMapOvr>
+  <p:timing>
+    <p:tnLst>
+      <p:par>
+        <p:cTn id="1" dur="indefinite" restart="never" nodeType="tmRoot">
+          <p:childTnLst>
+            <p:seq concurrent="1" nextAc="seek">
+              <p:cTn id="2" dur="indefinite" nodeType="mainSeq">
+                <p:childTnLst>
+                  <p:par>
+                    <p:cTn id="3" fill="hold">
+                      <p:stCondLst>
+                        <p:cond delay="indefinite"/>
+                      </p:stCondLst>
+                      <p:childTnLst>
+                        <p:par>
+                          <p:cTn id="4" fill="hold">
+                            <p:stCondLst>
+                              <p:cond delay="0"/>
+                            </p:stCondLst>
+                            <p:childTnLst>
+                              <p:par>
+                                <p:cTn id="5" presetID="1" presetClass="entr" presetSubtype="0" fill="hold" nodeType="clickEffect">
+                                  <p:stCondLst>
+                                    <p:cond delay="0"/>
+                                  </p:stCondLst>
+                                  <p:childTnLst>
+                                    <p:set>
+                                      <p:cBhvr>
+                                        <p:cTn id="6" dur="1" fill="hold">
+                                          <p:stCondLst>
+                                            <p:cond delay="0"/>
+                                          </p:stCondLst>
+                                        </p:cTn>
+                                        <p:tgtEl>
+                                          <p:spTgt spid="2"/>
+                                        </p:tgtEl>
+                                        <p:attrNameLst>
+                                          <p:attrName>style.visibility</p:attrName>
+                                        </p:attrNameLst>
+                                      </p:cBhvr>
+                                      <p:to>
+                                        <p:strVal val="visible"/>
+                                      </p:to>
+                                    </p:set>
+                                  </p:childTnLst>
+                                </p:cTn>
+                              </p:par>
+                            </p:childTnLst>
+                          </p:cTn>
+                        </p:par>
+                      </p:childTnLst>
+                    </p:cTn>
+                  </p:par>
+                  <p:par>
+                    <p:cTn id="7" fill="hold">
+                      <p:stCondLst>
+                        <p:cond delay="indefinite"/>
+                      </p:stCondLst>
+                      <p:childTnLst>
+                        <p:par>
+                          <p:cTn id="8" fill="hold">
+                            <p:stCondLst>
+                              <p:cond delay="0"/>
+                            </p:stCondLst>
+                            <p:childTnLst>
+                              <p:par>
+                                <p:cTn id="9" presetID="10" presetClass="entr" presetSubtype="0" fill="hold" nodeType="clickEffect">
+                                  <p:stCondLst>
+                                    <p:cond delay="0"/>
+                                  </p:stCondLst>
+                                  <p:childTnLst>
+                                    <p:set>
+                                      <p:cBhvr>
+                                        <p:cTn id="10" dur="1" fill="hold">
+                                          <p:stCondLst>
+                                            <p:cond delay="0"/>
+                                          </p:stCondLst>
+                                        </p:cTn>
+                                        <p:tgtEl>
+                                          <p:spTgt spid="11">
+                                            <p:txEl>
+                                              <p:pRg st="0" end="0"/>
+                                            </p:txEl>
+                                          </p:spTgt>
+                                        </p:tgtEl>
+                                        <p:attrNameLst>
+                                          <p:attrName>style.visibility</p:attrName>
+                                        </p:attrNameLst>
+                                      </p:cBhvr>
+                                      <p:to>
+                                        <p:strVal val="visible"/>
+                                      </p:to>
+                                    </p:set>
+                                    <p:animEffect transition="in" filter="fade">
+                                      <p:cBhvr>
+                                        <p:cTn id="11" dur="1000"/>
+                                        <p:tgtEl>
+                                          <p:spTgt spid="11">
+                                            <p:txEl>
+                                              <p:pRg st="0" end="0"/>
+                                            </p:txEl>
+                                          </p:spTgt>
+                                        </p:tgtEl>
+                                      </p:cBhvr>
+                                    </p:animEffect>
+                                  </p:childTnLst>
+                                </p:cTn>
+                              </p:par>
+                            </p:childTnLst>
+                          </p:cTn>
+                        </p:par>
+                      </p:childTnLst>
+                    </p:cTn>
+                  </p:par>
+                  <p:par>
+                    <p:cTn id="12" fill="hold">
+                      <p:stCondLst>
+                        <p:cond delay="indefinite"/>
+                      </p:stCondLst>
+                      <p:childTnLst>
+                        <p:par>
+                          <p:cTn id="13" fill="hold">
+                            <p:stCondLst>
+                              <p:cond delay="0"/>
+                            </p:stCondLst>
+                            <p:childTnLst>
+                              <p:par>
+                                <p:cTn id="14" presetID="10" presetClass="entr" presetSubtype="0" fill="hold" nodeType="clickEffect">
+                                  <p:stCondLst>
+                                    <p:cond delay="0"/>
+                                  </p:stCondLst>
+                                  <p:childTnLst>
+                                    <p:set>
+                                      <p:cBhvr>
+                                        <p:cTn id="15" dur="1" fill="hold">
+                                          <p:stCondLst>
+                                            <p:cond delay="0"/>
+                                          </p:stCondLst>
+                                        </p:cTn>
+                                        <p:tgtEl>
+                                          <p:spTgt spid="11">
+                                            <p:txEl>
+                                              <p:pRg st="1" end="1"/>
+                                            </p:txEl>
+                                          </p:spTgt>
+                                        </p:tgtEl>
+                                        <p:attrNameLst>
+                                          <p:attrName>style.visibility</p:attrName>
+                                        </p:attrNameLst>
+                                      </p:cBhvr>
+                                      <p:to>
+                                        <p:strVal val="visible"/>
+                                      </p:to>
+                                    </p:set>
+                                    <p:animEffect transition="in" filter="fade">
+                                      <p:cBhvr>
+                                        <p:cTn id="16" dur="1000"/>
+                                        <p:tgtEl>
+                                          <p:spTgt spid="11">
+                                            <p:txEl>
+                                              <p:pRg st="1" end="1"/>
+                                            </p:txEl>
+                                          </p:spTgt>
+                                        </p:tgtEl>
+                                      </p:cBhvr>
+                                    </p:animEffect>
+                                  </p:childTnLst>
+                                </p:cTn>
+                              </p:par>
+                              <p:par>
+                                <p:cTn id="17" presetID="9" presetClass="entr" presetSubtype="0" fill="hold" grpId="0" nodeType="withEffect">
+                                  <p:stCondLst>
+                                    <p:cond delay="0"/>
+                                  </p:stCondLst>
+                                  <p:childTnLst>
+                                    <p:set>
+                                      <p:cBhvr>
+                                        <p:cTn id="18" dur="1" fill="hold">
+                                          <p:stCondLst>
+                                            <p:cond delay="0"/>
+                                          </p:stCondLst>
+                                        </p:cTn>
+                                        <p:tgtEl>
+                                          <p:spTgt spid="13"/>
+                                        </p:tgtEl>
+                                        <p:attrNameLst>
+                                          <p:attrName>style.visibility</p:attrName>
+                                        </p:attrNameLst>
+                                      </p:cBhvr>
+                                      <p:to>
+                                        <p:strVal val="visible"/>
+                                      </p:to>
+                                    </p:set>
+                                    <p:animEffect transition="in" filter="dissolve">
+                                      <p:cBhvr>
+                                        <p:cTn id="19" dur="500"/>
+                                        <p:tgtEl>
+                                          <p:spTgt spid="13"/>
+                                        </p:tgtEl>
+                                      </p:cBhvr>
+                                    </p:animEffect>
+                                  </p:childTnLst>
+                                </p:cTn>
+                              </p:par>
+                              <p:par>
+                                <p:cTn id="20" presetID="9" presetClass="entr" presetSubtype="0" fill="hold" nodeType="withEffect">
+                                  <p:stCondLst>
+                                    <p:cond delay="0"/>
+                                  </p:stCondLst>
+                                  <p:childTnLst>
+                                    <p:set>
+                                      <p:cBhvr>
+                                        <p:cTn id="21" dur="1" fill="hold">
+                                          <p:stCondLst>
+                                            <p:cond delay="0"/>
+                                          </p:stCondLst>
+                                        </p:cTn>
+                                        <p:tgtEl>
+                                          <p:spTgt spid="21"/>
+                                        </p:tgtEl>
+                                        <p:attrNameLst>
+                                          <p:attrName>style.visibility</p:attrName>
+                                        </p:attrNameLst>
+                                      </p:cBhvr>
+                                      <p:to>
+                                        <p:strVal val="visible"/>
+                                      </p:to>
+                                    </p:set>
+                                    <p:animEffect transition="in" filter="dissolve">
+                                      <p:cBhvr>
+                                        <p:cTn id="22" dur="500"/>
+                                        <p:tgtEl>
+                                          <p:spTgt spid="21"/>
+                                        </p:tgtEl>
+                                      </p:cBhvr>
+                                    </p:animEffect>
+                                  </p:childTnLst>
+                                </p:cTn>
+                              </p:par>
+                            </p:childTnLst>
+                          </p:cTn>
+                        </p:par>
+                      </p:childTnLst>
+                    </p:cTn>
+                  </p:par>
+                  <p:par>
+                    <p:cTn id="23" fill="hold">
+                      <p:stCondLst>
+                        <p:cond delay="indefinite"/>
+                      </p:stCondLst>
+                      <p:childTnLst>
+                        <p:par>
+                          <p:cTn id="24" fill="hold">
+                            <p:stCondLst>
+                              <p:cond delay="0"/>
+                            </p:stCondLst>
+                            <p:childTnLst>
+                              <p:par>
+                                <p:cTn id="25" presetID="22" presetClass="entr" presetSubtype="1" fill="hold" nodeType="clickEffect">
+                                  <p:stCondLst>
+                                    <p:cond delay="0"/>
+                                  </p:stCondLst>
+                                  <p:childTnLst>
+                                    <p:set>
+                                      <p:cBhvr>
+                                        <p:cTn id="26" dur="1" fill="hold">
+                                          <p:stCondLst>
+                                            <p:cond delay="0"/>
+                                          </p:stCondLst>
+                                        </p:cTn>
+                                        <p:tgtEl>
+                                          <p:spTgt spid="14"/>
+                                        </p:tgtEl>
+                                        <p:attrNameLst>
+                                          <p:attrName>style.visibility</p:attrName>
+                                        </p:attrNameLst>
+                                      </p:cBhvr>
+                                      <p:to>
+                                        <p:strVal val="visible"/>
+                                      </p:to>
+                                    </p:set>
+                                    <p:animEffect transition="in" filter="wipe(up)">
+                                      <p:cBhvr>
+                                        <p:cTn id="27" dur="500"/>
+                                        <p:tgtEl>
+                                          <p:spTgt spid="14"/>
+                                        </p:tgtEl>
+                                      </p:cBhvr>
+                                    </p:animEffect>
+                                  </p:childTnLst>
+                                </p:cTn>
+                              </p:par>
+                            </p:childTnLst>
+                          </p:cTn>
+                        </p:par>
+                        <p:par>
+                          <p:cTn id="28" fill="hold">
+                            <p:stCondLst>
+                              <p:cond delay="500"/>
+                            </p:stCondLst>
+                            <p:childTnLst>
+                              <p:par>
+                                <p:cTn id="29" presetID="1" presetClass="entr" presetSubtype="0" fill="hold" grpId="0" nodeType="afterEffect">
+                                  <p:stCondLst>
+                                    <p:cond delay="500"/>
+                                  </p:stCondLst>
+                                  <p:childTnLst>
+                                    <p:set>
+                                      <p:cBhvr>
+                                        <p:cTn id="30" dur="1" fill="hold">
+                                          <p:stCondLst>
+                                            <p:cond delay="0"/>
+                                          </p:stCondLst>
+                                        </p:cTn>
+                                        <p:tgtEl>
+                                          <p:spTgt spid="15"/>
+                                        </p:tgtEl>
+                                        <p:attrNameLst>
+                                          <p:attrName>style.visibility</p:attrName>
+                                        </p:attrNameLst>
+                                      </p:cBhvr>
+                                      <p:to>
+                                        <p:strVal val="visible"/>
+                                      </p:to>
+                                    </p:set>
+                                  </p:childTnLst>
+                                </p:cTn>
+                              </p:par>
+                            </p:childTnLst>
+                          </p:cTn>
+                        </p:par>
+                      </p:childTnLst>
+                    </p:cTn>
+                  </p:par>
+                  <p:par>
+                    <p:cTn id="31" fill="hold">
+                      <p:stCondLst>
+                        <p:cond delay="indefinite"/>
+                      </p:stCondLst>
+                      <p:childTnLst>
+                        <p:par>
+                          <p:cTn id="32" fill="hold">
+                            <p:stCondLst>
+                              <p:cond delay="0"/>
+                            </p:stCondLst>
+                            <p:childTnLst>
+                              <p:par>
+                                <p:cTn id="33" presetID="22" presetClass="entr" presetSubtype="4" fill="hold" nodeType="clickEffect">
+                                  <p:stCondLst>
+                                    <p:cond delay="0"/>
+                                  </p:stCondLst>
+                                  <p:childTnLst>
+                                    <p:set>
+                                      <p:cBhvr>
+                                        <p:cTn id="34" dur="1" fill="hold">
+                                          <p:stCondLst>
+                                            <p:cond delay="0"/>
+                                          </p:stCondLst>
+                                        </p:cTn>
+                                        <p:tgtEl>
+                                          <p:spTgt spid="16"/>
+                                        </p:tgtEl>
+                                        <p:attrNameLst>
+                                          <p:attrName>style.visibility</p:attrName>
+                                        </p:attrNameLst>
+                                      </p:cBhvr>
+                                      <p:to>
+                                        <p:strVal val="visible"/>
+                                      </p:to>
+                                    </p:set>
+                                    <p:animEffect transition="in" filter="wipe(down)">
+                                      <p:cBhvr>
+                                        <p:cTn id="35" dur="500"/>
+                                        <p:tgtEl>
+                                          <p:spTgt spid="16"/>
+                                        </p:tgtEl>
+                                      </p:cBhvr>
+                                    </p:animEffect>
+                                  </p:childTnLst>
+                                </p:cTn>
+                              </p:par>
+                            </p:childTnLst>
+                          </p:cTn>
+                        </p:par>
+                        <p:par>
+                          <p:cTn id="36" fill="hold">
+                            <p:stCondLst>
+                              <p:cond delay="500"/>
+                            </p:stCondLst>
+                            <p:childTnLst>
+                              <p:par>
+                                <p:cTn id="37" presetID="1" presetClass="entr" presetSubtype="0" fill="hold" grpId="0" nodeType="afterEffect">
+                                  <p:stCondLst>
+                                    <p:cond delay="500"/>
+                                  </p:stCondLst>
+                                  <p:childTnLst>
+                                    <p:set>
+                                      <p:cBhvr>
+                                        <p:cTn id="38" dur="1" fill="hold">
+                                          <p:stCondLst>
+                                            <p:cond delay="0"/>
+                                          </p:stCondLst>
+                                        </p:cTn>
+                                        <p:tgtEl>
+                                          <p:spTgt spid="17"/>
+                                        </p:tgtEl>
+                                        <p:attrNameLst>
+                                          <p:attrName>style.visibility</p:attrName>
+                                        </p:attrNameLst>
+                                      </p:cBhvr>
+                                      <p:to>
+                                        <p:strVal val="visible"/>
+                                      </p:to>
+                                    </p:set>
+                                  </p:childTnLst>
+                                </p:cTn>
+                              </p:par>
+                            </p:childTnLst>
+                          </p:cTn>
+                        </p:par>
+                      </p:childTnLst>
+                    </p:cTn>
+                  </p:par>
+                  <p:par>
+                    <p:cTn id="39" fill="hold">
+                      <p:stCondLst>
+                        <p:cond delay="indefinite"/>
+                      </p:stCondLst>
+                      <p:childTnLst>
+                        <p:par>
+                          <p:cTn id="40" fill="hold">
+                            <p:stCondLst>
+                              <p:cond delay="0"/>
+                            </p:stCondLst>
+                            <p:childTnLst>
+                              <p:par>
+                                <p:cTn id="41" presetID="22" presetClass="entr" presetSubtype="1" fill="hold" nodeType="clickEffect">
+                                  <p:stCondLst>
+                                    <p:cond delay="0"/>
+                                  </p:stCondLst>
+                                  <p:childTnLst>
+                                    <p:set>
+                                      <p:cBhvr>
+                                        <p:cTn id="42" dur="1" fill="hold">
+                                          <p:stCondLst>
+                                            <p:cond delay="0"/>
+                                          </p:stCondLst>
+                                        </p:cTn>
+                                        <p:tgtEl>
+                                          <p:spTgt spid="18"/>
+                                        </p:tgtEl>
+                                        <p:attrNameLst>
+                                          <p:attrName>style.visibility</p:attrName>
+                                        </p:attrNameLst>
+                                      </p:cBhvr>
+                                      <p:to>
+                                        <p:strVal val="visible"/>
+                                      </p:to>
+                                    </p:set>
+                                    <p:animEffect transition="in" filter="wipe(up)">
+                                      <p:cBhvr>
+                                        <p:cTn id="43" dur="500"/>
+                                        <p:tgtEl>
+                                          <p:spTgt spid="18"/>
+                                        </p:tgtEl>
+                                      </p:cBhvr>
+                                    </p:animEffect>
+                                  </p:childTnLst>
+                                </p:cTn>
+                              </p:par>
+                            </p:childTnLst>
+                          </p:cTn>
+                        </p:par>
+                        <p:par>
+                          <p:cTn id="44" fill="hold">
+                            <p:stCondLst>
+                              <p:cond delay="500"/>
+                            </p:stCondLst>
+                            <p:childTnLst>
+                              <p:par>
+                                <p:cTn id="45" presetID="1" presetClass="entr" presetSubtype="0" fill="hold" grpId="0" nodeType="afterEffect">
+                                  <p:stCondLst>
+                                    <p:cond delay="500"/>
+                                  </p:stCondLst>
+                                  <p:childTnLst>
+                                    <p:set>
+                                      <p:cBhvr>
+                                        <p:cTn id="46" dur="1" fill="hold">
+                                          <p:stCondLst>
+                                            <p:cond delay="0"/>
+                                          </p:stCondLst>
+                                        </p:cTn>
+                                        <p:tgtEl>
+                                          <p:spTgt spid="19"/>
+                                        </p:tgtEl>
+                                        <p:attrNameLst>
+                                          <p:attrName>style.visibility</p:attrName>
+                                        </p:attrNameLst>
+                                      </p:cBhvr>
+                                      <p:to>
+                                        <p:strVal val="visible"/>
+                                      </p:to>
+                                    </p:set>
+                                  </p:childTnLst>
+                                </p:cTn>
+                              </p:par>
+                            </p:childTnLst>
+                          </p:cTn>
+                        </p:par>
+                      </p:childTnLst>
+                    </p:cTn>
+                  </p:par>
+                  <p:par>
+                    <p:cTn id="47" fill="hold">
+                      <p:stCondLst>
+                        <p:cond delay="indefinite"/>
+                      </p:stCondLst>
+                      <p:childTnLst>
+                        <p:par>
+                          <p:cTn id="48" fill="hold">
+                            <p:stCondLst>
+                              <p:cond delay="0"/>
+                            </p:stCondLst>
+                            <p:childTnLst>
+                              <p:par>
+                                <p:cTn id="49" presetID="1" presetClass="entr" presetSubtype="0" fill="hold" grpId="0" nodeType="clickEffect">
+                                  <p:stCondLst>
+                                    <p:cond delay="0"/>
+                                  </p:stCondLst>
+                                  <p:childTnLst>
+                                    <p:set>
+                                      <p:cBhvr>
+                                        <p:cTn id="50" dur="1" fill="hold">
+                                          <p:stCondLst>
+                                            <p:cond delay="0"/>
+                                          </p:stCondLst>
+                                        </p:cTn>
+                                        <p:tgtEl>
+                                          <p:spTgt spid="20"/>
+                                        </p:tgtEl>
+                                        <p:attrNameLst>
+                                          <p:attrName>style.visibility</p:attrName>
+                                        </p:attrNameLst>
+                                      </p:cBhvr>
+                                      <p:to>
+                                        <p:strVal val="visible"/>
+                                      </p:to>
+                                    </p:set>
+                                  </p:childTnLst>
+                                </p:cTn>
+                              </p:par>
+                            </p:childTnLst>
+                          </p:cTn>
+                        </p:par>
+                      </p:childTnLst>
+                    </p:cTn>
+                  </p:par>
+                  <p:par>
+                    <p:cTn id="51" fill="hold">
+                      <p:stCondLst>
+                        <p:cond delay="indefinite"/>
+                      </p:stCondLst>
+                      <p:childTnLst>
+                        <p:par>
+                          <p:cTn id="52" fill="hold">
+                            <p:stCondLst>
+                              <p:cond delay="0"/>
+                            </p:stCondLst>
+                            <p:childTnLst>
+                              <p:par>
+                                <p:cTn id="53" presetID="10" presetClass="entr" presetSubtype="0" fill="hold" nodeType="clickEffect">
+                                  <p:stCondLst>
+                                    <p:cond delay="0"/>
+                                  </p:stCondLst>
+                                  <p:childTnLst>
+                                    <p:set>
+                                      <p:cBhvr>
+                                        <p:cTn id="54" dur="1" fill="hold">
+                                          <p:stCondLst>
+                                            <p:cond delay="0"/>
+                                          </p:stCondLst>
+                                        </p:cTn>
+                                        <p:tgtEl>
+                                          <p:spTgt spid="11">
+                                            <p:txEl>
+                                              <p:pRg st="2" end="2"/>
+                                            </p:txEl>
+                                          </p:spTgt>
+                                        </p:tgtEl>
+                                        <p:attrNameLst>
+                                          <p:attrName>style.visibility</p:attrName>
+                                        </p:attrNameLst>
+                                      </p:cBhvr>
+                                      <p:to>
+                                        <p:strVal val="visible"/>
+                                      </p:to>
+                                    </p:set>
+                                    <p:animEffect transition="in" filter="fade">
+                                      <p:cBhvr>
+                                        <p:cTn id="55" dur="1000"/>
+                                        <p:tgtEl>
+                                          <p:spTgt spid="11">
+                                            <p:txEl>
+                                              <p:pRg st="2" end="2"/>
+                                            </p:txEl>
+                                          </p:spTgt>
+                                        </p:tgtEl>
+                                      </p:cBhvr>
+                                    </p:animEffect>
+                                  </p:childTnLst>
+                                </p:cTn>
+                              </p:par>
+                            </p:childTnLst>
+                          </p:cTn>
+                        </p:par>
+                      </p:childTnLst>
+                    </p:cTn>
+                  </p:par>
+                  <p:par>
+                    <p:cTn id="56" fill="hold">
+                      <p:stCondLst>
+                        <p:cond delay="indefinite"/>
+                      </p:stCondLst>
+                      <p:childTnLst>
+                        <p:par>
+                          <p:cTn id="57" fill="hold">
+                            <p:stCondLst>
+                              <p:cond delay="0"/>
+                            </p:stCondLst>
+                            <p:childTnLst>
+                              <p:par>
+                                <p:cTn id="58" presetID="10" presetClass="entr" presetSubtype="0" fill="hold" nodeType="clickEffect">
+                                  <p:stCondLst>
+                                    <p:cond delay="0"/>
+                                  </p:stCondLst>
+                                  <p:childTnLst>
+                                    <p:set>
+                                      <p:cBhvr>
+                                        <p:cTn id="59" dur="1" fill="hold">
+                                          <p:stCondLst>
+                                            <p:cond delay="0"/>
+                                          </p:stCondLst>
+                                        </p:cTn>
+                                        <p:tgtEl>
+                                          <p:spTgt spid="11">
+                                            <p:txEl>
+                                              <p:pRg st="3" end="3"/>
+                                            </p:txEl>
+                                          </p:spTgt>
+                                        </p:tgtEl>
+                                        <p:attrNameLst>
+                                          <p:attrName>style.visibility</p:attrName>
+                                        </p:attrNameLst>
+                                      </p:cBhvr>
+                                      <p:to>
+                                        <p:strVal val="visible"/>
+                                      </p:to>
+                                    </p:set>
+                                    <p:animEffect transition="in" filter="fade">
+                                      <p:cBhvr>
+                                        <p:cTn id="60" dur="1000"/>
+                                        <p:tgtEl>
+                                          <p:spTgt spid="11">
+                                            <p:txEl>
+                                              <p:pRg st="3" end="3"/>
+                                            </p:txEl>
+                                          </p:spTgt>
+                                        </p:tgtEl>
+                                      </p:cBhvr>
+                                    </p:animEffect>
+                                  </p:childTnLst>
+                                </p:cTn>
+                              </p:par>
+                            </p:childTnLst>
+                          </p:cTn>
+                        </p:par>
+                      </p:childTnLst>
+                    </p:cTn>
+                  </p:par>
+                  <p:par>
+                    <p:cTn id="61" fill="hold">
+                      <p:stCondLst>
+                        <p:cond delay="indefinite"/>
+                      </p:stCondLst>
+                      <p:childTnLst>
+                        <p:par>
+                          <p:cTn id="62" fill="hold">
+                            <p:stCondLst>
+                              <p:cond delay="0"/>
+                            </p:stCondLst>
+                            <p:childTnLst>
+                              <p:par>
+                                <p:cTn id="63" presetID="10" presetClass="entr" presetSubtype="0" fill="hold" nodeType="clickEffect">
+                                  <p:stCondLst>
+                                    <p:cond delay="0"/>
+                                  </p:stCondLst>
+                                  <p:childTnLst>
+                                    <p:set>
+                                      <p:cBhvr>
+                                        <p:cTn id="64" dur="1" fill="hold">
+                                          <p:stCondLst>
+                                            <p:cond delay="0"/>
+                                          </p:stCondLst>
+                                        </p:cTn>
+                                        <p:tgtEl>
+                                          <p:spTgt spid="11">
+                                            <p:txEl>
+                                              <p:pRg st="4" end="4"/>
+                                            </p:txEl>
+                                          </p:spTgt>
+                                        </p:tgtEl>
+                                        <p:attrNameLst>
+                                          <p:attrName>style.visibility</p:attrName>
+                                        </p:attrNameLst>
+                                      </p:cBhvr>
+                                      <p:to>
+                                        <p:strVal val="visible"/>
+                                      </p:to>
+                                    </p:set>
+                                    <p:animEffect transition="in" filter="fade">
+                                      <p:cBhvr>
+                                        <p:cTn id="65" dur="1000"/>
+                                        <p:tgtEl>
+                                          <p:spTgt spid="11">
+                                            <p:txEl>
+                                              <p:pRg st="4" end="4"/>
+                                            </p:txEl>
+                                          </p:spTgt>
+                                        </p:tgtEl>
+                                      </p:cBhvr>
+                                    </p:animEffect>
+                                  </p:childTnLst>
+                                </p:cTn>
+                              </p:par>
+                            </p:childTnLst>
+                          </p:cTn>
+                        </p:par>
+                      </p:childTnLst>
+                    </p:cTn>
+                  </p:par>
+                  <p:par>
+                    <p:cTn id="66" fill="hold">
+                      <p:stCondLst>
+                        <p:cond delay="indefinite"/>
+                      </p:stCondLst>
+                      <p:childTnLst>
+                        <p:par>
+                          <p:cTn id="67" fill="hold">
+                            <p:stCondLst>
+                              <p:cond delay="0"/>
+                            </p:stCondLst>
+                            <p:childTnLst>
+                              <p:par>
+                                <p:cTn id="68" presetID="10" presetClass="entr" presetSubtype="0" fill="hold" nodeType="clickEffect">
+                                  <p:stCondLst>
+                                    <p:cond delay="0"/>
+                                  </p:stCondLst>
+                                  <p:childTnLst>
+                                    <p:set>
+                                      <p:cBhvr>
+                                        <p:cTn id="69" dur="1" fill="hold">
+                                          <p:stCondLst>
+                                            <p:cond delay="0"/>
+                                          </p:stCondLst>
+                                        </p:cTn>
+                                        <p:tgtEl>
+                                          <p:spTgt spid="11">
+                                            <p:txEl>
+                                              <p:pRg st="5" end="5"/>
+                                            </p:txEl>
+                                          </p:spTgt>
+                                        </p:tgtEl>
+                                        <p:attrNameLst>
+                                          <p:attrName>style.visibility</p:attrName>
+                                        </p:attrNameLst>
+                                      </p:cBhvr>
+                                      <p:to>
+                                        <p:strVal val="visible"/>
+                                      </p:to>
+                                    </p:set>
+                                    <p:animEffect transition="in" filter="fade">
+                                      <p:cBhvr>
+                                        <p:cTn id="70" dur="1000"/>
+                                        <p:tgtEl>
+                                          <p:spTgt spid="11">
+                                            <p:txEl>
+                                              <p:pRg st="5" end="5"/>
+                                            </p:txEl>
+                                          </p:spTgt>
+                                        </p:tgtEl>
+                                      </p:cBhvr>
+                                    </p:animEffect>
+                                  </p:childTnLst>
+                                </p:cTn>
+                              </p:par>
+                            </p:childTnLst>
+                          </p:cTn>
+                        </p:par>
+                      </p:childTnLst>
+                    </p:cTn>
+                  </p:par>
+                </p:childTnLst>
+              </p:cTn>
+              <p:prevCondLst>
+                <p:cond evt="onPrev" delay="0">
+                  <p:tgtEl>
+                    <p:sldTgt/>
+                  </p:tgtEl>
+                </p:cond>
+              </p:prevCondLst>
+              <p:nextCondLst>
+                <p:cond evt="onNext" delay="0">
+                  <p:tgtEl>
+                    <p:sldTgt/>
+                  </p:tgtEl>
+                </p:cond>
+              </p:nextCondLst>
+            </p:seq>
+          </p:childTnLst>
+        </p:cTn>
+      </p:par>
+    </p:tnLst>
+    <p:bldLst>
+      <p:bldP spid="13" grpId="0" animBg="1"/>
+      <p:bldP spid="15" grpId="0"/>
+      <p:bldP spid="17" grpId="0"/>
+      <p:bldP spid="19" grpId="0"/>
+      <p:bldP spid="20" grpId="0"/>
+    </p:bldLst>
+  </p:timing>
+</p:sld>
+</file>
+
+<file path=ppt/slides/slide17.xml><?xml version="1.0" encoding="utf-8"?>
+<p:sld xmlns:a="http://schemas.openxmlformats.org/drawingml/2006/main" xmlns:r="http://schemas.openxmlformats.org/officeDocument/2006/relationships" xmlns:p="http://schemas.openxmlformats.org/presentationml/2006/main" show="0">
+  <p:cSld>
+    <p:spTree>
+      <p:nvGrpSpPr>
+        <p:cNvPr id="1" name=""/>
+        <p:cNvGrpSpPr/>
+        <p:nvPr/>
+      </p:nvGrpSpPr>
+      <p:grpSpPr>
+        <a:xfrm>
+          <a:off x="0" y="0"/>
+          <a:ext cx="0" cy="0"/>
+          <a:chOff x="0" y="0"/>
+          <a:chExt cx="0" cy="0"/>
+        </a:xfrm>
+      </p:grpSpPr>
+      <p:sp>
+        <p:nvSpPr>
+          <p:cNvPr id="2" name="Title 1">
+            <a:extLst>
+              <a:ext uri="{FF2B5EF4-FFF2-40B4-BE49-F238E27FC236}">
+                <a16:creationId xmlns:a16="http://schemas.microsoft.com/office/drawing/2014/main" id="{49014205-B517-3669-5613-3C495405D474}"/>
+              </a:ext>
+            </a:extLst>
+          </p:cNvPr>
+          <p:cNvSpPr>
+            <a:spLocks noGrp="1"/>
+          </p:cNvSpPr>
+          <p:nvPr>
+            <p:ph type="title"/>
+          </p:nvPr>
+        </p:nvSpPr>
+        <p:spPr/>
+        <p:txBody>
+          <a:bodyPr/>
+          <a:lstStyle/>
+          <a:p>
+            <a:r>
+              <a:rPr lang="pt-BR" noProof="0" dirty="0"/>
+              <a:t>Realmente calculando a direção de visão</a:t>
+            </a:r>
+          </a:p>
+        </p:txBody>
+      </p:sp>
+      <p:sp>
+        <p:nvSpPr>
+          <p:cNvPr id="7" name="Text Placeholder 6">
+            <a:extLst>
+              <a:ext uri="{FF2B5EF4-FFF2-40B4-BE49-F238E27FC236}">
+                <a16:creationId xmlns:a16="http://schemas.microsoft.com/office/drawing/2014/main" id="{DB6250EE-AADD-E8D2-0A6F-9763AE998AB8}"/>
+              </a:ext>
+            </a:extLst>
+          </p:cNvPr>
+          <p:cNvSpPr>
+            <a:spLocks noGrp="1"/>
+          </p:cNvSpPr>
+          <p:nvPr>
+            <p:ph type="body" idx="1"/>
+          </p:nvPr>
+        </p:nvSpPr>
+        <p:spPr/>
+        <p:txBody>
+          <a:bodyPr/>
+          <a:lstStyle/>
+          <a:p>
+            <a:r>
+              <a:rPr lang="pt-BR" noProof="0" dirty="0"/>
+              <a:t>Sem aproximar sempre com o centro da tela.</a:t>
+            </a:r>
+          </a:p>
+        </p:txBody>
+      </p:sp>
+      <p:sp>
+        <p:nvSpPr>
+          <p:cNvPr id="4" name="Slide Number Placeholder 3">
+            <a:extLst>
+              <a:ext uri="{FF2B5EF4-FFF2-40B4-BE49-F238E27FC236}">
+                <a16:creationId xmlns:a16="http://schemas.microsoft.com/office/drawing/2014/main" id="{B9D7DBD0-C02C-6D11-1474-9802B9BFAA5D}"/>
+              </a:ext>
+            </a:extLst>
+          </p:cNvPr>
+          <p:cNvSpPr>
+            <a:spLocks noGrp="1"/>
+          </p:cNvSpPr>
+          <p:nvPr>
+            <p:ph type="sldNum" idx="12"/>
+          </p:nvPr>
+        </p:nvSpPr>
+        <p:spPr/>
+        <p:txBody>
+          <a:bodyPr/>
+          <a:lstStyle/>
+          <a:p>
+            <a:pPr marL="0" lvl="0" indent="0" algn="ctr" rtl="0">
+              <a:spcBef>
+                <a:spcPts val="0"/>
+              </a:spcBef>
+              <a:spcAft>
+                <a:spcPts val="0"/>
+              </a:spcAft>
+              <a:buNone/>
+            </a:pPr>
+            <a:fld id="{00000000-1234-1234-1234-123412341234}" type="slidenum">
+              <a:rPr lang="en-BR" smtClean="0"/>
+              <a:t>17</a:t>
+            </a:fld>
+            <a:endParaRPr lang="en-BR"/>
+          </a:p>
+        </p:txBody>
+      </p:sp>
+      <p:pic>
+        <p:nvPicPr>
+          <p:cNvPr id="6" name="Picture 5" descr="A blue triangle on a black background&#10;&#10;Description automatically generated">
+            <a:extLst>
+              <a:ext uri="{FF2B5EF4-FFF2-40B4-BE49-F238E27FC236}">
+                <a16:creationId xmlns:a16="http://schemas.microsoft.com/office/drawing/2014/main" id="{6F365416-4D70-6653-6F31-104DC7397E09}"/>
+              </a:ext>
+            </a:extLst>
+          </p:cNvPr>
+          <p:cNvPicPr>
+            <a:picLocks noChangeAspect="1"/>
+          </p:cNvPicPr>
+          <p:nvPr/>
+        </p:nvPicPr>
+        <p:blipFill>
+          <a:blip r:embed="rId2"/>
+          <a:stretch>
+            <a:fillRect/>
+          </a:stretch>
+        </p:blipFill>
+        <p:spPr>
+          <a:xfrm>
+            <a:off x="1896064" y="1757263"/>
+            <a:ext cx="5351872" cy="3577881"/>
+          </a:xfrm>
+          <a:prstGeom prst="rect">
+            <a:avLst/>
+          </a:prstGeom>
+        </p:spPr>
+      </p:pic>
+    </p:spTree>
+    <p:extLst>
+      <p:ext uri="{BB962C8B-B14F-4D97-AF65-F5344CB8AC3E}">
+        <p14:creationId xmlns:p14="http://schemas.microsoft.com/office/powerpoint/2010/main" val="2432080832"/>
+      </p:ext>
+    </p:extLst>
+  </p:cSld>
+  <p:clrMapOvr>
+    <a:masterClrMapping/>
+  </p:clrMapOvr>
+</p:sld>
+</file>
+
+<file path=ppt/slides/slide18.xml><?xml version="1.0" encoding="utf-8"?>
+<p:sld xmlns:a="http://schemas.openxmlformats.org/drawingml/2006/main" xmlns:r="http://schemas.openxmlformats.org/officeDocument/2006/relationships" xmlns:p="http://schemas.openxmlformats.org/presentationml/2006/main">
+  <p:cSld>
+    <p:spTree>
+      <p:nvGrpSpPr>
+        <p:cNvPr id="1" name=""/>
+        <p:cNvGrpSpPr/>
+        <p:nvPr/>
+      </p:nvGrpSpPr>
+      <p:grpSpPr>
+        <a:xfrm>
+          <a:off x="0" y="0"/>
+          <a:ext cx="0" cy="0"/>
+          <a:chOff x="0" y="0"/>
+          <a:chExt cx="0" cy="0"/>
+        </a:xfrm>
+      </p:grpSpPr>
+      <p:sp>
+        <p:nvSpPr>
           <p:cNvPr id="2" name="Título 1">
             <a:extLst>
               <a:ext uri="{FF2B5EF4-FFF2-40B4-BE49-F238E27FC236}">
@@ -20193,7 +24057,7 @@
             </a:pPr>
             <a:fld id="{00000000-1234-1234-1234-123412341234}" type="slidenum">
               <a:rPr lang="pt-BR"/>
-              <a:t>15</a:t>
+              <a:t>18</a:t>
             </a:fld>
             <a:endParaRPr lang="pt-BR"/>
           </a:p>
@@ -20259,7 +24123,7 @@
 </p:sld>
 </file>
 
-<file path=ppt/slides/slide16.xml><?xml version="1.0" encoding="utf-8"?>
+<file path=ppt/slides/slide19.xml><?xml version="1.0" encoding="utf-8"?>
 <p:sld xmlns:a="http://schemas.openxmlformats.org/drawingml/2006/main" xmlns:r="http://schemas.openxmlformats.org/officeDocument/2006/relationships" xmlns:p="http://schemas.openxmlformats.org/presentationml/2006/main">
   <p:cSld>
     <p:spTree>
@@ -20727,7 +24591,7 @@
             </a:pPr>
             <a:fld id="{00000000-1234-1234-1234-123412341234}" type="slidenum">
               <a:rPr lang="en-BR"/>
-              <a:t>16</a:t>
+              <a:t>19</a:t>
             </a:fld>
             <a:endParaRPr/>
           </a:p>
@@ -21280,7 +25144,214 @@
 </p:sld>
 </file>
 
-<file path=ppt/slides/slide17.xml><?xml version="1.0" encoding="utf-8"?>
+<file path=ppt/slides/slide2.xml><?xml version="1.0" encoding="utf-8"?>
+<p:sld xmlns:a="http://schemas.openxmlformats.org/drawingml/2006/main" xmlns:r="http://schemas.openxmlformats.org/officeDocument/2006/relationships" xmlns:p="http://schemas.openxmlformats.org/presentationml/2006/main">
+  <p:cSld>
+    <p:spTree>
+      <p:nvGrpSpPr>
+        <p:cNvPr id="1" name="Shape 420"/>
+        <p:cNvGrpSpPr/>
+        <p:nvPr/>
+      </p:nvGrpSpPr>
+      <p:grpSpPr>
+        <a:xfrm>
+          <a:off x="0" y="0"/>
+          <a:ext cx="0" cy="0"/>
+          <a:chOff x="0" y="0"/>
+          <a:chExt cx="0" cy="0"/>
+        </a:xfrm>
+      </p:grpSpPr>
+      <p:sp>
+        <p:nvSpPr>
+          <p:cNvPr id="421" name="Google Shape;421;p53"/>
+          <p:cNvSpPr txBox="1">
+            <a:spLocks noGrp="1"/>
+          </p:cNvSpPr>
+          <p:nvPr>
+            <p:ph type="title"/>
+          </p:nvPr>
+        </p:nvSpPr>
+        <p:spPr>
+          <a:xfrm>
+            <a:off x="84172" y="113717"/>
+            <a:ext cx="8428200" cy="516000"/>
+          </a:xfrm>
+          <a:prstGeom prst="rect">
+            <a:avLst/>
+          </a:prstGeom>
+          <a:noFill/>
+          <a:ln>
+            <a:noFill/>
+          </a:ln>
+        </p:spPr>
+        <p:txBody>
+          <a:bodyPr spcFirstLastPara="1" wrap="square" lIns="91425" tIns="45700" rIns="91425" bIns="45700" anchor="t" anchorCtr="0">
+            <a:noAutofit/>
+          </a:bodyPr>
+          <a:lstStyle/>
+          <a:p>
+            <a:pPr marL="0" lvl="0" indent="0" algn="l" rtl="0">
+              <a:spcBef>
+                <a:spcPts val="0"/>
+              </a:spcBef>
+              <a:spcAft>
+                <a:spcPts val="0"/>
+              </a:spcAft>
+              <a:buClr>
+                <a:srgbClr val="C00026"/>
+              </a:buClr>
+              <a:buSzPts val="2667"/>
+              <a:buFont typeface="Verdana"/>
+              <a:buNone/>
+            </a:pPr>
+            <a:r>
+              <a:rPr lang="en-BR"/>
+              <a:t>Revisão</a:t>
+            </a:r>
+            <a:endParaRPr/>
+          </a:p>
+        </p:txBody>
+      </p:sp>
+      <p:sp>
+        <p:nvSpPr>
+          <p:cNvPr id="422" name="Google Shape;422;p53"/>
+          <p:cNvSpPr txBox="1">
+            <a:spLocks noGrp="1"/>
+          </p:cNvSpPr>
+          <p:nvPr>
+            <p:ph type="body" idx="1"/>
+          </p:nvPr>
+        </p:nvSpPr>
+        <p:spPr>
+          <a:xfrm>
+            <a:off x="390548" y="838985"/>
+            <a:ext cx="8428232" cy="4496159"/>
+          </a:xfrm>
+          <a:prstGeom prst="rect">
+            <a:avLst/>
+          </a:prstGeom>
+          <a:noFill/>
+          <a:ln>
+            <a:noFill/>
+          </a:ln>
+        </p:spPr>
+        <p:txBody>
+          <a:bodyPr spcFirstLastPara="1" wrap="square" lIns="91425" tIns="45700" rIns="91425" bIns="45700" anchor="t" anchorCtr="0">
+            <a:normAutofit/>
+          </a:bodyPr>
+          <a:lstStyle/>
+          <a:p>
+            <a:pPr marL="342900" lvl="0" indent="-342900" algn="l" rtl="0">
+              <a:spcBef>
+                <a:spcPts val="480"/>
+              </a:spcBef>
+              <a:spcAft>
+                <a:spcPts val="0"/>
+              </a:spcAft>
+              <a:buClr>
+                <a:schemeClr val="dk1"/>
+              </a:buClr>
+              <a:buSzPts val="2400"/>
+              <a:buFont typeface="Arial"/>
+              <a:buChar char="•"/>
+            </a:pPr>
+            <a:r>
+              <a:rPr lang="en-BR" sz="2400"/>
+              <a:t>Iluminação</a:t>
+            </a:r>
+            <a:endParaRPr sz="2400"/>
+          </a:p>
+          <a:p>
+            <a:pPr marL="342900" lvl="0" indent="-342900" algn="l" rtl="0">
+              <a:spcBef>
+                <a:spcPts val="480"/>
+              </a:spcBef>
+              <a:spcAft>
+                <a:spcPts val="0"/>
+              </a:spcAft>
+              <a:buSzPts val="2400"/>
+              <a:buChar char="•"/>
+            </a:pPr>
+            <a:r>
+              <a:rPr lang="en-BR" sz="2400"/>
+              <a:t>Interpolação</a:t>
+            </a:r>
+            <a:endParaRPr sz="2400"/>
+          </a:p>
+          <a:p>
+            <a:pPr marL="0" lvl="0" indent="0" algn="l" rtl="0">
+              <a:spcBef>
+                <a:spcPts val="480"/>
+              </a:spcBef>
+              <a:spcAft>
+                <a:spcPts val="0"/>
+              </a:spcAft>
+              <a:buClr>
+                <a:schemeClr val="dk1"/>
+              </a:buClr>
+              <a:buSzPts val="2400"/>
+              <a:buFont typeface="Verdana"/>
+              <a:buNone/>
+            </a:pPr>
+            <a:endParaRPr sz="2400"/>
+          </a:p>
+        </p:txBody>
+      </p:sp>
+      <p:sp>
+        <p:nvSpPr>
+          <p:cNvPr id="423" name="Google Shape;423;p53"/>
+          <p:cNvSpPr txBox="1">
+            <a:spLocks noGrp="1"/>
+          </p:cNvSpPr>
+          <p:nvPr>
+            <p:ph type="sldNum" idx="12"/>
+          </p:nvPr>
+        </p:nvSpPr>
+        <p:spPr>
+          <a:xfrm>
+            <a:off x="0" y="5410729"/>
+            <a:ext cx="475013" cy="304271"/>
+          </a:xfrm>
+          <a:prstGeom prst="rect">
+            <a:avLst/>
+          </a:prstGeom>
+          <a:noFill/>
+          <a:ln>
+            <a:noFill/>
+          </a:ln>
+        </p:spPr>
+        <p:txBody>
+          <a:bodyPr spcFirstLastPara="1" wrap="square" lIns="91425" tIns="45700" rIns="91425" bIns="45700" anchor="ctr" anchorCtr="0">
+            <a:noAutofit/>
+          </a:bodyPr>
+          <a:lstStyle/>
+          <a:p>
+            <a:pPr marL="0" lvl="0" indent="0" algn="ctr" rtl="0">
+              <a:spcBef>
+                <a:spcPts val="0"/>
+              </a:spcBef>
+              <a:spcAft>
+                <a:spcPts val="0"/>
+              </a:spcAft>
+              <a:buNone/>
+            </a:pPr>
+            <a:fld id="{00000000-1234-1234-1234-123412341234}" type="slidenum">
+              <a:rPr lang="en-BR"/>
+              <a:t>2</a:t>
+            </a:fld>
+            <a:endParaRPr/>
+          </a:p>
+        </p:txBody>
+      </p:sp>
+    </p:spTree>
+  </p:cSld>
+  <p:clrMapOvr>
+    <a:masterClrMapping/>
+  </p:clrMapOvr>
+</p:sld>
+</file>
+
+<file path=ppt/slides/slide20.xml><?xml version="1.0" encoding="utf-8"?>
 <p:sld xmlns:a="http://schemas.openxmlformats.org/drawingml/2006/main" xmlns:r="http://schemas.openxmlformats.org/officeDocument/2006/relationships" xmlns:p="http://schemas.openxmlformats.org/presentationml/2006/main">
   <p:cSld>
     <p:spTree>
@@ -21485,7 +25556,7 @@
             </a:pPr>
             <a:fld id="{00000000-1234-1234-1234-123412341234}" type="slidenum">
               <a:rPr lang="en-BR"/>
-              <a:t>17</a:t>
+              <a:t>20</a:t>
             </a:fld>
             <a:endParaRPr/>
           </a:p>
@@ -24587,7 +28658,7 @@
 </p:sld>
 </file>
 
-<file path=ppt/slides/slide18.xml><?xml version="1.0" encoding="utf-8"?>
+<file path=ppt/slides/slide21.xml><?xml version="1.0" encoding="utf-8"?>
 <p:sld xmlns:a="http://schemas.openxmlformats.org/drawingml/2006/main" xmlns:r="http://schemas.openxmlformats.org/officeDocument/2006/relationships" xmlns:p="http://schemas.openxmlformats.org/presentationml/2006/main">
   <p:cSld>
     <p:spTree>
@@ -24710,7 +28781,7 @@
             </a:pPr>
             <a:fld id="{00000000-1234-1234-1234-123412341234}" type="slidenum">
               <a:rPr lang="en-BR"/>
-              <a:t>18</a:t>
+              <a:t>21</a:t>
             </a:fld>
             <a:endParaRPr/>
           </a:p>
@@ -27273,7 +31344,7 @@
 </p:sld>
 </file>
 
-<file path=ppt/slides/slide19.xml><?xml version="1.0" encoding="utf-8"?>
+<file path=ppt/slides/slide22.xml><?xml version="1.0" encoding="utf-8"?>
 <p:sld xmlns:a="http://schemas.openxmlformats.org/drawingml/2006/main" xmlns:r="http://schemas.openxmlformats.org/officeDocument/2006/relationships" xmlns:p="http://schemas.openxmlformats.org/presentationml/2006/main">
   <p:cSld>
     <p:spTree>
@@ -27396,7 +31467,7 @@
             </a:pPr>
             <a:fld id="{00000000-1234-1234-1234-123412341234}" type="slidenum">
               <a:rPr lang="en-BR"/>
-              <a:t>19</a:t>
+              <a:t>22</a:t>
             </a:fld>
             <a:endParaRPr/>
           </a:p>
@@ -29671,214 +33742,7 @@
 </p:sld>
 </file>
 
-<file path=ppt/slides/slide2.xml><?xml version="1.0" encoding="utf-8"?>
-<p:sld xmlns:a="http://schemas.openxmlformats.org/drawingml/2006/main" xmlns:r="http://schemas.openxmlformats.org/officeDocument/2006/relationships" xmlns:p="http://schemas.openxmlformats.org/presentationml/2006/main">
-  <p:cSld>
-    <p:spTree>
-      <p:nvGrpSpPr>
-        <p:cNvPr id="1" name="Shape 420"/>
-        <p:cNvGrpSpPr/>
-        <p:nvPr/>
-      </p:nvGrpSpPr>
-      <p:grpSpPr>
-        <a:xfrm>
-          <a:off x="0" y="0"/>
-          <a:ext cx="0" cy="0"/>
-          <a:chOff x="0" y="0"/>
-          <a:chExt cx="0" cy="0"/>
-        </a:xfrm>
-      </p:grpSpPr>
-      <p:sp>
-        <p:nvSpPr>
-          <p:cNvPr id="421" name="Google Shape;421;p53"/>
-          <p:cNvSpPr txBox="1">
-            <a:spLocks noGrp="1"/>
-          </p:cNvSpPr>
-          <p:nvPr>
-            <p:ph type="title"/>
-          </p:nvPr>
-        </p:nvSpPr>
-        <p:spPr>
-          <a:xfrm>
-            <a:off x="84172" y="113717"/>
-            <a:ext cx="8428200" cy="516000"/>
-          </a:xfrm>
-          <a:prstGeom prst="rect">
-            <a:avLst/>
-          </a:prstGeom>
-          <a:noFill/>
-          <a:ln>
-            <a:noFill/>
-          </a:ln>
-        </p:spPr>
-        <p:txBody>
-          <a:bodyPr spcFirstLastPara="1" wrap="square" lIns="91425" tIns="45700" rIns="91425" bIns="45700" anchor="t" anchorCtr="0">
-            <a:noAutofit/>
-          </a:bodyPr>
-          <a:lstStyle/>
-          <a:p>
-            <a:pPr marL="0" lvl="0" indent="0" algn="l" rtl="0">
-              <a:spcBef>
-                <a:spcPts val="0"/>
-              </a:spcBef>
-              <a:spcAft>
-                <a:spcPts val="0"/>
-              </a:spcAft>
-              <a:buClr>
-                <a:srgbClr val="C00026"/>
-              </a:buClr>
-              <a:buSzPts val="2667"/>
-              <a:buFont typeface="Verdana"/>
-              <a:buNone/>
-            </a:pPr>
-            <a:r>
-              <a:rPr lang="en-BR"/>
-              <a:t>Revisão</a:t>
-            </a:r>
-            <a:endParaRPr/>
-          </a:p>
-        </p:txBody>
-      </p:sp>
-      <p:sp>
-        <p:nvSpPr>
-          <p:cNvPr id="422" name="Google Shape;422;p53"/>
-          <p:cNvSpPr txBox="1">
-            <a:spLocks noGrp="1"/>
-          </p:cNvSpPr>
-          <p:nvPr>
-            <p:ph type="body" idx="1"/>
-          </p:nvPr>
-        </p:nvSpPr>
-        <p:spPr>
-          <a:xfrm>
-            <a:off x="390548" y="838985"/>
-            <a:ext cx="8428232" cy="4496159"/>
-          </a:xfrm>
-          <a:prstGeom prst="rect">
-            <a:avLst/>
-          </a:prstGeom>
-          <a:noFill/>
-          <a:ln>
-            <a:noFill/>
-          </a:ln>
-        </p:spPr>
-        <p:txBody>
-          <a:bodyPr spcFirstLastPara="1" wrap="square" lIns="91425" tIns="45700" rIns="91425" bIns="45700" anchor="t" anchorCtr="0">
-            <a:normAutofit/>
-          </a:bodyPr>
-          <a:lstStyle/>
-          <a:p>
-            <a:pPr marL="342900" lvl="0" indent="-342900" algn="l" rtl="0">
-              <a:spcBef>
-                <a:spcPts val="480"/>
-              </a:spcBef>
-              <a:spcAft>
-                <a:spcPts val="0"/>
-              </a:spcAft>
-              <a:buClr>
-                <a:schemeClr val="dk1"/>
-              </a:buClr>
-              <a:buSzPts val="2400"/>
-              <a:buFont typeface="Arial"/>
-              <a:buChar char="•"/>
-            </a:pPr>
-            <a:r>
-              <a:rPr lang="en-BR" sz="2400"/>
-              <a:t>Iluminação</a:t>
-            </a:r>
-            <a:endParaRPr sz="2400"/>
-          </a:p>
-          <a:p>
-            <a:pPr marL="342900" lvl="0" indent="-342900" algn="l" rtl="0">
-              <a:spcBef>
-                <a:spcPts val="480"/>
-              </a:spcBef>
-              <a:spcAft>
-                <a:spcPts val="0"/>
-              </a:spcAft>
-              <a:buSzPts val="2400"/>
-              <a:buChar char="•"/>
-            </a:pPr>
-            <a:r>
-              <a:rPr lang="en-BR" sz="2400"/>
-              <a:t>Interpolação</a:t>
-            </a:r>
-            <a:endParaRPr sz="2400"/>
-          </a:p>
-          <a:p>
-            <a:pPr marL="0" lvl="0" indent="0" algn="l" rtl="0">
-              <a:spcBef>
-                <a:spcPts val="480"/>
-              </a:spcBef>
-              <a:spcAft>
-                <a:spcPts val="0"/>
-              </a:spcAft>
-              <a:buClr>
-                <a:schemeClr val="dk1"/>
-              </a:buClr>
-              <a:buSzPts val="2400"/>
-              <a:buFont typeface="Verdana"/>
-              <a:buNone/>
-            </a:pPr>
-            <a:endParaRPr sz="2400"/>
-          </a:p>
-        </p:txBody>
-      </p:sp>
-      <p:sp>
-        <p:nvSpPr>
-          <p:cNvPr id="423" name="Google Shape;423;p53"/>
-          <p:cNvSpPr txBox="1">
-            <a:spLocks noGrp="1"/>
-          </p:cNvSpPr>
-          <p:nvPr>
-            <p:ph type="sldNum" idx="12"/>
-          </p:nvPr>
-        </p:nvSpPr>
-        <p:spPr>
-          <a:xfrm>
-            <a:off x="0" y="5410729"/>
-            <a:ext cx="475013" cy="304271"/>
-          </a:xfrm>
-          <a:prstGeom prst="rect">
-            <a:avLst/>
-          </a:prstGeom>
-          <a:noFill/>
-          <a:ln>
-            <a:noFill/>
-          </a:ln>
-        </p:spPr>
-        <p:txBody>
-          <a:bodyPr spcFirstLastPara="1" wrap="square" lIns="91425" tIns="45700" rIns="91425" bIns="45700" anchor="ctr" anchorCtr="0">
-            <a:noAutofit/>
-          </a:bodyPr>
-          <a:lstStyle/>
-          <a:p>
-            <a:pPr marL="0" lvl="0" indent="0" algn="ctr" rtl="0">
-              <a:spcBef>
-                <a:spcPts val="0"/>
-              </a:spcBef>
-              <a:spcAft>
-                <a:spcPts val="0"/>
-              </a:spcAft>
-              <a:buNone/>
-            </a:pPr>
-            <a:fld id="{00000000-1234-1234-1234-123412341234}" type="slidenum">
-              <a:rPr lang="en-BR"/>
-              <a:t>2</a:t>
-            </a:fld>
-            <a:endParaRPr/>
-          </a:p>
-        </p:txBody>
-      </p:sp>
-    </p:spTree>
-  </p:cSld>
-  <p:clrMapOvr>
-    <a:masterClrMapping/>
-  </p:clrMapOvr>
-</p:sld>
-</file>
-
-<file path=ppt/slides/slide20.xml><?xml version="1.0" encoding="utf-8"?>
+<file path=ppt/slides/slide23.xml><?xml version="1.0" encoding="utf-8"?>
 <p:sld xmlns:a="http://schemas.openxmlformats.org/drawingml/2006/main" xmlns:r="http://schemas.openxmlformats.org/officeDocument/2006/relationships" xmlns:p="http://schemas.openxmlformats.org/presentationml/2006/main">
   <p:cSld>
     <p:spTree>
@@ -32237,12 +36101,159 @@
               <a:t> = light </a:t>
             </a:r>
             <a:r>
+              <a:rPr lang="en-US" sz="1200" i="1" noProof="0" dirty="0">
+                <a:highlight>
+                  <a:srgbClr val="FFFFFF"/>
+                </a:highlight>
+              </a:rPr>
+              <a:t>ambientIntensity</a:t>
+            </a:r>
+          </a:p>
+          <a:p>
+            <a:pPr marL="0" lvl="0" indent="0" algn="l" rtl="0">
+              <a:spcBef>
+                <a:spcPts val="1000"/>
+              </a:spcBef>
+              <a:spcAft>
+                <a:spcPts val="0"/>
+              </a:spcAft>
+              <a:buNone/>
+            </a:pPr>
+            <a:r>
+              <a:rPr lang="en-US" sz="1200" b="1" noProof="0" dirty="0" err="1">
+                <a:highlight>
+                  <a:srgbClr val="FFFFFF"/>
+                </a:highlight>
+              </a:rPr>
+              <a:t>O</a:t>
+            </a:r>
+            <a:r>
+              <a:rPr lang="en-US" sz="1800" b="1" baseline="-25000" noProof="0" dirty="0" err="1">
+                <a:highlight>
+                  <a:srgbClr val="FFFFFF"/>
+                </a:highlight>
+              </a:rPr>
+              <a:t>E</a:t>
+            </a:r>
+            <a:r>
+              <a:rPr lang="en-US" sz="1700" b="1" baseline="-25000" noProof="0" dirty="0" err="1">
+                <a:highlight>
+                  <a:srgbClr val="FFFFFF"/>
+                </a:highlight>
+              </a:rPr>
+              <a:t>rgb</a:t>
+            </a:r>
+            <a:r>
+              <a:rPr lang="en-US" sz="1200" noProof="0" dirty="0">
+                <a:highlight>
+                  <a:srgbClr val="FFFFFF"/>
+                </a:highlight>
+              </a:rPr>
+              <a:t> = material </a:t>
+            </a:r>
+            <a:r>
               <a:rPr lang="en-US" sz="1200" i="1" noProof="0" dirty="0" err="1">
                 <a:highlight>
                   <a:srgbClr val="FFFFFF"/>
                 </a:highlight>
               </a:rPr>
-              <a:t>ambientIntensity</a:t>
+              <a:t>emissiveColor</a:t>
+            </a:r>
+            <a:r>
+              <a:rPr lang="en-US" sz="1200" i="1" noProof="0" dirty="0">
+                <a:highlight>
+                  <a:srgbClr val="FFFFFF"/>
+                </a:highlight>
+              </a:rPr>
+              <a:t>        </a:t>
+            </a:r>
+            <a:r>
+              <a:rPr lang="en-US" sz="1200" b="1" noProof="0" dirty="0" err="1">
+                <a:highlight>
+                  <a:srgbClr val="FFFFFF"/>
+                </a:highlight>
+              </a:rPr>
+              <a:t>O</a:t>
+            </a:r>
+            <a:r>
+              <a:rPr lang="en-US" sz="1800" b="1" baseline="-25000" noProof="0" dirty="0" err="1">
+                <a:highlight>
+                  <a:srgbClr val="FFFFFF"/>
+                </a:highlight>
+              </a:rPr>
+              <a:t>D</a:t>
+            </a:r>
+            <a:r>
+              <a:rPr lang="en-US" sz="1700" b="1" baseline="-25000" noProof="0" dirty="0" err="1">
+                <a:highlight>
+                  <a:srgbClr val="FFFFFF"/>
+                </a:highlight>
+              </a:rPr>
+              <a:t>rgb</a:t>
+            </a:r>
+            <a:r>
+              <a:rPr lang="en-US" sz="1200" noProof="0" dirty="0">
+                <a:highlight>
+                  <a:srgbClr val="FFFFFF"/>
+                </a:highlight>
+              </a:rPr>
+              <a:t> = material diffuse </a:t>
+            </a:r>
+            <a:r>
+              <a:rPr lang="en-US" sz="1200" noProof="0" dirty="0" err="1">
+                <a:highlight>
+                  <a:srgbClr val="FFFFFF"/>
+                </a:highlight>
+              </a:rPr>
+              <a:t>colour</a:t>
+            </a:r>
+            <a:r>
+              <a:rPr lang="en-US" sz="1200" noProof="0" dirty="0">
+                <a:highlight>
+                  <a:srgbClr val="FFFFFF"/>
+                </a:highlight>
+              </a:rPr>
+              <a:t>       </a:t>
+            </a:r>
+            <a:r>
+              <a:rPr lang="en-US" sz="1200" b="1" noProof="0" dirty="0" err="1">
+                <a:highlight>
+                  <a:srgbClr val="FFFFFF"/>
+                </a:highlight>
+              </a:rPr>
+              <a:t>O</a:t>
+            </a:r>
+            <a:r>
+              <a:rPr lang="en-US" sz="1800" b="1" baseline="-25000" noProof="0" dirty="0" err="1">
+                <a:highlight>
+                  <a:srgbClr val="FFFFFF"/>
+                </a:highlight>
+              </a:rPr>
+              <a:t>S</a:t>
+            </a:r>
+            <a:r>
+              <a:rPr lang="en-US" sz="1700" b="1" baseline="-25000" noProof="0" dirty="0" err="1">
+                <a:highlight>
+                  <a:srgbClr val="FFFFFF"/>
+                </a:highlight>
+              </a:rPr>
+              <a:t>rgb</a:t>
+            </a:r>
+            <a:r>
+              <a:rPr lang="en-US" sz="1200" noProof="0" dirty="0">
+                <a:highlight>
+                  <a:srgbClr val="FFFFFF"/>
+                </a:highlight>
+              </a:rPr>
+              <a:t> = material </a:t>
+            </a:r>
+            <a:r>
+              <a:rPr lang="en-US" sz="1200" i="1" noProof="0" dirty="0" err="1">
+                <a:highlight>
+                  <a:srgbClr val="FFFFFF"/>
+                </a:highlight>
+              </a:rPr>
+              <a:t>specularColor</a:t>
             </a:r>
             <a:endParaRPr lang="en-US" sz="1200" i="1" noProof="0" dirty="0">
               <a:highlight>
@@ -32261,7 +36272,7 @@
               <a:buNone/>
             </a:pPr>
             <a:r>
-              <a:rPr lang="en-US" sz="1200" b="1" noProof="0" dirty="0" err="1">
+              <a:rPr lang="en-US" sz="1200" b="1" noProof="0" dirty="0">
                 <a:highlight>
                   <a:srgbClr val="FFFFFF"/>
                 </a:highlight>
@@ -32269,20 +36280,12 @@
               <a:t>O</a:t>
             </a:r>
             <a:r>
-              <a:rPr lang="en-US" sz="1800" b="1" baseline="-25000" noProof="0" dirty="0" err="1">
-                <a:highlight>
-                  <a:srgbClr val="FFFFFF"/>
-                </a:highlight>
-              </a:rPr>
-              <a:t>E</a:t>
-            </a:r>
-            <a:r>
-              <a:rPr lang="en-US" sz="1700" b="1" baseline="-25000" noProof="0" dirty="0" err="1">
-                <a:highlight>
-                  <a:srgbClr val="FFFFFF"/>
-                </a:highlight>
-              </a:rPr>
-              <a:t>rgb</a:t>
+              <a:rPr lang="en-US" sz="1800" b="1" baseline="-25000" noProof="0" dirty="0">
+                <a:highlight>
+                  <a:srgbClr val="FFFFFF"/>
+                </a:highlight>
+              </a:rPr>
+              <a:t>a</a:t>
             </a:r>
             <a:r>
               <a:rPr lang="en-US" sz="1200" noProof="0" dirty="0">
@@ -32293,162 +36296,13 @@
               <a:t> = material </a:t>
             </a:r>
             <a:r>
-              <a:rPr lang="en-US" sz="1200" i="1" noProof="0" dirty="0" err="1">
-                <a:highlight>
-                  <a:srgbClr val="FFFFFF"/>
-                </a:highlight>
-              </a:rPr>
-              <a:t>emissiveColor</a:t>
-            </a:r>
-            <a:r>
               <a:rPr lang="en-US" sz="1200" i="1" noProof="0" dirty="0">
                 <a:highlight>
                   <a:srgbClr val="FFFFFF"/>
                 </a:highlight>
               </a:rPr>
-              <a:t>        </a:t>
-            </a:r>
-            <a:r>
-              <a:rPr lang="en-US" sz="1200" b="1" noProof="0" dirty="0" err="1">
-                <a:highlight>
-                  <a:srgbClr val="FFFFFF"/>
-                </a:highlight>
-              </a:rPr>
-              <a:t>O</a:t>
-            </a:r>
-            <a:r>
-              <a:rPr lang="en-US" sz="1800" b="1" baseline="-25000" noProof="0" dirty="0" err="1">
-                <a:highlight>
-                  <a:srgbClr val="FFFFFF"/>
-                </a:highlight>
-              </a:rPr>
-              <a:t>D</a:t>
-            </a:r>
-            <a:r>
-              <a:rPr lang="en-US" sz="1700" b="1" baseline="-25000" noProof="0" dirty="0" err="1">
-                <a:highlight>
-                  <a:srgbClr val="FFFFFF"/>
-                </a:highlight>
-              </a:rPr>
-              <a:t>rgb</a:t>
-            </a:r>
-            <a:r>
-              <a:rPr lang="en-US" sz="1200" noProof="0" dirty="0">
-                <a:highlight>
-                  <a:srgbClr val="FFFFFF"/>
-                </a:highlight>
-              </a:rPr>
-              <a:t> = material diffuse </a:t>
-            </a:r>
-            <a:r>
-              <a:rPr lang="en-US" sz="1200" noProof="0" dirty="0" err="1">
-                <a:highlight>
-                  <a:srgbClr val="FFFFFF"/>
-                </a:highlight>
-              </a:rPr>
-              <a:t>colour</a:t>
-            </a:r>
-            <a:r>
-              <a:rPr lang="en-US" sz="1200" noProof="0" dirty="0">
-                <a:highlight>
-                  <a:srgbClr val="FFFFFF"/>
-                </a:highlight>
-              </a:rPr>
-              <a:t>       </a:t>
-            </a:r>
-            <a:r>
-              <a:rPr lang="en-US" sz="1200" b="1" noProof="0" dirty="0" err="1">
-                <a:highlight>
-                  <a:srgbClr val="FFFFFF"/>
-                </a:highlight>
-              </a:rPr>
-              <a:t>O</a:t>
-            </a:r>
-            <a:r>
-              <a:rPr lang="en-US" sz="1800" b="1" baseline="-25000" noProof="0" dirty="0" err="1">
-                <a:highlight>
-                  <a:srgbClr val="FFFFFF"/>
-                </a:highlight>
-              </a:rPr>
-              <a:t>S</a:t>
-            </a:r>
-            <a:r>
-              <a:rPr lang="en-US" sz="1700" b="1" baseline="-25000" noProof="0" dirty="0" err="1">
-                <a:highlight>
-                  <a:srgbClr val="FFFFFF"/>
-                </a:highlight>
-              </a:rPr>
-              <a:t>rgb</a:t>
-            </a:r>
-            <a:r>
-              <a:rPr lang="en-US" sz="1200" noProof="0" dirty="0">
-                <a:highlight>
-                  <a:srgbClr val="FFFFFF"/>
-                </a:highlight>
-              </a:rPr>
-              <a:t> = material </a:t>
-            </a:r>
-            <a:r>
-              <a:rPr lang="en-US" sz="1200" i="1" noProof="0" dirty="0" err="1">
-                <a:highlight>
-                  <a:srgbClr val="FFFFFF"/>
-                </a:highlight>
-              </a:rPr>
-              <a:t>specularColor</a:t>
-            </a:r>
-            <a:endParaRPr lang="en-US" sz="1200" i="1" noProof="0" dirty="0">
-              <a:highlight>
-                <a:srgbClr val="FFFFFF"/>
-              </a:highlight>
-            </a:endParaRPr>
-          </a:p>
-          <a:p>
-            <a:pPr marL="0" lvl="0" indent="0" algn="l" rtl="0">
-              <a:spcBef>
-                <a:spcPts val="1000"/>
-              </a:spcBef>
-              <a:spcAft>
-                <a:spcPts val="0"/>
-              </a:spcAft>
-              <a:buNone/>
-            </a:pPr>
-            <a:r>
-              <a:rPr lang="en-US" sz="1200" b="1" noProof="0" dirty="0">
-                <a:highlight>
-                  <a:srgbClr val="FFFFFF"/>
-                </a:highlight>
-              </a:rPr>
-              <a:t>O</a:t>
-            </a:r>
-            <a:r>
-              <a:rPr lang="en-US" sz="1800" b="1" baseline="-25000" noProof="0" dirty="0">
-                <a:highlight>
-                  <a:srgbClr val="FFFFFF"/>
-                </a:highlight>
-              </a:rPr>
-              <a:t>a</a:t>
-            </a:r>
-            <a:r>
-              <a:rPr lang="en-US" sz="1200" noProof="0" dirty="0">
-                <a:highlight>
-                  <a:srgbClr val="FFFFFF"/>
-                </a:highlight>
-              </a:rPr>
-              <a:t> = material </a:t>
-            </a:r>
-            <a:r>
-              <a:rPr lang="en-US" sz="1200" i="1" noProof="0" dirty="0" err="1">
-                <a:highlight>
-                  <a:srgbClr val="FFFFFF"/>
-                </a:highlight>
-              </a:rPr>
               <a:t>ambientIntensity</a:t>
             </a:r>
-            <a:endParaRPr lang="en-US" sz="1200" i="1" noProof="0" dirty="0">
-              <a:highlight>
-                <a:srgbClr val="FFFFFF"/>
-              </a:highlight>
-            </a:endParaRPr>
           </a:p>
           <a:p>
             <a:pPr marL="0" lvl="0" indent="0" algn="l" rtl="0">

--- a/content/aulas/16-revisao4/aula16_revisao4.pptx
+++ b/content/aulas/16-revisao4/aula16_revisao4.pptx
@@ -299,7 +299,7 @@
 <file path=ppt/revisionInfo.xml><?xml version="1.0" encoding="utf-8"?>
 <p1510:revInfo xmlns:a="http://schemas.openxmlformats.org/drawingml/2006/main" xmlns:r="http://schemas.openxmlformats.org/officeDocument/2006/relationships" xmlns:p1510="http://schemas.microsoft.com/office/powerpoint/2015/10/main">
   <p1510:revLst>
-    <p1510:client id="{50C113F7-B4F6-6D79-F11E-400ABCBF7B3F}" v="19" dt="2024-10-17T11:55:57.558"/>
+    <p1510:client id="{584C6F57-B53D-42C4-A1D6-33584154ECF3}" v="8" dt="2024-10-21T17:09:23.843"/>
   </p1510:revLst>
 </p1510:revInfo>
 </file>
@@ -333,6 +333,78 @@
             <pc:docMk/>
             <pc:sldMk cId="2257687813" sldId="349"/>
             <ac:picMk id="5" creationId="{759C056A-8F87-B779-9AB5-3DD3C04FBEB9}"/>
+          </ac:picMkLst>
+        </pc:picChg>
+      </pc:sldChg>
+    </pc:docChg>
+  </pc:docChgLst>
+  <pc:docChgLst>
+    <pc:chgData name="Luciano Pereira Soares" userId="16c53e34-c952-423e-8700-c0525d23304f" providerId="ADAL" clId="{584C6F57-B53D-42C4-A1D6-33584154ECF3}"/>
+    <pc:docChg chg="undo custSel modSld">
+      <pc:chgData name="Luciano Pereira Soares" userId="16c53e34-c952-423e-8700-c0525d23304f" providerId="ADAL" clId="{584C6F57-B53D-42C4-A1D6-33584154ECF3}" dt="2024-10-21T17:09:32.119" v="144" actId="14100"/>
+      <pc:docMkLst>
+        <pc:docMk/>
+      </pc:docMkLst>
+      <pc:sldChg chg="addSp delSp modSp mod">
+        <pc:chgData name="Luciano Pereira Soares" userId="16c53e34-c952-423e-8700-c0525d23304f" providerId="ADAL" clId="{584C6F57-B53D-42C4-A1D6-33584154ECF3}" dt="2024-10-21T17:09:32.119" v="144" actId="14100"/>
+        <pc:sldMkLst>
+          <pc:docMk/>
+          <pc:sldMk cId="2257687813" sldId="349"/>
+        </pc:sldMkLst>
+        <pc:spChg chg="add del">
+          <ac:chgData name="Luciano Pereira Soares" userId="16c53e34-c952-423e-8700-c0525d23304f" providerId="ADAL" clId="{584C6F57-B53D-42C4-A1D6-33584154ECF3}" dt="2024-10-21T17:02:03.630" v="6" actId="478"/>
+          <ac:spMkLst>
+            <pc:docMk/>
+            <pc:sldMk cId="2257687813" sldId="349"/>
+            <ac:spMk id="3" creationId="{7227EEBB-2E62-9BBD-341A-7357630D0D58}"/>
+          </ac:spMkLst>
+        </pc:spChg>
+        <pc:spChg chg="add mod">
+          <ac:chgData name="Luciano Pereira Soares" userId="16c53e34-c952-423e-8700-c0525d23304f" providerId="ADAL" clId="{584C6F57-B53D-42C4-A1D6-33584154ECF3}" dt="2024-10-21T17:09:23.843" v="142" actId="164"/>
+          <ac:spMkLst>
+            <pc:docMk/>
+            <pc:sldMk cId="2257687813" sldId="349"/>
+            <ac:spMk id="7" creationId="{CB1FA4BE-A1E3-DC57-9BA2-B914A333AB06}"/>
+          </ac:spMkLst>
+        </pc:spChg>
+        <pc:spChg chg="add mod">
+          <ac:chgData name="Luciano Pereira Soares" userId="16c53e34-c952-423e-8700-c0525d23304f" providerId="ADAL" clId="{584C6F57-B53D-42C4-A1D6-33584154ECF3}" dt="2024-10-21T17:09:23.843" v="142" actId="164"/>
+          <ac:spMkLst>
+            <pc:docMk/>
+            <pc:sldMk cId="2257687813" sldId="349"/>
+            <ac:spMk id="8" creationId="{CEEC181D-57D5-A8FF-5214-26A3569D99B4}"/>
+          </ac:spMkLst>
+        </pc:spChg>
+        <pc:spChg chg="add mod">
+          <ac:chgData name="Luciano Pereira Soares" userId="16c53e34-c952-423e-8700-c0525d23304f" providerId="ADAL" clId="{584C6F57-B53D-42C4-A1D6-33584154ECF3}" dt="2024-10-21T17:09:23.843" v="142" actId="164"/>
+          <ac:spMkLst>
+            <pc:docMk/>
+            <pc:sldMk cId="2257687813" sldId="349"/>
+            <ac:spMk id="9" creationId="{157DC936-11F3-2C13-2D28-D59F43C63250}"/>
+          </ac:spMkLst>
+        </pc:spChg>
+        <pc:grpChg chg="add mod">
+          <ac:chgData name="Luciano Pereira Soares" userId="16c53e34-c952-423e-8700-c0525d23304f" providerId="ADAL" clId="{584C6F57-B53D-42C4-A1D6-33584154ECF3}" dt="2024-10-21T17:09:32.119" v="144" actId="14100"/>
+          <ac:grpSpMkLst>
+            <pc:docMk/>
+            <pc:sldMk cId="2257687813" sldId="349"/>
+            <ac:grpSpMk id="10" creationId="{AC607F92-1463-C597-10D7-853239C48EC8}"/>
+          </ac:grpSpMkLst>
+        </pc:grpChg>
+        <pc:picChg chg="add del mod modCrop">
+          <ac:chgData name="Luciano Pereira Soares" userId="16c53e34-c952-423e-8700-c0525d23304f" providerId="ADAL" clId="{584C6F57-B53D-42C4-A1D6-33584154ECF3}" dt="2024-10-21T17:08:16.042" v="86" actId="478"/>
+          <ac:picMkLst>
+            <pc:docMk/>
+            <pc:sldMk cId="2257687813" sldId="349"/>
+            <ac:picMk id="6" creationId="{D465C6D9-33BC-1F9C-6A84-A3DC2E2C8F96}"/>
+          </ac:picMkLst>
+        </pc:picChg>
+        <pc:picChg chg="mod">
+          <ac:chgData name="Luciano Pereira Soares" userId="16c53e34-c952-423e-8700-c0525d23304f" providerId="ADAL" clId="{584C6F57-B53D-42C4-A1D6-33584154ECF3}" dt="2024-10-21T17:01:31.233" v="4" actId="1076"/>
+          <ac:picMkLst>
+            <pc:docMk/>
+            <pc:sldMk cId="2257687813" sldId="349"/>
+            <ac:picMk id="1026" creationId="{76B4473E-6C07-6CBE-9C5F-E7162AD09417}"/>
           </ac:picMkLst>
         </pc:picChg>
       </pc:sldChg>
@@ -24092,8 +24164,8 @@
         </p:blipFill>
         <p:spPr bwMode="auto">
           <a:xfrm>
-            <a:off x="0" y="1333500"/>
-            <a:ext cx="9144000" cy="3048000"/>
+            <a:off x="1018263" y="1002195"/>
+            <a:ext cx="7107473" cy="2369158"/>
           </a:xfrm>
           <a:prstGeom prst="rect">
             <a:avLst/>
@@ -24110,6 +24182,187 @@
           </a:extLst>
         </p:spPr>
       </p:pic>
+      <p:grpSp>
+        <p:nvGrpSpPr>
+          <p:cNvPr id="10" name="Group 9">
+            <a:extLst>
+              <a:ext uri="{FF2B5EF4-FFF2-40B4-BE49-F238E27FC236}">
+                <a16:creationId xmlns:a16="http://schemas.microsoft.com/office/drawing/2014/main" id="{AC607F92-1463-C597-10D7-853239C48EC8}"/>
+              </a:ext>
+            </a:extLst>
+          </p:cNvPr>
+          <p:cNvGrpSpPr/>
+          <p:nvPr/>
+        </p:nvGrpSpPr>
+        <p:grpSpPr>
+          <a:xfrm>
+            <a:off x="3545518" y="3667101"/>
+            <a:ext cx="1935487" cy="1589393"/>
+            <a:chOff x="3545518" y="3667101"/>
+            <a:chExt cx="1935487" cy="1589393"/>
+          </a:xfrm>
+        </p:grpSpPr>
+        <p:sp>
+          <p:nvSpPr>
+            <p:cNvPr id="7" name="Parallelogram 6">
+              <a:extLst>
+                <a:ext uri="{FF2B5EF4-FFF2-40B4-BE49-F238E27FC236}">
+                  <a16:creationId xmlns:a16="http://schemas.microsoft.com/office/drawing/2014/main" id="{CB1FA4BE-A1E3-DC57-9BA2-B914A333AB06}"/>
+                </a:ext>
+              </a:extLst>
+            </p:cNvPr>
+            <p:cNvSpPr/>
+            <p:nvPr/>
+          </p:nvSpPr>
+          <p:spPr>
+            <a:xfrm rot="19819600">
+              <a:off x="4155200" y="4223715"/>
+              <a:ext cx="1325805" cy="963176"/>
+            </a:xfrm>
+            <a:prstGeom prst="parallelogram">
+              <a:avLst>
+                <a:gd name="adj" fmla="val 56260"/>
+              </a:avLst>
+            </a:prstGeom>
+            <a:solidFill>
+              <a:srgbClr val="B55EDE"/>
+            </a:solidFill>
+            <a:ln>
+              <a:noFill/>
+            </a:ln>
+          </p:spPr>
+          <p:style>
+            <a:lnRef idx="2">
+              <a:schemeClr val="accent1">
+                <a:shade val="15000"/>
+              </a:schemeClr>
+            </a:lnRef>
+            <a:fillRef idx="1">
+              <a:schemeClr val="accent1"/>
+            </a:fillRef>
+            <a:effectRef idx="0">
+              <a:schemeClr val="accent1"/>
+            </a:effectRef>
+            <a:fontRef idx="minor">
+              <a:schemeClr val="lt1"/>
+            </a:fontRef>
+          </p:style>
+          <p:txBody>
+            <a:bodyPr rtlCol="0" anchor="ctr"/>
+            <a:lstStyle/>
+            <a:p>
+              <a:pPr algn="ctr"/>
+              <a:endParaRPr lang="pt-BR"/>
+            </a:p>
+          </p:txBody>
+        </p:sp>
+        <p:sp>
+          <p:nvSpPr>
+            <p:cNvPr id="8" name="Parallelogram 7">
+              <a:extLst>
+                <a:ext uri="{FF2B5EF4-FFF2-40B4-BE49-F238E27FC236}">
+                  <a16:creationId xmlns:a16="http://schemas.microsoft.com/office/drawing/2014/main" id="{CEEC181D-57D5-A8FF-5214-26A3569D99B4}"/>
+                </a:ext>
+              </a:extLst>
+            </p:cNvPr>
+            <p:cNvSpPr/>
+            <p:nvPr/>
+          </p:nvSpPr>
+          <p:spPr>
+            <a:xfrm rot="1371826" flipH="1">
+              <a:off x="3545518" y="4224317"/>
+              <a:ext cx="1209932" cy="1032177"/>
+            </a:xfrm>
+            <a:prstGeom prst="parallelogram">
+              <a:avLst>
+                <a:gd name="adj" fmla="val 42306"/>
+              </a:avLst>
+            </a:prstGeom>
+            <a:solidFill>
+              <a:srgbClr val="4760DE"/>
+            </a:solidFill>
+            <a:ln>
+              <a:noFill/>
+            </a:ln>
+          </p:spPr>
+          <p:style>
+            <a:lnRef idx="2">
+              <a:schemeClr val="accent1">
+                <a:shade val="15000"/>
+              </a:schemeClr>
+            </a:lnRef>
+            <a:fillRef idx="1">
+              <a:schemeClr val="accent1"/>
+            </a:fillRef>
+            <a:effectRef idx="0">
+              <a:schemeClr val="accent1"/>
+            </a:effectRef>
+            <a:fontRef idx="minor">
+              <a:schemeClr val="lt1"/>
+            </a:fontRef>
+          </p:style>
+          <p:txBody>
+            <a:bodyPr rtlCol="0" anchor="ctr"/>
+            <a:lstStyle/>
+            <a:p>
+              <a:pPr algn="ctr"/>
+              <a:endParaRPr lang="pt-BR"/>
+            </a:p>
+          </p:txBody>
+        </p:sp>
+        <p:sp>
+          <p:nvSpPr>
+            <p:cNvPr id="9" name="Diamond 8">
+              <a:extLst>
+                <a:ext uri="{FF2B5EF4-FFF2-40B4-BE49-F238E27FC236}">
+                  <a16:creationId xmlns:a16="http://schemas.microsoft.com/office/drawing/2014/main" id="{157DC936-11F3-2C13-2D28-D59F43C63250}"/>
+                </a:ext>
+              </a:extLst>
+            </p:cNvPr>
+            <p:cNvSpPr/>
+            <p:nvPr/>
+          </p:nvSpPr>
+          <p:spPr>
+            <a:xfrm rot="5226631">
+              <a:off x="4141052" y="3310471"/>
+              <a:ext cx="667313" cy="1380573"/>
+            </a:xfrm>
+            <a:prstGeom prst="diamond">
+              <a:avLst/>
+            </a:prstGeom>
+            <a:solidFill>
+              <a:srgbClr val="81C0DF"/>
+            </a:solidFill>
+            <a:ln>
+              <a:noFill/>
+            </a:ln>
+          </p:spPr>
+          <p:style>
+            <a:lnRef idx="2">
+              <a:schemeClr val="accent1">
+                <a:shade val="15000"/>
+              </a:schemeClr>
+            </a:lnRef>
+            <a:fillRef idx="1">
+              <a:schemeClr val="accent1"/>
+            </a:fillRef>
+            <a:effectRef idx="0">
+              <a:schemeClr val="accent1"/>
+            </a:effectRef>
+            <a:fontRef idx="minor">
+              <a:schemeClr val="lt1"/>
+            </a:fontRef>
+          </p:style>
+          <p:txBody>
+            <a:bodyPr rtlCol="0" anchor="ctr"/>
+            <a:lstStyle/>
+            <a:p>
+              <a:pPr algn="ctr"/>
+              <a:endParaRPr lang="pt-BR"/>
+            </a:p>
+          </p:txBody>
+        </p:sp>
+      </p:grpSp>
     </p:spTree>
     <p:extLst>
       <p:ext uri="{BB962C8B-B14F-4D97-AF65-F5344CB8AC3E}">

--- a/content/aulas/16-revisao4/aula16_revisao4.pptx
+++ b/content/aulas/16-revisao4/aula16_revisao4.pptx
@@ -299,7 +299,7 @@
 <file path=ppt/revisionInfo.xml><?xml version="1.0" encoding="utf-8"?>
 <p1510:revInfo xmlns:a="http://schemas.openxmlformats.org/drawingml/2006/main" xmlns:r="http://schemas.openxmlformats.org/officeDocument/2006/relationships" xmlns:p1510="http://schemas.microsoft.com/office/powerpoint/2015/10/main">
   <p1510:revLst>
-    <p1510:client id="{584C6F57-B53D-42C4-A1D6-33584154ECF3}" v="8" dt="2024-10-21T17:09:23.843"/>
+    <p1510:client id="{584C6F57-B53D-42C4-A1D6-33584154ECF3}" v="18" dt="2024-10-23T22:14:33.191"/>
   </p1510:revLst>
 </p1510:revInfo>
 </file>
@@ -341,12 +341,12 @@
   <pc:docChgLst>
     <pc:chgData name="Luciano Pereira Soares" userId="16c53e34-c952-423e-8700-c0525d23304f" providerId="ADAL" clId="{584C6F57-B53D-42C4-A1D6-33584154ECF3}"/>
     <pc:docChg chg="undo custSel modSld">
-      <pc:chgData name="Luciano Pereira Soares" userId="16c53e34-c952-423e-8700-c0525d23304f" providerId="ADAL" clId="{584C6F57-B53D-42C4-A1D6-33584154ECF3}" dt="2024-10-21T17:09:32.119" v="144" actId="14100"/>
+      <pc:chgData name="Luciano Pereira Soares" userId="16c53e34-c952-423e-8700-c0525d23304f" providerId="ADAL" clId="{584C6F57-B53D-42C4-A1D6-33584154ECF3}" dt="2024-10-23T22:14:33.190" v="164" actId="1076"/>
       <pc:docMkLst>
         <pc:docMk/>
       </pc:docMkLst>
       <pc:sldChg chg="addSp delSp modSp mod">
-        <pc:chgData name="Luciano Pereira Soares" userId="16c53e34-c952-423e-8700-c0525d23304f" providerId="ADAL" clId="{584C6F57-B53D-42C4-A1D6-33584154ECF3}" dt="2024-10-21T17:09:32.119" v="144" actId="14100"/>
+        <pc:chgData name="Luciano Pereira Soares" userId="16c53e34-c952-423e-8700-c0525d23304f" providerId="ADAL" clId="{584C6F57-B53D-42C4-A1D6-33584154ECF3}" dt="2024-10-23T22:14:33.190" v="164" actId="1076"/>
         <pc:sldMkLst>
           <pc:docMk/>
           <pc:sldMk cId="2257687813" sldId="349"/>
@@ -384,13 +384,29 @@
           </ac:spMkLst>
         </pc:spChg>
         <pc:grpChg chg="add mod">
-          <ac:chgData name="Luciano Pereira Soares" userId="16c53e34-c952-423e-8700-c0525d23304f" providerId="ADAL" clId="{584C6F57-B53D-42C4-A1D6-33584154ECF3}" dt="2024-10-21T17:09:32.119" v="144" actId="14100"/>
+          <ac:chgData name="Luciano Pereira Soares" userId="16c53e34-c952-423e-8700-c0525d23304f" providerId="ADAL" clId="{584C6F57-B53D-42C4-A1D6-33584154ECF3}" dt="2024-10-23T22:14:26.630" v="159" actId="1076"/>
           <ac:grpSpMkLst>
             <pc:docMk/>
             <pc:sldMk cId="2257687813" sldId="349"/>
             <ac:grpSpMk id="10" creationId="{AC607F92-1463-C597-10D7-853239C48EC8}"/>
           </ac:grpSpMkLst>
         </pc:grpChg>
+        <pc:picChg chg="add mod modCrop">
+          <ac:chgData name="Luciano Pereira Soares" userId="16c53e34-c952-423e-8700-c0525d23304f" providerId="ADAL" clId="{584C6F57-B53D-42C4-A1D6-33584154ECF3}" dt="2024-10-23T22:14:28.927" v="161" actId="1076"/>
+          <ac:picMkLst>
+            <pc:docMk/>
+            <pc:sldMk cId="2257687813" sldId="349"/>
+            <ac:picMk id="5" creationId="{7E25A13C-64B9-B22C-77E6-7C711D47D903}"/>
+          </ac:picMkLst>
+        </pc:picChg>
+        <pc:picChg chg="add mod">
+          <ac:chgData name="Luciano Pereira Soares" userId="16c53e34-c952-423e-8700-c0525d23304f" providerId="ADAL" clId="{584C6F57-B53D-42C4-A1D6-33584154ECF3}" dt="2024-10-23T22:14:33.190" v="164" actId="1076"/>
+          <ac:picMkLst>
+            <pc:docMk/>
+            <pc:sldMk cId="2257687813" sldId="349"/>
+            <ac:picMk id="6" creationId="{32F87A5D-E5E6-635B-37D8-D14A4D20E490}"/>
+          </ac:picMkLst>
+        </pc:picChg>
         <pc:picChg chg="add del mod modCrop">
           <ac:chgData name="Luciano Pereira Soares" userId="16c53e34-c952-423e-8700-c0525d23304f" providerId="ADAL" clId="{584C6F57-B53D-42C4-A1D6-33584154ECF3}" dt="2024-10-21T17:08:16.042" v="86" actId="478"/>
           <ac:picMkLst>
@@ -24196,7 +24212,7 @@
         </p:nvGrpSpPr>
         <p:grpSpPr>
           <a:xfrm>
-            <a:off x="3545518" y="3667101"/>
+            <a:off x="6479218" y="3395864"/>
             <a:ext cx="1935487" cy="1589393"/>
             <a:chOff x="3545518" y="3667101"/>
             <a:chExt cx="1935487" cy="1589393"/>
@@ -24363,6 +24379,80 @@
           </p:txBody>
         </p:sp>
       </p:grpSp>
+      <p:pic>
+        <p:nvPicPr>
+          <p:cNvPr id="5" name="Picture 4" descr="A colorful circle with black background&#10;&#10;Description automatically generated">
+            <a:extLst>
+              <a:ext uri="{FF2B5EF4-FFF2-40B4-BE49-F238E27FC236}">
+                <a16:creationId xmlns:a16="http://schemas.microsoft.com/office/drawing/2014/main" id="{7E25A13C-64B9-B22C-77E6-7C711D47D903}"/>
+              </a:ext>
+            </a:extLst>
+          </p:cNvPr>
+          <p:cNvPicPr>
+            <a:picLocks noChangeAspect="1"/>
+          </p:cNvPicPr>
+          <p:nvPr/>
+        </p:nvPicPr>
+        <p:blipFill>
+          <a:blip r:embed="rId3"/>
+          <a:srcRect l="20584" t="21781" r="20584" b="21781"/>
+          <a:stretch/>
+        </p:blipFill>
+        <p:spPr>
+          <a:xfrm>
+            <a:off x="4432319" y="3427257"/>
+            <a:ext cx="1746916" cy="1752506"/>
+          </a:xfrm>
+          <a:prstGeom prst="rect">
+            <a:avLst/>
+          </a:prstGeom>
+        </p:spPr>
+      </p:pic>
+      <p:pic>
+        <p:nvPicPr>
+          <p:cNvPr id="6" name="Picture 2" descr="geom-split-vertices - npm">
+            <a:extLst>
+              <a:ext uri="{FF2B5EF4-FFF2-40B4-BE49-F238E27FC236}">
+                <a16:creationId xmlns:a16="http://schemas.microsoft.com/office/drawing/2014/main" id="{32F87A5D-E5E6-635B-37D8-D14A4D20E490}"/>
+              </a:ext>
+            </a:extLst>
+          </p:cNvPr>
+          <p:cNvPicPr>
+            <a:picLocks noChangeAspect="1" noChangeArrowheads="1"/>
+          </p:cNvPicPr>
+          <p:nvPr/>
+        </p:nvPicPr>
+        <p:blipFill rotWithShape="1">
+          <a:blip r:embed="rId4">
+            <a:extLst>
+              <a:ext uri="{28A0092B-C50C-407E-A947-70E740481C1C}">
+                <a14:useLocalDpi xmlns:a14="http://schemas.microsoft.com/office/drawing/2010/main" val="0"/>
+              </a:ext>
+            </a:extLst>
+          </a:blip>
+          <a:srcRect l="8531" t="15988" r="8531" b="15988"/>
+          <a:stretch/>
+        </p:blipFill>
+        <p:spPr bwMode="auto">
+          <a:xfrm>
+            <a:off x="429532" y="3527362"/>
+            <a:ext cx="3844941" cy="1773878"/>
+          </a:xfrm>
+          <a:prstGeom prst="rect">
+            <a:avLst/>
+          </a:prstGeom>
+          <a:noFill/>
+          <a:extLst>
+            <a:ext uri="{909E8E84-426E-40DD-AFC4-6F175D3DCCD1}">
+              <a14:hiddenFill xmlns:a14="http://schemas.microsoft.com/office/drawing/2010/main">
+                <a:solidFill>
+                  <a:srgbClr val="FFFFFF"/>
+                </a:solidFill>
+              </a14:hiddenFill>
+            </a:ext>
+          </a:extLst>
+        </p:spPr>
+      </p:pic>
     </p:spTree>
     <p:extLst>
       <p:ext uri="{BB962C8B-B14F-4D97-AF65-F5344CB8AC3E}">
